--- a/rough-diag.pptx
+++ b/rough-diag.pptx
@@ -9,6 +9,10 @@
     <p:sldId id="257" r:id="rId3"/>
     <p:sldId id="258" r:id="rId4"/>
     <p:sldId id="259" r:id="rId5"/>
+    <p:sldId id="260" r:id="rId6"/>
+    <p:sldId id="261" r:id="rId7"/>
+    <p:sldId id="262" r:id="rId8"/>
+    <p:sldId id="263" r:id="rId9"/>
   </p:sldIdLst>
   <p:sldSz cx="12192000" cy="6858000"/>
   <p:notesSz cx="6858000" cy="9144000"/>
@@ -5191,7 +5195,7 @@
         <p:spPr>
           <a:xfrm>
             <a:off x="8435628" y="3318275"/>
-            <a:ext cx="1671048" cy="2028410"/>
+            <a:ext cx="1671047" cy="2028410"/>
           </a:xfrm>
           <a:prstGeom prst="ellipse">
             <a:avLst/>
@@ -5639,6 +5643,7 @@
             </a:extLst>
           </p:cNvPr>
           <p:cNvCxnSpPr>
+            <a:cxnSpLocks/>
             <a:stCxn id="23" idx="6"/>
             <a:endCxn id="24" idx="2"/>
           </p:cNvCxnSpPr>
@@ -7693,6 +7698,3144 @@
     <p:extLst>
       <p:ext uri="{BB962C8B-B14F-4D97-AF65-F5344CB8AC3E}">
         <p14:creationId xmlns:p14="http://schemas.microsoft.com/office/powerpoint/2010/main" val="1248865257"/>
+      </p:ext>
+    </p:extLst>
+  </p:cSld>
+  <p:clrMapOvr>
+    <a:masterClrMapping/>
+  </p:clrMapOvr>
+</p:sld>
+</file>
+
+<file path=ppt/slides/slide5.xml><?xml version="1.0" encoding="utf-8"?>
+<p:sld xmlns:a="http://schemas.openxmlformats.org/drawingml/2006/main" xmlns:r="http://schemas.openxmlformats.org/officeDocument/2006/relationships" xmlns:p="http://schemas.openxmlformats.org/presentationml/2006/main">
+  <p:cSld>
+    <p:spTree>
+      <p:nvGrpSpPr>
+        <p:cNvPr id="1" name=""/>
+        <p:cNvGrpSpPr/>
+        <p:nvPr/>
+      </p:nvGrpSpPr>
+      <p:grpSpPr>
+        <a:xfrm>
+          <a:off x="0" y="0"/>
+          <a:ext cx="0" cy="0"/>
+          <a:chOff x="0" y="0"/>
+          <a:chExt cx="0" cy="0"/>
+        </a:xfrm>
+      </p:grpSpPr>
+      <p:sp>
+        <p:nvSpPr>
+          <p:cNvPr id="2" name="Rectangle 1">
+            <a:extLst>
+              <a:ext uri="{FF2B5EF4-FFF2-40B4-BE49-F238E27FC236}">
+                <a16:creationId xmlns:a16="http://schemas.microsoft.com/office/drawing/2014/main" id="{A961E1A3-8FF6-46CE-A5E7-00289A2E48DB}"/>
+              </a:ext>
+            </a:extLst>
+          </p:cNvPr>
+          <p:cNvSpPr/>
+          <p:nvPr/>
+        </p:nvSpPr>
+        <p:spPr>
+          <a:xfrm>
+            <a:off x="3638025" y="6191075"/>
+            <a:ext cx="4915949" cy="469784"/>
+          </a:xfrm>
+          <a:prstGeom prst="rect">
+            <a:avLst/>
+          </a:prstGeom>
+        </p:spPr>
+        <p:style>
+          <a:lnRef idx="2">
+            <a:schemeClr val="accent1">
+              <a:shade val="50000"/>
+            </a:schemeClr>
+          </a:lnRef>
+          <a:fillRef idx="1">
+            <a:schemeClr val="accent1"/>
+          </a:fillRef>
+          <a:effectRef idx="0">
+            <a:schemeClr val="accent1"/>
+          </a:effectRef>
+          <a:fontRef idx="minor">
+            <a:schemeClr val="lt1"/>
+          </a:fontRef>
+        </p:style>
+        <p:txBody>
+          <a:bodyPr rtlCol="0" anchor="ctr"/>
+          <a:lstStyle/>
+          <a:p>
+            <a:pPr algn="ctr"/>
+            <a:r>
+              <a:rPr lang="en-US" dirty="0"/>
+              <a:t>Layer1~70MB </a:t>
+            </a:r>
+          </a:p>
+        </p:txBody>
+      </p:sp>
+      <p:sp>
+        <p:nvSpPr>
+          <p:cNvPr id="3" name="Left Brace 2">
+            <a:extLst>
+              <a:ext uri="{FF2B5EF4-FFF2-40B4-BE49-F238E27FC236}">
+                <a16:creationId xmlns:a16="http://schemas.microsoft.com/office/drawing/2014/main" id="{3A467DBE-8233-4DEE-B08B-07BD6EA8EFBF}"/>
+              </a:ext>
+            </a:extLst>
+          </p:cNvPr>
+          <p:cNvSpPr/>
+          <p:nvPr/>
+        </p:nvSpPr>
+        <p:spPr>
+          <a:xfrm>
+            <a:off x="3389152" y="6123963"/>
+            <a:ext cx="117446" cy="595619"/>
+          </a:xfrm>
+          <a:prstGeom prst="leftBrace">
+            <a:avLst/>
+          </a:prstGeom>
+        </p:spPr>
+        <p:style>
+          <a:lnRef idx="1">
+            <a:schemeClr val="accent1"/>
+          </a:lnRef>
+          <a:fillRef idx="0">
+            <a:schemeClr val="accent1"/>
+          </a:fillRef>
+          <a:effectRef idx="0">
+            <a:schemeClr val="accent1"/>
+          </a:effectRef>
+          <a:fontRef idx="minor">
+            <a:schemeClr val="tx1"/>
+          </a:fontRef>
+        </p:style>
+        <p:txBody>
+          <a:bodyPr rtlCol="0" anchor="ctr"/>
+          <a:lstStyle/>
+          <a:p>
+            <a:pPr algn="ctr"/>
+            <a:endParaRPr lang="en-US"/>
+          </a:p>
+        </p:txBody>
+      </p:sp>
+      <p:sp>
+        <p:nvSpPr>
+          <p:cNvPr id="4" name="TextBox 3">
+            <a:extLst>
+              <a:ext uri="{FF2B5EF4-FFF2-40B4-BE49-F238E27FC236}">
+                <a16:creationId xmlns:a16="http://schemas.microsoft.com/office/drawing/2014/main" id="{743C3721-B5CE-44E4-8049-266C4D740A91}"/>
+              </a:ext>
+            </a:extLst>
+          </p:cNvPr>
+          <p:cNvSpPr txBox="1"/>
+          <p:nvPr/>
+        </p:nvSpPr>
+        <p:spPr>
+          <a:xfrm>
+            <a:off x="2597790" y="6237106"/>
+            <a:ext cx="1040235" cy="369332"/>
+          </a:xfrm>
+          <a:prstGeom prst="rect">
+            <a:avLst/>
+          </a:prstGeom>
+          <a:noFill/>
+        </p:spPr>
+        <p:txBody>
+          <a:bodyPr wrap="square" rtlCol="0">
+            <a:spAutoFit/>
+          </a:bodyPr>
+          <a:lstStyle/>
+          <a:p>
+            <a:r>
+              <a:rPr lang="en-US" dirty="0" err="1"/>
+              <a:t>debian</a:t>
+            </a:r>
+            <a:endParaRPr lang="en-US" dirty="0"/>
+          </a:p>
+        </p:txBody>
+      </p:sp>
+      <p:sp>
+        <p:nvSpPr>
+          <p:cNvPr id="5" name="Rectangle 4">
+            <a:extLst>
+              <a:ext uri="{FF2B5EF4-FFF2-40B4-BE49-F238E27FC236}">
+                <a16:creationId xmlns:a16="http://schemas.microsoft.com/office/drawing/2014/main" id="{A2B13BB5-8A95-40C0-937E-9007EE90D3DD}"/>
+              </a:ext>
+            </a:extLst>
+          </p:cNvPr>
+          <p:cNvSpPr/>
+          <p:nvPr/>
+        </p:nvSpPr>
+        <p:spPr>
+          <a:xfrm>
+            <a:off x="3638025" y="5645791"/>
+            <a:ext cx="4915949" cy="432140"/>
+          </a:xfrm>
+          <a:prstGeom prst="rect">
+            <a:avLst/>
+          </a:prstGeom>
+        </p:spPr>
+        <p:style>
+          <a:lnRef idx="2">
+            <a:schemeClr val="accent1">
+              <a:shade val="50000"/>
+            </a:schemeClr>
+          </a:lnRef>
+          <a:fillRef idx="1">
+            <a:schemeClr val="accent1"/>
+          </a:fillRef>
+          <a:effectRef idx="0">
+            <a:schemeClr val="accent1"/>
+          </a:effectRef>
+          <a:fontRef idx="minor">
+            <a:schemeClr val="lt1"/>
+          </a:fontRef>
+        </p:style>
+        <p:txBody>
+          <a:bodyPr rtlCol="0" anchor="ctr"/>
+          <a:lstStyle/>
+          <a:p>
+            <a:pPr algn="ctr"/>
+            <a:r>
+              <a:rPr lang="en-US" dirty="0"/>
+              <a:t>Layer2 ~57MB (installed </a:t>
+            </a:r>
+            <a:r>
+              <a:rPr lang="en-US" dirty="0" err="1"/>
+              <a:t>nginx</a:t>
+            </a:r>
+            <a:r>
+              <a:rPr lang="en-US" dirty="0"/>
+              <a:t>)</a:t>
+            </a:r>
+          </a:p>
+        </p:txBody>
+      </p:sp>
+      <p:sp>
+        <p:nvSpPr>
+          <p:cNvPr id="6" name="Rectangle 5">
+            <a:extLst>
+              <a:ext uri="{FF2B5EF4-FFF2-40B4-BE49-F238E27FC236}">
+                <a16:creationId xmlns:a16="http://schemas.microsoft.com/office/drawing/2014/main" id="{FAF38617-DEB4-4BFA-964F-328B68EE1F62}"/>
+              </a:ext>
+            </a:extLst>
+          </p:cNvPr>
+          <p:cNvSpPr/>
+          <p:nvPr/>
+        </p:nvSpPr>
+        <p:spPr>
+          <a:xfrm>
+            <a:off x="3638025" y="5125673"/>
+            <a:ext cx="4915949" cy="406974"/>
+          </a:xfrm>
+          <a:prstGeom prst="rect">
+            <a:avLst/>
+          </a:prstGeom>
+        </p:spPr>
+        <p:style>
+          <a:lnRef idx="2">
+            <a:schemeClr val="accent1">
+              <a:shade val="50000"/>
+            </a:schemeClr>
+          </a:lnRef>
+          <a:fillRef idx="1">
+            <a:schemeClr val="accent1"/>
+          </a:fillRef>
+          <a:effectRef idx="0">
+            <a:schemeClr val="accent1"/>
+          </a:effectRef>
+          <a:fontRef idx="minor">
+            <a:schemeClr val="lt1"/>
+          </a:fontRef>
+        </p:style>
+        <p:txBody>
+          <a:bodyPr rtlCol="0" anchor="ctr"/>
+          <a:lstStyle/>
+          <a:p>
+            <a:pPr algn="ctr"/>
+            <a:r>
+              <a:rPr lang="en-US" dirty="0"/>
+              <a:t>Layer3 ~22B (soft link)</a:t>
+            </a:r>
+          </a:p>
+        </p:txBody>
+      </p:sp>
+      <p:sp>
+        <p:nvSpPr>
+          <p:cNvPr id="7" name="Right Brace 6">
+            <a:extLst>
+              <a:ext uri="{FF2B5EF4-FFF2-40B4-BE49-F238E27FC236}">
+                <a16:creationId xmlns:a16="http://schemas.microsoft.com/office/drawing/2014/main" id="{FA0E5404-1C82-4822-9BD8-5ED45C851D7C}"/>
+              </a:ext>
+            </a:extLst>
+          </p:cNvPr>
+          <p:cNvSpPr/>
+          <p:nvPr/>
+        </p:nvSpPr>
+        <p:spPr>
+          <a:xfrm>
+            <a:off x="8615494" y="4999839"/>
+            <a:ext cx="117446" cy="1719743"/>
+          </a:xfrm>
+          <a:prstGeom prst="rightBrace">
+            <a:avLst/>
+          </a:prstGeom>
+        </p:spPr>
+        <p:style>
+          <a:lnRef idx="1">
+            <a:schemeClr val="accent1"/>
+          </a:lnRef>
+          <a:fillRef idx="0">
+            <a:schemeClr val="accent1"/>
+          </a:fillRef>
+          <a:effectRef idx="0">
+            <a:schemeClr val="accent1"/>
+          </a:effectRef>
+          <a:fontRef idx="minor">
+            <a:schemeClr val="tx1"/>
+          </a:fontRef>
+        </p:style>
+        <p:txBody>
+          <a:bodyPr rtlCol="0" anchor="ctr"/>
+          <a:lstStyle/>
+          <a:p>
+            <a:pPr algn="ctr"/>
+            <a:endParaRPr lang="en-US"/>
+          </a:p>
+        </p:txBody>
+      </p:sp>
+      <p:sp>
+        <p:nvSpPr>
+          <p:cNvPr id="8" name="TextBox 7">
+            <a:extLst>
+              <a:ext uri="{FF2B5EF4-FFF2-40B4-BE49-F238E27FC236}">
+                <a16:creationId xmlns:a16="http://schemas.microsoft.com/office/drawing/2014/main" id="{51080B01-B412-4421-8D63-49CC168D44AE}"/>
+              </a:ext>
+            </a:extLst>
+          </p:cNvPr>
+          <p:cNvSpPr txBox="1"/>
+          <p:nvPr/>
+        </p:nvSpPr>
+        <p:spPr>
+          <a:xfrm>
+            <a:off x="8732940" y="5645791"/>
+            <a:ext cx="1040235" cy="369332"/>
+          </a:xfrm>
+          <a:prstGeom prst="rect">
+            <a:avLst/>
+          </a:prstGeom>
+          <a:noFill/>
+        </p:spPr>
+        <p:txBody>
+          <a:bodyPr wrap="square" rtlCol="0">
+            <a:spAutoFit/>
+          </a:bodyPr>
+          <a:lstStyle/>
+          <a:p>
+            <a:r>
+              <a:rPr lang="en-US" dirty="0" err="1"/>
+              <a:t>nginx</a:t>
+            </a:r>
+            <a:endParaRPr lang="en-US" dirty="0"/>
+          </a:p>
+        </p:txBody>
+      </p:sp>
+      <p:cxnSp>
+        <p:nvCxnSpPr>
+          <p:cNvPr id="10" name="Straight Arrow Connector 9">
+            <a:extLst>
+              <a:ext uri="{FF2B5EF4-FFF2-40B4-BE49-F238E27FC236}">
+                <a16:creationId xmlns:a16="http://schemas.microsoft.com/office/drawing/2014/main" id="{7E541C56-0A64-49E1-8B8A-7967D56546C5}"/>
+              </a:ext>
+            </a:extLst>
+          </p:cNvPr>
+          <p:cNvCxnSpPr>
+            <a:stCxn id="6" idx="2"/>
+            <a:endCxn id="5" idx="0"/>
+          </p:cNvCxnSpPr>
+          <p:nvPr/>
+        </p:nvCxnSpPr>
+        <p:spPr>
+          <a:xfrm>
+            <a:off x="6096000" y="5532647"/>
+            <a:ext cx="0" cy="113144"/>
+          </a:xfrm>
+          <a:prstGeom prst="straightConnector1">
+            <a:avLst/>
+          </a:prstGeom>
+          <a:ln>
+            <a:tailEnd type="triangle"/>
+          </a:ln>
+        </p:spPr>
+        <p:style>
+          <a:lnRef idx="1">
+            <a:schemeClr val="accent1"/>
+          </a:lnRef>
+          <a:fillRef idx="0">
+            <a:schemeClr val="accent1"/>
+          </a:fillRef>
+          <a:effectRef idx="0">
+            <a:schemeClr val="accent1"/>
+          </a:effectRef>
+          <a:fontRef idx="minor">
+            <a:schemeClr val="tx1"/>
+          </a:fontRef>
+        </p:style>
+      </p:cxnSp>
+      <p:cxnSp>
+        <p:nvCxnSpPr>
+          <p:cNvPr id="12" name="Straight Arrow Connector 11">
+            <a:extLst>
+              <a:ext uri="{FF2B5EF4-FFF2-40B4-BE49-F238E27FC236}">
+                <a16:creationId xmlns:a16="http://schemas.microsoft.com/office/drawing/2014/main" id="{303CF4FF-C8AA-4EE4-8D33-CA2CE9DCCFB2}"/>
+              </a:ext>
+            </a:extLst>
+          </p:cNvPr>
+          <p:cNvCxnSpPr>
+            <a:stCxn id="5" idx="2"/>
+            <a:endCxn id="2" idx="0"/>
+          </p:cNvCxnSpPr>
+          <p:nvPr/>
+        </p:nvCxnSpPr>
+        <p:spPr>
+          <a:xfrm>
+            <a:off x="6096000" y="6077931"/>
+            <a:ext cx="0" cy="113144"/>
+          </a:xfrm>
+          <a:prstGeom prst="straightConnector1">
+            <a:avLst/>
+          </a:prstGeom>
+          <a:ln>
+            <a:tailEnd type="triangle"/>
+          </a:ln>
+        </p:spPr>
+        <p:style>
+          <a:lnRef idx="1">
+            <a:schemeClr val="accent1"/>
+          </a:lnRef>
+          <a:fillRef idx="0">
+            <a:schemeClr val="accent1"/>
+          </a:fillRef>
+          <a:effectRef idx="0">
+            <a:schemeClr val="accent1"/>
+          </a:effectRef>
+          <a:fontRef idx="minor">
+            <a:schemeClr val="tx1"/>
+          </a:fontRef>
+        </p:style>
+      </p:cxnSp>
+      <p:cxnSp>
+        <p:nvCxnSpPr>
+          <p:cNvPr id="14" name="Straight Arrow Connector 13">
+            <a:extLst>
+              <a:ext uri="{FF2B5EF4-FFF2-40B4-BE49-F238E27FC236}">
+                <a16:creationId xmlns:a16="http://schemas.microsoft.com/office/drawing/2014/main" id="{B6D8A589-4351-4E7C-AC18-C5F283F399FB}"/>
+              </a:ext>
+            </a:extLst>
+          </p:cNvPr>
+          <p:cNvCxnSpPr/>
+          <p:nvPr/>
+        </p:nvCxnSpPr>
+        <p:spPr>
+          <a:xfrm>
+            <a:off x="3003259" y="4857226"/>
+            <a:ext cx="634766" cy="268447"/>
+          </a:xfrm>
+          <a:prstGeom prst="straightConnector1">
+            <a:avLst/>
+          </a:prstGeom>
+          <a:ln>
+            <a:tailEnd type="triangle"/>
+          </a:ln>
+        </p:spPr>
+        <p:style>
+          <a:lnRef idx="1">
+            <a:schemeClr val="accent1"/>
+          </a:lnRef>
+          <a:fillRef idx="0">
+            <a:schemeClr val="accent1"/>
+          </a:fillRef>
+          <a:effectRef idx="0">
+            <a:schemeClr val="accent1"/>
+          </a:effectRef>
+          <a:fontRef idx="minor">
+            <a:schemeClr val="tx1"/>
+          </a:fontRef>
+        </p:style>
+      </p:cxnSp>
+      <p:sp>
+        <p:nvSpPr>
+          <p:cNvPr id="15" name="TextBox 14">
+            <a:extLst>
+              <a:ext uri="{FF2B5EF4-FFF2-40B4-BE49-F238E27FC236}">
+                <a16:creationId xmlns:a16="http://schemas.microsoft.com/office/drawing/2014/main" id="{E7F5236E-B4E1-4F11-9BAD-B444E70E1495}"/>
+              </a:ext>
+            </a:extLst>
+          </p:cNvPr>
+          <p:cNvSpPr txBox="1"/>
+          <p:nvPr/>
+        </p:nvSpPr>
+        <p:spPr>
+          <a:xfrm>
+            <a:off x="1507366" y="4614812"/>
+            <a:ext cx="1619076" cy="369332"/>
+          </a:xfrm>
+          <a:prstGeom prst="rect">
+            <a:avLst/>
+          </a:prstGeom>
+          <a:noFill/>
+        </p:spPr>
+        <p:txBody>
+          <a:bodyPr wrap="square" rtlCol="0">
+            <a:spAutoFit/>
+          </a:bodyPr>
+          <a:lstStyle/>
+          <a:p>
+            <a:r>
+              <a:rPr lang="en-US" dirty="0"/>
+              <a:t>ab56bba91343</a:t>
+            </a:r>
+          </a:p>
+        </p:txBody>
+      </p:sp>
+      <p:sp>
+        <p:nvSpPr>
+          <p:cNvPr id="16" name="TextBox 15">
+            <a:extLst>
+              <a:ext uri="{FF2B5EF4-FFF2-40B4-BE49-F238E27FC236}">
+                <a16:creationId xmlns:a16="http://schemas.microsoft.com/office/drawing/2014/main" id="{A95510AB-7E93-4EE7-96E7-05655FAC813F}"/>
+              </a:ext>
+            </a:extLst>
+          </p:cNvPr>
+          <p:cNvSpPr txBox="1"/>
+          <p:nvPr/>
+        </p:nvSpPr>
+        <p:spPr>
+          <a:xfrm>
+            <a:off x="829257" y="4245480"/>
+            <a:ext cx="795555" cy="369332"/>
+          </a:xfrm>
+          <a:prstGeom prst="rect">
+            <a:avLst/>
+          </a:prstGeom>
+          <a:noFill/>
+        </p:spPr>
+        <p:txBody>
+          <a:bodyPr wrap="square" rtlCol="0">
+            <a:spAutoFit/>
+          </a:bodyPr>
+          <a:lstStyle/>
+          <a:p>
+            <a:r>
+              <a:rPr lang="en-US" dirty="0" err="1"/>
+              <a:t>nginx</a:t>
+            </a:r>
+            <a:endParaRPr lang="en-US" dirty="0"/>
+          </a:p>
+        </p:txBody>
+      </p:sp>
+      <p:cxnSp>
+        <p:nvCxnSpPr>
+          <p:cNvPr id="18" name="Straight Arrow Connector 17">
+            <a:extLst>
+              <a:ext uri="{FF2B5EF4-FFF2-40B4-BE49-F238E27FC236}">
+                <a16:creationId xmlns:a16="http://schemas.microsoft.com/office/drawing/2014/main" id="{87A012E2-44CC-4C61-91BD-F5CD795E3B32}"/>
+              </a:ext>
+            </a:extLst>
+          </p:cNvPr>
+          <p:cNvCxnSpPr>
+            <a:cxnSpLocks/>
+            <a:stCxn id="16" idx="3"/>
+            <a:endCxn id="15" idx="0"/>
+          </p:cNvCxnSpPr>
+          <p:nvPr/>
+        </p:nvCxnSpPr>
+        <p:spPr>
+          <a:xfrm>
+            <a:off x="1624812" y="4430146"/>
+            <a:ext cx="692092" cy="184666"/>
+          </a:xfrm>
+          <a:prstGeom prst="straightConnector1">
+            <a:avLst/>
+          </a:prstGeom>
+          <a:ln>
+            <a:tailEnd type="triangle"/>
+          </a:ln>
+        </p:spPr>
+        <p:style>
+          <a:lnRef idx="1">
+            <a:schemeClr val="accent1"/>
+          </a:lnRef>
+          <a:fillRef idx="0">
+            <a:schemeClr val="accent1"/>
+          </a:fillRef>
+          <a:effectRef idx="0">
+            <a:schemeClr val="accent1"/>
+          </a:effectRef>
+          <a:fontRef idx="minor">
+            <a:schemeClr val="tx1"/>
+          </a:fontRef>
+        </p:style>
+      </p:cxnSp>
+      <p:sp>
+        <p:nvSpPr>
+          <p:cNvPr id="22" name="Rectangle 21">
+            <a:extLst>
+              <a:ext uri="{FF2B5EF4-FFF2-40B4-BE49-F238E27FC236}">
+                <a16:creationId xmlns:a16="http://schemas.microsoft.com/office/drawing/2014/main" id="{11754E95-8D99-487D-9717-E7C267198807}"/>
+              </a:ext>
+            </a:extLst>
+          </p:cNvPr>
+          <p:cNvSpPr/>
+          <p:nvPr/>
+        </p:nvSpPr>
+        <p:spPr>
+          <a:xfrm>
+            <a:off x="5905850" y="4608140"/>
+            <a:ext cx="2648124" cy="415362"/>
+          </a:xfrm>
+          <a:prstGeom prst="rect">
+            <a:avLst/>
+          </a:prstGeom>
+        </p:spPr>
+        <p:style>
+          <a:lnRef idx="2">
+            <a:schemeClr val="accent1">
+              <a:shade val="50000"/>
+            </a:schemeClr>
+          </a:lnRef>
+          <a:fillRef idx="1">
+            <a:schemeClr val="accent1"/>
+          </a:fillRef>
+          <a:effectRef idx="0">
+            <a:schemeClr val="accent1"/>
+          </a:effectRef>
+          <a:fontRef idx="minor">
+            <a:schemeClr val="lt1"/>
+          </a:fontRef>
+        </p:style>
+        <p:txBody>
+          <a:bodyPr rtlCol="0" anchor="ctr"/>
+          <a:lstStyle/>
+          <a:p>
+            <a:pPr algn="ctr"/>
+            <a:r>
+              <a:rPr lang="en-US" dirty="0"/>
+              <a:t>Layer4 ~19MB</a:t>
+            </a:r>
+          </a:p>
+        </p:txBody>
+      </p:sp>
+      <p:sp>
+        <p:nvSpPr>
+          <p:cNvPr id="25" name="TextBox 24">
+            <a:extLst>
+              <a:ext uri="{FF2B5EF4-FFF2-40B4-BE49-F238E27FC236}">
+                <a16:creationId xmlns:a16="http://schemas.microsoft.com/office/drawing/2014/main" id="{9D44049D-E204-4A4C-A333-DF8EAB27ADF1}"/>
+              </a:ext>
+            </a:extLst>
+          </p:cNvPr>
+          <p:cNvSpPr txBox="1"/>
+          <p:nvPr/>
+        </p:nvSpPr>
+        <p:spPr>
+          <a:xfrm>
+            <a:off x="6295936" y="3839790"/>
+            <a:ext cx="1619076" cy="369332"/>
+          </a:xfrm>
+          <a:prstGeom prst="rect">
+            <a:avLst/>
+          </a:prstGeom>
+          <a:noFill/>
+        </p:spPr>
+        <p:txBody>
+          <a:bodyPr wrap="square" rtlCol="0">
+            <a:spAutoFit/>
+          </a:bodyPr>
+          <a:lstStyle/>
+          <a:p>
+            <a:r>
+              <a:rPr lang="en-US" dirty="0"/>
+              <a:t>38e22b985a5f</a:t>
+            </a:r>
+          </a:p>
+        </p:txBody>
+      </p:sp>
+      <p:cxnSp>
+        <p:nvCxnSpPr>
+          <p:cNvPr id="27" name="Straight Arrow Connector 26">
+            <a:extLst>
+              <a:ext uri="{FF2B5EF4-FFF2-40B4-BE49-F238E27FC236}">
+                <a16:creationId xmlns:a16="http://schemas.microsoft.com/office/drawing/2014/main" id="{CEC8E379-5394-4662-A812-A9B18A5FDF41}"/>
+              </a:ext>
+            </a:extLst>
+          </p:cNvPr>
+          <p:cNvCxnSpPr>
+            <a:stCxn id="25" idx="3"/>
+          </p:cNvCxnSpPr>
+          <p:nvPr/>
+        </p:nvCxnSpPr>
+        <p:spPr>
+          <a:xfrm>
+            <a:off x="7915012" y="4024456"/>
+            <a:ext cx="286624" cy="577013"/>
+          </a:xfrm>
+          <a:prstGeom prst="straightConnector1">
+            <a:avLst/>
+          </a:prstGeom>
+          <a:ln>
+            <a:tailEnd type="triangle"/>
+          </a:ln>
+        </p:spPr>
+        <p:style>
+          <a:lnRef idx="1">
+            <a:schemeClr val="accent1"/>
+          </a:lnRef>
+          <a:fillRef idx="0">
+            <a:schemeClr val="accent1"/>
+          </a:fillRef>
+          <a:effectRef idx="0">
+            <a:schemeClr val="accent1"/>
+          </a:effectRef>
+          <a:fontRef idx="minor">
+            <a:schemeClr val="tx1"/>
+          </a:fontRef>
+        </p:style>
+      </p:cxnSp>
+      <p:sp>
+        <p:nvSpPr>
+          <p:cNvPr id="28" name="TextBox 27">
+            <a:extLst>
+              <a:ext uri="{FF2B5EF4-FFF2-40B4-BE49-F238E27FC236}">
+                <a16:creationId xmlns:a16="http://schemas.microsoft.com/office/drawing/2014/main" id="{EB7F9491-FA44-457F-8A23-5FA4C6B5B82B}"/>
+              </a:ext>
+            </a:extLst>
+          </p:cNvPr>
+          <p:cNvSpPr txBox="1"/>
+          <p:nvPr/>
+        </p:nvSpPr>
+        <p:spPr>
+          <a:xfrm>
+            <a:off x="5108895" y="3432816"/>
+            <a:ext cx="1212961" cy="369332"/>
+          </a:xfrm>
+          <a:prstGeom prst="rect">
+            <a:avLst/>
+          </a:prstGeom>
+          <a:noFill/>
+        </p:spPr>
+        <p:txBody>
+          <a:bodyPr wrap="none" rtlCol="0">
+            <a:spAutoFit/>
+          </a:bodyPr>
+          <a:lstStyle/>
+          <a:p>
+            <a:r>
+              <a:rPr lang="en-US" dirty="0" err="1"/>
+              <a:t>nginx</a:t>
+            </a:r>
+            <a:r>
+              <a:rPr lang="en-US" dirty="0"/>
+              <a:t>-code</a:t>
+            </a:r>
+          </a:p>
+        </p:txBody>
+      </p:sp>
+      <p:cxnSp>
+        <p:nvCxnSpPr>
+          <p:cNvPr id="30" name="Straight Arrow Connector 29">
+            <a:extLst>
+              <a:ext uri="{FF2B5EF4-FFF2-40B4-BE49-F238E27FC236}">
+                <a16:creationId xmlns:a16="http://schemas.microsoft.com/office/drawing/2014/main" id="{CB39EA46-F7C0-4ABB-B1C3-BFA09857952E}"/>
+              </a:ext>
+            </a:extLst>
+          </p:cNvPr>
+          <p:cNvCxnSpPr>
+            <a:stCxn id="28" idx="3"/>
+            <a:endCxn id="25" idx="0"/>
+          </p:cNvCxnSpPr>
+          <p:nvPr/>
+        </p:nvCxnSpPr>
+        <p:spPr>
+          <a:xfrm>
+            <a:off x="6321856" y="3617482"/>
+            <a:ext cx="783618" cy="222308"/>
+          </a:xfrm>
+          <a:prstGeom prst="straightConnector1">
+            <a:avLst/>
+          </a:prstGeom>
+          <a:ln>
+            <a:tailEnd type="triangle"/>
+          </a:ln>
+        </p:spPr>
+        <p:style>
+          <a:lnRef idx="1">
+            <a:schemeClr val="accent1"/>
+          </a:lnRef>
+          <a:fillRef idx="0">
+            <a:schemeClr val="accent1"/>
+          </a:fillRef>
+          <a:effectRef idx="0">
+            <a:schemeClr val="accent1"/>
+          </a:effectRef>
+          <a:fontRef idx="minor">
+            <a:schemeClr val="tx1"/>
+          </a:fontRef>
+        </p:style>
+      </p:cxnSp>
+      <p:sp>
+        <p:nvSpPr>
+          <p:cNvPr id="31" name="Right Brace 30">
+            <a:extLst>
+              <a:ext uri="{FF2B5EF4-FFF2-40B4-BE49-F238E27FC236}">
+                <a16:creationId xmlns:a16="http://schemas.microsoft.com/office/drawing/2014/main" id="{49C23ED6-9904-4B12-BB27-0E973310084E}"/>
+              </a:ext>
+            </a:extLst>
+          </p:cNvPr>
+          <p:cNvSpPr/>
+          <p:nvPr/>
+        </p:nvSpPr>
+        <p:spPr>
+          <a:xfrm>
+            <a:off x="9513116" y="4504834"/>
+            <a:ext cx="117446" cy="2214748"/>
+          </a:xfrm>
+          <a:prstGeom prst="rightBrace">
+            <a:avLst/>
+          </a:prstGeom>
+        </p:spPr>
+        <p:style>
+          <a:lnRef idx="1">
+            <a:schemeClr val="accent1"/>
+          </a:lnRef>
+          <a:fillRef idx="0">
+            <a:schemeClr val="accent1"/>
+          </a:fillRef>
+          <a:effectRef idx="0">
+            <a:schemeClr val="accent1"/>
+          </a:effectRef>
+          <a:fontRef idx="minor">
+            <a:schemeClr val="tx1"/>
+          </a:fontRef>
+        </p:style>
+        <p:txBody>
+          <a:bodyPr rtlCol="0" anchor="ctr"/>
+          <a:lstStyle/>
+          <a:p>
+            <a:pPr algn="ctr"/>
+            <a:endParaRPr lang="en-US"/>
+          </a:p>
+        </p:txBody>
+      </p:sp>
+      <p:sp>
+        <p:nvSpPr>
+          <p:cNvPr id="32" name="TextBox 31">
+            <a:extLst>
+              <a:ext uri="{FF2B5EF4-FFF2-40B4-BE49-F238E27FC236}">
+                <a16:creationId xmlns:a16="http://schemas.microsoft.com/office/drawing/2014/main" id="{C3355FE1-3FE4-4D59-841C-D033C4314131}"/>
+              </a:ext>
+            </a:extLst>
+          </p:cNvPr>
+          <p:cNvSpPr txBox="1"/>
+          <p:nvPr/>
+        </p:nvSpPr>
+        <p:spPr>
+          <a:xfrm>
+            <a:off x="9665517" y="5462631"/>
+            <a:ext cx="1256949" cy="369332"/>
+          </a:xfrm>
+          <a:prstGeom prst="rect">
+            <a:avLst/>
+          </a:prstGeom>
+          <a:noFill/>
+        </p:spPr>
+        <p:txBody>
+          <a:bodyPr wrap="square" rtlCol="0">
+            <a:spAutoFit/>
+          </a:bodyPr>
+          <a:lstStyle/>
+          <a:p>
+            <a:r>
+              <a:rPr lang="en-US" dirty="0" err="1"/>
+              <a:t>nginx</a:t>
+            </a:r>
+            <a:r>
+              <a:rPr lang="en-US" dirty="0"/>
+              <a:t>-code</a:t>
+            </a:r>
+          </a:p>
+        </p:txBody>
+      </p:sp>
+      <p:sp>
+        <p:nvSpPr>
+          <p:cNvPr id="34" name="Rectangle 33">
+            <a:extLst>
+              <a:ext uri="{FF2B5EF4-FFF2-40B4-BE49-F238E27FC236}">
+                <a16:creationId xmlns:a16="http://schemas.microsoft.com/office/drawing/2014/main" id="{9E3F55FF-4DB2-4004-A891-1BA3E0E5449A}"/>
+              </a:ext>
+            </a:extLst>
+          </p:cNvPr>
+          <p:cNvSpPr/>
+          <p:nvPr/>
+        </p:nvSpPr>
+        <p:spPr>
+          <a:xfrm>
+            <a:off x="2772726" y="3762897"/>
+            <a:ext cx="1569660" cy="369332"/>
+          </a:xfrm>
+          <a:prstGeom prst="rect">
+            <a:avLst/>
+          </a:prstGeom>
+        </p:spPr>
+        <p:txBody>
+          <a:bodyPr wrap="none">
+            <a:spAutoFit/>
+          </a:bodyPr>
+          <a:lstStyle/>
+          <a:p>
+            <a:r>
+              <a:rPr lang="en-US" dirty="0"/>
+              <a:t>7c6571209852</a:t>
+            </a:r>
+          </a:p>
+        </p:txBody>
+      </p:sp>
+      <p:sp>
+        <p:nvSpPr>
+          <p:cNvPr id="35" name="Rectangle 34">
+            <a:extLst>
+              <a:ext uri="{FF2B5EF4-FFF2-40B4-BE49-F238E27FC236}">
+                <a16:creationId xmlns:a16="http://schemas.microsoft.com/office/drawing/2014/main" id="{DDCED6FC-E8FB-476D-AC09-513625F229E2}"/>
+              </a:ext>
+            </a:extLst>
+          </p:cNvPr>
+          <p:cNvSpPr/>
+          <p:nvPr/>
+        </p:nvSpPr>
+        <p:spPr>
+          <a:xfrm>
+            <a:off x="3660540" y="4608140"/>
+            <a:ext cx="2125212" cy="422033"/>
+          </a:xfrm>
+          <a:prstGeom prst="rect">
+            <a:avLst/>
+          </a:prstGeom>
+        </p:spPr>
+        <p:style>
+          <a:lnRef idx="2">
+            <a:schemeClr val="accent1">
+              <a:shade val="50000"/>
+            </a:schemeClr>
+          </a:lnRef>
+          <a:fillRef idx="1">
+            <a:schemeClr val="accent1"/>
+          </a:fillRef>
+          <a:effectRef idx="0">
+            <a:schemeClr val="accent1"/>
+          </a:effectRef>
+          <a:fontRef idx="minor">
+            <a:schemeClr val="lt1"/>
+          </a:fontRef>
+        </p:style>
+        <p:txBody>
+          <a:bodyPr rtlCol="0" anchor="ctr"/>
+          <a:lstStyle/>
+          <a:p>
+            <a:pPr algn="ctr"/>
+            <a:r>
+              <a:rPr lang="en-US" dirty="0"/>
+              <a:t>Layer5 ~19MB</a:t>
+            </a:r>
+          </a:p>
+        </p:txBody>
+      </p:sp>
+      <p:cxnSp>
+        <p:nvCxnSpPr>
+          <p:cNvPr id="37" name="Straight Arrow Connector 36">
+            <a:extLst>
+              <a:ext uri="{FF2B5EF4-FFF2-40B4-BE49-F238E27FC236}">
+                <a16:creationId xmlns:a16="http://schemas.microsoft.com/office/drawing/2014/main" id="{118E77D1-2443-450D-A4B3-C201DFAC3E42}"/>
+              </a:ext>
+            </a:extLst>
+          </p:cNvPr>
+          <p:cNvCxnSpPr>
+            <a:stCxn id="34" idx="3"/>
+            <a:endCxn id="35" idx="0"/>
+          </p:cNvCxnSpPr>
+          <p:nvPr/>
+        </p:nvCxnSpPr>
+        <p:spPr>
+          <a:xfrm>
+            <a:off x="4342386" y="3947563"/>
+            <a:ext cx="380760" cy="660577"/>
+          </a:xfrm>
+          <a:prstGeom prst="straightConnector1">
+            <a:avLst/>
+          </a:prstGeom>
+          <a:ln>
+            <a:tailEnd type="triangle"/>
+          </a:ln>
+        </p:spPr>
+        <p:style>
+          <a:lnRef idx="1">
+            <a:schemeClr val="accent1"/>
+          </a:lnRef>
+          <a:fillRef idx="0">
+            <a:schemeClr val="accent1"/>
+          </a:fillRef>
+          <a:effectRef idx="0">
+            <a:schemeClr val="accent1"/>
+          </a:effectRef>
+          <a:fontRef idx="minor">
+            <a:schemeClr val="tx1"/>
+          </a:fontRef>
+        </p:style>
+      </p:cxnSp>
+      <p:cxnSp>
+        <p:nvCxnSpPr>
+          <p:cNvPr id="39" name="Straight Arrow Connector 38">
+            <a:extLst>
+              <a:ext uri="{FF2B5EF4-FFF2-40B4-BE49-F238E27FC236}">
+                <a16:creationId xmlns:a16="http://schemas.microsoft.com/office/drawing/2014/main" id="{7458A370-FC11-436C-9A44-A6D2EA8866DA}"/>
+              </a:ext>
+            </a:extLst>
+          </p:cNvPr>
+          <p:cNvCxnSpPr>
+            <a:endCxn id="34" idx="1"/>
+          </p:cNvCxnSpPr>
+          <p:nvPr/>
+        </p:nvCxnSpPr>
+        <p:spPr>
+          <a:xfrm>
+            <a:off x="2316904" y="3515854"/>
+            <a:ext cx="455822" cy="431709"/>
+          </a:xfrm>
+          <a:prstGeom prst="straightConnector1">
+            <a:avLst/>
+          </a:prstGeom>
+          <a:ln>
+            <a:tailEnd type="triangle"/>
+          </a:ln>
+        </p:spPr>
+        <p:style>
+          <a:lnRef idx="1">
+            <a:schemeClr val="accent1"/>
+          </a:lnRef>
+          <a:fillRef idx="0">
+            <a:schemeClr val="accent1"/>
+          </a:fillRef>
+          <a:effectRef idx="0">
+            <a:schemeClr val="accent1"/>
+          </a:effectRef>
+          <a:fontRef idx="minor">
+            <a:schemeClr val="tx1"/>
+          </a:fontRef>
+        </p:style>
+      </p:cxnSp>
+      <p:sp>
+        <p:nvSpPr>
+          <p:cNvPr id="40" name="TextBox 39">
+            <a:extLst>
+              <a:ext uri="{FF2B5EF4-FFF2-40B4-BE49-F238E27FC236}">
+                <a16:creationId xmlns:a16="http://schemas.microsoft.com/office/drawing/2014/main" id="{0CC70507-9D23-4B74-939B-3541F7DF079E}"/>
+              </a:ext>
+            </a:extLst>
+          </p:cNvPr>
+          <p:cNvSpPr txBox="1"/>
+          <p:nvPr/>
+        </p:nvSpPr>
+        <p:spPr>
+          <a:xfrm>
+            <a:off x="84179" y="3180078"/>
+            <a:ext cx="3236463" cy="369332"/>
+          </a:xfrm>
+          <a:prstGeom prst="rect">
+            <a:avLst/>
+          </a:prstGeom>
+          <a:noFill/>
+        </p:spPr>
+        <p:txBody>
+          <a:bodyPr wrap="none" rtlCol="0">
+            <a:spAutoFit/>
+          </a:bodyPr>
+          <a:lstStyle/>
+          <a:p>
+            <a:r>
+              <a:rPr lang="en-US" dirty="0" err="1"/>
+              <a:t>shruthikeerthi</a:t>
+            </a:r>
+            <a:r>
+              <a:rPr lang="en-US" dirty="0"/>
+              <a:t>/</a:t>
+            </a:r>
+            <a:r>
+              <a:rPr lang="en-US" dirty="0" err="1"/>
+              <a:t>nginx</a:t>
+            </a:r>
+            <a:r>
+              <a:rPr lang="en-US" dirty="0"/>
+              <a:t>-customized</a:t>
+            </a:r>
+          </a:p>
+        </p:txBody>
+      </p:sp>
+      <p:cxnSp>
+        <p:nvCxnSpPr>
+          <p:cNvPr id="43" name="Straight Arrow Connector 42">
+            <a:extLst>
+              <a:ext uri="{FF2B5EF4-FFF2-40B4-BE49-F238E27FC236}">
+                <a16:creationId xmlns:a16="http://schemas.microsoft.com/office/drawing/2014/main" id="{9FB2E6EE-493E-405C-9320-56940B660E47}"/>
+              </a:ext>
+            </a:extLst>
+          </p:cNvPr>
+          <p:cNvCxnSpPr>
+            <a:stCxn id="22" idx="2"/>
+          </p:cNvCxnSpPr>
+          <p:nvPr/>
+        </p:nvCxnSpPr>
+        <p:spPr>
+          <a:xfrm flipH="1">
+            <a:off x="7214532" y="5023502"/>
+            <a:ext cx="15380" cy="102171"/>
+          </a:xfrm>
+          <a:prstGeom prst="straightConnector1">
+            <a:avLst/>
+          </a:prstGeom>
+          <a:ln>
+            <a:tailEnd type="triangle"/>
+          </a:ln>
+        </p:spPr>
+        <p:style>
+          <a:lnRef idx="1">
+            <a:schemeClr val="accent1"/>
+          </a:lnRef>
+          <a:fillRef idx="0">
+            <a:schemeClr val="accent1"/>
+          </a:fillRef>
+          <a:effectRef idx="0">
+            <a:schemeClr val="accent1"/>
+          </a:effectRef>
+          <a:fontRef idx="minor">
+            <a:schemeClr val="tx1"/>
+          </a:fontRef>
+        </p:style>
+      </p:cxnSp>
+      <p:sp>
+        <p:nvSpPr>
+          <p:cNvPr id="45" name="TextBox 44">
+            <a:extLst>
+              <a:ext uri="{FF2B5EF4-FFF2-40B4-BE49-F238E27FC236}">
+                <a16:creationId xmlns:a16="http://schemas.microsoft.com/office/drawing/2014/main" id="{1315A637-38EE-4DE5-8944-BC454DACB374}"/>
+              </a:ext>
+            </a:extLst>
+          </p:cNvPr>
+          <p:cNvSpPr txBox="1"/>
+          <p:nvPr/>
+        </p:nvSpPr>
+        <p:spPr>
+          <a:xfrm>
+            <a:off x="570451" y="377505"/>
+            <a:ext cx="4697835" cy="369332"/>
+          </a:xfrm>
+          <a:prstGeom prst="rect">
+            <a:avLst/>
+          </a:prstGeom>
+          <a:noFill/>
+        </p:spPr>
+        <p:txBody>
+          <a:bodyPr wrap="square" rtlCol="0">
+            <a:spAutoFit/>
+          </a:bodyPr>
+          <a:lstStyle/>
+          <a:p>
+            <a:r>
+              <a:rPr lang="en-US" dirty="0"/>
+              <a:t>Image: Unified File System</a:t>
+            </a:r>
+          </a:p>
+        </p:txBody>
+      </p:sp>
+    </p:spTree>
+    <p:extLst>
+      <p:ext uri="{BB962C8B-B14F-4D97-AF65-F5344CB8AC3E}">
+        <p14:creationId xmlns:p14="http://schemas.microsoft.com/office/powerpoint/2010/main" val="2198488545"/>
+      </p:ext>
+    </p:extLst>
+  </p:cSld>
+  <p:clrMapOvr>
+    <a:masterClrMapping/>
+  </p:clrMapOvr>
+</p:sld>
+</file>
+
+<file path=ppt/slides/slide6.xml><?xml version="1.0" encoding="utf-8"?>
+<p:sld xmlns:a="http://schemas.openxmlformats.org/drawingml/2006/main" xmlns:r="http://schemas.openxmlformats.org/officeDocument/2006/relationships" xmlns:p="http://schemas.openxmlformats.org/presentationml/2006/main">
+  <p:cSld>
+    <p:spTree>
+      <p:nvGrpSpPr>
+        <p:cNvPr id="1" name=""/>
+        <p:cNvGrpSpPr/>
+        <p:nvPr/>
+      </p:nvGrpSpPr>
+      <p:grpSpPr>
+        <a:xfrm>
+          <a:off x="0" y="0"/>
+          <a:ext cx="0" cy="0"/>
+          <a:chOff x="0" y="0"/>
+          <a:chExt cx="0" cy="0"/>
+        </a:xfrm>
+      </p:grpSpPr>
+      <p:sp>
+        <p:nvSpPr>
+          <p:cNvPr id="2" name="Rectangle 1">
+            <a:extLst>
+              <a:ext uri="{FF2B5EF4-FFF2-40B4-BE49-F238E27FC236}">
+                <a16:creationId xmlns:a16="http://schemas.microsoft.com/office/drawing/2014/main" id="{530376CA-B6A8-4A2F-8540-C38751C2B139}"/>
+              </a:ext>
+            </a:extLst>
+          </p:cNvPr>
+          <p:cNvSpPr/>
+          <p:nvPr/>
+        </p:nvSpPr>
+        <p:spPr>
+          <a:xfrm>
+            <a:off x="4521666" y="218114"/>
+            <a:ext cx="5989740" cy="6115574"/>
+          </a:xfrm>
+          <a:prstGeom prst="rect">
+            <a:avLst/>
+          </a:prstGeom>
+          <a:noFill/>
+        </p:spPr>
+        <p:style>
+          <a:lnRef idx="2">
+            <a:schemeClr val="accent1">
+              <a:shade val="50000"/>
+            </a:schemeClr>
+          </a:lnRef>
+          <a:fillRef idx="1">
+            <a:schemeClr val="accent1"/>
+          </a:fillRef>
+          <a:effectRef idx="0">
+            <a:schemeClr val="accent1"/>
+          </a:effectRef>
+          <a:fontRef idx="minor">
+            <a:schemeClr val="lt1"/>
+          </a:fontRef>
+        </p:style>
+        <p:txBody>
+          <a:bodyPr rtlCol="0" anchor="ctr"/>
+          <a:lstStyle/>
+          <a:p>
+            <a:pPr algn="ctr"/>
+            <a:endParaRPr lang="en-US"/>
+          </a:p>
+        </p:txBody>
+      </p:sp>
+      <p:sp>
+        <p:nvSpPr>
+          <p:cNvPr id="3" name="TextBox 2">
+            <a:extLst>
+              <a:ext uri="{FF2B5EF4-FFF2-40B4-BE49-F238E27FC236}">
+                <a16:creationId xmlns:a16="http://schemas.microsoft.com/office/drawing/2014/main" id="{A91A5193-5DA0-4B41-A5FB-8D60C8E47C84}"/>
+              </a:ext>
+            </a:extLst>
+          </p:cNvPr>
+          <p:cNvSpPr txBox="1"/>
+          <p:nvPr/>
+        </p:nvSpPr>
+        <p:spPr>
+          <a:xfrm>
+            <a:off x="4689446" y="385894"/>
+            <a:ext cx="1056956" cy="369332"/>
+          </a:xfrm>
+          <a:prstGeom prst="rect">
+            <a:avLst/>
+          </a:prstGeom>
+          <a:noFill/>
+        </p:spPr>
+        <p:txBody>
+          <a:bodyPr wrap="none" rtlCol="0">
+            <a:spAutoFit/>
+          </a:bodyPr>
+          <a:lstStyle/>
+          <a:p>
+            <a:r>
+              <a:rPr lang="en-US" dirty="0" err="1"/>
+              <a:t>minikube</a:t>
+            </a:r>
+            <a:endParaRPr lang="en-US" dirty="0"/>
+          </a:p>
+        </p:txBody>
+      </p:sp>
+      <p:sp>
+        <p:nvSpPr>
+          <p:cNvPr id="4" name="Oval 3">
+            <a:extLst>
+              <a:ext uri="{FF2B5EF4-FFF2-40B4-BE49-F238E27FC236}">
+                <a16:creationId xmlns:a16="http://schemas.microsoft.com/office/drawing/2014/main" id="{54668CD9-6E31-4538-8855-06AE95264482}"/>
+              </a:ext>
+            </a:extLst>
+          </p:cNvPr>
+          <p:cNvSpPr/>
+          <p:nvPr/>
+        </p:nvSpPr>
+        <p:spPr>
+          <a:xfrm>
+            <a:off x="4882335" y="755226"/>
+            <a:ext cx="2063693" cy="1333633"/>
+          </a:xfrm>
+          <a:prstGeom prst="ellipse">
+            <a:avLst/>
+          </a:prstGeom>
+        </p:spPr>
+        <p:style>
+          <a:lnRef idx="2">
+            <a:schemeClr val="accent1">
+              <a:shade val="50000"/>
+            </a:schemeClr>
+          </a:lnRef>
+          <a:fillRef idx="1">
+            <a:schemeClr val="accent1"/>
+          </a:fillRef>
+          <a:effectRef idx="0">
+            <a:schemeClr val="accent1"/>
+          </a:effectRef>
+          <a:fontRef idx="minor">
+            <a:schemeClr val="lt1"/>
+          </a:fontRef>
+        </p:style>
+        <p:txBody>
+          <a:bodyPr rtlCol="0" anchor="ctr"/>
+          <a:lstStyle/>
+          <a:p>
+            <a:pPr algn="ctr"/>
+            <a:r>
+              <a:rPr lang="en-US" dirty="0"/>
+              <a:t>app</a:t>
+            </a:r>
+          </a:p>
+          <a:p>
+            <a:pPr algn="ctr"/>
+            <a:r>
+              <a:rPr lang="en-US" sz="1200" dirty="0"/>
+              <a:t>-- </a:t>
+            </a:r>
+            <a:r>
+              <a:rPr lang="en-US" sz="1050" dirty="0"/>
+              <a:t>/var/log/access.log</a:t>
+            </a:r>
+          </a:p>
+          <a:p>
+            <a:pPr algn="ctr"/>
+            <a:r>
+              <a:rPr lang="en-US" sz="1050" dirty="0"/>
+              <a:t>/var/log/error.log</a:t>
+            </a:r>
+          </a:p>
+        </p:txBody>
+      </p:sp>
+      <p:sp>
+        <p:nvSpPr>
+          <p:cNvPr id="5" name="TextBox 4">
+            <a:extLst>
+              <a:ext uri="{FF2B5EF4-FFF2-40B4-BE49-F238E27FC236}">
+                <a16:creationId xmlns:a16="http://schemas.microsoft.com/office/drawing/2014/main" id="{4F661ED6-0955-4929-BAA9-88C1E2803C62}"/>
+              </a:ext>
+            </a:extLst>
+          </p:cNvPr>
+          <p:cNvSpPr txBox="1"/>
+          <p:nvPr/>
+        </p:nvSpPr>
+        <p:spPr>
+          <a:xfrm>
+            <a:off x="184558" y="494950"/>
+            <a:ext cx="2927758" cy="369332"/>
+          </a:xfrm>
+          <a:prstGeom prst="rect">
+            <a:avLst/>
+          </a:prstGeom>
+          <a:noFill/>
+        </p:spPr>
+        <p:txBody>
+          <a:bodyPr wrap="square" rtlCol="0">
+            <a:spAutoFit/>
+          </a:bodyPr>
+          <a:lstStyle/>
+          <a:p>
+            <a:r>
+              <a:rPr lang="en-US" dirty="0"/>
+              <a:t>Containers </a:t>
+            </a:r>
+            <a:r>
+              <a:rPr lang="en-US" dirty="0" err="1"/>
+              <a:t>fS</a:t>
+            </a:r>
+            <a:r>
+              <a:rPr lang="en-US" dirty="0"/>
+              <a:t> : </a:t>
+            </a:r>
+            <a:r>
+              <a:rPr lang="en-US" dirty="0" err="1"/>
+              <a:t>ephimeral</a:t>
+            </a:r>
+            <a:endParaRPr lang="en-US" dirty="0"/>
+          </a:p>
+        </p:txBody>
+      </p:sp>
+      <p:sp>
+        <p:nvSpPr>
+          <p:cNvPr id="6" name="Oval 5">
+            <a:extLst>
+              <a:ext uri="{FF2B5EF4-FFF2-40B4-BE49-F238E27FC236}">
+                <a16:creationId xmlns:a16="http://schemas.microsoft.com/office/drawing/2014/main" id="{E314706B-4481-4E0D-B188-02AB1DD89338}"/>
+              </a:ext>
+            </a:extLst>
+          </p:cNvPr>
+          <p:cNvSpPr/>
+          <p:nvPr/>
+        </p:nvSpPr>
+        <p:spPr>
+          <a:xfrm>
+            <a:off x="4958300" y="4099000"/>
+            <a:ext cx="2063693" cy="1333633"/>
+          </a:xfrm>
+          <a:prstGeom prst="ellipse">
+            <a:avLst/>
+          </a:prstGeom>
+        </p:spPr>
+        <p:style>
+          <a:lnRef idx="2">
+            <a:schemeClr val="accent1">
+              <a:shade val="50000"/>
+            </a:schemeClr>
+          </a:lnRef>
+          <a:fillRef idx="1">
+            <a:schemeClr val="accent1"/>
+          </a:fillRef>
+          <a:effectRef idx="0">
+            <a:schemeClr val="accent1"/>
+          </a:effectRef>
+          <a:fontRef idx="minor">
+            <a:schemeClr val="lt1"/>
+          </a:fontRef>
+        </p:style>
+        <p:txBody>
+          <a:bodyPr rtlCol="0" anchor="ctr"/>
+          <a:lstStyle/>
+          <a:p>
+            <a:pPr algn="ctr"/>
+            <a:r>
+              <a:rPr lang="en-US" dirty="0" err="1"/>
+              <a:t>Mysql</a:t>
+            </a:r>
+            <a:endParaRPr lang="en-US" dirty="0"/>
+          </a:p>
+          <a:p>
+            <a:pPr algn="ctr"/>
+            <a:r>
+              <a:rPr lang="en-US" sz="1200" dirty="0"/>
+              <a:t>/var/lib/</a:t>
+            </a:r>
+            <a:r>
+              <a:rPr lang="en-US" sz="1200" dirty="0" err="1"/>
+              <a:t>mysql</a:t>
+            </a:r>
+            <a:endParaRPr lang="en-US" dirty="0"/>
+          </a:p>
+        </p:txBody>
+      </p:sp>
+      <p:sp>
+        <p:nvSpPr>
+          <p:cNvPr id="7" name="Arrow: Down 6">
+            <a:extLst>
+              <a:ext uri="{FF2B5EF4-FFF2-40B4-BE49-F238E27FC236}">
+                <a16:creationId xmlns:a16="http://schemas.microsoft.com/office/drawing/2014/main" id="{7E7C2CB5-4D39-46C1-915E-AB7C60CF3F9B}"/>
+              </a:ext>
+            </a:extLst>
+          </p:cNvPr>
+          <p:cNvSpPr/>
+          <p:nvPr/>
+        </p:nvSpPr>
+        <p:spPr>
+          <a:xfrm rot="16200000">
+            <a:off x="6736302" y="1191236"/>
+            <a:ext cx="419449" cy="721454"/>
+          </a:xfrm>
+          <a:prstGeom prst="downArrow">
+            <a:avLst/>
+          </a:prstGeom>
+        </p:spPr>
+        <p:style>
+          <a:lnRef idx="2">
+            <a:schemeClr val="accent1">
+              <a:shade val="50000"/>
+            </a:schemeClr>
+          </a:lnRef>
+          <a:fillRef idx="1">
+            <a:schemeClr val="accent1"/>
+          </a:fillRef>
+          <a:effectRef idx="0">
+            <a:schemeClr val="accent1"/>
+          </a:effectRef>
+          <a:fontRef idx="minor">
+            <a:schemeClr val="lt1"/>
+          </a:fontRef>
+        </p:style>
+        <p:txBody>
+          <a:bodyPr rtlCol="0" anchor="ctr"/>
+          <a:lstStyle/>
+          <a:p>
+            <a:pPr algn="ctr"/>
+            <a:endParaRPr lang="en-US"/>
+          </a:p>
+        </p:txBody>
+      </p:sp>
+      <p:sp>
+        <p:nvSpPr>
+          <p:cNvPr id="8" name="Rectangle 7">
+            <a:extLst>
+              <a:ext uri="{FF2B5EF4-FFF2-40B4-BE49-F238E27FC236}">
+                <a16:creationId xmlns:a16="http://schemas.microsoft.com/office/drawing/2014/main" id="{681A89E3-11B6-4389-BBCD-44C9995450F4}"/>
+              </a:ext>
+            </a:extLst>
+          </p:cNvPr>
+          <p:cNvSpPr/>
+          <p:nvPr/>
+        </p:nvSpPr>
+        <p:spPr>
+          <a:xfrm>
+            <a:off x="7133279" y="1336519"/>
+            <a:ext cx="3190875" cy="430887"/>
+          </a:xfrm>
+          <a:prstGeom prst="rect">
+            <a:avLst/>
+          </a:prstGeom>
+        </p:spPr>
+        <p:txBody>
+          <a:bodyPr wrap="square">
+            <a:spAutoFit/>
+          </a:bodyPr>
+          <a:lstStyle/>
+          <a:p>
+            <a:r>
+              <a:rPr lang="en-US" sz="1050" dirty="0"/>
+              <a:t>/var/lib/docker/volumes/5c64f44a8e33ca0f49a82c044e9db87d8e568413744d90605ca8e30cb9cbab9c/_data</a:t>
+            </a:r>
+          </a:p>
+        </p:txBody>
+      </p:sp>
+      <p:sp>
+        <p:nvSpPr>
+          <p:cNvPr id="9" name="Rectangle 8">
+            <a:extLst>
+              <a:ext uri="{FF2B5EF4-FFF2-40B4-BE49-F238E27FC236}">
+                <a16:creationId xmlns:a16="http://schemas.microsoft.com/office/drawing/2014/main" id="{368E318F-0B03-49A4-A5E4-D1155B56FA0F}"/>
+              </a:ext>
+            </a:extLst>
+          </p:cNvPr>
+          <p:cNvSpPr/>
+          <p:nvPr/>
+        </p:nvSpPr>
+        <p:spPr>
+          <a:xfrm>
+            <a:off x="7200900" y="2895072"/>
+            <a:ext cx="3457575" cy="646331"/>
+          </a:xfrm>
+          <a:prstGeom prst="rect">
+            <a:avLst/>
+          </a:prstGeom>
+        </p:spPr>
+        <p:txBody>
+          <a:bodyPr wrap="square">
+            <a:spAutoFit/>
+          </a:bodyPr>
+          <a:lstStyle/>
+          <a:p>
+            <a:r>
+              <a:rPr lang="en-US" sz="1200" dirty="0"/>
+              <a:t>/var/lib/docker/volumes/5aef8ea1e6723a12ecb353b6b923de933051a68516b096e5035a3fa01bb0e18d/_data – 100 users</a:t>
+            </a:r>
+            <a:endParaRPr lang="en-US" dirty="0"/>
+          </a:p>
+        </p:txBody>
+      </p:sp>
+      <p:sp>
+        <p:nvSpPr>
+          <p:cNvPr id="10" name="Arrow: Down 9">
+            <a:extLst>
+              <a:ext uri="{FF2B5EF4-FFF2-40B4-BE49-F238E27FC236}">
+                <a16:creationId xmlns:a16="http://schemas.microsoft.com/office/drawing/2014/main" id="{844C4626-5C1C-4E70-AF67-E502997BBF4F}"/>
+              </a:ext>
+            </a:extLst>
+          </p:cNvPr>
+          <p:cNvSpPr/>
+          <p:nvPr/>
+        </p:nvSpPr>
+        <p:spPr>
+          <a:xfrm rot="16200000">
+            <a:off x="6630448" y="4473102"/>
+            <a:ext cx="419449" cy="721454"/>
+          </a:xfrm>
+          <a:prstGeom prst="downArrow">
+            <a:avLst/>
+          </a:prstGeom>
+        </p:spPr>
+        <p:style>
+          <a:lnRef idx="2">
+            <a:schemeClr val="accent1">
+              <a:shade val="50000"/>
+            </a:schemeClr>
+          </a:lnRef>
+          <a:fillRef idx="1">
+            <a:schemeClr val="accent1"/>
+          </a:fillRef>
+          <a:effectRef idx="0">
+            <a:schemeClr val="accent1"/>
+          </a:effectRef>
+          <a:fontRef idx="minor">
+            <a:schemeClr val="lt1"/>
+          </a:fontRef>
+        </p:style>
+        <p:txBody>
+          <a:bodyPr rtlCol="0" anchor="ctr"/>
+          <a:lstStyle/>
+          <a:p>
+            <a:pPr algn="ctr"/>
+            <a:endParaRPr lang="en-US"/>
+          </a:p>
+        </p:txBody>
+      </p:sp>
+      <p:sp>
+        <p:nvSpPr>
+          <p:cNvPr id="11" name="Rectangle 10">
+            <a:extLst>
+              <a:ext uri="{FF2B5EF4-FFF2-40B4-BE49-F238E27FC236}">
+                <a16:creationId xmlns:a16="http://schemas.microsoft.com/office/drawing/2014/main" id="{28A0CAD6-D276-4354-9E93-0F02D072CAF4}"/>
+              </a:ext>
+            </a:extLst>
+          </p:cNvPr>
+          <p:cNvSpPr/>
+          <p:nvPr/>
+        </p:nvSpPr>
+        <p:spPr>
+          <a:xfrm>
+            <a:off x="7107732" y="4691225"/>
+            <a:ext cx="3457575" cy="276999"/>
+          </a:xfrm>
+          <a:prstGeom prst="rect">
+            <a:avLst/>
+          </a:prstGeom>
+        </p:spPr>
+        <p:txBody>
+          <a:bodyPr wrap="square">
+            <a:spAutoFit/>
+          </a:bodyPr>
+          <a:lstStyle/>
+          <a:p>
+            <a:r>
+              <a:rPr lang="en-US" sz="1200" dirty="0"/>
+              <a:t>/var/lib/docker/volumes/</a:t>
+            </a:r>
+            <a:r>
+              <a:rPr lang="en-US" sz="1200" dirty="0" err="1"/>
+              <a:t>projdb</a:t>
+            </a:r>
+            <a:r>
+              <a:rPr lang="en-US" sz="1200" dirty="0"/>
+              <a:t>/_data</a:t>
+            </a:r>
+            <a:endParaRPr lang="en-US" dirty="0"/>
+          </a:p>
+        </p:txBody>
+      </p:sp>
+    </p:spTree>
+    <p:extLst>
+      <p:ext uri="{BB962C8B-B14F-4D97-AF65-F5344CB8AC3E}">
+        <p14:creationId xmlns:p14="http://schemas.microsoft.com/office/powerpoint/2010/main" val="3281696703"/>
+      </p:ext>
+    </p:extLst>
+  </p:cSld>
+  <p:clrMapOvr>
+    <a:masterClrMapping/>
+  </p:clrMapOvr>
+</p:sld>
+</file>
+
+<file path=ppt/slides/slide7.xml><?xml version="1.0" encoding="utf-8"?>
+<p:sld xmlns:a="http://schemas.openxmlformats.org/drawingml/2006/main" xmlns:r="http://schemas.openxmlformats.org/officeDocument/2006/relationships" xmlns:p="http://schemas.openxmlformats.org/presentationml/2006/main">
+  <p:cSld>
+    <p:spTree>
+      <p:nvGrpSpPr>
+        <p:cNvPr id="1" name=""/>
+        <p:cNvGrpSpPr/>
+        <p:nvPr/>
+      </p:nvGrpSpPr>
+      <p:grpSpPr>
+        <a:xfrm>
+          <a:off x="0" y="0"/>
+          <a:ext cx="0" cy="0"/>
+          <a:chOff x="0" y="0"/>
+          <a:chExt cx="0" cy="0"/>
+        </a:xfrm>
+      </p:grpSpPr>
+      <p:sp>
+        <p:nvSpPr>
+          <p:cNvPr id="2" name="Rectangle 1">
+            <a:extLst>
+              <a:ext uri="{FF2B5EF4-FFF2-40B4-BE49-F238E27FC236}">
+                <a16:creationId xmlns:a16="http://schemas.microsoft.com/office/drawing/2014/main" id="{12648F62-20C7-4C90-A5C0-B708EB98C053}"/>
+              </a:ext>
+            </a:extLst>
+          </p:cNvPr>
+          <p:cNvSpPr/>
+          <p:nvPr/>
+        </p:nvSpPr>
+        <p:spPr>
+          <a:xfrm>
+            <a:off x="4521665" y="218114"/>
+            <a:ext cx="7356009" cy="6115574"/>
+          </a:xfrm>
+          <a:prstGeom prst="rect">
+            <a:avLst/>
+          </a:prstGeom>
+          <a:noFill/>
+          <a:ln>
+            <a:solidFill>
+              <a:srgbClr val="FF0000"/>
+            </a:solidFill>
+          </a:ln>
+        </p:spPr>
+        <p:style>
+          <a:lnRef idx="2">
+            <a:schemeClr val="accent1">
+              <a:shade val="50000"/>
+            </a:schemeClr>
+          </a:lnRef>
+          <a:fillRef idx="1">
+            <a:schemeClr val="accent1"/>
+          </a:fillRef>
+          <a:effectRef idx="0">
+            <a:schemeClr val="accent1"/>
+          </a:effectRef>
+          <a:fontRef idx="minor">
+            <a:schemeClr val="lt1"/>
+          </a:fontRef>
+        </p:style>
+        <p:txBody>
+          <a:bodyPr rtlCol="0" anchor="ctr"/>
+          <a:lstStyle/>
+          <a:p>
+            <a:pPr algn="ctr"/>
+            <a:endParaRPr lang="en-US"/>
+          </a:p>
+        </p:txBody>
+      </p:sp>
+      <p:sp>
+        <p:nvSpPr>
+          <p:cNvPr id="3" name="TextBox 2">
+            <a:extLst>
+              <a:ext uri="{FF2B5EF4-FFF2-40B4-BE49-F238E27FC236}">
+                <a16:creationId xmlns:a16="http://schemas.microsoft.com/office/drawing/2014/main" id="{3824AE96-F11C-4C88-9D82-49856ED868D0}"/>
+              </a:ext>
+            </a:extLst>
+          </p:cNvPr>
+          <p:cNvSpPr txBox="1"/>
+          <p:nvPr/>
+        </p:nvSpPr>
+        <p:spPr>
+          <a:xfrm>
+            <a:off x="4689445" y="385894"/>
+            <a:ext cx="1298049" cy="369332"/>
+          </a:xfrm>
+          <a:prstGeom prst="rect">
+            <a:avLst/>
+          </a:prstGeom>
+          <a:noFill/>
+          <a:ln>
+            <a:solidFill>
+              <a:srgbClr val="FF0000"/>
+            </a:solidFill>
+          </a:ln>
+        </p:spPr>
+        <p:txBody>
+          <a:bodyPr wrap="square" rtlCol="0">
+            <a:spAutoFit/>
+          </a:bodyPr>
+          <a:lstStyle/>
+          <a:p>
+            <a:r>
+              <a:rPr lang="en-US" dirty="0" err="1"/>
+              <a:t>minikube</a:t>
+            </a:r>
+            <a:endParaRPr lang="en-US" dirty="0"/>
+          </a:p>
+        </p:txBody>
+      </p:sp>
+      <p:sp>
+        <p:nvSpPr>
+          <p:cNvPr id="4" name="TextBox 3">
+            <a:extLst>
+              <a:ext uri="{FF2B5EF4-FFF2-40B4-BE49-F238E27FC236}">
+                <a16:creationId xmlns:a16="http://schemas.microsoft.com/office/drawing/2014/main" id="{E9D14C2A-5316-49EF-8187-E4B73BF3F604}"/>
+              </a:ext>
+            </a:extLst>
+          </p:cNvPr>
+          <p:cNvSpPr txBox="1"/>
+          <p:nvPr/>
+        </p:nvSpPr>
+        <p:spPr>
+          <a:xfrm>
+            <a:off x="8509026" y="4351357"/>
+            <a:ext cx="428322" cy="369332"/>
+          </a:xfrm>
+          <a:prstGeom prst="rect">
+            <a:avLst/>
+          </a:prstGeom>
+          <a:noFill/>
+        </p:spPr>
+        <p:txBody>
+          <a:bodyPr wrap="none" rtlCol="0">
+            <a:spAutoFit/>
+          </a:bodyPr>
+          <a:lstStyle/>
+          <a:p>
+            <a:r>
+              <a:rPr lang="en-US" dirty="0" err="1"/>
+              <a:t>db</a:t>
+            </a:r>
+            <a:endParaRPr lang="en-US" dirty="0"/>
+          </a:p>
+        </p:txBody>
+      </p:sp>
+      <p:sp>
+        <p:nvSpPr>
+          <p:cNvPr id="5" name="TextBox 4">
+            <a:extLst>
+              <a:ext uri="{FF2B5EF4-FFF2-40B4-BE49-F238E27FC236}">
+                <a16:creationId xmlns:a16="http://schemas.microsoft.com/office/drawing/2014/main" id="{AD0273F1-F23F-4386-8351-1B16ACB50129}"/>
+              </a:ext>
+            </a:extLst>
+          </p:cNvPr>
+          <p:cNvSpPr txBox="1"/>
+          <p:nvPr/>
+        </p:nvSpPr>
+        <p:spPr>
+          <a:xfrm flipH="1">
+            <a:off x="5897797" y="4609255"/>
+            <a:ext cx="554357" cy="369332"/>
+          </a:xfrm>
+          <a:prstGeom prst="rect">
+            <a:avLst/>
+          </a:prstGeom>
+          <a:noFill/>
+        </p:spPr>
+        <p:txBody>
+          <a:bodyPr wrap="square" rtlCol="0">
+            <a:spAutoFit/>
+          </a:bodyPr>
+          <a:lstStyle/>
+          <a:p>
+            <a:r>
+              <a:rPr lang="en-US" dirty="0"/>
+              <a:t>w1</a:t>
+            </a:r>
+          </a:p>
+        </p:txBody>
+      </p:sp>
+      <p:sp>
+        <p:nvSpPr>
+          <p:cNvPr id="6" name="TextBox 5">
+            <a:extLst>
+              <a:ext uri="{FF2B5EF4-FFF2-40B4-BE49-F238E27FC236}">
+                <a16:creationId xmlns:a16="http://schemas.microsoft.com/office/drawing/2014/main" id="{CF24072D-FC2C-45B4-ACB1-3651D8031B67}"/>
+              </a:ext>
+            </a:extLst>
+          </p:cNvPr>
+          <p:cNvSpPr txBox="1"/>
+          <p:nvPr/>
+        </p:nvSpPr>
+        <p:spPr>
+          <a:xfrm>
+            <a:off x="5631361" y="4978587"/>
+            <a:ext cx="1176925" cy="369332"/>
+          </a:xfrm>
+          <a:prstGeom prst="rect">
+            <a:avLst/>
+          </a:prstGeom>
+          <a:noFill/>
+        </p:spPr>
+        <p:txBody>
+          <a:bodyPr wrap="none" rtlCol="0">
+            <a:spAutoFit/>
+          </a:bodyPr>
+          <a:lstStyle/>
+          <a:p>
+            <a:r>
+              <a:rPr lang="en-US" dirty="0"/>
+              <a:t>172.18.0.2</a:t>
+            </a:r>
+          </a:p>
+        </p:txBody>
+      </p:sp>
+      <p:sp>
+        <p:nvSpPr>
+          <p:cNvPr id="7" name="TextBox 6">
+            <a:extLst>
+              <a:ext uri="{FF2B5EF4-FFF2-40B4-BE49-F238E27FC236}">
+                <a16:creationId xmlns:a16="http://schemas.microsoft.com/office/drawing/2014/main" id="{62BAD802-1A1F-4BDA-8280-97CA53E3DB3A}"/>
+              </a:ext>
+            </a:extLst>
+          </p:cNvPr>
+          <p:cNvSpPr txBox="1"/>
+          <p:nvPr/>
+        </p:nvSpPr>
+        <p:spPr>
+          <a:xfrm>
+            <a:off x="8134724" y="4768314"/>
+            <a:ext cx="1176925" cy="646331"/>
+          </a:xfrm>
+          <a:prstGeom prst="rect">
+            <a:avLst/>
+          </a:prstGeom>
+          <a:noFill/>
+        </p:spPr>
+        <p:txBody>
+          <a:bodyPr wrap="none" rtlCol="0">
+            <a:spAutoFit/>
+          </a:bodyPr>
+          <a:lstStyle/>
+          <a:p>
+            <a:r>
+              <a:rPr lang="en-US" dirty="0"/>
+              <a:t>172.18.0.3</a:t>
+            </a:r>
+          </a:p>
+          <a:p>
+            <a:r>
+              <a:rPr lang="en-US" dirty="0"/>
+              <a:t>172.19.0.3</a:t>
+            </a:r>
+          </a:p>
+        </p:txBody>
+      </p:sp>
+      <p:sp>
+        <p:nvSpPr>
+          <p:cNvPr id="8" name="TextBox 7">
+            <a:extLst>
+              <a:ext uri="{FF2B5EF4-FFF2-40B4-BE49-F238E27FC236}">
+                <a16:creationId xmlns:a16="http://schemas.microsoft.com/office/drawing/2014/main" id="{4EC7E92F-F53F-4EBA-8B0F-D733FFE74143}"/>
+              </a:ext>
+            </a:extLst>
+          </p:cNvPr>
+          <p:cNvSpPr txBox="1"/>
+          <p:nvPr/>
+        </p:nvSpPr>
+        <p:spPr>
+          <a:xfrm flipH="1">
+            <a:off x="6779893" y="755226"/>
+            <a:ext cx="939864" cy="369332"/>
+          </a:xfrm>
+          <a:prstGeom prst="rect">
+            <a:avLst/>
+          </a:prstGeom>
+          <a:noFill/>
+        </p:spPr>
+        <p:txBody>
+          <a:bodyPr wrap="square" rtlCol="0">
+            <a:spAutoFit/>
+          </a:bodyPr>
+          <a:lstStyle/>
+          <a:p>
+            <a:r>
+              <a:rPr lang="en-US" dirty="0"/>
+              <a:t>docker0</a:t>
+            </a:r>
+          </a:p>
+        </p:txBody>
+      </p:sp>
+      <p:sp>
+        <p:nvSpPr>
+          <p:cNvPr id="18" name="TextBox 17">
+            <a:extLst>
+              <a:ext uri="{FF2B5EF4-FFF2-40B4-BE49-F238E27FC236}">
+                <a16:creationId xmlns:a16="http://schemas.microsoft.com/office/drawing/2014/main" id="{7C81A20A-4C68-4ED9-8291-E83218C89D03}"/>
+              </a:ext>
+            </a:extLst>
+          </p:cNvPr>
+          <p:cNvSpPr txBox="1"/>
+          <p:nvPr/>
+        </p:nvSpPr>
+        <p:spPr>
+          <a:xfrm>
+            <a:off x="123825" y="755226"/>
+            <a:ext cx="3969518" cy="1200329"/>
+          </a:xfrm>
+          <a:prstGeom prst="rect">
+            <a:avLst/>
+          </a:prstGeom>
+          <a:noFill/>
+        </p:spPr>
+        <p:txBody>
+          <a:bodyPr wrap="square" rtlCol="0">
+            <a:spAutoFit/>
+          </a:bodyPr>
+          <a:lstStyle/>
+          <a:p>
+            <a:pPr marL="342900" indent="-342900">
+              <a:buAutoNum type="arabicPeriod"/>
+            </a:pPr>
+            <a:r>
+              <a:rPr lang="en-US" dirty="0" err="1"/>
+              <a:t>ipaddress</a:t>
+            </a:r>
+            <a:r>
+              <a:rPr lang="en-US" dirty="0">
+                <a:sym typeface="Wingdings" panose="05000000000000000000" pitchFamily="2" charset="2"/>
+              </a:rPr>
+              <a:t> </a:t>
+            </a:r>
+            <a:r>
+              <a:rPr lang="en-US" dirty="0" err="1">
+                <a:sym typeface="Wingdings" panose="05000000000000000000" pitchFamily="2" charset="2"/>
+              </a:rPr>
+              <a:t>dns</a:t>
+            </a:r>
+            <a:r>
+              <a:rPr lang="en-US" dirty="0">
+                <a:sym typeface="Wingdings" panose="05000000000000000000" pitchFamily="2" charset="2"/>
+              </a:rPr>
+              <a:t> service</a:t>
+            </a:r>
+          </a:p>
+          <a:p>
+            <a:pPr marL="342900" indent="-342900">
+              <a:buAutoNum type="arabicPeriod"/>
+            </a:pPr>
+            <a:r>
+              <a:rPr lang="en-US" dirty="0">
+                <a:sym typeface="Wingdings" panose="05000000000000000000" pitchFamily="2" charset="2"/>
+              </a:rPr>
+              <a:t>Better isolation: w1 -&gt; </a:t>
+            </a:r>
+            <a:r>
+              <a:rPr lang="en-US" dirty="0" err="1">
+                <a:sym typeface="Wingdings" panose="05000000000000000000" pitchFamily="2" charset="2"/>
+              </a:rPr>
+              <a:t>db</a:t>
+            </a:r>
+            <a:r>
+              <a:rPr lang="en-US" dirty="0">
+                <a:sym typeface="Wingdings" panose="05000000000000000000" pitchFamily="2" charset="2"/>
+              </a:rPr>
+              <a:t> , w2 -&gt; </a:t>
+            </a:r>
+            <a:r>
+              <a:rPr lang="en-US" dirty="0" err="1">
+                <a:sym typeface="Wingdings" panose="05000000000000000000" pitchFamily="2" charset="2"/>
+              </a:rPr>
+              <a:t>db</a:t>
+            </a:r>
+            <a:r>
+              <a:rPr lang="en-US" dirty="0">
+                <a:sym typeface="Wingdings" panose="05000000000000000000" pitchFamily="2" charset="2"/>
+              </a:rPr>
+              <a:t>, w1 – X - w2</a:t>
+            </a:r>
+          </a:p>
+          <a:p>
+            <a:pPr marL="342900" indent="-342900">
+              <a:buAutoNum type="arabicPeriod"/>
+            </a:pPr>
+            <a:endParaRPr lang="en-US" dirty="0"/>
+          </a:p>
+        </p:txBody>
+      </p:sp>
+      <p:sp>
+        <p:nvSpPr>
+          <p:cNvPr id="24" name="Cloud 23">
+            <a:extLst>
+              <a:ext uri="{FF2B5EF4-FFF2-40B4-BE49-F238E27FC236}">
+                <a16:creationId xmlns:a16="http://schemas.microsoft.com/office/drawing/2014/main" id="{130F510E-0A27-4AC6-B757-BFCAB98DC3F5}"/>
+              </a:ext>
+            </a:extLst>
+          </p:cNvPr>
+          <p:cNvSpPr/>
+          <p:nvPr/>
+        </p:nvSpPr>
+        <p:spPr>
+          <a:xfrm>
+            <a:off x="4844762" y="567214"/>
+            <a:ext cx="4810125" cy="769779"/>
+          </a:xfrm>
+          <a:prstGeom prst="cloud">
+            <a:avLst/>
+          </a:prstGeom>
+          <a:noFill/>
+        </p:spPr>
+        <p:style>
+          <a:lnRef idx="2">
+            <a:schemeClr val="accent1">
+              <a:shade val="50000"/>
+            </a:schemeClr>
+          </a:lnRef>
+          <a:fillRef idx="1">
+            <a:schemeClr val="accent1"/>
+          </a:fillRef>
+          <a:effectRef idx="0">
+            <a:schemeClr val="accent1"/>
+          </a:effectRef>
+          <a:fontRef idx="minor">
+            <a:schemeClr val="lt1"/>
+          </a:fontRef>
+        </p:style>
+        <p:txBody>
+          <a:bodyPr rtlCol="0" anchor="ctr"/>
+          <a:lstStyle/>
+          <a:p>
+            <a:pPr algn="ctr"/>
+            <a:endParaRPr lang="en-US"/>
+          </a:p>
+        </p:txBody>
+      </p:sp>
+      <p:sp>
+        <p:nvSpPr>
+          <p:cNvPr id="25" name="TextBox 24">
+            <a:extLst>
+              <a:ext uri="{FF2B5EF4-FFF2-40B4-BE49-F238E27FC236}">
+                <a16:creationId xmlns:a16="http://schemas.microsoft.com/office/drawing/2014/main" id="{CC349749-C38F-4E03-BFCF-3BA18BEE1122}"/>
+              </a:ext>
+            </a:extLst>
+          </p:cNvPr>
+          <p:cNvSpPr txBox="1"/>
+          <p:nvPr/>
+        </p:nvSpPr>
+        <p:spPr>
+          <a:xfrm>
+            <a:off x="8010525" y="738319"/>
+            <a:ext cx="1768561" cy="307777"/>
+          </a:xfrm>
+          <a:prstGeom prst="rect">
+            <a:avLst/>
+          </a:prstGeom>
+          <a:noFill/>
+        </p:spPr>
+        <p:txBody>
+          <a:bodyPr wrap="none" rtlCol="0">
+            <a:spAutoFit/>
+          </a:bodyPr>
+          <a:lstStyle/>
+          <a:p>
+            <a:r>
+              <a:rPr lang="en-US" sz="1400" dirty="0"/>
+              <a:t>Bridge: 172.17.0.0/16</a:t>
+            </a:r>
+            <a:endParaRPr lang="en-US" dirty="0"/>
+          </a:p>
+        </p:txBody>
+      </p:sp>
+      <p:sp>
+        <p:nvSpPr>
+          <p:cNvPr id="26" name="Cloud 25">
+            <a:extLst>
+              <a:ext uri="{FF2B5EF4-FFF2-40B4-BE49-F238E27FC236}">
+                <a16:creationId xmlns:a16="http://schemas.microsoft.com/office/drawing/2014/main" id="{4E18D42F-A851-4A50-8F30-046DF377AFF8}"/>
+              </a:ext>
+            </a:extLst>
+          </p:cNvPr>
+          <p:cNvSpPr/>
+          <p:nvPr/>
+        </p:nvSpPr>
+        <p:spPr>
+          <a:xfrm>
+            <a:off x="4968961" y="3510347"/>
+            <a:ext cx="4810125" cy="2838450"/>
+          </a:xfrm>
+          <a:prstGeom prst="cloud">
+            <a:avLst/>
+          </a:prstGeom>
+          <a:noFill/>
+        </p:spPr>
+        <p:style>
+          <a:lnRef idx="2">
+            <a:schemeClr val="accent1">
+              <a:shade val="50000"/>
+            </a:schemeClr>
+          </a:lnRef>
+          <a:fillRef idx="1">
+            <a:schemeClr val="accent1"/>
+          </a:fillRef>
+          <a:effectRef idx="0">
+            <a:schemeClr val="accent1"/>
+          </a:effectRef>
+          <a:fontRef idx="minor">
+            <a:schemeClr val="lt1"/>
+          </a:fontRef>
+        </p:style>
+        <p:txBody>
+          <a:bodyPr rtlCol="0" anchor="ctr"/>
+          <a:lstStyle/>
+          <a:p>
+            <a:pPr algn="ctr"/>
+            <a:endParaRPr lang="en-US"/>
+          </a:p>
+        </p:txBody>
+      </p:sp>
+      <p:sp>
+        <p:nvSpPr>
+          <p:cNvPr id="27" name="TextBox 26">
+            <a:extLst>
+              <a:ext uri="{FF2B5EF4-FFF2-40B4-BE49-F238E27FC236}">
+                <a16:creationId xmlns:a16="http://schemas.microsoft.com/office/drawing/2014/main" id="{E423983F-6177-43FB-921F-D65F9786BFE2}"/>
+              </a:ext>
+            </a:extLst>
+          </p:cNvPr>
+          <p:cNvSpPr txBox="1"/>
+          <p:nvPr/>
+        </p:nvSpPr>
+        <p:spPr>
+          <a:xfrm>
+            <a:off x="4600950" y="3899898"/>
+            <a:ext cx="2060821" cy="307777"/>
+          </a:xfrm>
+          <a:prstGeom prst="rect">
+            <a:avLst/>
+          </a:prstGeom>
+          <a:noFill/>
+        </p:spPr>
+        <p:txBody>
+          <a:bodyPr wrap="none" rtlCol="0">
+            <a:spAutoFit/>
+          </a:bodyPr>
+          <a:lstStyle/>
+          <a:p>
+            <a:r>
+              <a:rPr lang="en-US" sz="1400" dirty="0"/>
+              <a:t>w1-db-net: 172.18.0.0/16</a:t>
+            </a:r>
+            <a:endParaRPr lang="en-US" dirty="0"/>
+          </a:p>
+        </p:txBody>
+      </p:sp>
+      <p:sp>
+        <p:nvSpPr>
+          <p:cNvPr id="34" name="Cloud 33">
+            <a:extLst>
+              <a:ext uri="{FF2B5EF4-FFF2-40B4-BE49-F238E27FC236}">
+                <a16:creationId xmlns:a16="http://schemas.microsoft.com/office/drawing/2014/main" id="{70338E92-A60E-4030-B36E-E104343ED157}"/>
+              </a:ext>
+            </a:extLst>
+          </p:cNvPr>
+          <p:cNvSpPr/>
+          <p:nvPr/>
+        </p:nvSpPr>
+        <p:spPr>
+          <a:xfrm rot="5400000">
+            <a:off x="6554284" y="2565611"/>
+            <a:ext cx="4810125" cy="2293355"/>
+          </a:xfrm>
+          <a:prstGeom prst="cloud">
+            <a:avLst/>
+          </a:prstGeom>
+          <a:noFill/>
+        </p:spPr>
+        <p:style>
+          <a:lnRef idx="2">
+            <a:schemeClr val="accent1">
+              <a:shade val="50000"/>
+            </a:schemeClr>
+          </a:lnRef>
+          <a:fillRef idx="1">
+            <a:schemeClr val="accent1"/>
+          </a:fillRef>
+          <a:effectRef idx="0">
+            <a:schemeClr val="accent1"/>
+          </a:effectRef>
+          <a:fontRef idx="minor">
+            <a:schemeClr val="lt1"/>
+          </a:fontRef>
+        </p:style>
+        <p:txBody>
+          <a:bodyPr rtlCol="0" anchor="ctr"/>
+          <a:lstStyle/>
+          <a:p>
+            <a:pPr algn="ctr"/>
+            <a:endParaRPr lang="en-US"/>
+          </a:p>
+        </p:txBody>
+      </p:sp>
+      <p:sp>
+        <p:nvSpPr>
+          <p:cNvPr id="36" name="TextBox 35">
+            <a:extLst>
+              <a:ext uri="{FF2B5EF4-FFF2-40B4-BE49-F238E27FC236}">
+                <a16:creationId xmlns:a16="http://schemas.microsoft.com/office/drawing/2014/main" id="{3912694A-C678-4B40-BCCC-2C48492F4C85}"/>
+              </a:ext>
+            </a:extLst>
+          </p:cNvPr>
+          <p:cNvSpPr txBox="1"/>
+          <p:nvPr/>
+        </p:nvSpPr>
+        <p:spPr>
+          <a:xfrm>
+            <a:off x="8851118" y="1601901"/>
+            <a:ext cx="2092881" cy="307777"/>
+          </a:xfrm>
+          <a:prstGeom prst="rect">
+            <a:avLst/>
+          </a:prstGeom>
+          <a:noFill/>
+        </p:spPr>
+        <p:txBody>
+          <a:bodyPr wrap="none" rtlCol="0">
+            <a:spAutoFit/>
+          </a:bodyPr>
+          <a:lstStyle/>
+          <a:p>
+            <a:r>
+              <a:rPr lang="en-US" sz="1400" dirty="0"/>
+              <a:t>W2-db-net: 172.19.0.0/16</a:t>
+            </a:r>
+            <a:endParaRPr lang="en-US" dirty="0"/>
+          </a:p>
+        </p:txBody>
+      </p:sp>
+      <p:sp>
+        <p:nvSpPr>
+          <p:cNvPr id="37" name="TextBox 36">
+            <a:extLst>
+              <a:ext uri="{FF2B5EF4-FFF2-40B4-BE49-F238E27FC236}">
+                <a16:creationId xmlns:a16="http://schemas.microsoft.com/office/drawing/2014/main" id="{DAA8E0D9-4AC6-4EC7-9F1D-B169328B0BC0}"/>
+              </a:ext>
+            </a:extLst>
+          </p:cNvPr>
+          <p:cNvSpPr txBox="1"/>
+          <p:nvPr/>
+        </p:nvSpPr>
+        <p:spPr>
+          <a:xfrm flipH="1">
+            <a:off x="8660169" y="2053182"/>
+            <a:ext cx="554357" cy="369332"/>
+          </a:xfrm>
+          <a:prstGeom prst="rect">
+            <a:avLst/>
+          </a:prstGeom>
+          <a:noFill/>
+        </p:spPr>
+        <p:txBody>
+          <a:bodyPr wrap="square" rtlCol="0">
+            <a:spAutoFit/>
+          </a:bodyPr>
+          <a:lstStyle/>
+          <a:p>
+            <a:r>
+              <a:rPr lang="en-US" dirty="0"/>
+              <a:t>w2</a:t>
+            </a:r>
+          </a:p>
+        </p:txBody>
+      </p:sp>
+      <p:sp>
+        <p:nvSpPr>
+          <p:cNvPr id="38" name="TextBox 37">
+            <a:extLst>
+              <a:ext uri="{FF2B5EF4-FFF2-40B4-BE49-F238E27FC236}">
+                <a16:creationId xmlns:a16="http://schemas.microsoft.com/office/drawing/2014/main" id="{9D2BCF51-F1BF-4CD6-9030-393DFF6C2BCC}"/>
+              </a:ext>
+            </a:extLst>
+          </p:cNvPr>
+          <p:cNvSpPr txBox="1"/>
+          <p:nvPr/>
+        </p:nvSpPr>
+        <p:spPr>
+          <a:xfrm>
+            <a:off x="8393733" y="2422514"/>
+            <a:ext cx="1176925" cy="369332"/>
+          </a:xfrm>
+          <a:prstGeom prst="rect">
+            <a:avLst/>
+          </a:prstGeom>
+          <a:noFill/>
+        </p:spPr>
+        <p:txBody>
+          <a:bodyPr wrap="none" rtlCol="0">
+            <a:spAutoFit/>
+          </a:bodyPr>
+          <a:lstStyle/>
+          <a:p>
+            <a:r>
+              <a:rPr lang="en-US" dirty="0"/>
+              <a:t>172.19.0.2</a:t>
+            </a:r>
+          </a:p>
+        </p:txBody>
+      </p:sp>
+      <p:cxnSp>
+        <p:nvCxnSpPr>
+          <p:cNvPr id="40" name="Straight Arrow Connector 39">
+            <a:extLst>
+              <a:ext uri="{FF2B5EF4-FFF2-40B4-BE49-F238E27FC236}">
+                <a16:creationId xmlns:a16="http://schemas.microsoft.com/office/drawing/2014/main" id="{B550FBE6-700C-42E9-922F-FA1D17A523A6}"/>
+              </a:ext>
+            </a:extLst>
+          </p:cNvPr>
+          <p:cNvCxnSpPr>
+            <a:stCxn id="5" idx="1"/>
+            <a:endCxn id="4" idx="1"/>
+          </p:cNvCxnSpPr>
+          <p:nvPr/>
+        </p:nvCxnSpPr>
+        <p:spPr>
+          <a:xfrm flipV="1">
+            <a:off x="6452154" y="4536023"/>
+            <a:ext cx="2056872" cy="257898"/>
+          </a:xfrm>
+          <a:prstGeom prst="straightConnector1">
+            <a:avLst/>
+          </a:prstGeom>
+          <a:ln>
+            <a:headEnd type="triangle"/>
+            <a:tailEnd type="triangle"/>
+          </a:ln>
+        </p:spPr>
+        <p:style>
+          <a:lnRef idx="1">
+            <a:schemeClr val="accent1"/>
+          </a:lnRef>
+          <a:fillRef idx="0">
+            <a:schemeClr val="accent1"/>
+          </a:fillRef>
+          <a:effectRef idx="0">
+            <a:schemeClr val="accent1"/>
+          </a:effectRef>
+          <a:fontRef idx="minor">
+            <a:schemeClr val="tx1"/>
+          </a:fontRef>
+        </p:style>
+      </p:cxnSp>
+      <p:cxnSp>
+        <p:nvCxnSpPr>
+          <p:cNvPr id="42" name="Straight Arrow Connector 41">
+            <a:extLst>
+              <a:ext uri="{FF2B5EF4-FFF2-40B4-BE49-F238E27FC236}">
+                <a16:creationId xmlns:a16="http://schemas.microsoft.com/office/drawing/2014/main" id="{1DB2B1E8-49B3-46E7-B791-1D1B4D0AA778}"/>
+              </a:ext>
+            </a:extLst>
+          </p:cNvPr>
+          <p:cNvCxnSpPr>
+            <a:stCxn id="37" idx="2"/>
+            <a:endCxn id="4" idx="0"/>
+          </p:cNvCxnSpPr>
+          <p:nvPr/>
+        </p:nvCxnSpPr>
+        <p:spPr>
+          <a:xfrm flipH="1">
+            <a:off x="8723187" y="2422514"/>
+            <a:ext cx="214160" cy="1928843"/>
+          </a:xfrm>
+          <a:prstGeom prst="straightConnector1">
+            <a:avLst/>
+          </a:prstGeom>
+          <a:ln>
+            <a:headEnd type="triangle"/>
+            <a:tailEnd type="triangle"/>
+          </a:ln>
+        </p:spPr>
+        <p:style>
+          <a:lnRef idx="1">
+            <a:schemeClr val="accent1"/>
+          </a:lnRef>
+          <a:fillRef idx="0">
+            <a:schemeClr val="accent1"/>
+          </a:fillRef>
+          <a:effectRef idx="0">
+            <a:schemeClr val="accent1"/>
+          </a:effectRef>
+          <a:fontRef idx="minor">
+            <a:schemeClr val="tx1"/>
+          </a:fontRef>
+        </p:style>
+      </p:cxnSp>
+      <p:cxnSp>
+        <p:nvCxnSpPr>
+          <p:cNvPr id="44" name="Straight Arrow Connector 43">
+            <a:extLst>
+              <a:ext uri="{FF2B5EF4-FFF2-40B4-BE49-F238E27FC236}">
+                <a16:creationId xmlns:a16="http://schemas.microsoft.com/office/drawing/2014/main" id="{D138F4E7-CF58-4BA9-B66E-8B614B5C42D9}"/>
+              </a:ext>
+            </a:extLst>
+          </p:cNvPr>
+          <p:cNvCxnSpPr>
+            <a:stCxn id="5" idx="0"/>
+            <a:endCxn id="37" idx="3"/>
+          </p:cNvCxnSpPr>
+          <p:nvPr/>
+        </p:nvCxnSpPr>
+        <p:spPr>
+          <a:xfrm flipV="1">
+            <a:off x="6174975" y="2237848"/>
+            <a:ext cx="2485194" cy="2371407"/>
+          </a:xfrm>
+          <a:prstGeom prst="straightConnector1">
+            <a:avLst/>
+          </a:prstGeom>
+          <a:ln>
+            <a:headEnd type="triangle"/>
+            <a:tailEnd type="triangle"/>
+          </a:ln>
+        </p:spPr>
+        <p:style>
+          <a:lnRef idx="1">
+            <a:schemeClr val="accent1"/>
+          </a:lnRef>
+          <a:fillRef idx="0">
+            <a:schemeClr val="accent1"/>
+          </a:fillRef>
+          <a:effectRef idx="0">
+            <a:schemeClr val="accent1"/>
+          </a:effectRef>
+          <a:fontRef idx="minor">
+            <a:schemeClr val="tx1"/>
+          </a:fontRef>
+        </p:style>
+      </p:cxnSp>
+      <p:sp>
+        <p:nvSpPr>
+          <p:cNvPr id="45" name="TextBox 44">
+            <a:extLst>
+              <a:ext uri="{FF2B5EF4-FFF2-40B4-BE49-F238E27FC236}">
+                <a16:creationId xmlns:a16="http://schemas.microsoft.com/office/drawing/2014/main" id="{3C9D882B-AC36-43C2-A0E8-1676BEBE15B2}"/>
+              </a:ext>
+            </a:extLst>
+          </p:cNvPr>
+          <p:cNvSpPr txBox="1"/>
+          <p:nvPr/>
+        </p:nvSpPr>
+        <p:spPr>
+          <a:xfrm>
+            <a:off x="7260818" y="3013556"/>
+            <a:ext cx="439544" cy="646331"/>
+          </a:xfrm>
+          <a:prstGeom prst="rect">
+            <a:avLst/>
+          </a:prstGeom>
+          <a:noFill/>
+          <a:ln>
+            <a:solidFill>
+              <a:srgbClr val="FF0000"/>
+            </a:solidFill>
+          </a:ln>
+        </p:spPr>
+        <p:txBody>
+          <a:bodyPr wrap="none" rtlCol="0">
+            <a:spAutoFit/>
+          </a:bodyPr>
+          <a:lstStyle/>
+          <a:p>
+            <a:r>
+              <a:rPr lang="en-US" sz="3600" b="1" dirty="0">
+                <a:solidFill>
+                  <a:srgbClr val="FF0000"/>
+                </a:solidFill>
+              </a:rPr>
+              <a:t>X</a:t>
+            </a:r>
+            <a:endParaRPr lang="en-US" b="1" dirty="0">
+              <a:solidFill>
+                <a:srgbClr val="FF0000"/>
+              </a:solidFill>
+            </a:endParaRPr>
+          </a:p>
+        </p:txBody>
+      </p:sp>
+    </p:spTree>
+    <p:extLst>
+      <p:ext uri="{BB962C8B-B14F-4D97-AF65-F5344CB8AC3E}">
+        <p14:creationId xmlns:p14="http://schemas.microsoft.com/office/powerpoint/2010/main" val="773228211"/>
+      </p:ext>
+    </p:extLst>
+  </p:cSld>
+  <p:clrMapOvr>
+    <a:masterClrMapping/>
+  </p:clrMapOvr>
+</p:sld>
+</file>
+
+<file path=ppt/slides/slide8.xml><?xml version="1.0" encoding="utf-8"?>
+<p:sld xmlns:a="http://schemas.openxmlformats.org/drawingml/2006/main" xmlns:r="http://schemas.openxmlformats.org/officeDocument/2006/relationships" xmlns:p="http://schemas.openxmlformats.org/presentationml/2006/main">
+  <p:cSld>
+    <p:spTree>
+      <p:nvGrpSpPr>
+        <p:cNvPr id="1" name=""/>
+        <p:cNvGrpSpPr/>
+        <p:nvPr/>
+      </p:nvGrpSpPr>
+      <p:grpSpPr>
+        <a:xfrm>
+          <a:off x="0" y="0"/>
+          <a:ext cx="0" cy="0"/>
+          <a:chOff x="0" y="0"/>
+          <a:chExt cx="0" cy="0"/>
+        </a:xfrm>
+      </p:grpSpPr>
+      <p:sp>
+        <p:nvSpPr>
+          <p:cNvPr id="2" name="Rectangle 1">
+            <a:extLst>
+              <a:ext uri="{FF2B5EF4-FFF2-40B4-BE49-F238E27FC236}">
+                <a16:creationId xmlns:a16="http://schemas.microsoft.com/office/drawing/2014/main" id="{853139CF-5503-4BA2-AA37-6138018117F1}"/>
+              </a:ext>
+            </a:extLst>
+          </p:cNvPr>
+          <p:cNvSpPr/>
+          <p:nvPr/>
+        </p:nvSpPr>
+        <p:spPr>
+          <a:xfrm>
+            <a:off x="4521666" y="218114"/>
+            <a:ext cx="5989740" cy="6115574"/>
+          </a:xfrm>
+          <a:prstGeom prst="rect">
+            <a:avLst/>
+          </a:prstGeom>
+          <a:noFill/>
+        </p:spPr>
+        <p:style>
+          <a:lnRef idx="2">
+            <a:schemeClr val="accent1">
+              <a:shade val="50000"/>
+            </a:schemeClr>
+          </a:lnRef>
+          <a:fillRef idx="1">
+            <a:schemeClr val="accent1"/>
+          </a:fillRef>
+          <a:effectRef idx="0">
+            <a:schemeClr val="accent1"/>
+          </a:effectRef>
+          <a:fontRef idx="minor">
+            <a:schemeClr val="lt1"/>
+          </a:fontRef>
+        </p:style>
+        <p:txBody>
+          <a:bodyPr rtlCol="0" anchor="ctr"/>
+          <a:lstStyle/>
+          <a:p>
+            <a:pPr algn="ctr"/>
+            <a:endParaRPr lang="en-US"/>
+          </a:p>
+        </p:txBody>
+      </p:sp>
+      <p:sp>
+        <p:nvSpPr>
+          <p:cNvPr id="3" name="TextBox 2">
+            <a:extLst>
+              <a:ext uri="{FF2B5EF4-FFF2-40B4-BE49-F238E27FC236}">
+                <a16:creationId xmlns:a16="http://schemas.microsoft.com/office/drawing/2014/main" id="{706E64E6-5D5F-4B36-B76D-4DC6416D69C2}"/>
+              </a:ext>
+            </a:extLst>
+          </p:cNvPr>
+          <p:cNvSpPr txBox="1"/>
+          <p:nvPr/>
+        </p:nvSpPr>
+        <p:spPr>
+          <a:xfrm>
+            <a:off x="4689446" y="385894"/>
+            <a:ext cx="1056956" cy="369332"/>
+          </a:xfrm>
+          <a:prstGeom prst="rect">
+            <a:avLst/>
+          </a:prstGeom>
+          <a:noFill/>
+        </p:spPr>
+        <p:txBody>
+          <a:bodyPr wrap="none" rtlCol="0">
+            <a:spAutoFit/>
+          </a:bodyPr>
+          <a:lstStyle/>
+          <a:p>
+            <a:r>
+              <a:rPr lang="en-US" dirty="0" err="1"/>
+              <a:t>minikube</a:t>
+            </a:r>
+            <a:endParaRPr lang="en-US" dirty="0"/>
+          </a:p>
+        </p:txBody>
+      </p:sp>
+      <p:sp>
+        <p:nvSpPr>
+          <p:cNvPr id="4" name="Oval 3">
+            <a:extLst>
+              <a:ext uri="{FF2B5EF4-FFF2-40B4-BE49-F238E27FC236}">
+                <a16:creationId xmlns:a16="http://schemas.microsoft.com/office/drawing/2014/main" id="{7A7FC83E-D314-4EC0-88DE-D655A18D452A}"/>
+              </a:ext>
+            </a:extLst>
+          </p:cNvPr>
+          <p:cNvSpPr/>
+          <p:nvPr/>
+        </p:nvSpPr>
+        <p:spPr>
+          <a:xfrm>
+            <a:off x="8096250" y="2114550"/>
+            <a:ext cx="1562100" cy="952500"/>
+          </a:xfrm>
+          <a:prstGeom prst="ellipse">
+            <a:avLst/>
+          </a:prstGeom>
+        </p:spPr>
+        <p:style>
+          <a:lnRef idx="2">
+            <a:schemeClr val="accent1">
+              <a:shade val="50000"/>
+            </a:schemeClr>
+          </a:lnRef>
+          <a:fillRef idx="1">
+            <a:schemeClr val="accent1"/>
+          </a:fillRef>
+          <a:effectRef idx="0">
+            <a:schemeClr val="accent1"/>
+          </a:effectRef>
+          <a:fontRef idx="minor">
+            <a:schemeClr val="lt1"/>
+          </a:fontRef>
+        </p:style>
+        <p:txBody>
+          <a:bodyPr rtlCol="0" anchor="ctr"/>
+          <a:lstStyle/>
+          <a:p>
+            <a:pPr algn="ctr"/>
+            <a:r>
+              <a:rPr lang="en-US" dirty="0"/>
+              <a:t>Mysql:5.7</a:t>
+            </a:r>
+          </a:p>
+          <a:p>
+            <a:pPr algn="ctr"/>
+            <a:r>
+              <a:rPr lang="en-US" dirty="0"/>
+              <a:t>3306</a:t>
+            </a:r>
+          </a:p>
+        </p:txBody>
+      </p:sp>
+      <p:sp>
+        <p:nvSpPr>
+          <p:cNvPr id="5" name="TextBox 4">
+            <a:extLst>
+              <a:ext uri="{FF2B5EF4-FFF2-40B4-BE49-F238E27FC236}">
+                <a16:creationId xmlns:a16="http://schemas.microsoft.com/office/drawing/2014/main" id="{0304AB7A-F488-44EA-92EB-87EA5274A207}"/>
+              </a:ext>
+            </a:extLst>
+          </p:cNvPr>
+          <p:cNvSpPr txBox="1"/>
+          <p:nvPr/>
+        </p:nvSpPr>
+        <p:spPr>
+          <a:xfrm>
+            <a:off x="8005166" y="2910260"/>
+            <a:ext cx="2015295" cy="369332"/>
+          </a:xfrm>
+          <a:prstGeom prst="rect">
+            <a:avLst/>
+          </a:prstGeom>
+          <a:noFill/>
+        </p:spPr>
+        <p:txBody>
+          <a:bodyPr wrap="none" rtlCol="0">
+            <a:spAutoFit/>
+          </a:bodyPr>
+          <a:lstStyle/>
+          <a:p>
+            <a:r>
+              <a:rPr lang="en-US" dirty="0"/>
+              <a:t>blog-</a:t>
+            </a:r>
+            <a:r>
+              <a:rPr lang="en-US" dirty="0" err="1"/>
+              <a:t>db</a:t>
+            </a:r>
+            <a:r>
+              <a:rPr lang="en-US" dirty="0"/>
+              <a:t>: 172.18.0.4</a:t>
+            </a:r>
+          </a:p>
+        </p:txBody>
+      </p:sp>
+      <p:sp>
+        <p:nvSpPr>
+          <p:cNvPr id="6" name="Arrow: Right 5">
+            <a:extLst>
+              <a:ext uri="{FF2B5EF4-FFF2-40B4-BE49-F238E27FC236}">
+                <a16:creationId xmlns:a16="http://schemas.microsoft.com/office/drawing/2014/main" id="{5C69CE21-5AC1-4D3D-BA58-A3880E83FFC7}"/>
+              </a:ext>
+            </a:extLst>
+          </p:cNvPr>
+          <p:cNvSpPr/>
+          <p:nvPr/>
+        </p:nvSpPr>
+        <p:spPr>
+          <a:xfrm>
+            <a:off x="9368425" y="2533650"/>
+            <a:ext cx="528050" cy="342900"/>
+          </a:xfrm>
+          <a:prstGeom prst="rightArrow">
+            <a:avLst/>
+          </a:prstGeom>
+        </p:spPr>
+        <p:style>
+          <a:lnRef idx="2">
+            <a:schemeClr val="accent1">
+              <a:shade val="50000"/>
+            </a:schemeClr>
+          </a:lnRef>
+          <a:fillRef idx="1">
+            <a:schemeClr val="accent1"/>
+          </a:fillRef>
+          <a:effectRef idx="0">
+            <a:schemeClr val="accent1"/>
+          </a:effectRef>
+          <a:fontRef idx="minor">
+            <a:schemeClr val="lt1"/>
+          </a:fontRef>
+        </p:style>
+        <p:txBody>
+          <a:bodyPr rtlCol="0" anchor="ctr"/>
+          <a:lstStyle/>
+          <a:p>
+            <a:pPr algn="ctr"/>
+            <a:endParaRPr lang="en-US"/>
+          </a:p>
+        </p:txBody>
+      </p:sp>
+      <p:sp>
+        <p:nvSpPr>
+          <p:cNvPr id="7" name="TextBox 6">
+            <a:extLst>
+              <a:ext uri="{FF2B5EF4-FFF2-40B4-BE49-F238E27FC236}">
+                <a16:creationId xmlns:a16="http://schemas.microsoft.com/office/drawing/2014/main" id="{2199CAF4-26AC-4C0B-AC43-6DFBF68AC285}"/>
+              </a:ext>
+            </a:extLst>
+          </p:cNvPr>
+          <p:cNvSpPr txBox="1"/>
+          <p:nvPr/>
+        </p:nvSpPr>
+        <p:spPr>
+          <a:xfrm>
+            <a:off x="9697028" y="2581275"/>
+            <a:ext cx="1079013" cy="369332"/>
+          </a:xfrm>
+          <a:prstGeom prst="rect">
+            <a:avLst/>
+          </a:prstGeom>
+          <a:noFill/>
+        </p:spPr>
+        <p:txBody>
+          <a:bodyPr wrap="none" rtlCol="0">
+            <a:spAutoFit/>
+          </a:bodyPr>
+          <a:lstStyle/>
+          <a:p>
+            <a:r>
+              <a:rPr lang="en-US" dirty="0"/>
+              <a:t>Blog-data</a:t>
+            </a:r>
+          </a:p>
+        </p:txBody>
+      </p:sp>
+      <p:sp>
+        <p:nvSpPr>
+          <p:cNvPr id="9" name="Oval 8">
+            <a:extLst>
+              <a:ext uri="{FF2B5EF4-FFF2-40B4-BE49-F238E27FC236}">
+                <a16:creationId xmlns:a16="http://schemas.microsoft.com/office/drawing/2014/main" id="{1C31B671-66C1-4F81-8DEA-FF57BF2E5A3E}"/>
+              </a:ext>
+            </a:extLst>
+          </p:cNvPr>
+          <p:cNvSpPr/>
+          <p:nvPr/>
+        </p:nvSpPr>
+        <p:spPr>
+          <a:xfrm>
+            <a:off x="4924424" y="1914525"/>
+            <a:ext cx="2318769" cy="2647950"/>
+          </a:xfrm>
+          <a:prstGeom prst="ellipse">
+            <a:avLst/>
+          </a:prstGeom>
+        </p:spPr>
+        <p:style>
+          <a:lnRef idx="2">
+            <a:schemeClr val="accent1">
+              <a:shade val="50000"/>
+            </a:schemeClr>
+          </a:lnRef>
+          <a:fillRef idx="1">
+            <a:schemeClr val="accent1"/>
+          </a:fillRef>
+          <a:effectRef idx="0">
+            <a:schemeClr val="accent1"/>
+          </a:effectRef>
+          <a:fontRef idx="minor">
+            <a:schemeClr val="lt1"/>
+          </a:fontRef>
+        </p:style>
+        <p:txBody>
+          <a:bodyPr rtlCol="0" anchor="ctr"/>
+          <a:lstStyle/>
+          <a:p>
+            <a:pPr algn="ctr"/>
+            <a:r>
+              <a:rPr lang="en-US" dirty="0"/>
+              <a:t>ghost</a:t>
+            </a:r>
+          </a:p>
+          <a:p>
+            <a:pPr algn="ctr"/>
+            <a:r>
+              <a:rPr lang="en-US" dirty="0"/>
+              <a:t>Host=blog-</a:t>
+            </a:r>
+            <a:r>
+              <a:rPr lang="en-US" dirty="0" err="1"/>
+              <a:t>db</a:t>
+            </a:r>
+            <a:endParaRPr lang="en-US" dirty="0"/>
+          </a:p>
+          <a:p>
+            <a:pPr algn="ctr"/>
+            <a:r>
+              <a:rPr lang="en-US" dirty="0"/>
+              <a:t>Port:3306</a:t>
+            </a:r>
+          </a:p>
+          <a:p>
+            <a:pPr algn="ctr"/>
+            <a:r>
+              <a:rPr lang="en-US" dirty="0"/>
+              <a:t>User=root</a:t>
+            </a:r>
+          </a:p>
+          <a:p>
+            <a:pPr algn="ctr"/>
+            <a:r>
+              <a:rPr lang="en-US" dirty="0" err="1"/>
+              <a:t>Pwd</a:t>
+            </a:r>
+            <a:r>
+              <a:rPr lang="en-US" dirty="0"/>
+              <a:t>=welcome</a:t>
+            </a:r>
+          </a:p>
+          <a:p>
+            <a:pPr algn="ctr"/>
+            <a:endParaRPr lang="en-US" dirty="0"/>
+          </a:p>
+        </p:txBody>
+      </p:sp>
+      <p:sp>
+        <p:nvSpPr>
+          <p:cNvPr id="10" name="TextBox 9">
+            <a:extLst>
+              <a:ext uri="{FF2B5EF4-FFF2-40B4-BE49-F238E27FC236}">
+                <a16:creationId xmlns:a16="http://schemas.microsoft.com/office/drawing/2014/main" id="{9C56CDC9-426A-4077-99E0-338D19C55E26}"/>
+              </a:ext>
+            </a:extLst>
+          </p:cNvPr>
+          <p:cNvSpPr txBox="1"/>
+          <p:nvPr/>
+        </p:nvSpPr>
+        <p:spPr>
+          <a:xfrm>
+            <a:off x="5476875" y="4562475"/>
+            <a:ext cx="2343150" cy="369332"/>
+          </a:xfrm>
+          <a:prstGeom prst="rect">
+            <a:avLst/>
+          </a:prstGeom>
+          <a:noFill/>
+        </p:spPr>
+        <p:txBody>
+          <a:bodyPr wrap="square" rtlCol="0">
+            <a:spAutoFit/>
+          </a:bodyPr>
+          <a:lstStyle/>
+          <a:p>
+            <a:r>
+              <a:rPr lang="en-US" dirty="0"/>
+              <a:t>172.18.0.6</a:t>
+            </a:r>
+          </a:p>
+        </p:txBody>
+      </p:sp>
+      <p:sp>
+        <p:nvSpPr>
+          <p:cNvPr id="11" name="Cloud 10">
+            <a:extLst>
+              <a:ext uri="{FF2B5EF4-FFF2-40B4-BE49-F238E27FC236}">
+                <a16:creationId xmlns:a16="http://schemas.microsoft.com/office/drawing/2014/main" id="{A9BEBF89-C687-4E0F-8BDB-EAD982AE7093}"/>
+              </a:ext>
+            </a:extLst>
+          </p:cNvPr>
+          <p:cNvSpPr/>
+          <p:nvPr/>
+        </p:nvSpPr>
+        <p:spPr>
+          <a:xfrm>
+            <a:off x="4257031" y="1456166"/>
+            <a:ext cx="6753869" cy="3934984"/>
+          </a:xfrm>
+          <a:prstGeom prst="cloud">
+            <a:avLst/>
+          </a:prstGeom>
+          <a:noFill/>
+        </p:spPr>
+        <p:style>
+          <a:lnRef idx="2">
+            <a:schemeClr val="accent1">
+              <a:shade val="50000"/>
+            </a:schemeClr>
+          </a:lnRef>
+          <a:fillRef idx="1">
+            <a:schemeClr val="accent1"/>
+          </a:fillRef>
+          <a:effectRef idx="0">
+            <a:schemeClr val="accent1"/>
+          </a:effectRef>
+          <a:fontRef idx="minor">
+            <a:schemeClr val="lt1"/>
+          </a:fontRef>
+        </p:style>
+        <p:txBody>
+          <a:bodyPr rtlCol="0" anchor="ctr"/>
+          <a:lstStyle/>
+          <a:p>
+            <a:pPr algn="ctr"/>
+            <a:endParaRPr lang="en-US"/>
+          </a:p>
+        </p:txBody>
+      </p:sp>
+      <p:sp>
+        <p:nvSpPr>
+          <p:cNvPr id="12" name="TextBox 11">
+            <a:extLst>
+              <a:ext uri="{FF2B5EF4-FFF2-40B4-BE49-F238E27FC236}">
+                <a16:creationId xmlns:a16="http://schemas.microsoft.com/office/drawing/2014/main" id="{97C6BD85-F7B4-4452-9641-78EA43891D82}"/>
+              </a:ext>
+            </a:extLst>
+          </p:cNvPr>
+          <p:cNvSpPr txBox="1"/>
+          <p:nvPr/>
+        </p:nvSpPr>
+        <p:spPr>
+          <a:xfrm>
+            <a:off x="4257031" y="1638300"/>
+            <a:ext cx="667393" cy="369332"/>
+          </a:xfrm>
+          <a:prstGeom prst="rect">
+            <a:avLst/>
+          </a:prstGeom>
+          <a:noFill/>
+        </p:spPr>
+        <p:txBody>
+          <a:bodyPr wrap="square" rtlCol="0">
+            <a:spAutoFit/>
+          </a:bodyPr>
+          <a:lstStyle/>
+          <a:p>
+            <a:r>
+              <a:rPr lang="en-US" dirty="0"/>
+              <a:t>9090</a:t>
+            </a:r>
+          </a:p>
+        </p:txBody>
+      </p:sp>
+      <p:cxnSp>
+        <p:nvCxnSpPr>
+          <p:cNvPr id="14" name="Straight Arrow Connector 13">
+            <a:extLst>
+              <a:ext uri="{FF2B5EF4-FFF2-40B4-BE49-F238E27FC236}">
+                <a16:creationId xmlns:a16="http://schemas.microsoft.com/office/drawing/2014/main" id="{B7745B1E-5709-43C0-9233-127F041FA166}"/>
+              </a:ext>
+            </a:extLst>
+          </p:cNvPr>
+          <p:cNvCxnSpPr>
+            <a:stCxn id="12" idx="3"/>
+          </p:cNvCxnSpPr>
+          <p:nvPr/>
+        </p:nvCxnSpPr>
+        <p:spPr>
+          <a:xfrm>
+            <a:off x="4924424" y="1822966"/>
+            <a:ext cx="1171576" cy="91559"/>
+          </a:xfrm>
+          <a:prstGeom prst="straightConnector1">
+            <a:avLst/>
+          </a:prstGeom>
+          <a:ln>
+            <a:headEnd type="triangle"/>
+            <a:tailEnd type="triangle"/>
+          </a:ln>
+        </p:spPr>
+        <p:style>
+          <a:lnRef idx="1">
+            <a:schemeClr val="accent1"/>
+          </a:lnRef>
+          <a:fillRef idx="0">
+            <a:schemeClr val="accent1"/>
+          </a:fillRef>
+          <a:effectRef idx="0">
+            <a:schemeClr val="accent1"/>
+          </a:effectRef>
+          <a:fontRef idx="minor">
+            <a:schemeClr val="tx1"/>
+          </a:fontRef>
+        </p:style>
+      </p:cxnSp>
+      <p:cxnSp>
+        <p:nvCxnSpPr>
+          <p:cNvPr id="16" name="Straight Arrow Connector 15">
+            <a:extLst>
+              <a:ext uri="{FF2B5EF4-FFF2-40B4-BE49-F238E27FC236}">
+                <a16:creationId xmlns:a16="http://schemas.microsoft.com/office/drawing/2014/main" id="{FE7A97B1-A909-4292-A521-EA2493AA45D7}"/>
+              </a:ext>
+            </a:extLst>
+          </p:cNvPr>
+          <p:cNvCxnSpPr>
+            <a:stCxn id="9" idx="6"/>
+            <a:endCxn id="4" idx="2"/>
+          </p:cNvCxnSpPr>
+          <p:nvPr/>
+        </p:nvCxnSpPr>
+        <p:spPr>
+          <a:xfrm flipV="1">
+            <a:off x="7243193" y="2590800"/>
+            <a:ext cx="853057" cy="647700"/>
+          </a:xfrm>
+          <a:prstGeom prst="straightConnector1">
+            <a:avLst/>
+          </a:prstGeom>
+          <a:ln>
+            <a:headEnd type="triangle"/>
+            <a:tailEnd type="triangle"/>
+          </a:ln>
+        </p:spPr>
+        <p:style>
+          <a:lnRef idx="1">
+            <a:schemeClr val="accent1"/>
+          </a:lnRef>
+          <a:fillRef idx="0">
+            <a:schemeClr val="accent1"/>
+          </a:fillRef>
+          <a:effectRef idx="0">
+            <a:schemeClr val="accent1"/>
+          </a:effectRef>
+          <a:fontRef idx="minor">
+            <a:schemeClr val="tx1"/>
+          </a:fontRef>
+        </p:style>
+      </p:cxnSp>
+    </p:spTree>
+    <p:extLst>
+      <p:ext uri="{BB962C8B-B14F-4D97-AF65-F5344CB8AC3E}">
+        <p14:creationId xmlns:p14="http://schemas.microsoft.com/office/powerpoint/2010/main" val="746800530"/>
       </p:ext>
     </p:extLst>
   </p:cSld>

--- a/rough-diag.pptx
+++ b/rough-diag.pptx
@@ -13,6 +13,11 @@
     <p:sldId id="261" r:id="rId7"/>
     <p:sldId id="262" r:id="rId8"/>
     <p:sldId id="263" r:id="rId9"/>
+    <p:sldId id="264" r:id="rId10"/>
+    <p:sldId id="265" r:id="rId11"/>
+    <p:sldId id="266" r:id="rId12"/>
+    <p:sldId id="267" r:id="rId13"/>
+    <p:sldId id="268" r:id="rId14"/>
   </p:sldIdLst>
   <p:sldSz cx="12192000" cy="6858000"/>
   <p:notesSz cx="6858000" cy="9144000"/>
@@ -4145,6 +4150,3858 @@
 </p:sld>
 </file>
 
+<file path=ppt/slides/slide10.xml><?xml version="1.0" encoding="utf-8"?>
+<p:sld xmlns:a="http://schemas.openxmlformats.org/drawingml/2006/main" xmlns:r="http://schemas.openxmlformats.org/officeDocument/2006/relationships" xmlns:p="http://schemas.openxmlformats.org/presentationml/2006/main">
+  <p:cSld>
+    <p:spTree>
+      <p:nvGrpSpPr>
+        <p:cNvPr id="1" name=""/>
+        <p:cNvGrpSpPr/>
+        <p:nvPr/>
+      </p:nvGrpSpPr>
+      <p:grpSpPr>
+        <a:xfrm>
+          <a:off x="0" y="0"/>
+          <a:ext cx="0" cy="0"/>
+          <a:chOff x="0" y="0"/>
+          <a:chExt cx="0" cy="0"/>
+        </a:xfrm>
+      </p:grpSpPr>
+      <p:sp>
+        <p:nvSpPr>
+          <p:cNvPr id="2" name="TextBox 1">
+            <a:extLst>
+              <a:ext uri="{FF2B5EF4-FFF2-40B4-BE49-F238E27FC236}">
+                <a16:creationId xmlns:a16="http://schemas.microsoft.com/office/drawing/2014/main" id="{BDB30D09-630A-4489-A901-A2F0AA500D21}"/>
+              </a:ext>
+            </a:extLst>
+          </p:cNvPr>
+          <p:cNvSpPr txBox="1"/>
+          <p:nvPr/>
+        </p:nvSpPr>
+        <p:spPr>
+          <a:xfrm>
+            <a:off x="704850" y="1076325"/>
+            <a:ext cx="5191125" cy="2031325"/>
+          </a:xfrm>
+          <a:prstGeom prst="rect">
+            <a:avLst/>
+          </a:prstGeom>
+          <a:noFill/>
+        </p:spPr>
+        <p:txBody>
+          <a:bodyPr wrap="square" rtlCol="0">
+            <a:spAutoFit/>
+          </a:bodyPr>
+          <a:lstStyle/>
+          <a:p>
+            <a:r>
+              <a:rPr lang="en-US" dirty="0"/>
+              <a:t>Docker Swarm</a:t>
+            </a:r>
+          </a:p>
+          <a:p>
+            <a:pPr marL="342900" indent="-342900">
+              <a:buAutoNum type="arabicPeriod"/>
+            </a:pPr>
+            <a:r>
+              <a:rPr lang="en-US" dirty="0"/>
+              <a:t>Open source, Docker</a:t>
+            </a:r>
+          </a:p>
+          <a:p>
+            <a:pPr marL="342900" indent="-342900">
+              <a:buAutoNum type="arabicPeriod"/>
+            </a:pPr>
+            <a:r>
+              <a:rPr lang="en-US" dirty="0"/>
+              <a:t>Native support for docker containers</a:t>
+            </a:r>
+          </a:p>
+          <a:p>
+            <a:pPr marL="342900" indent="-342900">
+              <a:buAutoNum type="arabicPeriod"/>
+            </a:pPr>
+            <a:r>
+              <a:rPr lang="en-US" dirty="0"/>
+              <a:t>Learning curve is smooth</a:t>
+            </a:r>
+          </a:p>
+          <a:p>
+            <a:pPr marL="342900" indent="-342900">
+              <a:buAutoNum type="arabicPeriod"/>
+            </a:pPr>
+            <a:r>
+              <a:rPr lang="en-US" dirty="0"/>
+              <a:t>DS </a:t>
+            </a:r>
+            <a:r>
+              <a:rPr lang="en-US" dirty="0">
+                <a:sym typeface="Wingdings" panose="05000000000000000000" pitchFamily="2" charset="2"/>
+              </a:rPr>
+              <a:t> docker</a:t>
+            </a:r>
+          </a:p>
+          <a:p>
+            <a:pPr marL="342900" indent="-342900">
+              <a:buAutoNum type="arabicPeriod"/>
+            </a:pPr>
+            <a:r>
+              <a:rPr lang="en-US" dirty="0">
+                <a:sym typeface="Wingdings" panose="05000000000000000000" pitchFamily="2" charset="2"/>
+              </a:rPr>
+              <a:t>Vendor-</a:t>
+            </a:r>
+            <a:r>
+              <a:rPr lang="en-US" dirty="0" err="1">
+                <a:sym typeface="Wingdings" panose="05000000000000000000" pitchFamily="2" charset="2"/>
+              </a:rPr>
+              <a:t>lockin</a:t>
+            </a:r>
+            <a:endParaRPr lang="en-US" dirty="0">
+              <a:sym typeface="Wingdings" panose="05000000000000000000" pitchFamily="2" charset="2"/>
+            </a:endParaRPr>
+          </a:p>
+          <a:p>
+            <a:pPr marL="342900" indent="-342900">
+              <a:buAutoNum type="arabicPeriod"/>
+            </a:pPr>
+            <a:r>
+              <a:rPr lang="en-US" dirty="0">
+                <a:sym typeface="Wingdings" panose="05000000000000000000" pitchFamily="2" charset="2"/>
+              </a:rPr>
+              <a:t>Fairly new</a:t>
+            </a:r>
+            <a:endParaRPr lang="en-US" dirty="0"/>
+          </a:p>
+        </p:txBody>
+      </p:sp>
+      <p:sp>
+        <p:nvSpPr>
+          <p:cNvPr id="3" name="TextBox 2">
+            <a:extLst>
+              <a:ext uri="{FF2B5EF4-FFF2-40B4-BE49-F238E27FC236}">
+                <a16:creationId xmlns:a16="http://schemas.microsoft.com/office/drawing/2014/main" id="{CAD36B8E-0280-4283-81B0-92E13C4D68E3}"/>
+              </a:ext>
+            </a:extLst>
+          </p:cNvPr>
+          <p:cNvSpPr txBox="1"/>
+          <p:nvPr/>
+        </p:nvSpPr>
+        <p:spPr>
+          <a:xfrm>
+            <a:off x="6524625" y="1076324"/>
+            <a:ext cx="5191125" cy="2585323"/>
+          </a:xfrm>
+          <a:prstGeom prst="rect">
+            <a:avLst/>
+          </a:prstGeom>
+          <a:noFill/>
+        </p:spPr>
+        <p:txBody>
+          <a:bodyPr wrap="square" rtlCol="0">
+            <a:spAutoFit/>
+          </a:bodyPr>
+          <a:lstStyle/>
+          <a:p>
+            <a:r>
+              <a:rPr lang="en-US" dirty="0"/>
+              <a:t>K8s</a:t>
+            </a:r>
+          </a:p>
+          <a:p>
+            <a:pPr marL="342900" indent="-342900">
+              <a:buAutoNum type="arabicPeriod"/>
+            </a:pPr>
+            <a:r>
+              <a:rPr lang="en-US" dirty="0"/>
+              <a:t>Open source, Google</a:t>
+            </a:r>
+          </a:p>
+          <a:p>
+            <a:pPr marL="342900" indent="-342900">
+              <a:buAutoNum type="arabicPeriod"/>
+            </a:pPr>
+            <a:r>
+              <a:rPr lang="en-US" dirty="0"/>
+              <a:t>Terminology or adapters </a:t>
+            </a:r>
+          </a:p>
+          <a:p>
+            <a:pPr marL="342900" indent="-342900">
+              <a:buAutoNum type="arabicPeriod"/>
+            </a:pPr>
+            <a:r>
+              <a:rPr lang="en-US" dirty="0"/>
+              <a:t>Learning curve is a litter steeper</a:t>
+            </a:r>
+          </a:p>
+          <a:p>
+            <a:pPr marL="342900" indent="-342900">
+              <a:buAutoNum type="arabicPeriod"/>
+            </a:pPr>
+            <a:r>
+              <a:rPr lang="en-US" dirty="0"/>
+              <a:t>K8s -&gt; any container provider which implement Open Container Spec</a:t>
+            </a:r>
+          </a:p>
+          <a:p>
+            <a:pPr marL="342900" indent="-342900">
+              <a:buAutoNum type="arabicPeriod"/>
+            </a:pPr>
+            <a:r>
+              <a:rPr lang="en-US" dirty="0"/>
+              <a:t>No vendor </a:t>
+            </a:r>
+            <a:r>
+              <a:rPr lang="en-US" dirty="0" err="1"/>
+              <a:t>lockin</a:t>
+            </a:r>
+            <a:endParaRPr lang="en-US" dirty="0"/>
+          </a:p>
+          <a:p>
+            <a:pPr marL="342900" indent="-342900">
+              <a:buAutoNum type="arabicPeriod"/>
+            </a:pPr>
+            <a:r>
+              <a:rPr lang="en-US" dirty="0"/>
+              <a:t>Battle tested </a:t>
+            </a:r>
+            <a:r>
+              <a:rPr lang="en-US" dirty="0">
+                <a:sym typeface="Wingdings" panose="05000000000000000000" pitchFamily="2" charset="2"/>
+              </a:rPr>
+              <a:t> benchmarked against 10000’s nodes</a:t>
+            </a:r>
+            <a:endParaRPr lang="en-US" dirty="0"/>
+          </a:p>
+        </p:txBody>
+      </p:sp>
+      <p:sp>
+        <p:nvSpPr>
+          <p:cNvPr id="4" name="Freeform: Shape 3">
+            <a:extLst>
+              <a:ext uri="{FF2B5EF4-FFF2-40B4-BE49-F238E27FC236}">
+                <a16:creationId xmlns:a16="http://schemas.microsoft.com/office/drawing/2014/main" id="{D64A067D-3F7F-4EDC-ABBE-5B25C73F559C}"/>
+              </a:ext>
+            </a:extLst>
+          </p:cNvPr>
+          <p:cNvSpPr/>
+          <p:nvPr/>
+        </p:nvSpPr>
+        <p:spPr>
+          <a:xfrm>
+            <a:off x="7258050" y="4581525"/>
+            <a:ext cx="38613" cy="800100"/>
+          </a:xfrm>
+          <a:custGeom>
+            <a:avLst/>
+            <a:gdLst>
+              <a:gd name="connsiteX0" fmla="*/ 0 w 38613"/>
+              <a:gd name="connsiteY0" fmla="*/ 0 h 800100"/>
+              <a:gd name="connsiteX1" fmla="*/ 9525 w 38613"/>
+              <a:gd name="connsiteY1" fmla="*/ 57150 h 800100"/>
+              <a:gd name="connsiteX2" fmla="*/ 19050 w 38613"/>
+              <a:gd name="connsiteY2" fmla="*/ 85725 h 800100"/>
+              <a:gd name="connsiteX3" fmla="*/ 28575 w 38613"/>
+              <a:gd name="connsiteY3" fmla="*/ 200025 h 800100"/>
+              <a:gd name="connsiteX4" fmla="*/ 19050 w 38613"/>
+              <a:gd name="connsiteY4" fmla="*/ 514350 h 800100"/>
+              <a:gd name="connsiteX5" fmla="*/ 28575 w 38613"/>
+              <a:gd name="connsiteY5" fmla="*/ 714375 h 800100"/>
+              <a:gd name="connsiteX6" fmla="*/ 38100 w 38613"/>
+              <a:gd name="connsiteY6" fmla="*/ 800100 h 800100"/>
+            </a:gdLst>
+            <a:ahLst/>
+            <a:cxnLst>
+              <a:cxn ang="0">
+                <a:pos x="connsiteX0" y="connsiteY0"/>
+              </a:cxn>
+              <a:cxn ang="0">
+                <a:pos x="connsiteX1" y="connsiteY1"/>
+              </a:cxn>
+              <a:cxn ang="0">
+                <a:pos x="connsiteX2" y="connsiteY2"/>
+              </a:cxn>
+              <a:cxn ang="0">
+                <a:pos x="connsiteX3" y="connsiteY3"/>
+              </a:cxn>
+              <a:cxn ang="0">
+                <a:pos x="connsiteX4" y="connsiteY4"/>
+              </a:cxn>
+              <a:cxn ang="0">
+                <a:pos x="connsiteX5" y="connsiteY5"/>
+              </a:cxn>
+              <a:cxn ang="0">
+                <a:pos x="connsiteX6" y="connsiteY6"/>
+              </a:cxn>
+            </a:cxnLst>
+            <a:rect l="l" t="t" r="r" b="b"/>
+            <a:pathLst>
+              <a:path w="38613" h="800100">
+                <a:moveTo>
+                  <a:pt x="0" y="0"/>
+                </a:moveTo>
+                <a:cubicBezTo>
+                  <a:pt x="3175" y="19050"/>
+                  <a:pt x="5335" y="38297"/>
+                  <a:pt x="9525" y="57150"/>
+                </a:cubicBezTo>
+                <a:cubicBezTo>
+                  <a:pt x="11703" y="66951"/>
+                  <a:pt x="17723" y="75773"/>
+                  <a:pt x="19050" y="85725"/>
+                </a:cubicBezTo>
+                <a:cubicBezTo>
+                  <a:pt x="24103" y="123622"/>
+                  <a:pt x="25400" y="161925"/>
+                  <a:pt x="28575" y="200025"/>
+                </a:cubicBezTo>
+                <a:cubicBezTo>
+                  <a:pt x="25400" y="304800"/>
+                  <a:pt x="19050" y="409527"/>
+                  <a:pt x="19050" y="514350"/>
+                </a:cubicBezTo>
+                <a:cubicBezTo>
+                  <a:pt x="19050" y="581101"/>
+                  <a:pt x="23252" y="647837"/>
+                  <a:pt x="28575" y="714375"/>
+                </a:cubicBezTo>
+                <a:cubicBezTo>
+                  <a:pt x="41950" y="881566"/>
+                  <a:pt x="38100" y="601515"/>
+                  <a:pt x="38100" y="800100"/>
+                </a:cubicBezTo>
+              </a:path>
+            </a:pathLst>
+          </a:custGeom>
+          <a:noFill/>
+        </p:spPr>
+        <p:style>
+          <a:lnRef idx="2">
+            <a:schemeClr val="accent1">
+              <a:shade val="50000"/>
+            </a:schemeClr>
+          </a:lnRef>
+          <a:fillRef idx="1">
+            <a:schemeClr val="accent1"/>
+          </a:fillRef>
+          <a:effectRef idx="0">
+            <a:schemeClr val="accent1"/>
+          </a:effectRef>
+          <a:fontRef idx="minor">
+            <a:schemeClr val="lt1"/>
+          </a:fontRef>
+        </p:style>
+        <p:txBody>
+          <a:bodyPr rtlCol="0" anchor="ctr"/>
+          <a:lstStyle/>
+          <a:p>
+            <a:pPr algn="ctr"/>
+            <a:endParaRPr lang="en-US"/>
+          </a:p>
+        </p:txBody>
+      </p:sp>
+      <p:cxnSp>
+        <p:nvCxnSpPr>
+          <p:cNvPr id="6" name="Straight Arrow Connector 5">
+            <a:extLst>
+              <a:ext uri="{FF2B5EF4-FFF2-40B4-BE49-F238E27FC236}">
+                <a16:creationId xmlns:a16="http://schemas.microsoft.com/office/drawing/2014/main" id="{F5966BC5-297B-4B8F-AAA4-0F794C64F390}"/>
+              </a:ext>
+            </a:extLst>
+          </p:cNvPr>
+          <p:cNvCxnSpPr/>
+          <p:nvPr/>
+        </p:nvCxnSpPr>
+        <p:spPr>
+          <a:xfrm flipV="1">
+            <a:off x="7315200" y="4886325"/>
+            <a:ext cx="866775" cy="85725"/>
+          </a:xfrm>
+          <a:prstGeom prst="straightConnector1">
+            <a:avLst/>
+          </a:prstGeom>
+          <a:ln>
+            <a:tailEnd type="triangle"/>
+          </a:ln>
+        </p:spPr>
+        <p:style>
+          <a:lnRef idx="1">
+            <a:schemeClr val="accent1"/>
+          </a:lnRef>
+          <a:fillRef idx="0">
+            <a:schemeClr val="accent1"/>
+          </a:fillRef>
+          <a:effectRef idx="0">
+            <a:schemeClr val="accent1"/>
+          </a:effectRef>
+          <a:fontRef idx="minor">
+            <a:schemeClr val="tx1"/>
+          </a:fontRef>
+        </p:style>
+      </p:cxnSp>
+      <p:sp>
+        <p:nvSpPr>
+          <p:cNvPr id="7" name="Oval 6">
+            <a:extLst>
+              <a:ext uri="{FF2B5EF4-FFF2-40B4-BE49-F238E27FC236}">
+                <a16:creationId xmlns:a16="http://schemas.microsoft.com/office/drawing/2014/main" id="{6EDF3499-E64E-4329-9AE7-7DECC3E004C5}"/>
+              </a:ext>
+            </a:extLst>
+          </p:cNvPr>
+          <p:cNvSpPr/>
+          <p:nvPr/>
+        </p:nvSpPr>
+        <p:spPr>
+          <a:xfrm>
+            <a:off x="8220075" y="4705350"/>
+            <a:ext cx="1238250" cy="600075"/>
+          </a:xfrm>
+          <a:prstGeom prst="ellipse">
+            <a:avLst/>
+          </a:prstGeom>
+        </p:spPr>
+        <p:style>
+          <a:lnRef idx="2">
+            <a:schemeClr val="accent1">
+              <a:shade val="50000"/>
+            </a:schemeClr>
+          </a:lnRef>
+          <a:fillRef idx="1">
+            <a:schemeClr val="accent1"/>
+          </a:fillRef>
+          <a:effectRef idx="0">
+            <a:schemeClr val="accent1"/>
+          </a:effectRef>
+          <a:fontRef idx="minor">
+            <a:schemeClr val="lt1"/>
+          </a:fontRef>
+        </p:style>
+        <p:txBody>
+          <a:bodyPr rtlCol="0" anchor="ctr"/>
+          <a:lstStyle/>
+          <a:p>
+            <a:pPr algn="ctr"/>
+            <a:r>
+              <a:rPr lang="en-US" dirty="0" err="1"/>
+              <a:t>nginx</a:t>
+            </a:r>
+            <a:endParaRPr lang="en-US" dirty="0"/>
+          </a:p>
+        </p:txBody>
+      </p:sp>
+      <p:sp>
+        <p:nvSpPr>
+          <p:cNvPr id="8" name="TextBox 7">
+            <a:extLst>
+              <a:ext uri="{FF2B5EF4-FFF2-40B4-BE49-F238E27FC236}">
+                <a16:creationId xmlns:a16="http://schemas.microsoft.com/office/drawing/2014/main" id="{F4A17F42-D684-463E-B0B8-4272014482AD}"/>
+              </a:ext>
+            </a:extLst>
+          </p:cNvPr>
+          <p:cNvSpPr txBox="1"/>
+          <p:nvPr/>
+        </p:nvSpPr>
+        <p:spPr>
+          <a:xfrm>
+            <a:off x="7333739" y="4581525"/>
+            <a:ext cx="937116" cy="369332"/>
+          </a:xfrm>
+          <a:prstGeom prst="rect">
+            <a:avLst/>
+          </a:prstGeom>
+          <a:noFill/>
+        </p:spPr>
+        <p:txBody>
+          <a:bodyPr wrap="none" rtlCol="0">
+            <a:spAutoFit/>
+          </a:bodyPr>
+          <a:lstStyle/>
+          <a:p>
+            <a:r>
+              <a:rPr lang="en-US" dirty="0" err="1"/>
+              <a:t>dockerd</a:t>
+            </a:r>
+            <a:endParaRPr lang="en-US" dirty="0"/>
+          </a:p>
+        </p:txBody>
+      </p:sp>
+      <p:sp>
+        <p:nvSpPr>
+          <p:cNvPr id="9" name="Smiley Face 8">
+            <a:extLst>
+              <a:ext uri="{FF2B5EF4-FFF2-40B4-BE49-F238E27FC236}">
+                <a16:creationId xmlns:a16="http://schemas.microsoft.com/office/drawing/2014/main" id="{449890CB-1FA9-443B-A6CB-355918519DDD}"/>
+              </a:ext>
+            </a:extLst>
+          </p:cNvPr>
+          <p:cNvSpPr/>
+          <p:nvPr/>
+        </p:nvSpPr>
+        <p:spPr>
+          <a:xfrm>
+            <a:off x="2381250" y="4581525"/>
+            <a:ext cx="914400" cy="723900"/>
+          </a:xfrm>
+          <a:prstGeom prst="smileyFace">
+            <a:avLst/>
+          </a:prstGeom>
+        </p:spPr>
+        <p:style>
+          <a:lnRef idx="2">
+            <a:schemeClr val="accent1">
+              <a:shade val="50000"/>
+            </a:schemeClr>
+          </a:lnRef>
+          <a:fillRef idx="1">
+            <a:schemeClr val="accent1"/>
+          </a:fillRef>
+          <a:effectRef idx="0">
+            <a:schemeClr val="accent1"/>
+          </a:effectRef>
+          <a:fontRef idx="minor">
+            <a:schemeClr val="lt1"/>
+          </a:fontRef>
+        </p:style>
+        <p:txBody>
+          <a:bodyPr rtlCol="0" anchor="ctr"/>
+          <a:lstStyle/>
+          <a:p>
+            <a:pPr algn="ctr"/>
+            <a:endParaRPr lang="en-US"/>
+          </a:p>
+        </p:txBody>
+      </p:sp>
+      <p:sp>
+        <p:nvSpPr>
+          <p:cNvPr id="10" name="Rectangle 9">
+            <a:extLst>
+              <a:ext uri="{FF2B5EF4-FFF2-40B4-BE49-F238E27FC236}">
+                <a16:creationId xmlns:a16="http://schemas.microsoft.com/office/drawing/2014/main" id="{5CBE0BB0-3582-482D-B4FA-D490A4578E83}"/>
+              </a:ext>
+            </a:extLst>
+          </p:cNvPr>
+          <p:cNvSpPr/>
+          <p:nvPr/>
+        </p:nvSpPr>
+        <p:spPr>
+          <a:xfrm>
+            <a:off x="5981700" y="4067175"/>
+            <a:ext cx="418074" cy="3257550"/>
+          </a:xfrm>
+          <a:prstGeom prst="rect">
+            <a:avLst/>
+          </a:prstGeom>
+        </p:spPr>
+        <p:style>
+          <a:lnRef idx="2">
+            <a:schemeClr val="accent1">
+              <a:shade val="50000"/>
+            </a:schemeClr>
+          </a:lnRef>
+          <a:fillRef idx="1">
+            <a:schemeClr val="accent1"/>
+          </a:fillRef>
+          <a:effectRef idx="0">
+            <a:schemeClr val="accent1"/>
+          </a:effectRef>
+          <a:fontRef idx="minor">
+            <a:schemeClr val="lt1"/>
+          </a:fontRef>
+        </p:style>
+        <p:txBody>
+          <a:bodyPr rtlCol="0" anchor="ctr"/>
+          <a:lstStyle/>
+          <a:p>
+            <a:pPr algn="ctr"/>
+            <a:r>
+              <a:rPr lang="en-US" dirty="0"/>
+              <a:t>adapter</a:t>
+            </a:r>
+          </a:p>
+        </p:txBody>
+      </p:sp>
+      <p:cxnSp>
+        <p:nvCxnSpPr>
+          <p:cNvPr id="12" name="Straight Arrow Connector 11">
+            <a:extLst>
+              <a:ext uri="{FF2B5EF4-FFF2-40B4-BE49-F238E27FC236}">
+                <a16:creationId xmlns:a16="http://schemas.microsoft.com/office/drawing/2014/main" id="{127096A4-7154-4E80-A839-AF2DFD7085D8}"/>
+              </a:ext>
+            </a:extLst>
+          </p:cNvPr>
+          <p:cNvCxnSpPr>
+            <a:stCxn id="9" idx="6"/>
+            <a:endCxn id="10" idx="1"/>
+          </p:cNvCxnSpPr>
+          <p:nvPr/>
+        </p:nvCxnSpPr>
+        <p:spPr>
+          <a:xfrm>
+            <a:off x="3295650" y="4943475"/>
+            <a:ext cx="2686050" cy="752475"/>
+          </a:xfrm>
+          <a:prstGeom prst="straightConnector1">
+            <a:avLst/>
+          </a:prstGeom>
+          <a:ln>
+            <a:tailEnd type="triangle"/>
+          </a:ln>
+        </p:spPr>
+        <p:style>
+          <a:lnRef idx="1">
+            <a:schemeClr val="accent1"/>
+          </a:lnRef>
+          <a:fillRef idx="0">
+            <a:schemeClr val="accent1"/>
+          </a:fillRef>
+          <a:effectRef idx="0">
+            <a:schemeClr val="accent1"/>
+          </a:effectRef>
+          <a:fontRef idx="minor">
+            <a:schemeClr val="tx1"/>
+          </a:fontRef>
+        </p:style>
+      </p:cxnSp>
+      <p:sp>
+        <p:nvSpPr>
+          <p:cNvPr id="13" name="TextBox 12">
+            <a:extLst>
+              <a:ext uri="{FF2B5EF4-FFF2-40B4-BE49-F238E27FC236}">
+                <a16:creationId xmlns:a16="http://schemas.microsoft.com/office/drawing/2014/main" id="{2D3AB8DB-1F35-4EE7-8720-AD9C7407A67A}"/>
+              </a:ext>
+            </a:extLst>
+          </p:cNvPr>
+          <p:cNvSpPr txBox="1"/>
+          <p:nvPr/>
+        </p:nvSpPr>
+        <p:spPr>
+          <a:xfrm>
+            <a:off x="3676650" y="5038725"/>
+            <a:ext cx="1413849" cy="369332"/>
+          </a:xfrm>
+          <a:prstGeom prst="rect">
+            <a:avLst/>
+          </a:prstGeom>
+          <a:noFill/>
+        </p:spPr>
+        <p:txBody>
+          <a:bodyPr wrap="none" rtlCol="0">
+            <a:spAutoFit/>
+          </a:bodyPr>
+          <a:lstStyle/>
+          <a:p>
+            <a:r>
+              <a:rPr lang="en-US" dirty="0"/>
+              <a:t>K8s language</a:t>
+            </a:r>
+          </a:p>
+        </p:txBody>
+      </p:sp>
+      <p:cxnSp>
+        <p:nvCxnSpPr>
+          <p:cNvPr id="15" name="Straight Arrow Connector 14">
+            <a:extLst>
+              <a:ext uri="{FF2B5EF4-FFF2-40B4-BE49-F238E27FC236}">
+                <a16:creationId xmlns:a16="http://schemas.microsoft.com/office/drawing/2014/main" id="{716C7A4B-36EB-477A-A2F6-0F67A1351025}"/>
+              </a:ext>
+            </a:extLst>
+          </p:cNvPr>
+          <p:cNvCxnSpPr>
+            <a:stCxn id="10" idx="3"/>
+            <a:endCxn id="4" idx="3"/>
+          </p:cNvCxnSpPr>
+          <p:nvPr/>
+        </p:nvCxnSpPr>
+        <p:spPr>
+          <a:xfrm flipV="1">
+            <a:off x="6399774" y="4781550"/>
+            <a:ext cx="886851" cy="914400"/>
+          </a:xfrm>
+          <a:prstGeom prst="straightConnector1">
+            <a:avLst/>
+          </a:prstGeom>
+          <a:ln>
+            <a:tailEnd type="triangle"/>
+          </a:ln>
+        </p:spPr>
+        <p:style>
+          <a:lnRef idx="1">
+            <a:schemeClr val="accent1"/>
+          </a:lnRef>
+          <a:fillRef idx="0">
+            <a:schemeClr val="accent1"/>
+          </a:fillRef>
+          <a:effectRef idx="0">
+            <a:schemeClr val="accent1"/>
+          </a:effectRef>
+          <a:fontRef idx="minor">
+            <a:schemeClr val="tx1"/>
+          </a:fontRef>
+        </p:style>
+      </p:cxnSp>
+      <p:sp>
+        <p:nvSpPr>
+          <p:cNvPr id="16" name="TextBox 15">
+            <a:extLst>
+              <a:ext uri="{FF2B5EF4-FFF2-40B4-BE49-F238E27FC236}">
+                <a16:creationId xmlns:a16="http://schemas.microsoft.com/office/drawing/2014/main" id="{374717F9-ADB9-4C5D-A6A9-9353F2B9AD97}"/>
+              </a:ext>
+            </a:extLst>
+          </p:cNvPr>
+          <p:cNvSpPr txBox="1"/>
+          <p:nvPr/>
+        </p:nvSpPr>
+        <p:spPr>
+          <a:xfrm>
+            <a:off x="1133475" y="5848350"/>
+            <a:ext cx="1819275" cy="369332"/>
+          </a:xfrm>
+          <a:prstGeom prst="rect">
+            <a:avLst/>
+          </a:prstGeom>
+          <a:noFill/>
+        </p:spPr>
+        <p:txBody>
+          <a:bodyPr wrap="square" rtlCol="0">
+            <a:spAutoFit/>
+          </a:bodyPr>
+          <a:lstStyle/>
+          <a:p>
+            <a:r>
+              <a:rPr lang="en-US" dirty="0"/>
+              <a:t>Docker – K8s</a:t>
+            </a:r>
+          </a:p>
+        </p:txBody>
+      </p:sp>
+    </p:spTree>
+    <p:extLst>
+      <p:ext uri="{BB962C8B-B14F-4D97-AF65-F5344CB8AC3E}">
+        <p14:creationId xmlns:p14="http://schemas.microsoft.com/office/powerpoint/2010/main" val="1412575252"/>
+      </p:ext>
+    </p:extLst>
+  </p:cSld>
+  <p:clrMapOvr>
+    <a:masterClrMapping/>
+  </p:clrMapOvr>
+</p:sld>
+</file>
+
+<file path=ppt/slides/slide11.xml><?xml version="1.0" encoding="utf-8"?>
+<p:sld xmlns:a="http://schemas.openxmlformats.org/drawingml/2006/main" xmlns:r="http://schemas.openxmlformats.org/officeDocument/2006/relationships" xmlns:p="http://schemas.openxmlformats.org/presentationml/2006/main">
+  <p:cSld>
+    <p:spTree>
+      <p:nvGrpSpPr>
+        <p:cNvPr id="1" name=""/>
+        <p:cNvGrpSpPr/>
+        <p:nvPr/>
+      </p:nvGrpSpPr>
+      <p:grpSpPr>
+        <a:xfrm>
+          <a:off x="0" y="0"/>
+          <a:ext cx="0" cy="0"/>
+          <a:chOff x="0" y="0"/>
+          <a:chExt cx="0" cy="0"/>
+        </a:xfrm>
+      </p:grpSpPr>
+      <p:sp>
+        <p:nvSpPr>
+          <p:cNvPr id="2" name="TextBox 1">
+            <a:extLst>
+              <a:ext uri="{FF2B5EF4-FFF2-40B4-BE49-F238E27FC236}">
+                <a16:creationId xmlns:a16="http://schemas.microsoft.com/office/drawing/2014/main" id="{645E84EA-2B3E-4FC4-BB16-8F3D849EF415}"/>
+              </a:ext>
+            </a:extLst>
+          </p:cNvPr>
+          <p:cNvSpPr txBox="1"/>
+          <p:nvPr/>
+        </p:nvSpPr>
+        <p:spPr>
+          <a:xfrm>
+            <a:off x="981075" y="1257300"/>
+            <a:ext cx="5114925" cy="1477328"/>
+          </a:xfrm>
+          <a:prstGeom prst="rect">
+            <a:avLst/>
+          </a:prstGeom>
+          <a:noFill/>
+        </p:spPr>
+        <p:txBody>
+          <a:bodyPr wrap="square" rtlCol="0">
+            <a:spAutoFit/>
+          </a:bodyPr>
+          <a:lstStyle/>
+          <a:p>
+            <a:r>
+              <a:rPr lang="en-US" dirty="0"/>
+              <a:t>Learning K8s</a:t>
+            </a:r>
+          </a:p>
+          <a:p>
+            <a:pPr marL="342900" indent="-342900">
+              <a:buAutoNum type="arabicPeriod"/>
+            </a:pPr>
+            <a:r>
+              <a:rPr lang="en-US" dirty="0"/>
+              <a:t>Terms and concepts k8s – single node cluster</a:t>
+            </a:r>
+          </a:p>
+          <a:p>
+            <a:pPr marL="342900" indent="-342900">
+              <a:buAutoNum type="arabicPeriod"/>
+            </a:pPr>
+            <a:r>
+              <a:rPr lang="en-US" dirty="0"/>
+              <a:t>Communication – single node </a:t>
+            </a:r>
+            <a:r>
+              <a:rPr lang="en-US" dirty="0" err="1"/>
+              <a:t>clust</a:t>
+            </a:r>
+            <a:endParaRPr lang="en-US" dirty="0"/>
+          </a:p>
+          <a:p>
+            <a:pPr marL="342900" indent="-342900">
+              <a:buAutoNum type="arabicPeriod"/>
+            </a:pPr>
+            <a:r>
+              <a:rPr lang="en-US" dirty="0"/>
+              <a:t>Architecture</a:t>
+            </a:r>
+          </a:p>
+          <a:p>
+            <a:pPr marL="342900" indent="-342900">
+              <a:buAutoNum type="arabicPeriod"/>
+            </a:pPr>
+            <a:r>
+              <a:rPr lang="en-US" dirty="0"/>
+              <a:t>Multi-node cluster k8s</a:t>
+            </a:r>
+          </a:p>
+        </p:txBody>
+      </p:sp>
+    </p:spTree>
+    <p:extLst>
+      <p:ext uri="{BB962C8B-B14F-4D97-AF65-F5344CB8AC3E}">
+        <p14:creationId xmlns:p14="http://schemas.microsoft.com/office/powerpoint/2010/main" val="3009190956"/>
+      </p:ext>
+    </p:extLst>
+  </p:cSld>
+  <p:clrMapOvr>
+    <a:masterClrMapping/>
+  </p:clrMapOvr>
+</p:sld>
+</file>
+
+<file path=ppt/slides/slide12.xml><?xml version="1.0" encoding="utf-8"?>
+<p:sld xmlns:a="http://schemas.openxmlformats.org/drawingml/2006/main" xmlns:r="http://schemas.openxmlformats.org/officeDocument/2006/relationships" xmlns:p="http://schemas.openxmlformats.org/presentationml/2006/main">
+  <p:cSld>
+    <p:spTree>
+      <p:nvGrpSpPr>
+        <p:cNvPr id="1" name=""/>
+        <p:cNvGrpSpPr/>
+        <p:nvPr/>
+      </p:nvGrpSpPr>
+      <p:grpSpPr>
+        <a:xfrm>
+          <a:off x="0" y="0"/>
+          <a:ext cx="0" cy="0"/>
+          <a:chOff x="0" y="0"/>
+          <a:chExt cx="0" cy="0"/>
+        </a:xfrm>
+      </p:grpSpPr>
+      <p:sp>
+        <p:nvSpPr>
+          <p:cNvPr id="2" name="Rectangle 1">
+            <a:extLst>
+              <a:ext uri="{FF2B5EF4-FFF2-40B4-BE49-F238E27FC236}">
+                <a16:creationId xmlns:a16="http://schemas.microsoft.com/office/drawing/2014/main" id="{16E1D408-E136-4C5E-90E1-ABA1DC82CE5B}"/>
+              </a:ext>
+            </a:extLst>
+          </p:cNvPr>
+          <p:cNvSpPr/>
+          <p:nvPr/>
+        </p:nvSpPr>
+        <p:spPr>
+          <a:xfrm>
+            <a:off x="4810125" y="447675"/>
+            <a:ext cx="6858000" cy="6000750"/>
+          </a:xfrm>
+          <a:prstGeom prst="rect">
+            <a:avLst/>
+          </a:prstGeom>
+          <a:noFill/>
+        </p:spPr>
+        <p:style>
+          <a:lnRef idx="2">
+            <a:schemeClr val="accent1">
+              <a:shade val="50000"/>
+            </a:schemeClr>
+          </a:lnRef>
+          <a:fillRef idx="1">
+            <a:schemeClr val="accent1"/>
+          </a:fillRef>
+          <a:effectRef idx="0">
+            <a:schemeClr val="accent1"/>
+          </a:effectRef>
+          <a:fontRef idx="minor">
+            <a:schemeClr val="lt1"/>
+          </a:fontRef>
+        </p:style>
+        <p:txBody>
+          <a:bodyPr rtlCol="0" anchor="ctr"/>
+          <a:lstStyle/>
+          <a:p>
+            <a:pPr algn="ctr"/>
+            <a:endParaRPr lang="en-US"/>
+          </a:p>
+        </p:txBody>
+      </p:sp>
+      <p:sp>
+        <p:nvSpPr>
+          <p:cNvPr id="3" name="TextBox 2">
+            <a:extLst>
+              <a:ext uri="{FF2B5EF4-FFF2-40B4-BE49-F238E27FC236}">
+                <a16:creationId xmlns:a16="http://schemas.microsoft.com/office/drawing/2014/main" id="{66D4D4F8-5798-48EE-9F89-E9847F4DDF02}"/>
+              </a:ext>
+            </a:extLst>
+          </p:cNvPr>
+          <p:cNvSpPr txBox="1"/>
+          <p:nvPr/>
+        </p:nvSpPr>
+        <p:spPr>
+          <a:xfrm>
+            <a:off x="4924425" y="628650"/>
+            <a:ext cx="1056956" cy="369332"/>
+          </a:xfrm>
+          <a:prstGeom prst="rect">
+            <a:avLst/>
+          </a:prstGeom>
+          <a:noFill/>
+        </p:spPr>
+        <p:txBody>
+          <a:bodyPr wrap="none" rtlCol="0">
+            <a:spAutoFit/>
+          </a:bodyPr>
+          <a:lstStyle/>
+          <a:p>
+            <a:r>
+              <a:rPr lang="en-US" dirty="0" err="1"/>
+              <a:t>minikube</a:t>
+            </a:r>
+            <a:endParaRPr lang="en-US" dirty="0"/>
+          </a:p>
+        </p:txBody>
+      </p:sp>
+      <p:sp>
+        <p:nvSpPr>
+          <p:cNvPr id="4" name="Freeform: Shape 3">
+            <a:extLst>
+              <a:ext uri="{FF2B5EF4-FFF2-40B4-BE49-F238E27FC236}">
+                <a16:creationId xmlns:a16="http://schemas.microsoft.com/office/drawing/2014/main" id="{D73D62CF-4202-4E89-828F-6C2C1DE3B91E}"/>
+              </a:ext>
+            </a:extLst>
+          </p:cNvPr>
+          <p:cNvSpPr/>
+          <p:nvPr/>
+        </p:nvSpPr>
+        <p:spPr>
+          <a:xfrm>
+            <a:off x="8524875" y="1581150"/>
+            <a:ext cx="172562" cy="1123950"/>
+          </a:xfrm>
+          <a:custGeom>
+            <a:avLst/>
+            <a:gdLst>
+              <a:gd name="connsiteX0" fmla="*/ 0 w 172562"/>
+              <a:gd name="connsiteY0" fmla="*/ 0 h 1123950"/>
+              <a:gd name="connsiteX1" fmla="*/ 19050 w 172562"/>
+              <a:gd name="connsiteY1" fmla="*/ 95250 h 1123950"/>
+              <a:gd name="connsiteX2" fmla="*/ 38100 w 172562"/>
+              <a:gd name="connsiteY2" fmla="*/ 133350 h 1123950"/>
+              <a:gd name="connsiteX3" fmla="*/ 95250 w 172562"/>
+              <a:gd name="connsiteY3" fmla="*/ 200025 h 1123950"/>
+              <a:gd name="connsiteX4" fmla="*/ 104775 w 172562"/>
+              <a:gd name="connsiteY4" fmla="*/ 228600 h 1123950"/>
+              <a:gd name="connsiteX5" fmla="*/ 123825 w 172562"/>
+              <a:gd name="connsiteY5" fmla="*/ 257175 h 1123950"/>
+              <a:gd name="connsiteX6" fmla="*/ 95250 w 172562"/>
+              <a:gd name="connsiteY6" fmla="*/ 419100 h 1123950"/>
+              <a:gd name="connsiteX7" fmla="*/ 76200 w 172562"/>
+              <a:gd name="connsiteY7" fmla="*/ 495300 h 1123950"/>
+              <a:gd name="connsiteX8" fmla="*/ 66675 w 172562"/>
+              <a:gd name="connsiteY8" fmla="*/ 523875 h 1123950"/>
+              <a:gd name="connsiteX9" fmla="*/ 47625 w 172562"/>
+              <a:gd name="connsiteY9" fmla="*/ 590550 h 1123950"/>
+              <a:gd name="connsiteX10" fmla="*/ 57150 w 172562"/>
+              <a:gd name="connsiteY10" fmla="*/ 619125 h 1123950"/>
+              <a:gd name="connsiteX11" fmla="*/ 95250 w 172562"/>
+              <a:gd name="connsiteY11" fmla="*/ 676275 h 1123950"/>
+              <a:gd name="connsiteX12" fmla="*/ 123825 w 172562"/>
+              <a:gd name="connsiteY12" fmla="*/ 790575 h 1123950"/>
+              <a:gd name="connsiteX13" fmla="*/ 133350 w 172562"/>
+              <a:gd name="connsiteY13" fmla="*/ 819150 h 1123950"/>
+              <a:gd name="connsiteX14" fmla="*/ 142875 w 172562"/>
+              <a:gd name="connsiteY14" fmla="*/ 857250 h 1123950"/>
+              <a:gd name="connsiteX15" fmla="*/ 152400 w 172562"/>
+              <a:gd name="connsiteY15" fmla="*/ 885825 h 1123950"/>
+              <a:gd name="connsiteX16" fmla="*/ 161925 w 172562"/>
+              <a:gd name="connsiteY16" fmla="*/ 942975 h 1123950"/>
+              <a:gd name="connsiteX17" fmla="*/ 171450 w 172562"/>
+              <a:gd name="connsiteY17" fmla="*/ 981075 h 1123950"/>
+              <a:gd name="connsiteX18" fmla="*/ 171450 w 172562"/>
+              <a:gd name="connsiteY18" fmla="*/ 1123950 h 1123950"/>
+            </a:gdLst>
+            <a:ahLst/>
+            <a:cxnLst>
+              <a:cxn ang="0">
+                <a:pos x="connsiteX0" y="connsiteY0"/>
+              </a:cxn>
+              <a:cxn ang="0">
+                <a:pos x="connsiteX1" y="connsiteY1"/>
+              </a:cxn>
+              <a:cxn ang="0">
+                <a:pos x="connsiteX2" y="connsiteY2"/>
+              </a:cxn>
+              <a:cxn ang="0">
+                <a:pos x="connsiteX3" y="connsiteY3"/>
+              </a:cxn>
+              <a:cxn ang="0">
+                <a:pos x="connsiteX4" y="connsiteY4"/>
+              </a:cxn>
+              <a:cxn ang="0">
+                <a:pos x="connsiteX5" y="connsiteY5"/>
+              </a:cxn>
+              <a:cxn ang="0">
+                <a:pos x="connsiteX6" y="connsiteY6"/>
+              </a:cxn>
+              <a:cxn ang="0">
+                <a:pos x="connsiteX7" y="connsiteY7"/>
+              </a:cxn>
+              <a:cxn ang="0">
+                <a:pos x="connsiteX8" y="connsiteY8"/>
+              </a:cxn>
+              <a:cxn ang="0">
+                <a:pos x="connsiteX9" y="connsiteY9"/>
+              </a:cxn>
+              <a:cxn ang="0">
+                <a:pos x="connsiteX10" y="connsiteY10"/>
+              </a:cxn>
+              <a:cxn ang="0">
+                <a:pos x="connsiteX11" y="connsiteY11"/>
+              </a:cxn>
+              <a:cxn ang="0">
+                <a:pos x="connsiteX12" y="connsiteY12"/>
+              </a:cxn>
+              <a:cxn ang="0">
+                <a:pos x="connsiteX13" y="connsiteY13"/>
+              </a:cxn>
+              <a:cxn ang="0">
+                <a:pos x="connsiteX14" y="connsiteY14"/>
+              </a:cxn>
+              <a:cxn ang="0">
+                <a:pos x="connsiteX15" y="connsiteY15"/>
+              </a:cxn>
+              <a:cxn ang="0">
+                <a:pos x="connsiteX16" y="connsiteY16"/>
+              </a:cxn>
+              <a:cxn ang="0">
+                <a:pos x="connsiteX17" y="connsiteY17"/>
+              </a:cxn>
+              <a:cxn ang="0">
+                <a:pos x="connsiteX18" y="connsiteY18"/>
+              </a:cxn>
+            </a:cxnLst>
+            <a:rect l="l" t="t" r="r" b="b"/>
+            <a:pathLst>
+              <a:path w="172562" h="1123950">
+                <a:moveTo>
+                  <a:pt x="0" y="0"/>
+                </a:moveTo>
+                <a:cubicBezTo>
+                  <a:pt x="6350" y="31750"/>
+                  <a:pt x="10155" y="64117"/>
+                  <a:pt x="19050" y="95250"/>
+                </a:cubicBezTo>
+                <a:cubicBezTo>
+                  <a:pt x="22951" y="108903"/>
+                  <a:pt x="30575" y="121309"/>
+                  <a:pt x="38100" y="133350"/>
+                </a:cubicBezTo>
+                <a:cubicBezTo>
+                  <a:pt x="58465" y="165934"/>
+                  <a:pt x="69274" y="174049"/>
+                  <a:pt x="95250" y="200025"/>
+                </a:cubicBezTo>
+                <a:cubicBezTo>
+                  <a:pt x="98425" y="209550"/>
+                  <a:pt x="100285" y="219620"/>
+                  <a:pt x="104775" y="228600"/>
+                </a:cubicBezTo>
+                <a:cubicBezTo>
+                  <a:pt x="109895" y="238839"/>
+                  <a:pt x="123153" y="245747"/>
+                  <a:pt x="123825" y="257175"/>
+                </a:cubicBezTo>
+                <a:cubicBezTo>
+                  <a:pt x="130812" y="375952"/>
+                  <a:pt x="134568" y="360123"/>
+                  <a:pt x="95250" y="419100"/>
+                </a:cubicBezTo>
+                <a:cubicBezTo>
+                  <a:pt x="88900" y="444500"/>
+                  <a:pt x="83089" y="470041"/>
+                  <a:pt x="76200" y="495300"/>
+                </a:cubicBezTo>
+                <a:cubicBezTo>
+                  <a:pt x="73558" y="504986"/>
+                  <a:pt x="69433" y="514221"/>
+                  <a:pt x="66675" y="523875"/>
+                </a:cubicBezTo>
+                <a:cubicBezTo>
+                  <a:pt x="42755" y="607596"/>
+                  <a:pt x="70463" y="522037"/>
+                  <a:pt x="47625" y="590550"/>
+                </a:cubicBezTo>
+                <a:cubicBezTo>
+                  <a:pt x="50800" y="600075"/>
+                  <a:pt x="52274" y="610348"/>
+                  <a:pt x="57150" y="619125"/>
+                </a:cubicBezTo>
+                <a:cubicBezTo>
+                  <a:pt x="68269" y="639139"/>
+                  <a:pt x="88010" y="654555"/>
+                  <a:pt x="95250" y="676275"/>
+                </a:cubicBezTo>
+                <a:cubicBezTo>
+                  <a:pt x="133743" y="791755"/>
+                  <a:pt x="98173" y="675139"/>
+                  <a:pt x="123825" y="790575"/>
+                </a:cubicBezTo>
+                <a:cubicBezTo>
+                  <a:pt x="126003" y="800376"/>
+                  <a:pt x="130592" y="809496"/>
+                  <a:pt x="133350" y="819150"/>
+                </a:cubicBezTo>
+                <a:cubicBezTo>
+                  <a:pt x="136946" y="831737"/>
+                  <a:pt x="139279" y="844663"/>
+                  <a:pt x="142875" y="857250"/>
+                </a:cubicBezTo>
+                <a:cubicBezTo>
+                  <a:pt x="145633" y="866904"/>
+                  <a:pt x="150222" y="876024"/>
+                  <a:pt x="152400" y="885825"/>
+                </a:cubicBezTo>
+                <a:cubicBezTo>
+                  <a:pt x="156590" y="904678"/>
+                  <a:pt x="158137" y="924037"/>
+                  <a:pt x="161925" y="942975"/>
+                </a:cubicBezTo>
+                <a:cubicBezTo>
+                  <a:pt x="164492" y="955812"/>
+                  <a:pt x="170762" y="968002"/>
+                  <a:pt x="171450" y="981075"/>
+                </a:cubicBezTo>
+                <a:cubicBezTo>
+                  <a:pt x="173953" y="1028634"/>
+                  <a:pt x="171450" y="1076325"/>
+                  <a:pt x="171450" y="1123950"/>
+                </a:cubicBezTo>
+              </a:path>
+            </a:pathLst>
+          </a:custGeom>
+          <a:noFill/>
+        </p:spPr>
+        <p:style>
+          <a:lnRef idx="2">
+            <a:schemeClr val="accent1">
+              <a:shade val="50000"/>
+            </a:schemeClr>
+          </a:lnRef>
+          <a:fillRef idx="1">
+            <a:schemeClr val="accent1"/>
+          </a:fillRef>
+          <a:effectRef idx="0">
+            <a:schemeClr val="accent1"/>
+          </a:effectRef>
+          <a:fontRef idx="minor">
+            <a:schemeClr val="lt1"/>
+          </a:fontRef>
+        </p:style>
+        <p:txBody>
+          <a:bodyPr rtlCol="0" anchor="ctr"/>
+          <a:lstStyle/>
+          <a:p>
+            <a:pPr algn="ctr"/>
+            <a:endParaRPr lang="en-US"/>
+          </a:p>
+        </p:txBody>
+      </p:sp>
+      <p:sp>
+        <p:nvSpPr>
+          <p:cNvPr id="5" name="TextBox 4">
+            <a:extLst>
+              <a:ext uri="{FF2B5EF4-FFF2-40B4-BE49-F238E27FC236}">
+                <a16:creationId xmlns:a16="http://schemas.microsoft.com/office/drawing/2014/main" id="{4A0CA4C0-DB46-430D-80A0-049964B7D8C8}"/>
+              </a:ext>
+            </a:extLst>
+          </p:cNvPr>
+          <p:cNvSpPr txBox="1"/>
+          <p:nvPr/>
+        </p:nvSpPr>
+        <p:spPr>
+          <a:xfrm>
+            <a:off x="8420100" y="1809750"/>
+            <a:ext cx="937116" cy="369332"/>
+          </a:xfrm>
+          <a:prstGeom prst="rect">
+            <a:avLst/>
+          </a:prstGeom>
+          <a:noFill/>
+        </p:spPr>
+        <p:txBody>
+          <a:bodyPr wrap="none" rtlCol="0">
+            <a:spAutoFit/>
+          </a:bodyPr>
+          <a:lstStyle/>
+          <a:p>
+            <a:r>
+              <a:rPr lang="en-US" dirty="0" err="1"/>
+              <a:t>dockerd</a:t>
+            </a:r>
+            <a:endParaRPr lang="en-US" dirty="0"/>
+          </a:p>
+        </p:txBody>
+      </p:sp>
+      <p:sp>
+        <p:nvSpPr>
+          <p:cNvPr id="6" name="Freeform: Shape 5">
+            <a:extLst>
+              <a:ext uri="{FF2B5EF4-FFF2-40B4-BE49-F238E27FC236}">
+                <a16:creationId xmlns:a16="http://schemas.microsoft.com/office/drawing/2014/main" id="{372BC62C-95C1-4434-B1DF-C3E4CE88A848}"/>
+              </a:ext>
+            </a:extLst>
+          </p:cNvPr>
+          <p:cNvSpPr/>
+          <p:nvPr/>
+        </p:nvSpPr>
+        <p:spPr>
+          <a:xfrm>
+            <a:off x="5070966" y="1695450"/>
+            <a:ext cx="172562" cy="1123950"/>
+          </a:xfrm>
+          <a:custGeom>
+            <a:avLst/>
+            <a:gdLst>
+              <a:gd name="connsiteX0" fmla="*/ 0 w 172562"/>
+              <a:gd name="connsiteY0" fmla="*/ 0 h 1123950"/>
+              <a:gd name="connsiteX1" fmla="*/ 19050 w 172562"/>
+              <a:gd name="connsiteY1" fmla="*/ 95250 h 1123950"/>
+              <a:gd name="connsiteX2" fmla="*/ 38100 w 172562"/>
+              <a:gd name="connsiteY2" fmla="*/ 133350 h 1123950"/>
+              <a:gd name="connsiteX3" fmla="*/ 95250 w 172562"/>
+              <a:gd name="connsiteY3" fmla="*/ 200025 h 1123950"/>
+              <a:gd name="connsiteX4" fmla="*/ 104775 w 172562"/>
+              <a:gd name="connsiteY4" fmla="*/ 228600 h 1123950"/>
+              <a:gd name="connsiteX5" fmla="*/ 123825 w 172562"/>
+              <a:gd name="connsiteY5" fmla="*/ 257175 h 1123950"/>
+              <a:gd name="connsiteX6" fmla="*/ 95250 w 172562"/>
+              <a:gd name="connsiteY6" fmla="*/ 419100 h 1123950"/>
+              <a:gd name="connsiteX7" fmla="*/ 76200 w 172562"/>
+              <a:gd name="connsiteY7" fmla="*/ 495300 h 1123950"/>
+              <a:gd name="connsiteX8" fmla="*/ 66675 w 172562"/>
+              <a:gd name="connsiteY8" fmla="*/ 523875 h 1123950"/>
+              <a:gd name="connsiteX9" fmla="*/ 47625 w 172562"/>
+              <a:gd name="connsiteY9" fmla="*/ 590550 h 1123950"/>
+              <a:gd name="connsiteX10" fmla="*/ 57150 w 172562"/>
+              <a:gd name="connsiteY10" fmla="*/ 619125 h 1123950"/>
+              <a:gd name="connsiteX11" fmla="*/ 95250 w 172562"/>
+              <a:gd name="connsiteY11" fmla="*/ 676275 h 1123950"/>
+              <a:gd name="connsiteX12" fmla="*/ 123825 w 172562"/>
+              <a:gd name="connsiteY12" fmla="*/ 790575 h 1123950"/>
+              <a:gd name="connsiteX13" fmla="*/ 133350 w 172562"/>
+              <a:gd name="connsiteY13" fmla="*/ 819150 h 1123950"/>
+              <a:gd name="connsiteX14" fmla="*/ 142875 w 172562"/>
+              <a:gd name="connsiteY14" fmla="*/ 857250 h 1123950"/>
+              <a:gd name="connsiteX15" fmla="*/ 152400 w 172562"/>
+              <a:gd name="connsiteY15" fmla="*/ 885825 h 1123950"/>
+              <a:gd name="connsiteX16" fmla="*/ 161925 w 172562"/>
+              <a:gd name="connsiteY16" fmla="*/ 942975 h 1123950"/>
+              <a:gd name="connsiteX17" fmla="*/ 171450 w 172562"/>
+              <a:gd name="connsiteY17" fmla="*/ 981075 h 1123950"/>
+              <a:gd name="connsiteX18" fmla="*/ 171450 w 172562"/>
+              <a:gd name="connsiteY18" fmla="*/ 1123950 h 1123950"/>
+            </a:gdLst>
+            <a:ahLst/>
+            <a:cxnLst>
+              <a:cxn ang="0">
+                <a:pos x="connsiteX0" y="connsiteY0"/>
+              </a:cxn>
+              <a:cxn ang="0">
+                <a:pos x="connsiteX1" y="connsiteY1"/>
+              </a:cxn>
+              <a:cxn ang="0">
+                <a:pos x="connsiteX2" y="connsiteY2"/>
+              </a:cxn>
+              <a:cxn ang="0">
+                <a:pos x="connsiteX3" y="connsiteY3"/>
+              </a:cxn>
+              <a:cxn ang="0">
+                <a:pos x="connsiteX4" y="connsiteY4"/>
+              </a:cxn>
+              <a:cxn ang="0">
+                <a:pos x="connsiteX5" y="connsiteY5"/>
+              </a:cxn>
+              <a:cxn ang="0">
+                <a:pos x="connsiteX6" y="connsiteY6"/>
+              </a:cxn>
+              <a:cxn ang="0">
+                <a:pos x="connsiteX7" y="connsiteY7"/>
+              </a:cxn>
+              <a:cxn ang="0">
+                <a:pos x="connsiteX8" y="connsiteY8"/>
+              </a:cxn>
+              <a:cxn ang="0">
+                <a:pos x="connsiteX9" y="connsiteY9"/>
+              </a:cxn>
+              <a:cxn ang="0">
+                <a:pos x="connsiteX10" y="connsiteY10"/>
+              </a:cxn>
+              <a:cxn ang="0">
+                <a:pos x="connsiteX11" y="connsiteY11"/>
+              </a:cxn>
+              <a:cxn ang="0">
+                <a:pos x="connsiteX12" y="connsiteY12"/>
+              </a:cxn>
+              <a:cxn ang="0">
+                <a:pos x="connsiteX13" y="connsiteY13"/>
+              </a:cxn>
+              <a:cxn ang="0">
+                <a:pos x="connsiteX14" y="connsiteY14"/>
+              </a:cxn>
+              <a:cxn ang="0">
+                <a:pos x="connsiteX15" y="connsiteY15"/>
+              </a:cxn>
+              <a:cxn ang="0">
+                <a:pos x="connsiteX16" y="connsiteY16"/>
+              </a:cxn>
+              <a:cxn ang="0">
+                <a:pos x="connsiteX17" y="connsiteY17"/>
+              </a:cxn>
+              <a:cxn ang="0">
+                <a:pos x="connsiteX18" y="connsiteY18"/>
+              </a:cxn>
+            </a:cxnLst>
+            <a:rect l="l" t="t" r="r" b="b"/>
+            <a:pathLst>
+              <a:path w="172562" h="1123950">
+                <a:moveTo>
+                  <a:pt x="0" y="0"/>
+                </a:moveTo>
+                <a:cubicBezTo>
+                  <a:pt x="6350" y="31750"/>
+                  <a:pt x="10155" y="64117"/>
+                  <a:pt x="19050" y="95250"/>
+                </a:cubicBezTo>
+                <a:cubicBezTo>
+                  <a:pt x="22951" y="108903"/>
+                  <a:pt x="30575" y="121309"/>
+                  <a:pt x="38100" y="133350"/>
+                </a:cubicBezTo>
+                <a:cubicBezTo>
+                  <a:pt x="58465" y="165934"/>
+                  <a:pt x="69274" y="174049"/>
+                  <a:pt x="95250" y="200025"/>
+                </a:cubicBezTo>
+                <a:cubicBezTo>
+                  <a:pt x="98425" y="209550"/>
+                  <a:pt x="100285" y="219620"/>
+                  <a:pt x="104775" y="228600"/>
+                </a:cubicBezTo>
+                <a:cubicBezTo>
+                  <a:pt x="109895" y="238839"/>
+                  <a:pt x="123153" y="245747"/>
+                  <a:pt x="123825" y="257175"/>
+                </a:cubicBezTo>
+                <a:cubicBezTo>
+                  <a:pt x="130812" y="375952"/>
+                  <a:pt x="134568" y="360123"/>
+                  <a:pt x="95250" y="419100"/>
+                </a:cubicBezTo>
+                <a:cubicBezTo>
+                  <a:pt x="88900" y="444500"/>
+                  <a:pt x="83089" y="470041"/>
+                  <a:pt x="76200" y="495300"/>
+                </a:cubicBezTo>
+                <a:cubicBezTo>
+                  <a:pt x="73558" y="504986"/>
+                  <a:pt x="69433" y="514221"/>
+                  <a:pt x="66675" y="523875"/>
+                </a:cubicBezTo>
+                <a:cubicBezTo>
+                  <a:pt x="42755" y="607596"/>
+                  <a:pt x="70463" y="522037"/>
+                  <a:pt x="47625" y="590550"/>
+                </a:cubicBezTo>
+                <a:cubicBezTo>
+                  <a:pt x="50800" y="600075"/>
+                  <a:pt x="52274" y="610348"/>
+                  <a:pt x="57150" y="619125"/>
+                </a:cubicBezTo>
+                <a:cubicBezTo>
+                  <a:pt x="68269" y="639139"/>
+                  <a:pt x="88010" y="654555"/>
+                  <a:pt x="95250" y="676275"/>
+                </a:cubicBezTo>
+                <a:cubicBezTo>
+                  <a:pt x="133743" y="791755"/>
+                  <a:pt x="98173" y="675139"/>
+                  <a:pt x="123825" y="790575"/>
+                </a:cubicBezTo>
+                <a:cubicBezTo>
+                  <a:pt x="126003" y="800376"/>
+                  <a:pt x="130592" y="809496"/>
+                  <a:pt x="133350" y="819150"/>
+                </a:cubicBezTo>
+                <a:cubicBezTo>
+                  <a:pt x="136946" y="831737"/>
+                  <a:pt x="139279" y="844663"/>
+                  <a:pt x="142875" y="857250"/>
+                </a:cubicBezTo>
+                <a:cubicBezTo>
+                  <a:pt x="145633" y="866904"/>
+                  <a:pt x="150222" y="876024"/>
+                  <a:pt x="152400" y="885825"/>
+                </a:cubicBezTo>
+                <a:cubicBezTo>
+                  <a:pt x="156590" y="904678"/>
+                  <a:pt x="158137" y="924037"/>
+                  <a:pt x="161925" y="942975"/>
+                </a:cubicBezTo>
+                <a:cubicBezTo>
+                  <a:pt x="164492" y="955812"/>
+                  <a:pt x="170762" y="968002"/>
+                  <a:pt x="171450" y="981075"/>
+                </a:cubicBezTo>
+                <a:cubicBezTo>
+                  <a:pt x="173953" y="1028634"/>
+                  <a:pt x="171450" y="1076325"/>
+                  <a:pt x="171450" y="1123950"/>
+                </a:cubicBezTo>
+              </a:path>
+            </a:pathLst>
+          </a:custGeom>
+          <a:noFill/>
+        </p:spPr>
+        <p:style>
+          <a:lnRef idx="2">
+            <a:schemeClr val="accent1">
+              <a:shade val="50000"/>
+            </a:schemeClr>
+          </a:lnRef>
+          <a:fillRef idx="1">
+            <a:schemeClr val="accent1"/>
+          </a:fillRef>
+          <a:effectRef idx="0">
+            <a:schemeClr val="accent1"/>
+          </a:effectRef>
+          <a:fontRef idx="minor">
+            <a:schemeClr val="lt1"/>
+          </a:fontRef>
+        </p:style>
+        <p:txBody>
+          <a:bodyPr rtlCol="0" anchor="ctr"/>
+          <a:lstStyle/>
+          <a:p>
+            <a:pPr algn="ctr"/>
+            <a:endParaRPr lang="en-US"/>
+          </a:p>
+        </p:txBody>
+      </p:sp>
+      <p:sp>
+        <p:nvSpPr>
+          <p:cNvPr id="7" name="TextBox 6">
+            <a:extLst>
+              <a:ext uri="{FF2B5EF4-FFF2-40B4-BE49-F238E27FC236}">
+                <a16:creationId xmlns:a16="http://schemas.microsoft.com/office/drawing/2014/main" id="{EF3E15F8-3484-4DA5-81F3-732F89294D37}"/>
+              </a:ext>
+            </a:extLst>
+          </p:cNvPr>
+          <p:cNvSpPr txBox="1"/>
+          <p:nvPr/>
+        </p:nvSpPr>
+        <p:spPr>
+          <a:xfrm>
+            <a:off x="4966191" y="1924050"/>
+            <a:ext cx="1239955" cy="584775"/>
+          </a:xfrm>
+          <a:prstGeom prst="rect">
+            <a:avLst/>
+          </a:prstGeom>
+          <a:noFill/>
+        </p:spPr>
+        <p:txBody>
+          <a:bodyPr wrap="none" rtlCol="0">
+            <a:spAutoFit/>
+          </a:bodyPr>
+          <a:lstStyle/>
+          <a:p>
+            <a:r>
+              <a:rPr lang="en-US" dirty="0"/>
+              <a:t>K8s-service</a:t>
+            </a:r>
+          </a:p>
+          <a:p>
+            <a:r>
+              <a:rPr lang="en-US" sz="1400" dirty="0"/>
+              <a:t>(pod-def)</a:t>
+            </a:r>
+            <a:endParaRPr lang="en-US" dirty="0"/>
+          </a:p>
+        </p:txBody>
+      </p:sp>
+      <p:sp>
+        <p:nvSpPr>
+          <p:cNvPr id="8" name="TextBox 7">
+            <a:extLst>
+              <a:ext uri="{FF2B5EF4-FFF2-40B4-BE49-F238E27FC236}">
+                <a16:creationId xmlns:a16="http://schemas.microsoft.com/office/drawing/2014/main" id="{9FE78F46-1EF0-4638-8548-939B5DE41BF5}"/>
+              </a:ext>
+            </a:extLst>
+          </p:cNvPr>
+          <p:cNvSpPr txBox="1"/>
+          <p:nvPr/>
+        </p:nvSpPr>
+        <p:spPr>
+          <a:xfrm>
+            <a:off x="495300" y="2293382"/>
+            <a:ext cx="3114675" cy="1231106"/>
+          </a:xfrm>
+          <a:prstGeom prst="rect">
+            <a:avLst/>
+          </a:prstGeom>
+          <a:noFill/>
+        </p:spPr>
+        <p:txBody>
+          <a:bodyPr wrap="square" rtlCol="0">
+            <a:spAutoFit/>
+          </a:bodyPr>
+          <a:lstStyle/>
+          <a:p>
+            <a:pPr marL="285750" indent="-285750">
+              <a:buFont typeface="Wingdings" panose="05000000000000000000" pitchFamily="2" charset="2"/>
+              <a:buChar char="Ø"/>
+            </a:pPr>
+            <a:r>
+              <a:rPr lang="en-US" dirty="0" err="1"/>
+              <a:t>Kubectl</a:t>
+            </a:r>
+            <a:r>
+              <a:rPr lang="en-US" dirty="0"/>
+              <a:t> </a:t>
+            </a:r>
+            <a:r>
+              <a:rPr lang="en-US" sz="1400" dirty="0"/>
+              <a:t>(refers to ~/.</a:t>
+            </a:r>
+            <a:r>
+              <a:rPr lang="en-US" sz="1400" dirty="0" err="1"/>
+              <a:t>kube</a:t>
+            </a:r>
+            <a:r>
+              <a:rPr lang="en-US" sz="1400" dirty="0"/>
+              <a:t>/config)</a:t>
+            </a:r>
+          </a:p>
+          <a:p>
+            <a:pPr marL="285750" indent="-285750">
+              <a:buFont typeface="Wingdings" panose="05000000000000000000" pitchFamily="2" charset="2"/>
+              <a:buChar char="Ø"/>
+            </a:pPr>
+            <a:endParaRPr lang="en-US" sz="1400" dirty="0"/>
+          </a:p>
+          <a:p>
+            <a:pPr marL="285750" indent="-285750">
+              <a:buFont typeface="Wingdings" panose="05000000000000000000" pitchFamily="2" charset="2"/>
+              <a:buChar char="Ø"/>
+            </a:pPr>
+            <a:endParaRPr lang="en-US" sz="1400" dirty="0"/>
+          </a:p>
+          <a:p>
+            <a:pPr marL="285750" indent="-285750">
+              <a:buFont typeface="Wingdings" panose="05000000000000000000" pitchFamily="2" charset="2"/>
+              <a:buChar char="Ø"/>
+            </a:pPr>
+            <a:endParaRPr lang="en-US" sz="1400" dirty="0"/>
+          </a:p>
+          <a:p>
+            <a:pPr marL="285750" indent="-285750">
+              <a:buFont typeface="Wingdings" panose="05000000000000000000" pitchFamily="2" charset="2"/>
+              <a:buChar char="Ø"/>
+            </a:pPr>
+            <a:r>
+              <a:rPr lang="en-US" sz="1400" dirty="0" err="1"/>
+              <a:t>Kubectl</a:t>
+            </a:r>
+            <a:r>
+              <a:rPr lang="en-US" sz="1400" dirty="0"/>
+              <a:t> apply –f </a:t>
+            </a:r>
+            <a:r>
+              <a:rPr lang="en-US" sz="1400" dirty="0" err="1"/>
+              <a:t>pod.yml</a:t>
+            </a:r>
+            <a:endParaRPr lang="en-US" sz="1400" dirty="0"/>
+          </a:p>
+        </p:txBody>
+      </p:sp>
+      <p:cxnSp>
+        <p:nvCxnSpPr>
+          <p:cNvPr id="10" name="Straight Arrow Connector 9">
+            <a:extLst>
+              <a:ext uri="{FF2B5EF4-FFF2-40B4-BE49-F238E27FC236}">
+                <a16:creationId xmlns:a16="http://schemas.microsoft.com/office/drawing/2014/main" id="{8008B607-252C-4479-BFF5-21CC03DC0AB3}"/>
+              </a:ext>
+            </a:extLst>
+          </p:cNvPr>
+          <p:cNvCxnSpPr>
+            <a:endCxn id="7" idx="1"/>
+          </p:cNvCxnSpPr>
+          <p:nvPr/>
+        </p:nvCxnSpPr>
+        <p:spPr>
+          <a:xfrm flipV="1">
+            <a:off x="1447800" y="2216438"/>
+            <a:ext cx="3518391" cy="250539"/>
+          </a:xfrm>
+          <a:prstGeom prst="straightConnector1">
+            <a:avLst/>
+          </a:prstGeom>
+          <a:ln>
+            <a:tailEnd type="triangle"/>
+          </a:ln>
+        </p:spPr>
+        <p:style>
+          <a:lnRef idx="1">
+            <a:schemeClr val="accent1"/>
+          </a:lnRef>
+          <a:fillRef idx="0">
+            <a:schemeClr val="accent1"/>
+          </a:fillRef>
+          <a:effectRef idx="0">
+            <a:schemeClr val="accent1"/>
+          </a:effectRef>
+          <a:fontRef idx="minor">
+            <a:schemeClr val="tx1"/>
+          </a:fontRef>
+        </p:style>
+      </p:cxnSp>
+      <p:cxnSp>
+        <p:nvCxnSpPr>
+          <p:cNvPr id="12" name="Straight Arrow Connector 11">
+            <a:extLst>
+              <a:ext uri="{FF2B5EF4-FFF2-40B4-BE49-F238E27FC236}">
+                <a16:creationId xmlns:a16="http://schemas.microsoft.com/office/drawing/2014/main" id="{FF2F05B9-011D-49C3-B952-748CFE2730B8}"/>
+              </a:ext>
+            </a:extLst>
+          </p:cNvPr>
+          <p:cNvCxnSpPr>
+            <a:stCxn id="7" idx="1"/>
+          </p:cNvCxnSpPr>
+          <p:nvPr/>
+        </p:nvCxnSpPr>
+        <p:spPr>
+          <a:xfrm flipH="1">
+            <a:off x="1543051" y="2216438"/>
+            <a:ext cx="3423140" cy="630942"/>
+          </a:xfrm>
+          <a:prstGeom prst="straightConnector1">
+            <a:avLst/>
+          </a:prstGeom>
+          <a:ln>
+            <a:tailEnd type="triangle"/>
+          </a:ln>
+        </p:spPr>
+        <p:style>
+          <a:lnRef idx="1">
+            <a:schemeClr val="accent1"/>
+          </a:lnRef>
+          <a:fillRef idx="0">
+            <a:schemeClr val="accent1"/>
+          </a:fillRef>
+          <a:effectRef idx="0">
+            <a:schemeClr val="accent1"/>
+          </a:effectRef>
+          <a:fontRef idx="minor">
+            <a:schemeClr val="tx1"/>
+          </a:fontRef>
+        </p:style>
+      </p:cxnSp>
+      <p:sp>
+        <p:nvSpPr>
+          <p:cNvPr id="13" name="TextBox 12">
+            <a:extLst>
+              <a:ext uri="{FF2B5EF4-FFF2-40B4-BE49-F238E27FC236}">
+                <a16:creationId xmlns:a16="http://schemas.microsoft.com/office/drawing/2014/main" id="{74DFD312-4AEE-4A51-92C9-2301E1833F43}"/>
+              </a:ext>
+            </a:extLst>
+          </p:cNvPr>
+          <p:cNvSpPr txBox="1"/>
+          <p:nvPr/>
+        </p:nvSpPr>
+        <p:spPr>
+          <a:xfrm>
+            <a:off x="1633553" y="2570976"/>
+            <a:ext cx="1071768" cy="276999"/>
+          </a:xfrm>
+          <a:prstGeom prst="rect">
+            <a:avLst/>
+          </a:prstGeom>
+          <a:noFill/>
+        </p:spPr>
+        <p:txBody>
+          <a:bodyPr wrap="none" rtlCol="0">
+            <a:spAutoFit/>
+          </a:bodyPr>
+          <a:lstStyle/>
+          <a:p>
+            <a:r>
+              <a:rPr lang="en-US" sz="1200" dirty="0"/>
+              <a:t>Server version</a:t>
+            </a:r>
+            <a:endParaRPr lang="en-US" dirty="0"/>
+          </a:p>
+        </p:txBody>
+      </p:sp>
+      <p:cxnSp>
+        <p:nvCxnSpPr>
+          <p:cNvPr id="15" name="Straight Arrow Connector 14">
+            <a:extLst>
+              <a:ext uri="{FF2B5EF4-FFF2-40B4-BE49-F238E27FC236}">
+                <a16:creationId xmlns:a16="http://schemas.microsoft.com/office/drawing/2014/main" id="{8E455C69-4FF1-4010-B930-815CDB64C4D1}"/>
+              </a:ext>
+            </a:extLst>
+          </p:cNvPr>
+          <p:cNvCxnSpPr>
+            <a:cxnSpLocks/>
+            <a:endCxn id="7" idx="1"/>
+          </p:cNvCxnSpPr>
+          <p:nvPr/>
+        </p:nvCxnSpPr>
+        <p:spPr>
+          <a:xfrm flipV="1">
+            <a:off x="2705321" y="2216438"/>
+            <a:ext cx="2260870" cy="1117313"/>
+          </a:xfrm>
+          <a:prstGeom prst="straightConnector1">
+            <a:avLst/>
+          </a:prstGeom>
+          <a:ln>
+            <a:tailEnd type="triangle"/>
+          </a:ln>
+        </p:spPr>
+        <p:style>
+          <a:lnRef idx="1">
+            <a:schemeClr val="accent1"/>
+          </a:lnRef>
+          <a:fillRef idx="0">
+            <a:schemeClr val="accent1"/>
+          </a:fillRef>
+          <a:effectRef idx="0">
+            <a:schemeClr val="accent1"/>
+          </a:effectRef>
+          <a:fontRef idx="minor">
+            <a:schemeClr val="tx1"/>
+          </a:fontRef>
+        </p:style>
+      </p:cxnSp>
+      <p:cxnSp>
+        <p:nvCxnSpPr>
+          <p:cNvPr id="18" name="Straight Arrow Connector 17">
+            <a:extLst>
+              <a:ext uri="{FF2B5EF4-FFF2-40B4-BE49-F238E27FC236}">
+                <a16:creationId xmlns:a16="http://schemas.microsoft.com/office/drawing/2014/main" id="{CFFAB40F-5A79-4468-A244-7D2C5B351ACF}"/>
+              </a:ext>
+            </a:extLst>
+          </p:cNvPr>
+          <p:cNvCxnSpPr>
+            <a:stCxn id="7" idx="3"/>
+            <a:endCxn id="5" idx="1"/>
+          </p:cNvCxnSpPr>
+          <p:nvPr/>
+        </p:nvCxnSpPr>
+        <p:spPr>
+          <a:xfrm flipV="1">
+            <a:off x="6206146" y="1994416"/>
+            <a:ext cx="2213954" cy="222022"/>
+          </a:xfrm>
+          <a:prstGeom prst="straightConnector1">
+            <a:avLst/>
+          </a:prstGeom>
+          <a:ln>
+            <a:tailEnd type="triangle"/>
+          </a:ln>
+        </p:spPr>
+        <p:style>
+          <a:lnRef idx="1">
+            <a:schemeClr val="accent1"/>
+          </a:lnRef>
+          <a:fillRef idx="0">
+            <a:schemeClr val="accent1"/>
+          </a:fillRef>
+          <a:effectRef idx="0">
+            <a:schemeClr val="accent1"/>
+          </a:effectRef>
+          <a:fontRef idx="minor">
+            <a:schemeClr val="tx1"/>
+          </a:fontRef>
+        </p:style>
+      </p:cxnSp>
+      <p:cxnSp>
+        <p:nvCxnSpPr>
+          <p:cNvPr id="20" name="Straight Arrow Connector 19">
+            <a:extLst>
+              <a:ext uri="{FF2B5EF4-FFF2-40B4-BE49-F238E27FC236}">
+                <a16:creationId xmlns:a16="http://schemas.microsoft.com/office/drawing/2014/main" id="{28F129C1-7D96-43DD-9194-7C3065FFFB64}"/>
+              </a:ext>
+            </a:extLst>
+          </p:cNvPr>
+          <p:cNvCxnSpPr>
+            <a:stCxn id="5" idx="2"/>
+          </p:cNvCxnSpPr>
+          <p:nvPr/>
+        </p:nvCxnSpPr>
+        <p:spPr>
+          <a:xfrm flipH="1">
+            <a:off x="8048625" y="2179082"/>
+            <a:ext cx="840033" cy="1154669"/>
+          </a:xfrm>
+          <a:prstGeom prst="straightConnector1">
+            <a:avLst/>
+          </a:prstGeom>
+          <a:ln>
+            <a:tailEnd type="triangle"/>
+          </a:ln>
+        </p:spPr>
+        <p:style>
+          <a:lnRef idx="1">
+            <a:schemeClr val="accent1"/>
+          </a:lnRef>
+          <a:fillRef idx="0">
+            <a:schemeClr val="accent1"/>
+          </a:fillRef>
+          <a:effectRef idx="0">
+            <a:schemeClr val="accent1"/>
+          </a:effectRef>
+          <a:fontRef idx="minor">
+            <a:schemeClr val="tx1"/>
+          </a:fontRef>
+        </p:style>
+      </p:cxnSp>
+      <p:sp>
+        <p:nvSpPr>
+          <p:cNvPr id="21" name="Oval 20">
+            <a:extLst>
+              <a:ext uri="{FF2B5EF4-FFF2-40B4-BE49-F238E27FC236}">
+                <a16:creationId xmlns:a16="http://schemas.microsoft.com/office/drawing/2014/main" id="{5ABD1F77-1909-4561-90C9-3AD8B0374773}"/>
+              </a:ext>
+            </a:extLst>
+          </p:cNvPr>
+          <p:cNvSpPr/>
+          <p:nvPr/>
+        </p:nvSpPr>
+        <p:spPr>
+          <a:xfrm>
+            <a:off x="7248525" y="3297943"/>
+            <a:ext cx="1600200" cy="590549"/>
+          </a:xfrm>
+          <a:prstGeom prst="ellipse">
+            <a:avLst/>
+          </a:prstGeom>
+        </p:spPr>
+        <p:style>
+          <a:lnRef idx="2">
+            <a:schemeClr val="accent1">
+              <a:shade val="50000"/>
+            </a:schemeClr>
+          </a:lnRef>
+          <a:fillRef idx="1">
+            <a:schemeClr val="accent1"/>
+          </a:fillRef>
+          <a:effectRef idx="0">
+            <a:schemeClr val="accent1"/>
+          </a:effectRef>
+          <a:fontRef idx="minor">
+            <a:schemeClr val="lt1"/>
+          </a:fontRef>
+        </p:style>
+        <p:txBody>
+          <a:bodyPr rtlCol="0" anchor="ctr"/>
+          <a:lstStyle/>
+          <a:p>
+            <a:pPr algn="ctr"/>
+            <a:r>
+              <a:rPr lang="en-US" dirty="0"/>
+              <a:t>Pod </a:t>
+            </a:r>
+            <a:r>
+              <a:rPr lang="en-US" dirty="0" err="1"/>
+              <a:t>cont</a:t>
+            </a:r>
+            <a:endParaRPr lang="en-US" dirty="0"/>
+          </a:p>
+        </p:txBody>
+      </p:sp>
+      <p:cxnSp>
+        <p:nvCxnSpPr>
+          <p:cNvPr id="23" name="Straight Arrow Connector 22">
+            <a:extLst>
+              <a:ext uri="{FF2B5EF4-FFF2-40B4-BE49-F238E27FC236}">
+                <a16:creationId xmlns:a16="http://schemas.microsoft.com/office/drawing/2014/main" id="{64716C6D-A5EF-4D18-B28D-BF067AE4F48B}"/>
+              </a:ext>
+            </a:extLst>
+          </p:cNvPr>
+          <p:cNvCxnSpPr>
+            <a:stCxn id="5" idx="2"/>
+          </p:cNvCxnSpPr>
+          <p:nvPr/>
+        </p:nvCxnSpPr>
+        <p:spPr>
+          <a:xfrm>
+            <a:off x="8888658" y="2179082"/>
+            <a:ext cx="979242" cy="916543"/>
+          </a:xfrm>
+          <a:prstGeom prst="straightConnector1">
+            <a:avLst/>
+          </a:prstGeom>
+          <a:ln>
+            <a:tailEnd type="triangle"/>
+          </a:ln>
+        </p:spPr>
+        <p:style>
+          <a:lnRef idx="1">
+            <a:schemeClr val="accent1"/>
+          </a:lnRef>
+          <a:fillRef idx="0">
+            <a:schemeClr val="accent1"/>
+          </a:fillRef>
+          <a:effectRef idx="0">
+            <a:schemeClr val="accent1"/>
+          </a:effectRef>
+          <a:fontRef idx="minor">
+            <a:schemeClr val="tx1"/>
+          </a:fontRef>
+        </p:style>
+      </p:cxnSp>
+      <p:sp>
+        <p:nvSpPr>
+          <p:cNvPr id="24" name="Oval 23">
+            <a:extLst>
+              <a:ext uri="{FF2B5EF4-FFF2-40B4-BE49-F238E27FC236}">
+                <a16:creationId xmlns:a16="http://schemas.microsoft.com/office/drawing/2014/main" id="{CAE0968C-AAF7-42D5-AAC6-11BA3F6341BE}"/>
+              </a:ext>
+            </a:extLst>
+          </p:cNvPr>
+          <p:cNvSpPr/>
+          <p:nvPr/>
+        </p:nvSpPr>
+        <p:spPr>
+          <a:xfrm>
+            <a:off x="9221234" y="3095625"/>
+            <a:ext cx="1588621" cy="811917"/>
+          </a:xfrm>
+          <a:prstGeom prst="ellipse">
+            <a:avLst/>
+          </a:prstGeom>
+        </p:spPr>
+        <p:style>
+          <a:lnRef idx="2">
+            <a:schemeClr val="accent1">
+              <a:shade val="50000"/>
+            </a:schemeClr>
+          </a:lnRef>
+          <a:fillRef idx="1">
+            <a:schemeClr val="accent1"/>
+          </a:fillRef>
+          <a:effectRef idx="0">
+            <a:schemeClr val="accent1"/>
+          </a:effectRef>
+          <a:fontRef idx="minor">
+            <a:schemeClr val="lt1"/>
+          </a:fontRef>
+        </p:style>
+        <p:txBody>
+          <a:bodyPr rtlCol="0" anchor="ctr"/>
+          <a:lstStyle/>
+          <a:p>
+            <a:pPr algn="ctr"/>
+            <a:r>
+              <a:rPr lang="en-US" dirty="0"/>
+              <a:t>Web:nginx:80</a:t>
+            </a:r>
+          </a:p>
+        </p:txBody>
+      </p:sp>
+      <p:sp>
+        <p:nvSpPr>
+          <p:cNvPr id="25" name="Rectangle 24">
+            <a:extLst>
+              <a:ext uri="{FF2B5EF4-FFF2-40B4-BE49-F238E27FC236}">
+                <a16:creationId xmlns:a16="http://schemas.microsoft.com/office/drawing/2014/main" id="{C2008BC1-A7F6-4A1F-97C8-26DE662E4642}"/>
+              </a:ext>
+            </a:extLst>
+          </p:cNvPr>
+          <p:cNvSpPr/>
+          <p:nvPr/>
+        </p:nvSpPr>
+        <p:spPr>
+          <a:xfrm>
+            <a:off x="7621034" y="3788153"/>
+            <a:ext cx="971741" cy="276999"/>
+          </a:xfrm>
+          <a:prstGeom prst="rect">
+            <a:avLst/>
+          </a:prstGeom>
+        </p:spPr>
+        <p:txBody>
+          <a:bodyPr wrap="none">
+            <a:spAutoFit/>
+          </a:bodyPr>
+          <a:lstStyle/>
+          <a:p>
+            <a:r>
+              <a:rPr lang="en-US" sz="1200" dirty="0"/>
+              <a:t>"172.17.0.4"</a:t>
+            </a:r>
+          </a:p>
+        </p:txBody>
+      </p:sp>
+      <p:sp>
+        <p:nvSpPr>
+          <p:cNvPr id="26" name="Rectangle 25">
+            <a:extLst>
+              <a:ext uri="{FF2B5EF4-FFF2-40B4-BE49-F238E27FC236}">
+                <a16:creationId xmlns:a16="http://schemas.microsoft.com/office/drawing/2014/main" id="{2A3B1F82-2DA8-474A-847F-AB1FC85CFBE6}"/>
+              </a:ext>
+            </a:extLst>
+          </p:cNvPr>
+          <p:cNvSpPr/>
+          <p:nvPr/>
+        </p:nvSpPr>
+        <p:spPr>
+          <a:xfrm>
+            <a:off x="8468641" y="3190875"/>
+            <a:ext cx="936200" cy="497593"/>
+          </a:xfrm>
+          <a:prstGeom prst="rect">
+            <a:avLst/>
+          </a:prstGeom>
+        </p:spPr>
+        <p:style>
+          <a:lnRef idx="2">
+            <a:schemeClr val="accent1">
+              <a:shade val="50000"/>
+            </a:schemeClr>
+          </a:lnRef>
+          <a:fillRef idx="1">
+            <a:schemeClr val="accent1"/>
+          </a:fillRef>
+          <a:effectRef idx="0">
+            <a:schemeClr val="accent1"/>
+          </a:effectRef>
+          <a:fontRef idx="minor">
+            <a:schemeClr val="lt1"/>
+          </a:fontRef>
+        </p:style>
+        <p:txBody>
+          <a:bodyPr rtlCol="0" anchor="ctr"/>
+          <a:lstStyle/>
+          <a:p>
+            <a:pPr algn="ctr"/>
+            <a:r>
+              <a:rPr lang="en-US" sz="1400" dirty="0"/>
+              <a:t>Shared-</a:t>
+            </a:r>
+            <a:r>
+              <a:rPr lang="en-US" sz="1400" dirty="0" err="1"/>
+              <a:t>veth</a:t>
+            </a:r>
+            <a:endParaRPr lang="en-US" dirty="0"/>
+          </a:p>
+        </p:txBody>
+      </p:sp>
+      <p:sp>
+        <p:nvSpPr>
+          <p:cNvPr id="27" name="TextBox 26">
+            <a:extLst>
+              <a:ext uri="{FF2B5EF4-FFF2-40B4-BE49-F238E27FC236}">
+                <a16:creationId xmlns:a16="http://schemas.microsoft.com/office/drawing/2014/main" id="{A5E5F10D-DC9D-455F-B820-D49A65967D5A}"/>
+              </a:ext>
+            </a:extLst>
+          </p:cNvPr>
+          <p:cNvSpPr txBox="1"/>
+          <p:nvPr/>
+        </p:nvSpPr>
+        <p:spPr>
+          <a:xfrm>
+            <a:off x="4867278" y="4781313"/>
+            <a:ext cx="3552821" cy="646331"/>
+          </a:xfrm>
+          <a:prstGeom prst="rect">
+            <a:avLst/>
+          </a:prstGeom>
+          <a:noFill/>
+        </p:spPr>
+        <p:txBody>
+          <a:bodyPr wrap="square" rtlCol="0">
+            <a:spAutoFit/>
+          </a:bodyPr>
+          <a:lstStyle/>
+          <a:p>
+            <a:r>
+              <a:rPr lang="en-US" dirty="0"/>
+              <a:t>$ curl &lt;pod’s </a:t>
+            </a:r>
+            <a:r>
+              <a:rPr lang="en-US" dirty="0" err="1"/>
+              <a:t>ip</a:t>
+            </a:r>
+            <a:r>
+              <a:rPr lang="en-US" dirty="0"/>
+              <a:t>&gt;:&lt;port of </a:t>
+            </a:r>
+            <a:r>
+              <a:rPr lang="en-US" dirty="0" err="1"/>
+              <a:t>cont</a:t>
+            </a:r>
+            <a:r>
+              <a:rPr lang="en-US" dirty="0"/>
+              <a:t>&gt;</a:t>
+            </a:r>
+          </a:p>
+          <a:p>
+            <a:r>
+              <a:rPr lang="en-US" dirty="0"/>
+              <a:t>$ curl 172.17.0.4:80</a:t>
+            </a:r>
+          </a:p>
+        </p:txBody>
+      </p:sp>
+      <p:sp>
+        <p:nvSpPr>
+          <p:cNvPr id="28" name="TextBox 27">
+            <a:extLst>
+              <a:ext uri="{FF2B5EF4-FFF2-40B4-BE49-F238E27FC236}">
+                <a16:creationId xmlns:a16="http://schemas.microsoft.com/office/drawing/2014/main" id="{7D0231EB-B9B1-4CA5-BC6F-D07E2F7210DB}"/>
+              </a:ext>
+            </a:extLst>
+          </p:cNvPr>
+          <p:cNvSpPr txBox="1"/>
+          <p:nvPr/>
+        </p:nvSpPr>
+        <p:spPr>
+          <a:xfrm>
+            <a:off x="480938" y="3545592"/>
+            <a:ext cx="3217544" cy="3416320"/>
+          </a:xfrm>
+          <a:prstGeom prst="rect">
+            <a:avLst/>
+          </a:prstGeom>
+          <a:noFill/>
+        </p:spPr>
+        <p:txBody>
+          <a:bodyPr wrap="square" rtlCol="0">
+            <a:spAutoFit/>
+          </a:bodyPr>
+          <a:lstStyle/>
+          <a:p>
+            <a:pPr marL="342900" indent="-342900">
+              <a:buAutoNum type="arabicPeriod"/>
+            </a:pPr>
+            <a:r>
+              <a:rPr lang="en-US" dirty="0"/>
+              <a:t>pod-</a:t>
+            </a:r>
+            <a:r>
+              <a:rPr lang="en-US" dirty="0" err="1"/>
+              <a:t>cont</a:t>
+            </a:r>
+            <a:r>
+              <a:rPr lang="en-US" dirty="0"/>
+              <a:t> provides n/w access to containers</a:t>
+            </a:r>
+          </a:p>
+          <a:p>
+            <a:pPr marL="342900" indent="-342900">
+              <a:buAutoNum type="arabicPeriod"/>
+            </a:pPr>
+            <a:r>
+              <a:rPr lang="en-US" dirty="0"/>
+              <a:t>Make sure that always the required containers run</a:t>
+            </a:r>
+          </a:p>
+          <a:p>
+            <a:pPr marL="342900" indent="-342900">
+              <a:buAutoNum type="arabicPeriod"/>
+            </a:pPr>
+            <a:r>
+              <a:rPr lang="en-US" dirty="0"/>
+              <a:t>Pod can have multiple containers provided they come up on different port number</a:t>
+            </a:r>
+          </a:p>
+          <a:p>
+            <a:pPr marL="342900" indent="-342900">
+              <a:buAutoNum type="arabicPeriod"/>
+            </a:pPr>
+            <a:r>
+              <a:rPr lang="en-US" dirty="0"/>
+              <a:t>Design time decision: Should I put containers in the same pod --- if they scalable together</a:t>
+            </a:r>
+          </a:p>
+        </p:txBody>
+      </p:sp>
+      <p:sp>
+        <p:nvSpPr>
+          <p:cNvPr id="30" name="Rectangle 29">
+            <a:extLst>
+              <a:ext uri="{FF2B5EF4-FFF2-40B4-BE49-F238E27FC236}">
+                <a16:creationId xmlns:a16="http://schemas.microsoft.com/office/drawing/2014/main" id="{8C5E307C-D097-45E0-A44D-9A23E2518CCA}"/>
+              </a:ext>
+            </a:extLst>
+          </p:cNvPr>
+          <p:cNvSpPr/>
+          <p:nvPr/>
+        </p:nvSpPr>
+        <p:spPr>
+          <a:xfrm>
+            <a:off x="8848725" y="4686300"/>
+            <a:ext cx="2047875" cy="1504950"/>
+          </a:xfrm>
+          <a:prstGeom prst="rect">
+            <a:avLst/>
+          </a:prstGeom>
+          <a:noFill/>
+        </p:spPr>
+        <p:style>
+          <a:lnRef idx="2">
+            <a:schemeClr val="accent1">
+              <a:shade val="50000"/>
+            </a:schemeClr>
+          </a:lnRef>
+          <a:fillRef idx="1">
+            <a:schemeClr val="accent1"/>
+          </a:fillRef>
+          <a:effectRef idx="0">
+            <a:schemeClr val="accent1"/>
+          </a:effectRef>
+          <a:fontRef idx="minor">
+            <a:schemeClr val="lt1"/>
+          </a:fontRef>
+        </p:style>
+        <p:txBody>
+          <a:bodyPr rtlCol="0" anchor="ctr"/>
+          <a:lstStyle/>
+          <a:p>
+            <a:pPr algn="ctr"/>
+            <a:endParaRPr lang="en-US"/>
+          </a:p>
+        </p:txBody>
+      </p:sp>
+      <p:sp>
+        <p:nvSpPr>
+          <p:cNvPr id="31" name="Oval 30">
+            <a:extLst>
+              <a:ext uri="{FF2B5EF4-FFF2-40B4-BE49-F238E27FC236}">
+                <a16:creationId xmlns:a16="http://schemas.microsoft.com/office/drawing/2014/main" id="{4D3586FE-6477-4C7A-B02C-607CF98AB07B}"/>
+              </a:ext>
+            </a:extLst>
+          </p:cNvPr>
+          <p:cNvSpPr/>
+          <p:nvPr/>
+        </p:nvSpPr>
+        <p:spPr>
+          <a:xfrm>
+            <a:off x="9307979" y="5104478"/>
+            <a:ext cx="1588621" cy="811917"/>
+          </a:xfrm>
+          <a:prstGeom prst="ellipse">
+            <a:avLst/>
+          </a:prstGeom>
+        </p:spPr>
+        <p:style>
+          <a:lnRef idx="2">
+            <a:schemeClr val="accent1">
+              <a:shade val="50000"/>
+            </a:schemeClr>
+          </a:lnRef>
+          <a:fillRef idx="1">
+            <a:schemeClr val="accent1"/>
+          </a:fillRef>
+          <a:effectRef idx="0">
+            <a:schemeClr val="accent1"/>
+          </a:effectRef>
+          <a:fontRef idx="minor">
+            <a:schemeClr val="lt1"/>
+          </a:fontRef>
+        </p:style>
+        <p:txBody>
+          <a:bodyPr rtlCol="0" anchor="ctr"/>
+          <a:lstStyle/>
+          <a:p>
+            <a:pPr algn="ctr"/>
+            <a:r>
+              <a:rPr lang="en-US" dirty="0"/>
+              <a:t>Web:nginx:80</a:t>
+            </a:r>
+          </a:p>
+        </p:txBody>
+      </p:sp>
+      <p:sp>
+        <p:nvSpPr>
+          <p:cNvPr id="33" name="TextBox 32">
+            <a:extLst>
+              <a:ext uri="{FF2B5EF4-FFF2-40B4-BE49-F238E27FC236}">
+                <a16:creationId xmlns:a16="http://schemas.microsoft.com/office/drawing/2014/main" id="{44E0D41D-0A83-4DFE-8CCF-D6319B40F8A9}"/>
+              </a:ext>
+            </a:extLst>
+          </p:cNvPr>
+          <p:cNvSpPr txBox="1"/>
+          <p:nvPr/>
+        </p:nvSpPr>
+        <p:spPr>
+          <a:xfrm>
+            <a:off x="8888658" y="4457700"/>
+            <a:ext cx="1650003" cy="369332"/>
+          </a:xfrm>
+          <a:prstGeom prst="rect">
+            <a:avLst/>
+          </a:prstGeom>
+          <a:noFill/>
+        </p:spPr>
+        <p:txBody>
+          <a:bodyPr wrap="none" rtlCol="0">
+            <a:spAutoFit/>
+          </a:bodyPr>
+          <a:lstStyle/>
+          <a:p>
+            <a:r>
+              <a:rPr lang="en-US" dirty="0"/>
+              <a:t>Pod: 172.17.0.4</a:t>
+            </a:r>
+          </a:p>
+        </p:txBody>
+      </p:sp>
+      <p:cxnSp>
+        <p:nvCxnSpPr>
+          <p:cNvPr id="35" name="Straight Arrow Connector 34">
+            <a:extLst>
+              <a:ext uri="{FF2B5EF4-FFF2-40B4-BE49-F238E27FC236}">
+                <a16:creationId xmlns:a16="http://schemas.microsoft.com/office/drawing/2014/main" id="{2EC3A518-4961-428B-88E5-0AF3380017C5}"/>
+              </a:ext>
+            </a:extLst>
+          </p:cNvPr>
+          <p:cNvCxnSpPr>
+            <a:endCxn id="33" idx="1"/>
+          </p:cNvCxnSpPr>
+          <p:nvPr/>
+        </p:nvCxnSpPr>
+        <p:spPr>
+          <a:xfrm flipV="1">
+            <a:off x="6842688" y="4642366"/>
+            <a:ext cx="2045970" cy="586859"/>
+          </a:xfrm>
+          <a:prstGeom prst="straightConnector1">
+            <a:avLst/>
+          </a:prstGeom>
+          <a:ln>
+            <a:tailEnd type="triangle"/>
+          </a:ln>
+        </p:spPr>
+        <p:style>
+          <a:lnRef idx="1">
+            <a:schemeClr val="accent1"/>
+          </a:lnRef>
+          <a:fillRef idx="0">
+            <a:schemeClr val="accent1"/>
+          </a:fillRef>
+          <a:effectRef idx="0">
+            <a:schemeClr val="accent1"/>
+          </a:effectRef>
+          <a:fontRef idx="minor">
+            <a:schemeClr val="tx1"/>
+          </a:fontRef>
+        </p:style>
+      </p:cxnSp>
+      <p:cxnSp>
+        <p:nvCxnSpPr>
+          <p:cNvPr id="37" name="Straight Arrow Connector 36">
+            <a:extLst>
+              <a:ext uri="{FF2B5EF4-FFF2-40B4-BE49-F238E27FC236}">
+                <a16:creationId xmlns:a16="http://schemas.microsoft.com/office/drawing/2014/main" id="{BF5F1FFD-35F7-40BF-88E5-B02F788C4F4A}"/>
+              </a:ext>
+            </a:extLst>
+          </p:cNvPr>
+          <p:cNvCxnSpPr>
+            <a:stCxn id="33" idx="2"/>
+            <a:endCxn id="31" idx="0"/>
+          </p:cNvCxnSpPr>
+          <p:nvPr/>
+        </p:nvCxnSpPr>
+        <p:spPr>
+          <a:xfrm>
+            <a:off x="9713660" y="4827032"/>
+            <a:ext cx="388630" cy="277446"/>
+          </a:xfrm>
+          <a:prstGeom prst="straightConnector1">
+            <a:avLst/>
+          </a:prstGeom>
+          <a:ln>
+            <a:tailEnd type="triangle"/>
+          </a:ln>
+        </p:spPr>
+        <p:style>
+          <a:lnRef idx="1">
+            <a:schemeClr val="accent1"/>
+          </a:lnRef>
+          <a:fillRef idx="0">
+            <a:schemeClr val="accent1"/>
+          </a:fillRef>
+          <a:effectRef idx="0">
+            <a:schemeClr val="accent1"/>
+          </a:effectRef>
+          <a:fontRef idx="minor">
+            <a:schemeClr val="tx1"/>
+          </a:fontRef>
+        </p:style>
+      </p:cxnSp>
+    </p:spTree>
+    <p:extLst>
+      <p:ext uri="{BB962C8B-B14F-4D97-AF65-F5344CB8AC3E}">
+        <p14:creationId xmlns:p14="http://schemas.microsoft.com/office/powerpoint/2010/main" val="2255680599"/>
+      </p:ext>
+    </p:extLst>
+  </p:cSld>
+  <p:clrMapOvr>
+    <a:masterClrMapping/>
+  </p:clrMapOvr>
+</p:sld>
+</file>
+
+<file path=ppt/slides/slide13.xml><?xml version="1.0" encoding="utf-8"?>
+<p:sld xmlns:a="http://schemas.openxmlformats.org/drawingml/2006/main" xmlns:r="http://schemas.openxmlformats.org/officeDocument/2006/relationships" xmlns:p="http://schemas.openxmlformats.org/presentationml/2006/main">
+  <p:cSld>
+    <p:spTree>
+      <p:nvGrpSpPr>
+        <p:cNvPr id="1" name=""/>
+        <p:cNvGrpSpPr/>
+        <p:nvPr/>
+      </p:nvGrpSpPr>
+      <p:grpSpPr>
+        <a:xfrm>
+          <a:off x="0" y="0"/>
+          <a:ext cx="0" cy="0"/>
+          <a:chOff x="0" y="0"/>
+          <a:chExt cx="0" cy="0"/>
+        </a:xfrm>
+      </p:grpSpPr>
+      <p:sp>
+        <p:nvSpPr>
+          <p:cNvPr id="2" name="Rectangle 1">
+            <a:extLst>
+              <a:ext uri="{FF2B5EF4-FFF2-40B4-BE49-F238E27FC236}">
+                <a16:creationId xmlns:a16="http://schemas.microsoft.com/office/drawing/2014/main" id="{7E3AFA8C-7654-4540-98D9-4441A455424D}"/>
+              </a:ext>
+            </a:extLst>
+          </p:cNvPr>
+          <p:cNvSpPr/>
+          <p:nvPr/>
+        </p:nvSpPr>
+        <p:spPr>
+          <a:xfrm>
+            <a:off x="1000125" y="400050"/>
+            <a:ext cx="2324100" cy="3143250"/>
+          </a:xfrm>
+          <a:prstGeom prst="rect">
+            <a:avLst/>
+          </a:prstGeom>
+          <a:noFill/>
+        </p:spPr>
+        <p:style>
+          <a:lnRef idx="2">
+            <a:schemeClr val="accent1">
+              <a:shade val="50000"/>
+            </a:schemeClr>
+          </a:lnRef>
+          <a:fillRef idx="1">
+            <a:schemeClr val="accent1"/>
+          </a:fillRef>
+          <a:effectRef idx="0">
+            <a:schemeClr val="accent1"/>
+          </a:effectRef>
+          <a:fontRef idx="minor">
+            <a:schemeClr val="lt1"/>
+          </a:fontRef>
+        </p:style>
+        <p:txBody>
+          <a:bodyPr rtlCol="0" anchor="ctr"/>
+          <a:lstStyle/>
+          <a:p>
+            <a:pPr algn="ctr"/>
+            <a:endParaRPr lang="en-US"/>
+          </a:p>
+        </p:txBody>
+      </p:sp>
+      <p:sp>
+        <p:nvSpPr>
+          <p:cNvPr id="3" name="TextBox 2">
+            <a:extLst>
+              <a:ext uri="{FF2B5EF4-FFF2-40B4-BE49-F238E27FC236}">
+                <a16:creationId xmlns:a16="http://schemas.microsoft.com/office/drawing/2014/main" id="{B1EFE546-C31C-4B57-B574-04BD88864E70}"/>
+              </a:ext>
+            </a:extLst>
+          </p:cNvPr>
+          <p:cNvSpPr txBox="1"/>
+          <p:nvPr/>
+        </p:nvSpPr>
+        <p:spPr>
+          <a:xfrm>
+            <a:off x="1152525" y="514350"/>
+            <a:ext cx="1597104" cy="369332"/>
+          </a:xfrm>
+          <a:prstGeom prst="rect">
+            <a:avLst/>
+          </a:prstGeom>
+          <a:noFill/>
+        </p:spPr>
+        <p:txBody>
+          <a:bodyPr wrap="none" rtlCol="0">
+            <a:spAutoFit/>
+          </a:bodyPr>
+          <a:lstStyle/>
+          <a:p>
+            <a:r>
+              <a:rPr lang="en-US" dirty="0"/>
+              <a:t>Pod:172.17.0.4</a:t>
+            </a:r>
+          </a:p>
+        </p:txBody>
+      </p:sp>
+      <p:sp>
+        <p:nvSpPr>
+          <p:cNvPr id="4" name="Oval 3">
+            <a:extLst>
+              <a:ext uri="{FF2B5EF4-FFF2-40B4-BE49-F238E27FC236}">
+                <a16:creationId xmlns:a16="http://schemas.microsoft.com/office/drawing/2014/main" id="{598B99E4-9459-4C10-A4DA-63F85A404894}"/>
+              </a:ext>
+            </a:extLst>
+          </p:cNvPr>
+          <p:cNvSpPr/>
+          <p:nvPr/>
+        </p:nvSpPr>
+        <p:spPr>
+          <a:xfrm>
+            <a:off x="1000125" y="895350"/>
+            <a:ext cx="1371600" cy="1200150"/>
+          </a:xfrm>
+          <a:prstGeom prst="ellipse">
+            <a:avLst/>
+          </a:prstGeom>
+        </p:spPr>
+        <p:style>
+          <a:lnRef idx="2">
+            <a:schemeClr val="accent1">
+              <a:shade val="50000"/>
+            </a:schemeClr>
+          </a:lnRef>
+          <a:fillRef idx="1">
+            <a:schemeClr val="accent1"/>
+          </a:fillRef>
+          <a:effectRef idx="0">
+            <a:schemeClr val="accent1"/>
+          </a:effectRef>
+          <a:fontRef idx="minor">
+            <a:schemeClr val="lt1"/>
+          </a:fontRef>
+        </p:style>
+        <p:txBody>
+          <a:bodyPr rtlCol="0" anchor="ctr"/>
+          <a:lstStyle/>
+          <a:p>
+            <a:pPr algn="ctr"/>
+            <a:r>
+              <a:rPr lang="en-US" sz="1200" dirty="0"/>
+              <a:t>Ghost:2368</a:t>
+            </a:r>
+          </a:p>
+          <a:p>
+            <a:pPr algn="ctr"/>
+            <a:r>
+              <a:rPr lang="en-US" sz="1200" dirty="0" err="1"/>
+              <a:t>Dbhost</a:t>
+            </a:r>
+            <a:r>
+              <a:rPr lang="en-US" sz="1200" dirty="0"/>
+              <a:t>: localhost</a:t>
+            </a:r>
+          </a:p>
+          <a:p>
+            <a:pPr algn="ctr"/>
+            <a:r>
+              <a:rPr lang="en-US" sz="1200" dirty="0"/>
+              <a:t>Port:3306</a:t>
+            </a:r>
+            <a:endParaRPr lang="en-US" dirty="0"/>
+          </a:p>
+        </p:txBody>
+      </p:sp>
+      <p:sp>
+        <p:nvSpPr>
+          <p:cNvPr id="5" name="Oval 4">
+            <a:extLst>
+              <a:ext uri="{FF2B5EF4-FFF2-40B4-BE49-F238E27FC236}">
+                <a16:creationId xmlns:a16="http://schemas.microsoft.com/office/drawing/2014/main" id="{D5E19E02-8B31-494D-A7C5-6E088E3213DF}"/>
+              </a:ext>
+            </a:extLst>
+          </p:cNvPr>
+          <p:cNvSpPr/>
+          <p:nvPr/>
+        </p:nvSpPr>
+        <p:spPr>
+          <a:xfrm>
+            <a:off x="1952625" y="2295525"/>
+            <a:ext cx="1371600" cy="838200"/>
+          </a:xfrm>
+          <a:prstGeom prst="ellipse">
+            <a:avLst/>
+          </a:prstGeom>
+        </p:spPr>
+        <p:style>
+          <a:lnRef idx="2">
+            <a:schemeClr val="accent1">
+              <a:shade val="50000"/>
+            </a:schemeClr>
+          </a:lnRef>
+          <a:fillRef idx="1">
+            <a:schemeClr val="accent1"/>
+          </a:fillRef>
+          <a:effectRef idx="0">
+            <a:schemeClr val="accent1"/>
+          </a:effectRef>
+          <a:fontRef idx="minor">
+            <a:schemeClr val="lt1"/>
+          </a:fontRef>
+        </p:style>
+        <p:txBody>
+          <a:bodyPr rtlCol="0" anchor="ctr"/>
+          <a:lstStyle/>
+          <a:p>
+            <a:pPr algn="ctr"/>
+            <a:r>
+              <a:rPr lang="en-US" sz="1200" dirty="0"/>
+              <a:t>Mysql:3306</a:t>
+            </a:r>
+            <a:endParaRPr lang="en-US" dirty="0"/>
+          </a:p>
+        </p:txBody>
+      </p:sp>
+      <p:cxnSp>
+        <p:nvCxnSpPr>
+          <p:cNvPr id="7" name="Straight Arrow Connector 6">
+            <a:extLst>
+              <a:ext uri="{FF2B5EF4-FFF2-40B4-BE49-F238E27FC236}">
+                <a16:creationId xmlns:a16="http://schemas.microsoft.com/office/drawing/2014/main" id="{A13CC666-D3E2-484A-99A3-C86E37093795}"/>
+              </a:ext>
+            </a:extLst>
+          </p:cNvPr>
+          <p:cNvCxnSpPr>
+            <a:stCxn id="4" idx="6"/>
+            <a:endCxn id="5" idx="0"/>
+          </p:cNvCxnSpPr>
+          <p:nvPr/>
+        </p:nvCxnSpPr>
+        <p:spPr>
+          <a:xfrm>
+            <a:off x="2371725" y="1495425"/>
+            <a:ext cx="266700" cy="800100"/>
+          </a:xfrm>
+          <a:prstGeom prst="straightConnector1">
+            <a:avLst/>
+          </a:prstGeom>
+          <a:ln>
+            <a:tailEnd type="triangle"/>
+          </a:ln>
+        </p:spPr>
+        <p:style>
+          <a:lnRef idx="1">
+            <a:schemeClr val="accent1"/>
+          </a:lnRef>
+          <a:fillRef idx="0">
+            <a:schemeClr val="accent1"/>
+          </a:fillRef>
+          <a:effectRef idx="0">
+            <a:schemeClr val="accent1"/>
+          </a:effectRef>
+          <a:fontRef idx="minor">
+            <a:schemeClr val="tx1"/>
+          </a:fontRef>
+        </p:style>
+      </p:cxnSp>
+      <p:sp>
+        <p:nvSpPr>
+          <p:cNvPr id="13" name="Rectangle 12">
+            <a:extLst>
+              <a:ext uri="{FF2B5EF4-FFF2-40B4-BE49-F238E27FC236}">
+                <a16:creationId xmlns:a16="http://schemas.microsoft.com/office/drawing/2014/main" id="{AF0ECE02-6B93-499D-BA3F-E3C96622C7C3}"/>
+              </a:ext>
+            </a:extLst>
+          </p:cNvPr>
+          <p:cNvSpPr/>
+          <p:nvPr/>
+        </p:nvSpPr>
+        <p:spPr>
+          <a:xfrm>
+            <a:off x="4352925" y="1381125"/>
+            <a:ext cx="2324100" cy="1752600"/>
+          </a:xfrm>
+          <a:prstGeom prst="rect">
+            <a:avLst/>
+          </a:prstGeom>
+          <a:noFill/>
+        </p:spPr>
+        <p:style>
+          <a:lnRef idx="2">
+            <a:schemeClr val="accent1">
+              <a:shade val="50000"/>
+            </a:schemeClr>
+          </a:lnRef>
+          <a:fillRef idx="1">
+            <a:schemeClr val="accent1"/>
+          </a:fillRef>
+          <a:effectRef idx="0">
+            <a:schemeClr val="accent1"/>
+          </a:effectRef>
+          <a:fontRef idx="minor">
+            <a:schemeClr val="lt1"/>
+          </a:fontRef>
+        </p:style>
+        <p:txBody>
+          <a:bodyPr rtlCol="0" anchor="ctr"/>
+          <a:lstStyle/>
+          <a:p>
+            <a:pPr algn="ctr"/>
+            <a:endParaRPr lang="en-US"/>
+          </a:p>
+        </p:txBody>
+      </p:sp>
+      <p:sp>
+        <p:nvSpPr>
+          <p:cNvPr id="14" name="TextBox 13">
+            <a:extLst>
+              <a:ext uri="{FF2B5EF4-FFF2-40B4-BE49-F238E27FC236}">
+                <a16:creationId xmlns:a16="http://schemas.microsoft.com/office/drawing/2014/main" id="{2A3EE62C-77EF-4257-B822-75290DC8627C}"/>
+              </a:ext>
+            </a:extLst>
+          </p:cNvPr>
+          <p:cNvSpPr txBox="1"/>
+          <p:nvPr/>
+        </p:nvSpPr>
+        <p:spPr>
+          <a:xfrm>
+            <a:off x="4505325" y="1495425"/>
+            <a:ext cx="1597104" cy="369332"/>
+          </a:xfrm>
+          <a:prstGeom prst="rect">
+            <a:avLst/>
+          </a:prstGeom>
+          <a:noFill/>
+        </p:spPr>
+        <p:txBody>
+          <a:bodyPr wrap="none" rtlCol="0">
+            <a:spAutoFit/>
+          </a:bodyPr>
+          <a:lstStyle/>
+          <a:p>
+            <a:r>
+              <a:rPr lang="en-US" dirty="0"/>
+              <a:t>Pod:172.17.0.4</a:t>
+            </a:r>
+          </a:p>
+        </p:txBody>
+      </p:sp>
+      <p:sp>
+        <p:nvSpPr>
+          <p:cNvPr id="15" name="Oval 14">
+            <a:extLst>
+              <a:ext uri="{FF2B5EF4-FFF2-40B4-BE49-F238E27FC236}">
+                <a16:creationId xmlns:a16="http://schemas.microsoft.com/office/drawing/2014/main" id="{D87C1420-69C9-4D53-902C-BE0C4A94CC81}"/>
+              </a:ext>
+            </a:extLst>
+          </p:cNvPr>
+          <p:cNvSpPr/>
+          <p:nvPr/>
+        </p:nvSpPr>
+        <p:spPr>
+          <a:xfrm>
+            <a:off x="4352925" y="1876425"/>
+            <a:ext cx="1371600" cy="1200150"/>
+          </a:xfrm>
+          <a:prstGeom prst="ellipse">
+            <a:avLst/>
+          </a:prstGeom>
+        </p:spPr>
+        <p:style>
+          <a:lnRef idx="2">
+            <a:schemeClr val="accent1">
+              <a:shade val="50000"/>
+            </a:schemeClr>
+          </a:lnRef>
+          <a:fillRef idx="1">
+            <a:schemeClr val="accent1"/>
+          </a:fillRef>
+          <a:effectRef idx="0">
+            <a:schemeClr val="accent1"/>
+          </a:effectRef>
+          <a:fontRef idx="minor">
+            <a:schemeClr val="lt1"/>
+          </a:fontRef>
+        </p:style>
+        <p:txBody>
+          <a:bodyPr rtlCol="0" anchor="ctr"/>
+          <a:lstStyle/>
+          <a:p>
+            <a:pPr algn="ctr"/>
+            <a:r>
+              <a:rPr lang="en-US" sz="1200" dirty="0"/>
+              <a:t>Ghost:2368</a:t>
+            </a:r>
+          </a:p>
+          <a:p>
+            <a:pPr algn="ctr"/>
+            <a:r>
+              <a:rPr lang="en-US" sz="1200" dirty="0" err="1"/>
+              <a:t>Dbhost</a:t>
+            </a:r>
+            <a:r>
+              <a:rPr lang="en-US" sz="1200" dirty="0"/>
+              <a:t>: 172.17.0.5</a:t>
+            </a:r>
+          </a:p>
+          <a:p>
+            <a:pPr algn="ctr"/>
+            <a:r>
+              <a:rPr lang="en-US" sz="1200" dirty="0"/>
+              <a:t>Port:3306</a:t>
+            </a:r>
+            <a:endParaRPr lang="en-US" dirty="0"/>
+          </a:p>
+        </p:txBody>
+      </p:sp>
+      <p:sp>
+        <p:nvSpPr>
+          <p:cNvPr id="18" name="Rectangle 17">
+            <a:extLst>
+              <a:ext uri="{FF2B5EF4-FFF2-40B4-BE49-F238E27FC236}">
+                <a16:creationId xmlns:a16="http://schemas.microsoft.com/office/drawing/2014/main" id="{4D77AF49-D520-4832-AD35-83E569CA0BB7}"/>
+              </a:ext>
+            </a:extLst>
+          </p:cNvPr>
+          <p:cNvSpPr/>
+          <p:nvPr/>
+        </p:nvSpPr>
+        <p:spPr>
+          <a:xfrm>
+            <a:off x="7153275" y="2447925"/>
+            <a:ext cx="2324100" cy="1371600"/>
+          </a:xfrm>
+          <a:prstGeom prst="rect">
+            <a:avLst/>
+          </a:prstGeom>
+          <a:noFill/>
+        </p:spPr>
+        <p:style>
+          <a:lnRef idx="2">
+            <a:schemeClr val="accent1">
+              <a:shade val="50000"/>
+            </a:schemeClr>
+          </a:lnRef>
+          <a:fillRef idx="1">
+            <a:schemeClr val="accent1"/>
+          </a:fillRef>
+          <a:effectRef idx="0">
+            <a:schemeClr val="accent1"/>
+          </a:effectRef>
+          <a:fontRef idx="minor">
+            <a:schemeClr val="lt1"/>
+          </a:fontRef>
+        </p:style>
+        <p:txBody>
+          <a:bodyPr rtlCol="0" anchor="ctr"/>
+          <a:lstStyle/>
+          <a:p>
+            <a:pPr algn="ctr"/>
+            <a:endParaRPr lang="en-US"/>
+          </a:p>
+        </p:txBody>
+      </p:sp>
+      <p:sp>
+        <p:nvSpPr>
+          <p:cNvPr id="19" name="TextBox 18">
+            <a:extLst>
+              <a:ext uri="{FF2B5EF4-FFF2-40B4-BE49-F238E27FC236}">
+                <a16:creationId xmlns:a16="http://schemas.microsoft.com/office/drawing/2014/main" id="{04CCDB05-6C95-4F07-AA2F-EE3B14EE505A}"/>
+              </a:ext>
+            </a:extLst>
+          </p:cNvPr>
+          <p:cNvSpPr txBox="1"/>
+          <p:nvPr/>
+        </p:nvSpPr>
+        <p:spPr>
+          <a:xfrm>
+            <a:off x="7153275" y="2463284"/>
+            <a:ext cx="1597104" cy="369332"/>
+          </a:xfrm>
+          <a:prstGeom prst="rect">
+            <a:avLst/>
+          </a:prstGeom>
+          <a:noFill/>
+        </p:spPr>
+        <p:txBody>
+          <a:bodyPr wrap="none" rtlCol="0">
+            <a:spAutoFit/>
+          </a:bodyPr>
+          <a:lstStyle/>
+          <a:p>
+            <a:r>
+              <a:rPr lang="en-US" dirty="0"/>
+              <a:t>Pod:172.17.0.5</a:t>
+            </a:r>
+          </a:p>
+        </p:txBody>
+      </p:sp>
+      <p:sp>
+        <p:nvSpPr>
+          <p:cNvPr id="21" name="Oval 20">
+            <a:extLst>
+              <a:ext uri="{FF2B5EF4-FFF2-40B4-BE49-F238E27FC236}">
+                <a16:creationId xmlns:a16="http://schemas.microsoft.com/office/drawing/2014/main" id="{E6F3249A-4BED-4550-916D-F468DEFE60E6}"/>
+              </a:ext>
+            </a:extLst>
+          </p:cNvPr>
+          <p:cNvSpPr/>
+          <p:nvPr/>
+        </p:nvSpPr>
+        <p:spPr>
+          <a:xfrm>
+            <a:off x="8105775" y="2883932"/>
+            <a:ext cx="1371600" cy="838200"/>
+          </a:xfrm>
+          <a:prstGeom prst="ellipse">
+            <a:avLst/>
+          </a:prstGeom>
+        </p:spPr>
+        <p:style>
+          <a:lnRef idx="2">
+            <a:schemeClr val="accent1">
+              <a:shade val="50000"/>
+            </a:schemeClr>
+          </a:lnRef>
+          <a:fillRef idx="1">
+            <a:schemeClr val="accent1"/>
+          </a:fillRef>
+          <a:effectRef idx="0">
+            <a:schemeClr val="accent1"/>
+          </a:effectRef>
+          <a:fontRef idx="minor">
+            <a:schemeClr val="lt1"/>
+          </a:fontRef>
+        </p:style>
+        <p:txBody>
+          <a:bodyPr rtlCol="0" anchor="ctr"/>
+          <a:lstStyle/>
+          <a:p>
+            <a:pPr algn="ctr"/>
+            <a:r>
+              <a:rPr lang="en-US" sz="1200" dirty="0"/>
+              <a:t>Mysql:3306</a:t>
+            </a:r>
+            <a:endParaRPr lang="en-US" dirty="0"/>
+          </a:p>
+        </p:txBody>
+      </p:sp>
+      <p:cxnSp>
+        <p:nvCxnSpPr>
+          <p:cNvPr id="24" name="Straight Connector 23">
+            <a:extLst>
+              <a:ext uri="{FF2B5EF4-FFF2-40B4-BE49-F238E27FC236}">
+                <a16:creationId xmlns:a16="http://schemas.microsoft.com/office/drawing/2014/main" id="{1FB1562D-24CA-4F1F-ABAA-385892400B84}"/>
+              </a:ext>
+            </a:extLst>
+          </p:cNvPr>
+          <p:cNvCxnSpPr/>
+          <p:nvPr/>
+        </p:nvCxnSpPr>
+        <p:spPr>
+          <a:xfrm>
+            <a:off x="3838575" y="0"/>
+            <a:ext cx="0" cy="6858000"/>
+          </a:xfrm>
+          <a:prstGeom prst="line">
+            <a:avLst/>
+          </a:prstGeom>
+        </p:spPr>
+        <p:style>
+          <a:lnRef idx="1">
+            <a:schemeClr val="accent1"/>
+          </a:lnRef>
+          <a:fillRef idx="0">
+            <a:schemeClr val="accent1"/>
+          </a:fillRef>
+          <a:effectRef idx="0">
+            <a:schemeClr val="accent1"/>
+          </a:effectRef>
+          <a:fontRef idx="minor">
+            <a:schemeClr val="tx1"/>
+          </a:fontRef>
+        </p:style>
+      </p:cxnSp>
+      <p:sp>
+        <p:nvSpPr>
+          <p:cNvPr id="25" name="TextBox 24">
+            <a:extLst>
+              <a:ext uri="{FF2B5EF4-FFF2-40B4-BE49-F238E27FC236}">
+                <a16:creationId xmlns:a16="http://schemas.microsoft.com/office/drawing/2014/main" id="{EF65FC7C-4C7B-4C1C-BF04-B31843D722FB}"/>
+              </a:ext>
+            </a:extLst>
+          </p:cNvPr>
+          <p:cNvSpPr txBox="1"/>
+          <p:nvPr/>
+        </p:nvSpPr>
+        <p:spPr>
+          <a:xfrm>
+            <a:off x="1000125" y="3895725"/>
+            <a:ext cx="2562225" cy="923330"/>
+          </a:xfrm>
+          <a:prstGeom prst="rect">
+            <a:avLst/>
+          </a:prstGeom>
+          <a:noFill/>
+        </p:spPr>
+        <p:txBody>
+          <a:bodyPr wrap="square" rtlCol="0">
+            <a:spAutoFit/>
+          </a:bodyPr>
+          <a:lstStyle/>
+          <a:p>
+            <a:r>
+              <a:rPr lang="en-US" dirty="0"/>
+              <a:t>Deployment not scalable as it creates copies of DB too</a:t>
+            </a:r>
+          </a:p>
+        </p:txBody>
+      </p:sp>
+      <p:cxnSp>
+        <p:nvCxnSpPr>
+          <p:cNvPr id="27" name="Straight Arrow Connector 26">
+            <a:extLst>
+              <a:ext uri="{FF2B5EF4-FFF2-40B4-BE49-F238E27FC236}">
+                <a16:creationId xmlns:a16="http://schemas.microsoft.com/office/drawing/2014/main" id="{A14116E6-A1EC-4E23-B444-290A7A85A977}"/>
+              </a:ext>
+            </a:extLst>
+          </p:cNvPr>
+          <p:cNvCxnSpPr>
+            <a:stCxn id="15" idx="6"/>
+            <a:endCxn id="19" idx="1"/>
+          </p:cNvCxnSpPr>
+          <p:nvPr/>
+        </p:nvCxnSpPr>
+        <p:spPr>
+          <a:xfrm>
+            <a:off x="5724525" y="2476500"/>
+            <a:ext cx="1428750" cy="171450"/>
+          </a:xfrm>
+          <a:prstGeom prst="straightConnector1">
+            <a:avLst/>
+          </a:prstGeom>
+          <a:ln>
+            <a:tailEnd type="triangle"/>
+          </a:ln>
+        </p:spPr>
+        <p:style>
+          <a:lnRef idx="1">
+            <a:schemeClr val="accent1"/>
+          </a:lnRef>
+          <a:fillRef idx="0">
+            <a:schemeClr val="accent1"/>
+          </a:fillRef>
+          <a:effectRef idx="0">
+            <a:schemeClr val="accent1"/>
+          </a:effectRef>
+          <a:fontRef idx="minor">
+            <a:schemeClr val="tx1"/>
+          </a:fontRef>
+        </p:style>
+      </p:cxnSp>
+      <p:cxnSp>
+        <p:nvCxnSpPr>
+          <p:cNvPr id="29" name="Straight Arrow Connector 28">
+            <a:extLst>
+              <a:ext uri="{FF2B5EF4-FFF2-40B4-BE49-F238E27FC236}">
+                <a16:creationId xmlns:a16="http://schemas.microsoft.com/office/drawing/2014/main" id="{126BDCD8-2125-4BD8-973C-C48BEA489373}"/>
+              </a:ext>
+            </a:extLst>
+          </p:cNvPr>
+          <p:cNvCxnSpPr>
+            <a:stCxn id="19" idx="2"/>
+            <a:endCxn id="21" idx="1"/>
+          </p:cNvCxnSpPr>
+          <p:nvPr/>
+        </p:nvCxnSpPr>
+        <p:spPr>
+          <a:xfrm>
+            <a:off x="7951827" y="2832616"/>
+            <a:ext cx="354814" cy="174068"/>
+          </a:xfrm>
+          <a:prstGeom prst="straightConnector1">
+            <a:avLst/>
+          </a:prstGeom>
+          <a:ln>
+            <a:tailEnd type="triangle"/>
+          </a:ln>
+        </p:spPr>
+        <p:style>
+          <a:lnRef idx="1">
+            <a:schemeClr val="accent1"/>
+          </a:lnRef>
+          <a:fillRef idx="0">
+            <a:schemeClr val="accent1"/>
+          </a:fillRef>
+          <a:effectRef idx="0">
+            <a:schemeClr val="accent1"/>
+          </a:effectRef>
+          <a:fontRef idx="minor">
+            <a:schemeClr val="tx1"/>
+          </a:fontRef>
+        </p:style>
+      </p:cxnSp>
+      <p:sp>
+        <p:nvSpPr>
+          <p:cNvPr id="30" name="Rectangle 29">
+            <a:extLst>
+              <a:ext uri="{FF2B5EF4-FFF2-40B4-BE49-F238E27FC236}">
+                <a16:creationId xmlns:a16="http://schemas.microsoft.com/office/drawing/2014/main" id="{BC897396-855B-4D83-8CD5-24B735DE3F83}"/>
+              </a:ext>
+            </a:extLst>
+          </p:cNvPr>
+          <p:cNvSpPr/>
+          <p:nvPr/>
+        </p:nvSpPr>
+        <p:spPr>
+          <a:xfrm>
+            <a:off x="4295775" y="3971925"/>
+            <a:ext cx="2324100" cy="1752600"/>
+          </a:xfrm>
+          <a:prstGeom prst="rect">
+            <a:avLst/>
+          </a:prstGeom>
+          <a:noFill/>
+        </p:spPr>
+        <p:style>
+          <a:lnRef idx="2">
+            <a:schemeClr val="accent1">
+              <a:shade val="50000"/>
+            </a:schemeClr>
+          </a:lnRef>
+          <a:fillRef idx="1">
+            <a:schemeClr val="accent1"/>
+          </a:fillRef>
+          <a:effectRef idx="0">
+            <a:schemeClr val="accent1"/>
+          </a:effectRef>
+          <a:fontRef idx="minor">
+            <a:schemeClr val="lt1"/>
+          </a:fontRef>
+        </p:style>
+        <p:txBody>
+          <a:bodyPr rtlCol="0" anchor="ctr"/>
+          <a:lstStyle/>
+          <a:p>
+            <a:pPr algn="ctr"/>
+            <a:endParaRPr lang="en-US"/>
+          </a:p>
+        </p:txBody>
+      </p:sp>
+      <p:sp>
+        <p:nvSpPr>
+          <p:cNvPr id="31" name="TextBox 30">
+            <a:extLst>
+              <a:ext uri="{FF2B5EF4-FFF2-40B4-BE49-F238E27FC236}">
+                <a16:creationId xmlns:a16="http://schemas.microsoft.com/office/drawing/2014/main" id="{0AC64091-3B62-4203-908E-1E43ECE74DCE}"/>
+              </a:ext>
+            </a:extLst>
+          </p:cNvPr>
+          <p:cNvSpPr txBox="1"/>
+          <p:nvPr/>
+        </p:nvSpPr>
+        <p:spPr>
+          <a:xfrm>
+            <a:off x="4448175" y="4086225"/>
+            <a:ext cx="1597104" cy="369332"/>
+          </a:xfrm>
+          <a:prstGeom prst="rect">
+            <a:avLst/>
+          </a:prstGeom>
+          <a:noFill/>
+        </p:spPr>
+        <p:txBody>
+          <a:bodyPr wrap="square" rtlCol="0">
+            <a:spAutoFit/>
+          </a:bodyPr>
+          <a:lstStyle/>
+          <a:p>
+            <a:r>
+              <a:rPr lang="en-US" dirty="0"/>
+              <a:t>Pod:172.17.0.6</a:t>
+            </a:r>
+          </a:p>
+        </p:txBody>
+      </p:sp>
+      <p:sp>
+        <p:nvSpPr>
+          <p:cNvPr id="32" name="Oval 31">
+            <a:extLst>
+              <a:ext uri="{FF2B5EF4-FFF2-40B4-BE49-F238E27FC236}">
+                <a16:creationId xmlns:a16="http://schemas.microsoft.com/office/drawing/2014/main" id="{14C192C5-CCAD-4952-89B7-CF7E5E0DC8B5}"/>
+              </a:ext>
+            </a:extLst>
+          </p:cNvPr>
+          <p:cNvSpPr/>
+          <p:nvPr/>
+        </p:nvSpPr>
+        <p:spPr>
+          <a:xfrm>
+            <a:off x="4295775" y="4467225"/>
+            <a:ext cx="1371600" cy="1200150"/>
+          </a:xfrm>
+          <a:prstGeom prst="ellipse">
+            <a:avLst/>
+          </a:prstGeom>
+        </p:spPr>
+        <p:style>
+          <a:lnRef idx="2">
+            <a:schemeClr val="accent1">
+              <a:shade val="50000"/>
+            </a:schemeClr>
+          </a:lnRef>
+          <a:fillRef idx="1">
+            <a:schemeClr val="accent1"/>
+          </a:fillRef>
+          <a:effectRef idx="0">
+            <a:schemeClr val="accent1"/>
+          </a:effectRef>
+          <a:fontRef idx="minor">
+            <a:schemeClr val="lt1"/>
+          </a:fontRef>
+        </p:style>
+        <p:txBody>
+          <a:bodyPr rtlCol="0" anchor="ctr"/>
+          <a:lstStyle/>
+          <a:p>
+            <a:pPr algn="ctr"/>
+            <a:r>
+              <a:rPr lang="en-US" sz="1200" dirty="0"/>
+              <a:t>Ghost:2368</a:t>
+            </a:r>
+          </a:p>
+          <a:p>
+            <a:pPr algn="ctr"/>
+            <a:r>
+              <a:rPr lang="en-US" sz="1200" dirty="0" err="1"/>
+              <a:t>Dbhost</a:t>
+            </a:r>
+            <a:r>
+              <a:rPr lang="en-US" sz="1200" dirty="0"/>
+              <a:t>: 172.17.0.5</a:t>
+            </a:r>
+          </a:p>
+          <a:p>
+            <a:pPr algn="ctr"/>
+            <a:r>
+              <a:rPr lang="en-US" sz="1200" dirty="0"/>
+              <a:t>Port:3306</a:t>
+            </a:r>
+            <a:endParaRPr lang="en-US" dirty="0"/>
+          </a:p>
+        </p:txBody>
+      </p:sp>
+      <p:sp>
+        <p:nvSpPr>
+          <p:cNvPr id="33" name="Rectangle 32">
+            <a:extLst>
+              <a:ext uri="{FF2B5EF4-FFF2-40B4-BE49-F238E27FC236}">
+                <a16:creationId xmlns:a16="http://schemas.microsoft.com/office/drawing/2014/main" id="{EF2838F4-BE76-470F-8F89-B2B41D78D89E}"/>
+              </a:ext>
+            </a:extLst>
+          </p:cNvPr>
+          <p:cNvSpPr/>
+          <p:nvPr/>
+        </p:nvSpPr>
+        <p:spPr>
+          <a:xfrm>
+            <a:off x="8315325" y="4124325"/>
+            <a:ext cx="2324100" cy="1752600"/>
+          </a:xfrm>
+          <a:prstGeom prst="rect">
+            <a:avLst/>
+          </a:prstGeom>
+          <a:noFill/>
+        </p:spPr>
+        <p:style>
+          <a:lnRef idx="2">
+            <a:schemeClr val="accent1">
+              <a:shade val="50000"/>
+            </a:schemeClr>
+          </a:lnRef>
+          <a:fillRef idx="1">
+            <a:schemeClr val="accent1"/>
+          </a:fillRef>
+          <a:effectRef idx="0">
+            <a:schemeClr val="accent1"/>
+          </a:effectRef>
+          <a:fontRef idx="minor">
+            <a:schemeClr val="lt1"/>
+          </a:fontRef>
+        </p:style>
+        <p:txBody>
+          <a:bodyPr rtlCol="0" anchor="ctr"/>
+          <a:lstStyle/>
+          <a:p>
+            <a:pPr algn="ctr"/>
+            <a:endParaRPr lang="en-US"/>
+          </a:p>
+        </p:txBody>
+      </p:sp>
+      <p:sp>
+        <p:nvSpPr>
+          <p:cNvPr id="34" name="TextBox 33">
+            <a:extLst>
+              <a:ext uri="{FF2B5EF4-FFF2-40B4-BE49-F238E27FC236}">
+                <a16:creationId xmlns:a16="http://schemas.microsoft.com/office/drawing/2014/main" id="{9E26A28D-6A03-457D-9C55-B30FD3A2EEB1}"/>
+              </a:ext>
+            </a:extLst>
+          </p:cNvPr>
+          <p:cNvSpPr txBox="1"/>
+          <p:nvPr/>
+        </p:nvSpPr>
+        <p:spPr>
+          <a:xfrm>
+            <a:off x="8467725" y="4238625"/>
+            <a:ext cx="1597104" cy="369332"/>
+          </a:xfrm>
+          <a:prstGeom prst="rect">
+            <a:avLst/>
+          </a:prstGeom>
+          <a:noFill/>
+        </p:spPr>
+        <p:txBody>
+          <a:bodyPr wrap="none" rtlCol="0">
+            <a:spAutoFit/>
+          </a:bodyPr>
+          <a:lstStyle/>
+          <a:p>
+            <a:r>
+              <a:rPr lang="en-US" dirty="0"/>
+              <a:t>Pod:172.17.0.7</a:t>
+            </a:r>
+          </a:p>
+        </p:txBody>
+      </p:sp>
+      <p:sp>
+        <p:nvSpPr>
+          <p:cNvPr id="35" name="Oval 34">
+            <a:extLst>
+              <a:ext uri="{FF2B5EF4-FFF2-40B4-BE49-F238E27FC236}">
+                <a16:creationId xmlns:a16="http://schemas.microsoft.com/office/drawing/2014/main" id="{DE14B901-882D-4CF6-A8C0-BC3C57C4ACA6}"/>
+              </a:ext>
+            </a:extLst>
+          </p:cNvPr>
+          <p:cNvSpPr/>
+          <p:nvPr/>
+        </p:nvSpPr>
+        <p:spPr>
+          <a:xfrm>
+            <a:off x="8315325" y="4619625"/>
+            <a:ext cx="1371600" cy="1200150"/>
+          </a:xfrm>
+          <a:prstGeom prst="ellipse">
+            <a:avLst/>
+          </a:prstGeom>
+        </p:spPr>
+        <p:style>
+          <a:lnRef idx="2">
+            <a:schemeClr val="accent1">
+              <a:shade val="50000"/>
+            </a:schemeClr>
+          </a:lnRef>
+          <a:fillRef idx="1">
+            <a:schemeClr val="accent1"/>
+          </a:fillRef>
+          <a:effectRef idx="0">
+            <a:schemeClr val="accent1"/>
+          </a:effectRef>
+          <a:fontRef idx="minor">
+            <a:schemeClr val="lt1"/>
+          </a:fontRef>
+        </p:style>
+        <p:txBody>
+          <a:bodyPr rtlCol="0" anchor="ctr"/>
+          <a:lstStyle/>
+          <a:p>
+            <a:pPr algn="ctr"/>
+            <a:r>
+              <a:rPr lang="en-US" sz="1200" dirty="0"/>
+              <a:t>Ghost:2368</a:t>
+            </a:r>
+          </a:p>
+          <a:p>
+            <a:pPr algn="ctr"/>
+            <a:r>
+              <a:rPr lang="en-US" sz="1200" dirty="0" err="1"/>
+              <a:t>Dbhost</a:t>
+            </a:r>
+            <a:r>
+              <a:rPr lang="en-US" sz="1200" dirty="0"/>
+              <a:t>: 172.17.0.5</a:t>
+            </a:r>
+          </a:p>
+          <a:p>
+            <a:pPr algn="ctr"/>
+            <a:r>
+              <a:rPr lang="en-US" sz="1200" dirty="0"/>
+              <a:t>Port:3306</a:t>
+            </a:r>
+            <a:endParaRPr lang="en-US" dirty="0"/>
+          </a:p>
+        </p:txBody>
+      </p:sp>
+      <p:cxnSp>
+        <p:nvCxnSpPr>
+          <p:cNvPr id="37" name="Straight Arrow Connector 36">
+            <a:extLst>
+              <a:ext uri="{FF2B5EF4-FFF2-40B4-BE49-F238E27FC236}">
+                <a16:creationId xmlns:a16="http://schemas.microsoft.com/office/drawing/2014/main" id="{9C3B8BB2-2D22-4271-95A0-FAEBF01DF11B}"/>
+              </a:ext>
+            </a:extLst>
+          </p:cNvPr>
+          <p:cNvCxnSpPr>
+            <a:stCxn id="32" idx="6"/>
+            <a:endCxn id="19" idx="1"/>
+          </p:cNvCxnSpPr>
+          <p:nvPr/>
+        </p:nvCxnSpPr>
+        <p:spPr>
+          <a:xfrm flipV="1">
+            <a:off x="5667375" y="2647950"/>
+            <a:ext cx="1485900" cy="2419350"/>
+          </a:xfrm>
+          <a:prstGeom prst="straightConnector1">
+            <a:avLst/>
+          </a:prstGeom>
+          <a:ln>
+            <a:tailEnd type="triangle"/>
+          </a:ln>
+        </p:spPr>
+        <p:style>
+          <a:lnRef idx="1">
+            <a:schemeClr val="accent1"/>
+          </a:lnRef>
+          <a:fillRef idx="0">
+            <a:schemeClr val="accent1"/>
+          </a:fillRef>
+          <a:effectRef idx="0">
+            <a:schemeClr val="accent1"/>
+          </a:effectRef>
+          <a:fontRef idx="minor">
+            <a:schemeClr val="tx1"/>
+          </a:fontRef>
+        </p:style>
+      </p:cxnSp>
+      <p:cxnSp>
+        <p:nvCxnSpPr>
+          <p:cNvPr id="39" name="Straight Arrow Connector 38">
+            <a:extLst>
+              <a:ext uri="{FF2B5EF4-FFF2-40B4-BE49-F238E27FC236}">
+                <a16:creationId xmlns:a16="http://schemas.microsoft.com/office/drawing/2014/main" id="{6FA1E7FF-23E7-4E3A-B480-9C583733EF4C}"/>
+              </a:ext>
+            </a:extLst>
+          </p:cNvPr>
+          <p:cNvCxnSpPr>
+            <a:stCxn id="35" idx="1"/>
+            <a:endCxn id="19" idx="1"/>
+          </p:cNvCxnSpPr>
+          <p:nvPr/>
+        </p:nvCxnSpPr>
+        <p:spPr>
+          <a:xfrm flipH="1" flipV="1">
+            <a:off x="7153275" y="2647950"/>
+            <a:ext cx="1362916" cy="2147433"/>
+          </a:xfrm>
+          <a:prstGeom prst="straightConnector1">
+            <a:avLst/>
+          </a:prstGeom>
+          <a:ln>
+            <a:tailEnd type="triangle"/>
+          </a:ln>
+        </p:spPr>
+        <p:style>
+          <a:lnRef idx="1">
+            <a:schemeClr val="accent1"/>
+          </a:lnRef>
+          <a:fillRef idx="0">
+            <a:schemeClr val="accent1"/>
+          </a:fillRef>
+          <a:effectRef idx="0">
+            <a:schemeClr val="accent1"/>
+          </a:effectRef>
+          <a:fontRef idx="minor">
+            <a:schemeClr val="tx1"/>
+          </a:fontRef>
+        </p:style>
+      </p:cxnSp>
+      <p:sp>
+        <p:nvSpPr>
+          <p:cNvPr id="43" name="Rectangle 42">
+            <a:extLst>
+              <a:ext uri="{FF2B5EF4-FFF2-40B4-BE49-F238E27FC236}">
+                <a16:creationId xmlns:a16="http://schemas.microsoft.com/office/drawing/2014/main" id="{D6AB34B3-08FE-42C2-9AB1-E470BB4EAB47}"/>
+              </a:ext>
+            </a:extLst>
+          </p:cNvPr>
+          <p:cNvSpPr/>
+          <p:nvPr/>
+        </p:nvSpPr>
+        <p:spPr>
+          <a:xfrm>
+            <a:off x="9001125" y="85725"/>
+            <a:ext cx="2552692" cy="2209800"/>
+          </a:xfrm>
+          <a:prstGeom prst="rect">
+            <a:avLst/>
+          </a:prstGeom>
+          <a:noFill/>
+        </p:spPr>
+        <p:style>
+          <a:lnRef idx="2">
+            <a:schemeClr val="accent1">
+              <a:shade val="50000"/>
+            </a:schemeClr>
+          </a:lnRef>
+          <a:fillRef idx="1">
+            <a:schemeClr val="accent1"/>
+          </a:fillRef>
+          <a:effectRef idx="0">
+            <a:schemeClr val="accent1"/>
+          </a:effectRef>
+          <a:fontRef idx="minor">
+            <a:schemeClr val="lt1"/>
+          </a:fontRef>
+        </p:style>
+        <p:txBody>
+          <a:bodyPr rtlCol="0" anchor="ctr"/>
+          <a:lstStyle/>
+          <a:p>
+            <a:pPr algn="ctr"/>
+            <a:endParaRPr lang="en-US"/>
+          </a:p>
+        </p:txBody>
+      </p:sp>
+      <p:sp>
+        <p:nvSpPr>
+          <p:cNvPr id="44" name="Oval 43">
+            <a:extLst>
+              <a:ext uri="{FF2B5EF4-FFF2-40B4-BE49-F238E27FC236}">
+                <a16:creationId xmlns:a16="http://schemas.microsoft.com/office/drawing/2014/main" id="{C66A9D1F-6D92-4C47-A6BE-08EC41E13AE9}"/>
+              </a:ext>
+            </a:extLst>
+          </p:cNvPr>
+          <p:cNvSpPr/>
+          <p:nvPr/>
+        </p:nvSpPr>
+        <p:spPr>
+          <a:xfrm>
+            <a:off x="9001125" y="723900"/>
+            <a:ext cx="1771650" cy="455057"/>
+          </a:xfrm>
+          <a:prstGeom prst="ellipse">
+            <a:avLst/>
+          </a:prstGeom>
+        </p:spPr>
+        <p:style>
+          <a:lnRef idx="2">
+            <a:schemeClr val="accent1">
+              <a:shade val="50000"/>
+            </a:schemeClr>
+          </a:lnRef>
+          <a:fillRef idx="1">
+            <a:schemeClr val="accent1"/>
+          </a:fillRef>
+          <a:effectRef idx="0">
+            <a:schemeClr val="accent1"/>
+          </a:effectRef>
+          <a:fontRef idx="minor">
+            <a:schemeClr val="lt1"/>
+          </a:fontRef>
+        </p:style>
+        <p:txBody>
+          <a:bodyPr rtlCol="0" anchor="ctr"/>
+          <a:lstStyle/>
+          <a:p>
+            <a:pPr algn="ctr"/>
+            <a:r>
+              <a:rPr lang="en-US" dirty="0"/>
+              <a:t>portfolio</a:t>
+            </a:r>
+          </a:p>
+        </p:txBody>
+      </p:sp>
+      <p:sp>
+        <p:nvSpPr>
+          <p:cNvPr id="45" name="Oval 44">
+            <a:extLst>
+              <a:ext uri="{FF2B5EF4-FFF2-40B4-BE49-F238E27FC236}">
+                <a16:creationId xmlns:a16="http://schemas.microsoft.com/office/drawing/2014/main" id="{FDE42F30-3649-4005-81EE-5C432E40B36A}"/>
+              </a:ext>
+            </a:extLst>
+          </p:cNvPr>
+          <p:cNvSpPr/>
+          <p:nvPr/>
+        </p:nvSpPr>
+        <p:spPr>
+          <a:xfrm>
+            <a:off x="9001125" y="1817132"/>
+            <a:ext cx="1063704" cy="325993"/>
+          </a:xfrm>
+          <a:prstGeom prst="ellipse">
+            <a:avLst/>
+          </a:prstGeom>
+        </p:spPr>
+        <p:style>
+          <a:lnRef idx="2">
+            <a:schemeClr val="accent1">
+              <a:shade val="50000"/>
+            </a:schemeClr>
+          </a:lnRef>
+          <a:fillRef idx="1">
+            <a:schemeClr val="accent1"/>
+          </a:fillRef>
+          <a:effectRef idx="0">
+            <a:schemeClr val="accent1"/>
+          </a:effectRef>
+          <a:fontRef idx="minor">
+            <a:schemeClr val="lt1"/>
+          </a:fontRef>
+        </p:style>
+        <p:txBody>
+          <a:bodyPr rtlCol="0" anchor="ctr"/>
+          <a:lstStyle/>
+          <a:p>
+            <a:pPr algn="ctr"/>
+            <a:r>
+              <a:rPr lang="en-US" dirty="0"/>
+              <a:t>ticker</a:t>
+            </a:r>
+          </a:p>
+        </p:txBody>
+      </p:sp>
+      <p:sp>
+        <p:nvSpPr>
+          <p:cNvPr id="46" name="Oval 45">
+            <a:extLst>
+              <a:ext uri="{FF2B5EF4-FFF2-40B4-BE49-F238E27FC236}">
+                <a16:creationId xmlns:a16="http://schemas.microsoft.com/office/drawing/2014/main" id="{5036A1B3-DD07-4A41-AD37-174761522478}"/>
+              </a:ext>
+            </a:extLst>
+          </p:cNvPr>
+          <p:cNvSpPr/>
+          <p:nvPr/>
+        </p:nvSpPr>
+        <p:spPr>
+          <a:xfrm>
+            <a:off x="10490113" y="1472089"/>
+            <a:ext cx="1063704" cy="325993"/>
+          </a:xfrm>
+          <a:prstGeom prst="ellipse">
+            <a:avLst/>
+          </a:prstGeom>
+        </p:spPr>
+        <p:style>
+          <a:lnRef idx="2">
+            <a:schemeClr val="accent1">
+              <a:shade val="50000"/>
+            </a:schemeClr>
+          </a:lnRef>
+          <a:fillRef idx="1">
+            <a:schemeClr val="accent1"/>
+          </a:fillRef>
+          <a:effectRef idx="0">
+            <a:schemeClr val="accent1"/>
+          </a:effectRef>
+          <a:fontRef idx="minor">
+            <a:schemeClr val="lt1"/>
+          </a:fontRef>
+        </p:style>
+        <p:txBody>
+          <a:bodyPr rtlCol="0" anchor="ctr"/>
+          <a:lstStyle/>
+          <a:p>
+            <a:pPr algn="ctr"/>
+            <a:r>
+              <a:rPr lang="en-US" dirty="0"/>
+              <a:t>gold</a:t>
+            </a:r>
+          </a:p>
+        </p:txBody>
+      </p:sp>
+      <p:cxnSp>
+        <p:nvCxnSpPr>
+          <p:cNvPr id="48" name="Straight Arrow Connector 47">
+            <a:extLst>
+              <a:ext uri="{FF2B5EF4-FFF2-40B4-BE49-F238E27FC236}">
+                <a16:creationId xmlns:a16="http://schemas.microsoft.com/office/drawing/2014/main" id="{41BF5708-E19D-4780-A917-B4D3403644B4}"/>
+              </a:ext>
+            </a:extLst>
+          </p:cNvPr>
+          <p:cNvCxnSpPr>
+            <a:endCxn id="44" idx="2"/>
+          </p:cNvCxnSpPr>
+          <p:nvPr/>
+        </p:nvCxnSpPr>
+        <p:spPr>
+          <a:xfrm flipV="1">
+            <a:off x="6962775" y="951429"/>
+            <a:ext cx="2038350" cy="67746"/>
+          </a:xfrm>
+          <a:prstGeom prst="straightConnector1">
+            <a:avLst/>
+          </a:prstGeom>
+          <a:ln>
+            <a:tailEnd type="triangle"/>
+          </a:ln>
+        </p:spPr>
+        <p:style>
+          <a:lnRef idx="1">
+            <a:schemeClr val="accent1"/>
+          </a:lnRef>
+          <a:fillRef idx="0">
+            <a:schemeClr val="accent1"/>
+          </a:fillRef>
+          <a:effectRef idx="0">
+            <a:schemeClr val="accent1"/>
+          </a:effectRef>
+          <a:fontRef idx="minor">
+            <a:schemeClr val="tx1"/>
+          </a:fontRef>
+        </p:style>
+      </p:cxnSp>
+      <p:cxnSp>
+        <p:nvCxnSpPr>
+          <p:cNvPr id="50" name="Straight Arrow Connector 49">
+            <a:extLst>
+              <a:ext uri="{FF2B5EF4-FFF2-40B4-BE49-F238E27FC236}">
+                <a16:creationId xmlns:a16="http://schemas.microsoft.com/office/drawing/2014/main" id="{F519F9A9-BA16-456E-BCAE-7FE756F2F851}"/>
+              </a:ext>
+            </a:extLst>
+          </p:cNvPr>
+          <p:cNvCxnSpPr>
+            <a:stCxn id="44" idx="4"/>
+            <a:endCxn id="45" idx="0"/>
+          </p:cNvCxnSpPr>
+          <p:nvPr/>
+        </p:nvCxnSpPr>
+        <p:spPr>
+          <a:xfrm flipH="1">
+            <a:off x="9532977" y="1178957"/>
+            <a:ext cx="353973" cy="638175"/>
+          </a:xfrm>
+          <a:prstGeom prst="straightConnector1">
+            <a:avLst/>
+          </a:prstGeom>
+          <a:ln>
+            <a:tailEnd type="triangle"/>
+          </a:ln>
+        </p:spPr>
+        <p:style>
+          <a:lnRef idx="1">
+            <a:schemeClr val="accent1"/>
+          </a:lnRef>
+          <a:fillRef idx="0">
+            <a:schemeClr val="accent1"/>
+          </a:fillRef>
+          <a:effectRef idx="0">
+            <a:schemeClr val="accent1"/>
+          </a:effectRef>
+          <a:fontRef idx="minor">
+            <a:schemeClr val="tx1"/>
+          </a:fontRef>
+        </p:style>
+      </p:cxnSp>
+      <p:cxnSp>
+        <p:nvCxnSpPr>
+          <p:cNvPr id="52" name="Straight Arrow Connector 51">
+            <a:extLst>
+              <a:ext uri="{FF2B5EF4-FFF2-40B4-BE49-F238E27FC236}">
+                <a16:creationId xmlns:a16="http://schemas.microsoft.com/office/drawing/2014/main" id="{C3F5B1B5-6D23-49D9-8123-1CA788EA0581}"/>
+              </a:ext>
+            </a:extLst>
+          </p:cNvPr>
+          <p:cNvCxnSpPr>
+            <a:stCxn id="44" idx="4"/>
+            <a:endCxn id="46" idx="0"/>
+          </p:cNvCxnSpPr>
+          <p:nvPr/>
+        </p:nvCxnSpPr>
+        <p:spPr>
+          <a:xfrm>
+            <a:off x="9886950" y="1178957"/>
+            <a:ext cx="1135015" cy="293132"/>
+          </a:xfrm>
+          <a:prstGeom prst="straightConnector1">
+            <a:avLst/>
+          </a:prstGeom>
+          <a:ln>
+            <a:tailEnd type="triangle"/>
+          </a:ln>
+        </p:spPr>
+        <p:style>
+          <a:lnRef idx="1">
+            <a:schemeClr val="accent1"/>
+          </a:lnRef>
+          <a:fillRef idx="0">
+            <a:schemeClr val="accent1"/>
+          </a:fillRef>
+          <a:effectRef idx="0">
+            <a:schemeClr val="accent1"/>
+          </a:effectRef>
+          <a:fontRef idx="minor">
+            <a:schemeClr val="tx1"/>
+          </a:fontRef>
+        </p:style>
+      </p:cxnSp>
+    </p:spTree>
+    <p:extLst>
+      <p:ext uri="{BB962C8B-B14F-4D97-AF65-F5344CB8AC3E}">
+        <p14:creationId xmlns:p14="http://schemas.microsoft.com/office/powerpoint/2010/main" val="3220991580"/>
+      </p:ext>
+    </p:extLst>
+  </p:cSld>
+  <p:clrMapOvr>
+    <a:masterClrMapping/>
+  </p:clrMapOvr>
+</p:sld>
+</file>
+
 <file path=ppt/slides/slide2.xml><?xml version="1.0" encoding="utf-8"?>
 <p:sld xmlns:a="http://schemas.openxmlformats.org/drawingml/2006/main" xmlns:r="http://schemas.openxmlformats.org/officeDocument/2006/relationships" xmlns:p="http://schemas.openxmlformats.org/presentationml/2006/main">
   <p:cSld>
@@ -10624,10 +14481,6 @@
               <a:t>=welcome</a:t>
             </a:r>
           </a:p>
-          <a:p>
-            <a:pPr algn="ctr"/>
-            <a:endParaRPr lang="en-US" dirty="0"/>
-          </a:p>
         </p:txBody>
       </p:sp>
       <p:sp>
@@ -10836,6 +14689,1204 @@
     <p:extLst>
       <p:ext uri="{BB962C8B-B14F-4D97-AF65-F5344CB8AC3E}">
         <p14:creationId xmlns:p14="http://schemas.microsoft.com/office/powerpoint/2010/main" val="746800530"/>
+      </p:ext>
+    </p:extLst>
+  </p:cSld>
+  <p:clrMapOvr>
+    <a:masterClrMapping/>
+  </p:clrMapOvr>
+</p:sld>
+</file>
+
+<file path=ppt/slides/slide9.xml><?xml version="1.0" encoding="utf-8"?>
+<p:sld xmlns:a="http://schemas.openxmlformats.org/drawingml/2006/main" xmlns:r="http://schemas.openxmlformats.org/officeDocument/2006/relationships" xmlns:p="http://schemas.openxmlformats.org/presentationml/2006/main">
+  <p:cSld>
+    <p:spTree>
+      <p:nvGrpSpPr>
+        <p:cNvPr id="1" name=""/>
+        <p:cNvGrpSpPr/>
+        <p:nvPr/>
+      </p:nvGrpSpPr>
+      <p:grpSpPr>
+        <a:xfrm>
+          <a:off x="0" y="0"/>
+          <a:ext cx="0" cy="0"/>
+          <a:chOff x="0" y="0"/>
+          <a:chExt cx="0" cy="0"/>
+        </a:xfrm>
+      </p:grpSpPr>
+      <p:sp>
+        <p:nvSpPr>
+          <p:cNvPr id="2" name="Rectangle 1">
+            <a:extLst>
+              <a:ext uri="{FF2B5EF4-FFF2-40B4-BE49-F238E27FC236}">
+                <a16:creationId xmlns:a16="http://schemas.microsoft.com/office/drawing/2014/main" id="{DDFFDE65-6D67-4782-93F4-EFAFEED8A7BE}"/>
+              </a:ext>
+            </a:extLst>
+          </p:cNvPr>
+          <p:cNvSpPr/>
+          <p:nvPr/>
+        </p:nvSpPr>
+        <p:spPr>
+          <a:xfrm>
+            <a:off x="5210175" y="352425"/>
+            <a:ext cx="5848350" cy="1971675"/>
+          </a:xfrm>
+          <a:prstGeom prst="rect">
+            <a:avLst/>
+          </a:prstGeom>
+          <a:noFill/>
+        </p:spPr>
+        <p:style>
+          <a:lnRef idx="2">
+            <a:schemeClr val="accent1">
+              <a:shade val="50000"/>
+            </a:schemeClr>
+          </a:lnRef>
+          <a:fillRef idx="1">
+            <a:schemeClr val="accent1"/>
+          </a:fillRef>
+          <a:effectRef idx="0">
+            <a:schemeClr val="accent1"/>
+          </a:effectRef>
+          <a:fontRef idx="minor">
+            <a:schemeClr val="lt1"/>
+          </a:fontRef>
+        </p:style>
+        <p:txBody>
+          <a:bodyPr rtlCol="0" anchor="ctr"/>
+          <a:lstStyle/>
+          <a:p>
+            <a:pPr algn="ctr"/>
+            <a:endParaRPr lang="en-US"/>
+          </a:p>
+        </p:txBody>
+      </p:sp>
+      <p:sp>
+        <p:nvSpPr>
+          <p:cNvPr id="3" name="Oval 2">
+            <a:extLst>
+              <a:ext uri="{FF2B5EF4-FFF2-40B4-BE49-F238E27FC236}">
+                <a16:creationId xmlns:a16="http://schemas.microsoft.com/office/drawing/2014/main" id="{134F7014-9734-4C19-AAA2-42B55372E448}"/>
+              </a:ext>
+            </a:extLst>
+          </p:cNvPr>
+          <p:cNvSpPr/>
+          <p:nvPr/>
+        </p:nvSpPr>
+        <p:spPr>
+          <a:xfrm>
+            <a:off x="7077075" y="384688"/>
+            <a:ext cx="1219200" cy="619125"/>
+          </a:xfrm>
+          <a:prstGeom prst="ellipse">
+            <a:avLst/>
+          </a:prstGeom>
+        </p:spPr>
+        <p:style>
+          <a:lnRef idx="2">
+            <a:schemeClr val="accent1">
+              <a:shade val="50000"/>
+            </a:schemeClr>
+          </a:lnRef>
+          <a:fillRef idx="1">
+            <a:schemeClr val="accent1"/>
+          </a:fillRef>
+          <a:effectRef idx="0">
+            <a:schemeClr val="accent1"/>
+          </a:effectRef>
+          <a:fontRef idx="minor">
+            <a:schemeClr val="lt1"/>
+          </a:fontRef>
+        </p:style>
+        <p:txBody>
+          <a:bodyPr rtlCol="0" anchor="ctr"/>
+          <a:lstStyle/>
+          <a:p>
+            <a:pPr algn="ctr"/>
+            <a:r>
+              <a:rPr lang="en-US" dirty="0"/>
+              <a:t>ghost</a:t>
+            </a:r>
+          </a:p>
+        </p:txBody>
+      </p:sp>
+      <p:sp>
+        <p:nvSpPr>
+          <p:cNvPr id="4" name="Oval 3">
+            <a:extLst>
+              <a:ext uri="{FF2B5EF4-FFF2-40B4-BE49-F238E27FC236}">
+                <a16:creationId xmlns:a16="http://schemas.microsoft.com/office/drawing/2014/main" id="{26753BD0-6686-416C-899A-2EB6F77AC5B6}"/>
+              </a:ext>
+            </a:extLst>
+          </p:cNvPr>
+          <p:cNvSpPr/>
+          <p:nvPr/>
+        </p:nvSpPr>
+        <p:spPr>
+          <a:xfrm>
+            <a:off x="9328787" y="1125943"/>
+            <a:ext cx="1219200" cy="619125"/>
+          </a:xfrm>
+          <a:prstGeom prst="ellipse">
+            <a:avLst/>
+          </a:prstGeom>
+        </p:spPr>
+        <p:style>
+          <a:lnRef idx="2">
+            <a:schemeClr val="accent1">
+              <a:shade val="50000"/>
+            </a:schemeClr>
+          </a:lnRef>
+          <a:fillRef idx="1">
+            <a:schemeClr val="accent1"/>
+          </a:fillRef>
+          <a:effectRef idx="0">
+            <a:schemeClr val="accent1"/>
+          </a:effectRef>
+          <a:fontRef idx="minor">
+            <a:schemeClr val="lt1"/>
+          </a:fontRef>
+        </p:style>
+        <p:txBody>
+          <a:bodyPr rtlCol="0" anchor="ctr"/>
+          <a:lstStyle/>
+          <a:p>
+            <a:pPr algn="ctr"/>
+            <a:r>
+              <a:rPr lang="en-US" dirty="0" err="1"/>
+              <a:t>db</a:t>
+            </a:r>
+            <a:endParaRPr lang="en-US" dirty="0"/>
+          </a:p>
+        </p:txBody>
+      </p:sp>
+      <p:sp>
+        <p:nvSpPr>
+          <p:cNvPr id="5" name="TextBox 4">
+            <a:extLst>
+              <a:ext uri="{FF2B5EF4-FFF2-40B4-BE49-F238E27FC236}">
+                <a16:creationId xmlns:a16="http://schemas.microsoft.com/office/drawing/2014/main" id="{F03D6D74-5288-4AF6-A1EB-8741D741013E}"/>
+              </a:ext>
+            </a:extLst>
+          </p:cNvPr>
+          <p:cNvSpPr txBox="1"/>
+          <p:nvPr/>
+        </p:nvSpPr>
+        <p:spPr>
+          <a:xfrm>
+            <a:off x="381000" y="447675"/>
+            <a:ext cx="3524250" cy="3139321"/>
+          </a:xfrm>
+          <a:prstGeom prst="rect">
+            <a:avLst/>
+          </a:prstGeom>
+          <a:noFill/>
+        </p:spPr>
+        <p:txBody>
+          <a:bodyPr wrap="square" rtlCol="0">
+            <a:spAutoFit/>
+          </a:bodyPr>
+          <a:lstStyle/>
+          <a:p>
+            <a:pPr marL="342900" indent="-342900">
+              <a:buAutoNum type="arabicPeriod"/>
+            </a:pPr>
+            <a:r>
+              <a:rPr lang="en-US" dirty="0"/>
+              <a:t>Application scaling</a:t>
+            </a:r>
+          </a:p>
+          <a:p>
+            <a:pPr marL="342900" indent="-342900">
+              <a:buAutoNum type="arabicPeriod"/>
+            </a:pPr>
+            <a:r>
+              <a:rPr lang="en-US" dirty="0"/>
+              <a:t>Load balancing</a:t>
+            </a:r>
+          </a:p>
+          <a:p>
+            <a:pPr marL="342900" indent="-342900">
+              <a:buAutoNum type="arabicPeriod"/>
+            </a:pPr>
+            <a:r>
+              <a:rPr lang="en-US" dirty="0"/>
+              <a:t>Interact and coordinate between multiple </a:t>
+            </a:r>
+            <a:r>
+              <a:rPr lang="en-US" dirty="0" err="1"/>
+              <a:t>dockerd</a:t>
+            </a:r>
+            <a:endParaRPr lang="en-US" dirty="0"/>
+          </a:p>
+          <a:p>
+            <a:pPr marL="342900" indent="-342900">
+              <a:buAutoNum type="arabicPeriod"/>
+            </a:pPr>
+            <a:r>
+              <a:rPr lang="en-US" dirty="0"/>
+              <a:t>Networking</a:t>
+            </a:r>
+          </a:p>
+          <a:p>
+            <a:pPr marL="800100" lvl="1" indent="-342900">
+              <a:buAutoNum type="arabicPeriod"/>
+            </a:pPr>
+            <a:r>
+              <a:rPr lang="en-US" dirty="0"/>
+              <a:t>Ip address management</a:t>
+            </a:r>
+          </a:p>
+          <a:p>
+            <a:pPr marL="800100" lvl="1" indent="-342900">
+              <a:buAutoNum type="arabicPeriod"/>
+            </a:pPr>
+            <a:r>
+              <a:rPr lang="en-US" dirty="0"/>
+              <a:t>No node awareness</a:t>
+            </a:r>
+          </a:p>
+          <a:p>
+            <a:pPr marL="342900" indent="-342900">
+              <a:buAutoNum type="arabicPeriod"/>
+            </a:pPr>
+            <a:r>
+              <a:rPr lang="en-US" dirty="0" err="1"/>
+              <a:t>Dns</a:t>
+            </a:r>
+            <a:r>
+              <a:rPr lang="en-US" dirty="0"/>
+              <a:t> services</a:t>
+            </a:r>
+          </a:p>
+          <a:p>
+            <a:pPr marL="342900" indent="-342900">
+              <a:buAutoNum type="arabicPeriod"/>
+            </a:pPr>
+            <a:r>
+              <a:rPr lang="en-US" dirty="0"/>
+              <a:t>Node (VM, on </a:t>
+            </a:r>
+            <a:r>
+              <a:rPr lang="en-US" dirty="0" err="1"/>
+              <a:t>prem,on</a:t>
+            </a:r>
+            <a:r>
+              <a:rPr lang="en-US" dirty="0"/>
+              <a:t> cloud, physical) management -&gt; cluster management</a:t>
+            </a:r>
+          </a:p>
+        </p:txBody>
+      </p:sp>
+      <p:sp>
+        <p:nvSpPr>
+          <p:cNvPr id="6" name="Oval 5">
+            <a:extLst>
+              <a:ext uri="{FF2B5EF4-FFF2-40B4-BE49-F238E27FC236}">
+                <a16:creationId xmlns:a16="http://schemas.microsoft.com/office/drawing/2014/main" id="{33CE6852-2176-421F-B0AB-B19B8B3333A9}"/>
+              </a:ext>
+            </a:extLst>
+          </p:cNvPr>
+          <p:cNvSpPr/>
+          <p:nvPr/>
+        </p:nvSpPr>
+        <p:spPr>
+          <a:xfrm>
+            <a:off x="8658225" y="3429000"/>
+            <a:ext cx="1219200" cy="619125"/>
+          </a:xfrm>
+          <a:prstGeom prst="ellipse">
+            <a:avLst/>
+          </a:prstGeom>
+        </p:spPr>
+        <p:style>
+          <a:lnRef idx="2">
+            <a:schemeClr val="accent1">
+              <a:shade val="50000"/>
+            </a:schemeClr>
+          </a:lnRef>
+          <a:fillRef idx="1">
+            <a:schemeClr val="accent1"/>
+          </a:fillRef>
+          <a:effectRef idx="0">
+            <a:schemeClr val="accent1"/>
+          </a:effectRef>
+          <a:fontRef idx="minor">
+            <a:schemeClr val="lt1"/>
+          </a:fontRef>
+        </p:style>
+        <p:txBody>
+          <a:bodyPr rtlCol="0" anchor="ctr"/>
+          <a:lstStyle/>
+          <a:p>
+            <a:pPr algn="ctr"/>
+            <a:r>
+              <a:rPr lang="en-US" dirty="0"/>
+              <a:t>ghost</a:t>
+            </a:r>
+          </a:p>
+        </p:txBody>
+      </p:sp>
+      <p:sp>
+        <p:nvSpPr>
+          <p:cNvPr id="7" name="Oval 6">
+            <a:extLst>
+              <a:ext uri="{FF2B5EF4-FFF2-40B4-BE49-F238E27FC236}">
+                <a16:creationId xmlns:a16="http://schemas.microsoft.com/office/drawing/2014/main" id="{74F8052D-6C7E-42B0-9F68-1FBDFBCF0D9A}"/>
+              </a:ext>
+            </a:extLst>
+          </p:cNvPr>
+          <p:cNvSpPr/>
+          <p:nvPr/>
+        </p:nvSpPr>
+        <p:spPr>
+          <a:xfrm>
+            <a:off x="6326572" y="3270769"/>
+            <a:ext cx="1219200" cy="619125"/>
+          </a:xfrm>
+          <a:prstGeom prst="ellipse">
+            <a:avLst/>
+          </a:prstGeom>
+        </p:spPr>
+        <p:style>
+          <a:lnRef idx="2">
+            <a:schemeClr val="accent1">
+              <a:shade val="50000"/>
+            </a:schemeClr>
+          </a:lnRef>
+          <a:fillRef idx="1">
+            <a:schemeClr val="accent1"/>
+          </a:fillRef>
+          <a:effectRef idx="0">
+            <a:schemeClr val="accent1"/>
+          </a:effectRef>
+          <a:fontRef idx="minor">
+            <a:schemeClr val="lt1"/>
+          </a:fontRef>
+        </p:style>
+        <p:txBody>
+          <a:bodyPr rtlCol="0" anchor="ctr"/>
+          <a:lstStyle/>
+          <a:p>
+            <a:pPr algn="ctr"/>
+            <a:r>
+              <a:rPr lang="en-US" dirty="0"/>
+              <a:t>ghost</a:t>
+            </a:r>
+          </a:p>
+        </p:txBody>
+      </p:sp>
+      <p:sp>
+        <p:nvSpPr>
+          <p:cNvPr id="8" name="TextBox 7">
+            <a:extLst>
+              <a:ext uri="{FF2B5EF4-FFF2-40B4-BE49-F238E27FC236}">
+                <a16:creationId xmlns:a16="http://schemas.microsoft.com/office/drawing/2014/main" id="{8ED58E29-74EE-4CFC-9092-75FB5BEB493E}"/>
+              </a:ext>
+            </a:extLst>
+          </p:cNvPr>
+          <p:cNvSpPr txBox="1"/>
+          <p:nvPr/>
+        </p:nvSpPr>
+        <p:spPr>
+          <a:xfrm>
+            <a:off x="5210174" y="0"/>
+            <a:ext cx="1895475" cy="369332"/>
+          </a:xfrm>
+          <a:prstGeom prst="rect">
+            <a:avLst/>
+          </a:prstGeom>
+          <a:noFill/>
+        </p:spPr>
+        <p:txBody>
+          <a:bodyPr wrap="square" rtlCol="0">
+            <a:spAutoFit/>
+          </a:bodyPr>
+          <a:lstStyle/>
+          <a:p>
+            <a:r>
+              <a:rPr lang="en-US" dirty="0"/>
+              <a:t>Node1 8c, 124g</a:t>
+            </a:r>
+          </a:p>
+        </p:txBody>
+      </p:sp>
+      <p:sp>
+        <p:nvSpPr>
+          <p:cNvPr id="9" name="Rectangle 8">
+            <a:extLst>
+              <a:ext uri="{FF2B5EF4-FFF2-40B4-BE49-F238E27FC236}">
+                <a16:creationId xmlns:a16="http://schemas.microsoft.com/office/drawing/2014/main" id="{D872CD6C-A03A-42B3-8B8C-51A829FB9BA6}"/>
+              </a:ext>
+            </a:extLst>
+          </p:cNvPr>
+          <p:cNvSpPr/>
+          <p:nvPr/>
+        </p:nvSpPr>
+        <p:spPr>
+          <a:xfrm>
+            <a:off x="5221393" y="2727844"/>
+            <a:ext cx="5848350" cy="1971675"/>
+          </a:xfrm>
+          <a:prstGeom prst="rect">
+            <a:avLst/>
+          </a:prstGeom>
+          <a:noFill/>
+        </p:spPr>
+        <p:style>
+          <a:lnRef idx="2">
+            <a:schemeClr val="accent1">
+              <a:shade val="50000"/>
+            </a:schemeClr>
+          </a:lnRef>
+          <a:fillRef idx="1">
+            <a:schemeClr val="accent1"/>
+          </a:fillRef>
+          <a:effectRef idx="0">
+            <a:schemeClr val="accent1"/>
+          </a:effectRef>
+          <a:fontRef idx="minor">
+            <a:schemeClr val="lt1"/>
+          </a:fontRef>
+        </p:style>
+        <p:txBody>
+          <a:bodyPr rtlCol="0" anchor="ctr"/>
+          <a:lstStyle/>
+          <a:p>
+            <a:pPr algn="ctr"/>
+            <a:endParaRPr lang="en-US"/>
+          </a:p>
+        </p:txBody>
+      </p:sp>
+      <p:sp>
+        <p:nvSpPr>
+          <p:cNvPr id="10" name="TextBox 9">
+            <a:extLst>
+              <a:ext uri="{FF2B5EF4-FFF2-40B4-BE49-F238E27FC236}">
+                <a16:creationId xmlns:a16="http://schemas.microsoft.com/office/drawing/2014/main" id="{F312748C-040F-42D2-80D2-F4CE978EF9D6}"/>
+              </a:ext>
+            </a:extLst>
+          </p:cNvPr>
+          <p:cNvSpPr txBox="1"/>
+          <p:nvPr/>
+        </p:nvSpPr>
+        <p:spPr>
+          <a:xfrm>
+            <a:off x="5221392" y="2375419"/>
+            <a:ext cx="1895475" cy="369332"/>
+          </a:xfrm>
+          <a:prstGeom prst="rect">
+            <a:avLst/>
+          </a:prstGeom>
+          <a:noFill/>
+        </p:spPr>
+        <p:txBody>
+          <a:bodyPr wrap="square" rtlCol="0">
+            <a:spAutoFit/>
+          </a:bodyPr>
+          <a:lstStyle/>
+          <a:p>
+            <a:r>
+              <a:rPr lang="en-US" dirty="0"/>
+              <a:t>Node2 8c, 124g</a:t>
+            </a:r>
+          </a:p>
+        </p:txBody>
+      </p:sp>
+      <p:sp>
+        <p:nvSpPr>
+          <p:cNvPr id="11" name="Freeform: Shape 10">
+            <a:extLst>
+              <a:ext uri="{FF2B5EF4-FFF2-40B4-BE49-F238E27FC236}">
+                <a16:creationId xmlns:a16="http://schemas.microsoft.com/office/drawing/2014/main" id="{CFBAA446-1309-4C2B-90C0-221B153A0726}"/>
+              </a:ext>
+            </a:extLst>
+          </p:cNvPr>
+          <p:cNvSpPr/>
+          <p:nvPr/>
+        </p:nvSpPr>
+        <p:spPr>
+          <a:xfrm>
+            <a:off x="5486371" y="1514475"/>
+            <a:ext cx="108163" cy="790575"/>
+          </a:xfrm>
+          <a:custGeom>
+            <a:avLst/>
+            <a:gdLst>
+              <a:gd name="connsiteX0" fmla="*/ 19079 w 108163"/>
+              <a:gd name="connsiteY0" fmla="*/ 0 h 790575"/>
+              <a:gd name="connsiteX1" fmla="*/ 29 w 108163"/>
+              <a:gd name="connsiteY1" fmla="*/ 47625 h 790575"/>
+              <a:gd name="connsiteX2" fmla="*/ 19079 w 108163"/>
+              <a:gd name="connsiteY2" fmla="*/ 123825 h 790575"/>
+              <a:gd name="connsiteX3" fmla="*/ 57179 w 108163"/>
+              <a:gd name="connsiteY3" fmla="*/ 180975 h 790575"/>
+              <a:gd name="connsiteX4" fmla="*/ 95279 w 108163"/>
+              <a:gd name="connsiteY4" fmla="*/ 238125 h 790575"/>
+              <a:gd name="connsiteX5" fmla="*/ 95279 w 108163"/>
+              <a:gd name="connsiteY5" fmla="*/ 419100 h 790575"/>
+              <a:gd name="connsiteX6" fmla="*/ 76229 w 108163"/>
+              <a:gd name="connsiteY6" fmla="*/ 447675 h 790575"/>
+              <a:gd name="connsiteX7" fmla="*/ 66704 w 108163"/>
+              <a:gd name="connsiteY7" fmla="*/ 476250 h 790575"/>
+              <a:gd name="connsiteX8" fmla="*/ 76229 w 108163"/>
+              <a:gd name="connsiteY8" fmla="*/ 704850 h 790575"/>
+              <a:gd name="connsiteX9" fmla="*/ 95279 w 108163"/>
+              <a:gd name="connsiteY9" fmla="*/ 762000 h 790575"/>
+              <a:gd name="connsiteX10" fmla="*/ 104804 w 108163"/>
+              <a:gd name="connsiteY10" fmla="*/ 790575 h 790575"/>
+            </a:gdLst>
+            <a:ahLst/>
+            <a:cxnLst>
+              <a:cxn ang="0">
+                <a:pos x="connsiteX0" y="connsiteY0"/>
+              </a:cxn>
+              <a:cxn ang="0">
+                <a:pos x="connsiteX1" y="connsiteY1"/>
+              </a:cxn>
+              <a:cxn ang="0">
+                <a:pos x="connsiteX2" y="connsiteY2"/>
+              </a:cxn>
+              <a:cxn ang="0">
+                <a:pos x="connsiteX3" y="connsiteY3"/>
+              </a:cxn>
+              <a:cxn ang="0">
+                <a:pos x="connsiteX4" y="connsiteY4"/>
+              </a:cxn>
+              <a:cxn ang="0">
+                <a:pos x="connsiteX5" y="connsiteY5"/>
+              </a:cxn>
+              <a:cxn ang="0">
+                <a:pos x="connsiteX6" y="connsiteY6"/>
+              </a:cxn>
+              <a:cxn ang="0">
+                <a:pos x="connsiteX7" y="connsiteY7"/>
+              </a:cxn>
+              <a:cxn ang="0">
+                <a:pos x="connsiteX8" y="connsiteY8"/>
+              </a:cxn>
+              <a:cxn ang="0">
+                <a:pos x="connsiteX9" y="connsiteY9"/>
+              </a:cxn>
+              <a:cxn ang="0">
+                <a:pos x="connsiteX10" y="connsiteY10"/>
+              </a:cxn>
+            </a:cxnLst>
+            <a:rect l="l" t="t" r="r" b="b"/>
+            <a:pathLst>
+              <a:path w="108163" h="790575">
+                <a:moveTo>
+                  <a:pt x="19079" y="0"/>
+                </a:moveTo>
+                <a:cubicBezTo>
+                  <a:pt x="12729" y="15875"/>
+                  <a:pt x="1730" y="30612"/>
+                  <a:pt x="29" y="47625"/>
+                </a:cubicBezTo>
+                <a:cubicBezTo>
+                  <a:pt x="-687" y="54781"/>
+                  <a:pt x="12007" y="111095"/>
+                  <a:pt x="19079" y="123825"/>
+                </a:cubicBezTo>
+                <a:cubicBezTo>
+                  <a:pt x="30198" y="143839"/>
+                  <a:pt x="49939" y="159255"/>
+                  <a:pt x="57179" y="180975"/>
+                </a:cubicBezTo>
+                <a:cubicBezTo>
+                  <a:pt x="70964" y="222329"/>
+                  <a:pt x="59604" y="202450"/>
+                  <a:pt x="95279" y="238125"/>
+                </a:cubicBezTo>
+                <a:cubicBezTo>
+                  <a:pt x="110513" y="314294"/>
+                  <a:pt x="114300" y="311314"/>
+                  <a:pt x="95279" y="419100"/>
+                </a:cubicBezTo>
+                <a:cubicBezTo>
+                  <a:pt x="93290" y="430373"/>
+                  <a:pt x="81349" y="437436"/>
+                  <a:pt x="76229" y="447675"/>
+                </a:cubicBezTo>
+                <a:cubicBezTo>
+                  <a:pt x="71739" y="456655"/>
+                  <a:pt x="69879" y="466725"/>
+                  <a:pt x="66704" y="476250"/>
+                </a:cubicBezTo>
+                <a:cubicBezTo>
+                  <a:pt x="69879" y="552450"/>
+                  <a:pt x="68640" y="628962"/>
+                  <a:pt x="76229" y="704850"/>
+                </a:cubicBezTo>
+                <a:cubicBezTo>
+                  <a:pt x="78227" y="724831"/>
+                  <a:pt x="88929" y="742950"/>
+                  <a:pt x="95279" y="762000"/>
+                </a:cubicBezTo>
+                <a:lnTo>
+                  <a:pt x="104804" y="790575"/>
+                </a:lnTo>
+              </a:path>
+            </a:pathLst>
+          </a:custGeom>
+          <a:noFill/>
+        </p:spPr>
+        <p:style>
+          <a:lnRef idx="2">
+            <a:schemeClr val="accent1">
+              <a:shade val="50000"/>
+            </a:schemeClr>
+          </a:lnRef>
+          <a:fillRef idx="1">
+            <a:schemeClr val="accent1"/>
+          </a:fillRef>
+          <a:effectRef idx="0">
+            <a:schemeClr val="accent1"/>
+          </a:effectRef>
+          <a:fontRef idx="minor">
+            <a:schemeClr val="lt1"/>
+          </a:fontRef>
+        </p:style>
+        <p:txBody>
+          <a:bodyPr rtlCol="0" anchor="ctr"/>
+          <a:lstStyle/>
+          <a:p>
+            <a:pPr algn="ctr"/>
+            <a:endParaRPr lang="en-US"/>
+          </a:p>
+        </p:txBody>
+      </p:sp>
+      <p:sp>
+        <p:nvSpPr>
+          <p:cNvPr id="12" name="TextBox 11">
+            <a:extLst>
+              <a:ext uri="{FF2B5EF4-FFF2-40B4-BE49-F238E27FC236}">
+                <a16:creationId xmlns:a16="http://schemas.microsoft.com/office/drawing/2014/main" id="{F55192E9-D85A-41A2-995F-BC1F96A18DB4}"/>
+              </a:ext>
+            </a:extLst>
+          </p:cNvPr>
+          <p:cNvSpPr txBox="1"/>
+          <p:nvPr/>
+        </p:nvSpPr>
+        <p:spPr>
+          <a:xfrm>
+            <a:off x="5389456" y="1619250"/>
+            <a:ext cx="937116" cy="369332"/>
+          </a:xfrm>
+          <a:prstGeom prst="rect">
+            <a:avLst/>
+          </a:prstGeom>
+          <a:noFill/>
+        </p:spPr>
+        <p:txBody>
+          <a:bodyPr wrap="none" rtlCol="0">
+            <a:spAutoFit/>
+          </a:bodyPr>
+          <a:lstStyle/>
+          <a:p>
+            <a:r>
+              <a:rPr lang="en-US" dirty="0" err="1"/>
+              <a:t>dockerd</a:t>
+            </a:r>
+            <a:endParaRPr lang="en-US" dirty="0"/>
+          </a:p>
+        </p:txBody>
+      </p:sp>
+      <p:sp>
+        <p:nvSpPr>
+          <p:cNvPr id="13" name="Freeform: Shape 12">
+            <a:extLst>
+              <a:ext uri="{FF2B5EF4-FFF2-40B4-BE49-F238E27FC236}">
+                <a16:creationId xmlns:a16="http://schemas.microsoft.com/office/drawing/2014/main" id="{D7E6D4A5-8A89-40CB-AAA7-E4E53F20BDFC}"/>
+              </a:ext>
+            </a:extLst>
+          </p:cNvPr>
+          <p:cNvSpPr/>
+          <p:nvPr/>
+        </p:nvSpPr>
+        <p:spPr>
+          <a:xfrm>
+            <a:off x="5307089" y="3889894"/>
+            <a:ext cx="108163" cy="790575"/>
+          </a:xfrm>
+          <a:custGeom>
+            <a:avLst/>
+            <a:gdLst>
+              <a:gd name="connsiteX0" fmla="*/ 19079 w 108163"/>
+              <a:gd name="connsiteY0" fmla="*/ 0 h 790575"/>
+              <a:gd name="connsiteX1" fmla="*/ 29 w 108163"/>
+              <a:gd name="connsiteY1" fmla="*/ 47625 h 790575"/>
+              <a:gd name="connsiteX2" fmla="*/ 19079 w 108163"/>
+              <a:gd name="connsiteY2" fmla="*/ 123825 h 790575"/>
+              <a:gd name="connsiteX3" fmla="*/ 57179 w 108163"/>
+              <a:gd name="connsiteY3" fmla="*/ 180975 h 790575"/>
+              <a:gd name="connsiteX4" fmla="*/ 95279 w 108163"/>
+              <a:gd name="connsiteY4" fmla="*/ 238125 h 790575"/>
+              <a:gd name="connsiteX5" fmla="*/ 95279 w 108163"/>
+              <a:gd name="connsiteY5" fmla="*/ 419100 h 790575"/>
+              <a:gd name="connsiteX6" fmla="*/ 76229 w 108163"/>
+              <a:gd name="connsiteY6" fmla="*/ 447675 h 790575"/>
+              <a:gd name="connsiteX7" fmla="*/ 66704 w 108163"/>
+              <a:gd name="connsiteY7" fmla="*/ 476250 h 790575"/>
+              <a:gd name="connsiteX8" fmla="*/ 76229 w 108163"/>
+              <a:gd name="connsiteY8" fmla="*/ 704850 h 790575"/>
+              <a:gd name="connsiteX9" fmla="*/ 95279 w 108163"/>
+              <a:gd name="connsiteY9" fmla="*/ 762000 h 790575"/>
+              <a:gd name="connsiteX10" fmla="*/ 104804 w 108163"/>
+              <a:gd name="connsiteY10" fmla="*/ 790575 h 790575"/>
+            </a:gdLst>
+            <a:ahLst/>
+            <a:cxnLst>
+              <a:cxn ang="0">
+                <a:pos x="connsiteX0" y="connsiteY0"/>
+              </a:cxn>
+              <a:cxn ang="0">
+                <a:pos x="connsiteX1" y="connsiteY1"/>
+              </a:cxn>
+              <a:cxn ang="0">
+                <a:pos x="connsiteX2" y="connsiteY2"/>
+              </a:cxn>
+              <a:cxn ang="0">
+                <a:pos x="connsiteX3" y="connsiteY3"/>
+              </a:cxn>
+              <a:cxn ang="0">
+                <a:pos x="connsiteX4" y="connsiteY4"/>
+              </a:cxn>
+              <a:cxn ang="0">
+                <a:pos x="connsiteX5" y="connsiteY5"/>
+              </a:cxn>
+              <a:cxn ang="0">
+                <a:pos x="connsiteX6" y="connsiteY6"/>
+              </a:cxn>
+              <a:cxn ang="0">
+                <a:pos x="connsiteX7" y="connsiteY7"/>
+              </a:cxn>
+              <a:cxn ang="0">
+                <a:pos x="connsiteX8" y="connsiteY8"/>
+              </a:cxn>
+              <a:cxn ang="0">
+                <a:pos x="connsiteX9" y="connsiteY9"/>
+              </a:cxn>
+              <a:cxn ang="0">
+                <a:pos x="connsiteX10" y="connsiteY10"/>
+              </a:cxn>
+            </a:cxnLst>
+            <a:rect l="l" t="t" r="r" b="b"/>
+            <a:pathLst>
+              <a:path w="108163" h="790575">
+                <a:moveTo>
+                  <a:pt x="19079" y="0"/>
+                </a:moveTo>
+                <a:cubicBezTo>
+                  <a:pt x="12729" y="15875"/>
+                  <a:pt x="1730" y="30612"/>
+                  <a:pt x="29" y="47625"/>
+                </a:cubicBezTo>
+                <a:cubicBezTo>
+                  <a:pt x="-687" y="54781"/>
+                  <a:pt x="12007" y="111095"/>
+                  <a:pt x="19079" y="123825"/>
+                </a:cubicBezTo>
+                <a:cubicBezTo>
+                  <a:pt x="30198" y="143839"/>
+                  <a:pt x="49939" y="159255"/>
+                  <a:pt x="57179" y="180975"/>
+                </a:cubicBezTo>
+                <a:cubicBezTo>
+                  <a:pt x="70964" y="222329"/>
+                  <a:pt x="59604" y="202450"/>
+                  <a:pt x="95279" y="238125"/>
+                </a:cubicBezTo>
+                <a:cubicBezTo>
+                  <a:pt x="110513" y="314294"/>
+                  <a:pt x="114300" y="311314"/>
+                  <a:pt x="95279" y="419100"/>
+                </a:cubicBezTo>
+                <a:cubicBezTo>
+                  <a:pt x="93290" y="430373"/>
+                  <a:pt x="81349" y="437436"/>
+                  <a:pt x="76229" y="447675"/>
+                </a:cubicBezTo>
+                <a:cubicBezTo>
+                  <a:pt x="71739" y="456655"/>
+                  <a:pt x="69879" y="466725"/>
+                  <a:pt x="66704" y="476250"/>
+                </a:cubicBezTo>
+                <a:cubicBezTo>
+                  <a:pt x="69879" y="552450"/>
+                  <a:pt x="68640" y="628962"/>
+                  <a:pt x="76229" y="704850"/>
+                </a:cubicBezTo>
+                <a:cubicBezTo>
+                  <a:pt x="78227" y="724831"/>
+                  <a:pt x="88929" y="742950"/>
+                  <a:pt x="95279" y="762000"/>
+                </a:cubicBezTo>
+                <a:lnTo>
+                  <a:pt x="104804" y="790575"/>
+                </a:lnTo>
+              </a:path>
+            </a:pathLst>
+          </a:custGeom>
+          <a:noFill/>
+        </p:spPr>
+        <p:style>
+          <a:lnRef idx="2">
+            <a:schemeClr val="accent1">
+              <a:shade val="50000"/>
+            </a:schemeClr>
+          </a:lnRef>
+          <a:fillRef idx="1">
+            <a:schemeClr val="accent1"/>
+          </a:fillRef>
+          <a:effectRef idx="0">
+            <a:schemeClr val="accent1"/>
+          </a:effectRef>
+          <a:fontRef idx="minor">
+            <a:schemeClr val="lt1"/>
+          </a:fontRef>
+        </p:style>
+        <p:txBody>
+          <a:bodyPr rtlCol="0" anchor="ctr"/>
+          <a:lstStyle/>
+          <a:p>
+            <a:pPr algn="ctr"/>
+            <a:endParaRPr lang="en-US"/>
+          </a:p>
+        </p:txBody>
+      </p:sp>
+      <p:sp>
+        <p:nvSpPr>
+          <p:cNvPr id="14" name="TextBox 13">
+            <a:extLst>
+              <a:ext uri="{FF2B5EF4-FFF2-40B4-BE49-F238E27FC236}">
+                <a16:creationId xmlns:a16="http://schemas.microsoft.com/office/drawing/2014/main" id="{F70E2CA9-9F17-494F-B5B7-3C4B991B5226}"/>
+              </a:ext>
+            </a:extLst>
+          </p:cNvPr>
+          <p:cNvSpPr txBox="1"/>
+          <p:nvPr/>
+        </p:nvSpPr>
+        <p:spPr>
+          <a:xfrm>
+            <a:off x="5210174" y="3994669"/>
+            <a:ext cx="937116" cy="369332"/>
+          </a:xfrm>
+          <a:prstGeom prst="rect">
+            <a:avLst/>
+          </a:prstGeom>
+          <a:noFill/>
+        </p:spPr>
+        <p:txBody>
+          <a:bodyPr wrap="none" rtlCol="0">
+            <a:spAutoFit/>
+          </a:bodyPr>
+          <a:lstStyle/>
+          <a:p>
+            <a:r>
+              <a:rPr lang="en-US" dirty="0" err="1"/>
+              <a:t>dockerd</a:t>
+            </a:r>
+            <a:endParaRPr lang="en-US" dirty="0"/>
+          </a:p>
+        </p:txBody>
+      </p:sp>
+      <p:sp>
+        <p:nvSpPr>
+          <p:cNvPr id="15" name="TextBox 14">
+            <a:extLst>
+              <a:ext uri="{FF2B5EF4-FFF2-40B4-BE49-F238E27FC236}">
+                <a16:creationId xmlns:a16="http://schemas.microsoft.com/office/drawing/2014/main" id="{CAE9122F-FC74-43DF-9F21-3C4AAE228480}"/>
+              </a:ext>
+            </a:extLst>
+          </p:cNvPr>
+          <p:cNvSpPr txBox="1"/>
+          <p:nvPr/>
+        </p:nvSpPr>
+        <p:spPr>
+          <a:xfrm flipH="1">
+            <a:off x="9450706" y="1792695"/>
+            <a:ext cx="1219200" cy="369332"/>
+          </a:xfrm>
+          <a:prstGeom prst="rect">
+            <a:avLst/>
+          </a:prstGeom>
+          <a:noFill/>
+        </p:spPr>
+        <p:txBody>
+          <a:bodyPr wrap="square" rtlCol="0">
+            <a:spAutoFit/>
+          </a:bodyPr>
+          <a:lstStyle/>
+          <a:p>
+            <a:r>
+              <a:rPr lang="en-US" dirty="0"/>
+              <a:t>172.20.0.2</a:t>
+            </a:r>
+          </a:p>
+        </p:txBody>
+      </p:sp>
+      <p:sp>
+        <p:nvSpPr>
+          <p:cNvPr id="16" name="TextBox 15">
+            <a:extLst>
+              <a:ext uri="{FF2B5EF4-FFF2-40B4-BE49-F238E27FC236}">
+                <a16:creationId xmlns:a16="http://schemas.microsoft.com/office/drawing/2014/main" id="{E723D800-382A-4740-BB79-DAA9CFC4B67F}"/>
+              </a:ext>
+            </a:extLst>
+          </p:cNvPr>
+          <p:cNvSpPr txBox="1"/>
+          <p:nvPr/>
+        </p:nvSpPr>
+        <p:spPr>
+          <a:xfrm flipH="1">
+            <a:off x="8658224" y="4082537"/>
+            <a:ext cx="2236469" cy="646331"/>
+          </a:xfrm>
+          <a:prstGeom prst="rect">
+            <a:avLst/>
+          </a:prstGeom>
+          <a:noFill/>
+        </p:spPr>
+        <p:txBody>
+          <a:bodyPr wrap="square" rtlCol="0">
+            <a:spAutoFit/>
+          </a:bodyPr>
+          <a:lstStyle/>
+          <a:p>
+            <a:r>
+              <a:rPr lang="en-US" dirty="0"/>
+              <a:t>172.21.0.5</a:t>
+            </a:r>
+          </a:p>
+          <a:p>
+            <a:r>
+              <a:rPr lang="en-US" dirty="0"/>
+              <a:t>Host: </a:t>
+            </a:r>
+            <a:r>
+              <a:rPr lang="en-US" dirty="0" err="1"/>
+              <a:t>db</a:t>
+            </a:r>
+            <a:r>
+              <a:rPr lang="en-US" dirty="0"/>
+              <a:t> ip:2345</a:t>
+            </a:r>
+          </a:p>
+        </p:txBody>
+      </p:sp>
+      <p:sp>
+        <p:nvSpPr>
+          <p:cNvPr id="24" name="Rectangle 23">
+            <a:extLst>
+              <a:ext uri="{FF2B5EF4-FFF2-40B4-BE49-F238E27FC236}">
+                <a16:creationId xmlns:a16="http://schemas.microsoft.com/office/drawing/2014/main" id="{DD6199A7-D7B1-4A29-B561-22B9DA24E2BD}"/>
+              </a:ext>
+            </a:extLst>
+          </p:cNvPr>
+          <p:cNvSpPr/>
+          <p:nvPr/>
+        </p:nvSpPr>
+        <p:spPr>
+          <a:xfrm>
+            <a:off x="5259493" y="5061469"/>
+            <a:ext cx="5848350" cy="1971675"/>
+          </a:xfrm>
+          <a:prstGeom prst="rect">
+            <a:avLst/>
+          </a:prstGeom>
+          <a:noFill/>
+        </p:spPr>
+        <p:style>
+          <a:lnRef idx="2">
+            <a:schemeClr val="accent1">
+              <a:shade val="50000"/>
+            </a:schemeClr>
+          </a:lnRef>
+          <a:fillRef idx="1">
+            <a:schemeClr val="accent1"/>
+          </a:fillRef>
+          <a:effectRef idx="0">
+            <a:schemeClr val="accent1"/>
+          </a:effectRef>
+          <a:fontRef idx="minor">
+            <a:schemeClr val="lt1"/>
+          </a:fontRef>
+        </p:style>
+        <p:txBody>
+          <a:bodyPr rtlCol="0" anchor="ctr"/>
+          <a:lstStyle/>
+          <a:p>
+            <a:pPr algn="ctr"/>
+            <a:endParaRPr lang="en-US"/>
+          </a:p>
+        </p:txBody>
+      </p:sp>
+      <p:sp>
+        <p:nvSpPr>
+          <p:cNvPr id="25" name="TextBox 24">
+            <a:extLst>
+              <a:ext uri="{FF2B5EF4-FFF2-40B4-BE49-F238E27FC236}">
+                <a16:creationId xmlns:a16="http://schemas.microsoft.com/office/drawing/2014/main" id="{A32B6DC1-7010-47CB-9694-E9378D83871B}"/>
+              </a:ext>
+            </a:extLst>
+          </p:cNvPr>
+          <p:cNvSpPr txBox="1"/>
+          <p:nvPr/>
+        </p:nvSpPr>
+        <p:spPr>
+          <a:xfrm>
+            <a:off x="5259492" y="4709044"/>
+            <a:ext cx="1895475" cy="369332"/>
+          </a:xfrm>
+          <a:prstGeom prst="rect">
+            <a:avLst/>
+          </a:prstGeom>
+          <a:noFill/>
+        </p:spPr>
+        <p:txBody>
+          <a:bodyPr wrap="square" rtlCol="0">
+            <a:spAutoFit/>
+          </a:bodyPr>
+          <a:lstStyle/>
+          <a:p>
+            <a:r>
+              <a:rPr lang="en-US" dirty="0"/>
+              <a:t>Node3 8c, 124g</a:t>
+            </a:r>
+          </a:p>
+        </p:txBody>
+      </p:sp>
+      <p:cxnSp>
+        <p:nvCxnSpPr>
+          <p:cNvPr id="29" name="Straight Arrow Connector 28">
+            <a:extLst>
+              <a:ext uri="{FF2B5EF4-FFF2-40B4-BE49-F238E27FC236}">
+                <a16:creationId xmlns:a16="http://schemas.microsoft.com/office/drawing/2014/main" id="{090DD42A-EF66-4B16-9BD4-814C3CAC61B8}"/>
+              </a:ext>
+            </a:extLst>
+          </p:cNvPr>
+          <p:cNvCxnSpPr>
+            <a:cxnSpLocks/>
+            <a:stCxn id="16" idx="0"/>
+            <a:endCxn id="4" idx="0"/>
+          </p:cNvCxnSpPr>
+          <p:nvPr/>
+        </p:nvCxnSpPr>
+        <p:spPr>
+          <a:xfrm flipV="1">
+            <a:off x="9776458" y="1125943"/>
+            <a:ext cx="161929" cy="2956594"/>
+          </a:xfrm>
+          <a:prstGeom prst="straightConnector1">
+            <a:avLst/>
+          </a:prstGeom>
+          <a:ln>
+            <a:tailEnd type="triangle"/>
+          </a:ln>
+        </p:spPr>
+        <p:style>
+          <a:lnRef idx="1">
+            <a:schemeClr val="accent1"/>
+          </a:lnRef>
+          <a:fillRef idx="0">
+            <a:schemeClr val="accent1"/>
+          </a:fillRef>
+          <a:effectRef idx="0">
+            <a:schemeClr val="accent1"/>
+          </a:effectRef>
+          <a:fontRef idx="minor">
+            <a:schemeClr val="tx1"/>
+          </a:fontRef>
+        </p:style>
+      </p:cxnSp>
+      <p:sp>
+        <p:nvSpPr>
+          <p:cNvPr id="33" name="TextBox 32">
+            <a:extLst>
+              <a:ext uri="{FF2B5EF4-FFF2-40B4-BE49-F238E27FC236}">
+                <a16:creationId xmlns:a16="http://schemas.microsoft.com/office/drawing/2014/main" id="{B413B773-7450-41A3-9CD9-91AB194B9A67}"/>
+              </a:ext>
+            </a:extLst>
+          </p:cNvPr>
+          <p:cNvSpPr txBox="1"/>
+          <p:nvPr/>
+        </p:nvSpPr>
+        <p:spPr>
+          <a:xfrm>
+            <a:off x="380999" y="78343"/>
+            <a:ext cx="3524250" cy="369332"/>
+          </a:xfrm>
+          <a:prstGeom prst="rect">
+            <a:avLst/>
+          </a:prstGeom>
+          <a:noFill/>
+        </p:spPr>
+        <p:txBody>
+          <a:bodyPr wrap="square" rtlCol="0">
+            <a:spAutoFit/>
+          </a:bodyPr>
+          <a:lstStyle/>
+          <a:p>
+            <a:r>
+              <a:rPr lang="en-US" dirty="0"/>
+              <a:t>Container Orchestration</a:t>
+            </a:r>
+          </a:p>
+        </p:txBody>
+      </p:sp>
+      <p:sp>
+        <p:nvSpPr>
+          <p:cNvPr id="34" name="TextBox 33">
+            <a:extLst>
+              <a:ext uri="{FF2B5EF4-FFF2-40B4-BE49-F238E27FC236}">
+                <a16:creationId xmlns:a16="http://schemas.microsoft.com/office/drawing/2014/main" id="{B2C37119-A095-40EE-942B-90A09C426209}"/>
+              </a:ext>
+            </a:extLst>
+          </p:cNvPr>
+          <p:cNvSpPr txBox="1"/>
+          <p:nvPr/>
+        </p:nvSpPr>
+        <p:spPr>
+          <a:xfrm>
+            <a:off x="447675" y="4728868"/>
+            <a:ext cx="3876675" cy="923330"/>
+          </a:xfrm>
+          <a:prstGeom prst="rect">
+            <a:avLst/>
+          </a:prstGeom>
+          <a:noFill/>
+        </p:spPr>
+        <p:txBody>
+          <a:bodyPr wrap="square" rtlCol="0">
+            <a:spAutoFit/>
+          </a:bodyPr>
+          <a:lstStyle/>
+          <a:p>
+            <a:r>
+              <a:rPr lang="en-US" dirty="0"/>
+              <a:t>Products:</a:t>
+            </a:r>
+          </a:p>
+          <a:p>
+            <a:r>
+              <a:rPr lang="en-US" dirty="0"/>
+              <a:t>K8s</a:t>
+            </a:r>
+          </a:p>
+          <a:p>
+            <a:r>
+              <a:rPr lang="en-US" dirty="0"/>
+              <a:t>Docker swarm</a:t>
+            </a:r>
+          </a:p>
+        </p:txBody>
+      </p:sp>
+    </p:spTree>
+    <p:extLst>
+      <p:ext uri="{BB962C8B-B14F-4D97-AF65-F5344CB8AC3E}">
+        <p14:creationId xmlns:p14="http://schemas.microsoft.com/office/powerpoint/2010/main" val="2479694177"/>
       </p:ext>
     </p:extLst>
   </p:cSld>

--- a/rough-diag.pptx
+++ b/rough-diag.pptx
@@ -18,6 +18,9 @@
     <p:sldId id="266" r:id="rId12"/>
     <p:sldId id="267" r:id="rId13"/>
     <p:sldId id="268" r:id="rId14"/>
+    <p:sldId id="269" r:id="rId15"/>
+    <p:sldId id="270" r:id="rId16"/>
+    <p:sldId id="271" r:id="rId17"/>
   </p:sldIdLst>
   <p:sldSz cx="12192000" cy="6858000"/>
   <p:notesSz cx="6858000" cy="9144000"/>
@@ -116,6 +119,11 @@
       </a:defRPr>
     </a:lvl9pPr>
   </p:defaultTextStyle>
+  <p:extLst>
+    <p:ext uri="{EFAFB233-063F-42B5-8137-9DF3F51BA10A}">
+      <p15:sldGuideLst xmlns:p15="http://schemas.microsoft.com/office/powerpoint/2012/main"/>
+    </p:ext>
+  </p:extLst>
 </p:presentation>
 </file>
 
@@ -266,7 +274,7 @@
           <a:p>
             <a:fld id="{7FD3BBE8-BB34-49B3-A6B5-FAE5B97B4A57}" type="datetimeFigureOut">
               <a:rPr lang="en-US" smtClean="0"/>
-              <a:t>9/16/2019</a:t>
+              <a:t>9/18/2019</a:t>
             </a:fld>
             <a:endParaRPr lang="en-US"/>
           </a:p>
@@ -464,7 +472,7 @@
           <a:p>
             <a:fld id="{7FD3BBE8-BB34-49B3-A6B5-FAE5B97B4A57}" type="datetimeFigureOut">
               <a:rPr lang="en-US" smtClean="0"/>
-              <a:t>9/16/2019</a:t>
+              <a:t>9/18/2019</a:t>
             </a:fld>
             <a:endParaRPr lang="en-US"/>
           </a:p>
@@ -672,7 +680,7 @@
           <a:p>
             <a:fld id="{7FD3BBE8-BB34-49B3-A6B5-FAE5B97B4A57}" type="datetimeFigureOut">
               <a:rPr lang="en-US" smtClean="0"/>
-              <a:t>9/16/2019</a:t>
+              <a:t>9/18/2019</a:t>
             </a:fld>
             <a:endParaRPr lang="en-US"/>
           </a:p>
@@ -870,7 +878,7 @@
           <a:p>
             <a:fld id="{7FD3BBE8-BB34-49B3-A6B5-FAE5B97B4A57}" type="datetimeFigureOut">
               <a:rPr lang="en-US" smtClean="0"/>
-              <a:t>9/16/2019</a:t>
+              <a:t>9/18/2019</a:t>
             </a:fld>
             <a:endParaRPr lang="en-US"/>
           </a:p>
@@ -1145,7 +1153,7 @@
           <a:p>
             <a:fld id="{7FD3BBE8-BB34-49B3-A6B5-FAE5B97B4A57}" type="datetimeFigureOut">
               <a:rPr lang="en-US" smtClean="0"/>
-              <a:t>9/16/2019</a:t>
+              <a:t>9/18/2019</a:t>
             </a:fld>
             <a:endParaRPr lang="en-US"/>
           </a:p>
@@ -1410,7 +1418,7 @@
           <a:p>
             <a:fld id="{7FD3BBE8-BB34-49B3-A6B5-FAE5B97B4A57}" type="datetimeFigureOut">
               <a:rPr lang="en-US" smtClean="0"/>
-              <a:t>9/16/2019</a:t>
+              <a:t>9/18/2019</a:t>
             </a:fld>
             <a:endParaRPr lang="en-US"/>
           </a:p>
@@ -1822,7 +1830,7 @@
           <a:p>
             <a:fld id="{7FD3BBE8-BB34-49B3-A6B5-FAE5B97B4A57}" type="datetimeFigureOut">
               <a:rPr lang="en-US" smtClean="0"/>
-              <a:t>9/16/2019</a:t>
+              <a:t>9/18/2019</a:t>
             </a:fld>
             <a:endParaRPr lang="en-US"/>
           </a:p>
@@ -1963,7 +1971,7 @@
           <a:p>
             <a:fld id="{7FD3BBE8-BB34-49B3-A6B5-FAE5B97B4A57}" type="datetimeFigureOut">
               <a:rPr lang="en-US" smtClean="0"/>
-              <a:t>9/16/2019</a:t>
+              <a:t>9/18/2019</a:t>
             </a:fld>
             <a:endParaRPr lang="en-US"/>
           </a:p>
@@ -2076,7 +2084,7 @@
           <a:p>
             <a:fld id="{7FD3BBE8-BB34-49B3-A6B5-FAE5B97B4A57}" type="datetimeFigureOut">
               <a:rPr lang="en-US" smtClean="0"/>
-              <a:t>9/16/2019</a:t>
+              <a:t>9/18/2019</a:t>
             </a:fld>
             <a:endParaRPr lang="en-US"/>
           </a:p>
@@ -2387,7 +2395,7 @@
           <a:p>
             <a:fld id="{7FD3BBE8-BB34-49B3-A6B5-FAE5B97B4A57}" type="datetimeFigureOut">
               <a:rPr lang="en-US" smtClean="0"/>
-              <a:t>9/16/2019</a:t>
+              <a:t>9/18/2019</a:t>
             </a:fld>
             <a:endParaRPr lang="en-US"/>
           </a:p>
@@ -2675,7 +2683,7 @@
           <a:p>
             <a:fld id="{7FD3BBE8-BB34-49B3-A6B5-FAE5B97B4A57}" type="datetimeFigureOut">
               <a:rPr lang="en-US" smtClean="0"/>
-              <a:t>9/16/2019</a:t>
+              <a:t>9/18/2019</a:t>
             </a:fld>
             <a:endParaRPr lang="en-US"/>
           </a:p>
@@ -2916,7 +2924,7 @@
           <a:p>
             <a:fld id="{7FD3BBE8-BB34-49B3-A6B5-FAE5B97B4A57}" type="datetimeFigureOut">
               <a:rPr lang="en-US" smtClean="0"/>
-              <a:t>9/16/2019</a:t>
+              <a:t>9/18/2019</a:t>
             </a:fld>
             <a:endParaRPr lang="en-US"/>
           </a:p>
@@ -8002,6 +8010,2753 @@
 </p:sld>
 </file>
 
+<file path=ppt/slides/slide14.xml><?xml version="1.0" encoding="utf-8"?>
+<p:sld xmlns:a="http://schemas.openxmlformats.org/drawingml/2006/main" xmlns:r="http://schemas.openxmlformats.org/officeDocument/2006/relationships" xmlns:p="http://schemas.openxmlformats.org/presentationml/2006/main">
+  <p:cSld>
+    <p:spTree>
+      <p:nvGrpSpPr>
+        <p:cNvPr id="1" name=""/>
+        <p:cNvGrpSpPr/>
+        <p:nvPr/>
+      </p:nvGrpSpPr>
+      <p:grpSpPr>
+        <a:xfrm>
+          <a:off x="0" y="0"/>
+          <a:ext cx="0" cy="0"/>
+          <a:chOff x="0" y="0"/>
+          <a:chExt cx="0" cy="0"/>
+        </a:xfrm>
+      </p:grpSpPr>
+      <p:sp>
+        <p:nvSpPr>
+          <p:cNvPr id="2" name="Rectangle 1">
+            <a:extLst>
+              <a:ext uri="{FF2B5EF4-FFF2-40B4-BE49-F238E27FC236}">
+                <a16:creationId xmlns:a16="http://schemas.microsoft.com/office/drawing/2014/main" id="{696B5959-40DF-4A96-A335-84F5030E2C9A}"/>
+              </a:ext>
+            </a:extLst>
+          </p:cNvPr>
+          <p:cNvSpPr/>
+          <p:nvPr/>
+        </p:nvSpPr>
+        <p:spPr>
+          <a:xfrm>
+            <a:off x="4810125" y="447675"/>
+            <a:ext cx="6858000" cy="6000750"/>
+          </a:xfrm>
+          <a:prstGeom prst="rect">
+            <a:avLst/>
+          </a:prstGeom>
+          <a:noFill/>
+        </p:spPr>
+        <p:style>
+          <a:lnRef idx="2">
+            <a:schemeClr val="accent1">
+              <a:shade val="50000"/>
+            </a:schemeClr>
+          </a:lnRef>
+          <a:fillRef idx="1">
+            <a:schemeClr val="accent1"/>
+          </a:fillRef>
+          <a:effectRef idx="0">
+            <a:schemeClr val="accent1"/>
+          </a:effectRef>
+          <a:fontRef idx="minor">
+            <a:schemeClr val="lt1"/>
+          </a:fontRef>
+        </p:style>
+        <p:txBody>
+          <a:bodyPr rtlCol="0" anchor="ctr"/>
+          <a:lstStyle/>
+          <a:p>
+            <a:pPr algn="ctr"/>
+            <a:endParaRPr lang="en-US"/>
+          </a:p>
+        </p:txBody>
+      </p:sp>
+      <p:sp>
+        <p:nvSpPr>
+          <p:cNvPr id="3" name="TextBox 2">
+            <a:extLst>
+              <a:ext uri="{FF2B5EF4-FFF2-40B4-BE49-F238E27FC236}">
+                <a16:creationId xmlns:a16="http://schemas.microsoft.com/office/drawing/2014/main" id="{8EB78626-9614-431E-AE80-504452E990E5}"/>
+              </a:ext>
+            </a:extLst>
+          </p:cNvPr>
+          <p:cNvSpPr txBox="1"/>
+          <p:nvPr/>
+        </p:nvSpPr>
+        <p:spPr>
+          <a:xfrm>
+            <a:off x="4924425" y="628650"/>
+            <a:ext cx="1056956" cy="369332"/>
+          </a:xfrm>
+          <a:prstGeom prst="rect">
+            <a:avLst/>
+          </a:prstGeom>
+          <a:noFill/>
+        </p:spPr>
+        <p:txBody>
+          <a:bodyPr wrap="none" rtlCol="0">
+            <a:spAutoFit/>
+          </a:bodyPr>
+          <a:lstStyle/>
+          <a:p>
+            <a:r>
+              <a:rPr lang="en-US" dirty="0" err="1"/>
+              <a:t>minikube</a:t>
+            </a:r>
+            <a:endParaRPr lang="en-US" dirty="0"/>
+          </a:p>
+        </p:txBody>
+      </p:sp>
+      <p:sp>
+        <p:nvSpPr>
+          <p:cNvPr id="4" name="Rectangle 3">
+            <a:extLst>
+              <a:ext uri="{FF2B5EF4-FFF2-40B4-BE49-F238E27FC236}">
+                <a16:creationId xmlns:a16="http://schemas.microsoft.com/office/drawing/2014/main" id="{4CCDD098-9FED-4D1A-B98C-5D6012FBB2F5}"/>
+              </a:ext>
+            </a:extLst>
+          </p:cNvPr>
+          <p:cNvSpPr/>
+          <p:nvPr/>
+        </p:nvSpPr>
+        <p:spPr>
+          <a:xfrm>
+            <a:off x="8848725" y="4686300"/>
+            <a:ext cx="2047875" cy="1504950"/>
+          </a:xfrm>
+          <a:prstGeom prst="rect">
+            <a:avLst/>
+          </a:prstGeom>
+          <a:noFill/>
+        </p:spPr>
+        <p:style>
+          <a:lnRef idx="2">
+            <a:schemeClr val="accent1">
+              <a:shade val="50000"/>
+            </a:schemeClr>
+          </a:lnRef>
+          <a:fillRef idx="1">
+            <a:schemeClr val="accent1"/>
+          </a:fillRef>
+          <a:effectRef idx="0">
+            <a:schemeClr val="accent1"/>
+          </a:effectRef>
+          <a:fontRef idx="minor">
+            <a:schemeClr val="lt1"/>
+          </a:fontRef>
+        </p:style>
+        <p:txBody>
+          <a:bodyPr rtlCol="0" anchor="ctr"/>
+          <a:lstStyle/>
+          <a:p>
+            <a:pPr algn="ctr"/>
+            <a:endParaRPr lang="en-US"/>
+          </a:p>
+        </p:txBody>
+      </p:sp>
+      <p:sp>
+        <p:nvSpPr>
+          <p:cNvPr id="5" name="Oval 4">
+            <a:extLst>
+              <a:ext uri="{FF2B5EF4-FFF2-40B4-BE49-F238E27FC236}">
+                <a16:creationId xmlns:a16="http://schemas.microsoft.com/office/drawing/2014/main" id="{03583FAE-D714-4675-B7FA-685C96CEAD12}"/>
+              </a:ext>
+            </a:extLst>
+          </p:cNvPr>
+          <p:cNvSpPr/>
+          <p:nvPr/>
+        </p:nvSpPr>
+        <p:spPr>
+          <a:xfrm>
+            <a:off x="9307979" y="5104478"/>
+            <a:ext cx="1588621" cy="811917"/>
+          </a:xfrm>
+          <a:prstGeom prst="ellipse">
+            <a:avLst/>
+          </a:prstGeom>
+        </p:spPr>
+        <p:style>
+          <a:lnRef idx="2">
+            <a:schemeClr val="accent1">
+              <a:shade val="50000"/>
+            </a:schemeClr>
+          </a:lnRef>
+          <a:fillRef idx="1">
+            <a:schemeClr val="accent1"/>
+          </a:fillRef>
+          <a:effectRef idx="0">
+            <a:schemeClr val="accent1"/>
+          </a:effectRef>
+          <a:fontRef idx="minor">
+            <a:schemeClr val="lt1"/>
+          </a:fontRef>
+        </p:style>
+        <p:txBody>
+          <a:bodyPr rtlCol="0" anchor="ctr"/>
+          <a:lstStyle/>
+          <a:p>
+            <a:pPr algn="ctr"/>
+            <a:r>
+              <a:rPr lang="en-US" dirty="0"/>
+              <a:t>Web:nginx:80</a:t>
+            </a:r>
+          </a:p>
+        </p:txBody>
+      </p:sp>
+      <p:sp>
+        <p:nvSpPr>
+          <p:cNvPr id="6" name="TextBox 5">
+            <a:extLst>
+              <a:ext uri="{FF2B5EF4-FFF2-40B4-BE49-F238E27FC236}">
+                <a16:creationId xmlns:a16="http://schemas.microsoft.com/office/drawing/2014/main" id="{79C38275-1DEF-4BD4-97B9-66E43F45CC38}"/>
+              </a:ext>
+            </a:extLst>
+          </p:cNvPr>
+          <p:cNvSpPr txBox="1"/>
+          <p:nvPr/>
+        </p:nvSpPr>
+        <p:spPr>
+          <a:xfrm>
+            <a:off x="8888658" y="4457700"/>
+            <a:ext cx="1767022" cy="369332"/>
+          </a:xfrm>
+          <a:prstGeom prst="rect">
+            <a:avLst/>
+          </a:prstGeom>
+          <a:noFill/>
+        </p:spPr>
+        <p:txBody>
+          <a:bodyPr wrap="none" rtlCol="0">
+            <a:spAutoFit/>
+          </a:bodyPr>
+          <a:lstStyle/>
+          <a:p>
+            <a:r>
+              <a:rPr lang="en-US" dirty="0"/>
+              <a:t>Pod: 172.17.0.10</a:t>
+            </a:r>
+          </a:p>
+        </p:txBody>
+      </p:sp>
+      <p:cxnSp>
+        <p:nvCxnSpPr>
+          <p:cNvPr id="7" name="Straight Arrow Connector 6">
+            <a:extLst>
+              <a:ext uri="{FF2B5EF4-FFF2-40B4-BE49-F238E27FC236}">
+                <a16:creationId xmlns:a16="http://schemas.microsoft.com/office/drawing/2014/main" id="{D01524BA-7E06-4B68-B3EA-76EA5D196A14}"/>
+              </a:ext>
+            </a:extLst>
+          </p:cNvPr>
+          <p:cNvCxnSpPr>
+            <a:stCxn id="6" idx="2"/>
+            <a:endCxn id="5" idx="0"/>
+          </p:cNvCxnSpPr>
+          <p:nvPr/>
+        </p:nvCxnSpPr>
+        <p:spPr>
+          <a:xfrm>
+            <a:off x="9772169" y="4827032"/>
+            <a:ext cx="330121" cy="277446"/>
+          </a:xfrm>
+          <a:prstGeom prst="straightConnector1">
+            <a:avLst/>
+          </a:prstGeom>
+          <a:ln>
+            <a:tailEnd type="triangle"/>
+          </a:ln>
+        </p:spPr>
+        <p:style>
+          <a:lnRef idx="1">
+            <a:schemeClr val="accent1"/>
+          </a:lnRef>
+          <a:fillRef idx="0">
+            <a:schemeClr val="accent1"/>
+          </a:fillRef>
+          <a:effectRef idx="0">
+            <a:schemeClr val="accent1"/>
+          </a:effectRef>
+          <a:fontRef idx="minor">
+            <a:schemeClr val="tx1"/>
+          </a:fontRef>
+        </p:style>
+      </p:cxnSp>
+      <p:sp>
+        <p:nvSpPr>
+          <p:cNvPr id="8" name="TextBox 7">
+            <a:extLst>
+              <a:ext uri="{FF2B5EF4-FFF2-40B4-BE49-F238E27FC236}">
+                <a16:creationId xmlns:a16="http://schemas.microsoft.com/office/drawing/2014/main" id="{4F3111AB-9F14-4BF8-959C-FFA4C26D4729}"/>
+              </a:ext>
+            </a:extLst>
+          </p:cNvPr>
+          <p:cNvSpPr txBox="1"/>
+          <p:nvPr/>
+        </p:nvSpPr>
+        <p:spPr>
+          <a:xfrm>
+            <a:off x="5981381" y="2484582"/>
+            <a:ext cx="1546255" cy="369332"/>
+          </a:xfrm>
+          <a:prstGeom prst="rect">
+            <a:avLst/>
+          </a:prstGeom>
+          <a:noFill/>
+        </p:spPr>
+        <p:txBody>
+          <a:bodyPr wrap="square" rtlCol="0">
+            <a:spAutoFit/>
+          </a:bodyPr>
+          <a:lstStyle/>
+          <a:p>
+            <a:r>
+              <a:rPr lang="en-US" dirty="0" err="1"/>
+              <a:t>hw</a:t>
+            </a:r>
+            <a:r>
+              <a:rPr lang="en-US" dirty="0"/>
+              <a:t>-svc</a:t>
+            </a:r>
+          </a:p>
+        </p:txBody>
+      </p:sp>
+      <p:sp>
+        <p:nvSpPr>
+          <p:cNvPr id="9" name="TextBox 8">
+            <a:extLst>
+              <a:ext uri="{FF2B5EF4-FFF2-40B4-BE49-F238E27FC236}">
+                <a16:creationId xmlns:a16="http://schemas.microsoft.com/office/drawing/2014/main" id="{A2F3715E-4A12-4E73-9433-16F2F319A4CE}"/>
+              </a:ext>
+            </a:extLst>
+          </p:cNvPr>
+          <p:cNvSpPr txBox="1"/>
+          <p:nvPr/>
+        </p:nvSpPr>
+        <p:spPr>
+          <a:xfrm>
+            <a:off x="7038337" y="2687782"/>
+            <a:ext cx="2143536" cy="369332"/>
+          </a:xfrm>
+          <a:prstGeom prst="rect">
+            <a:avLst/>
+          </a:prstGeom>
+          <a:noFill/>
+        </p:spPr>
+        <p:txBody>
+          <a:bodyPr wrap="none" rtlCol="0">
+            <a:spAutoFit/>
+          </a:bodyPr>
+          <a:lstStyle/>
+          <a:p>
+            <a:r>
+              <a:rPr lang="en-US" dirty="0"/>
+              <a:t>EP: 172.17.0.10/4:80</a:t>
+            </a:r>
+          </a:p>
+        </p:txBody>
+      </p:sp>
+      <p:sp>
+        <p:nvSpPr>
+          <p:cNvPr id="10" name="TextBox 9">
+            <a:extLst>
+              <a:ext uri="{FF2B5EF4-FFF2-40B4-BE49-F238E27FC236}">
+                <a16:creationId xmlns:a16="http://schemas.microsoft.com/office/drawing/2014/main" id="{91650D77-AD5C-42E6-BEC7-886B83F4D110}"/>
+              </a:ext>
+            </a:extLst>
+          </p:cNvPr>
+          <p:cNvSpPr txBox="1"/>
+          <p:nvPr/>
+        </p:nvSpPr>
+        <p:spPr>
+          <a:xfrm>
+            <a:off x="4217916" y="3814618"/>
+            <a:ext cx="880558" cy="369332"/>
+          </a:xfrm>
+          <a:prstGeom prst="rect">
+            <a:avLst/>
+          </a:prstGeom>
+          <a:noFill/>
+        </p:spPr>
+        <p:txBody>
+          <a:bodyPr wrap="square" rtlCol="0">
+            <a:spAutoFit/>
+          </a:bodyPr>
+          <a:lstStyle/>
+          <a:p>
+            <a:r>
+              <a:rPr lang="en-US" dirty="0"/>
+              <a:t>31001</a:t>
+            </a:r>
+          </a:p>
+        </p:txBody>
+      </p:sp>
+      <p:cxnSp>
+        <p:nvCxnSpPr>
+          <p:cNvPr id="12" name="Straight Arrow Connector 11">
+            <a:extLst>
+              <a:ext uri="{FF2B5EF4-FFF2-40B4-BE49-F238E27FC236}">
+                <a16:creationId xmlns:a16="http://schemas.microsoft.com/office/drawing/2014/main" id="{28423EDE-D47F-4067-BC35-D7F2FF3A6069}"/>
+              </a:ext>
+            </a:extLst>
+          </p:cNvPr>
+          <p:cNvCxnSpPr>
+            <a:cxnSpLocks/>
+            <a:stCxn id="10" idx="3"/>
+            <a:endCxn id="8" idx="1"/>
+          </p:cNvCxnSpPr>
+          <p:nvPr/>
+        </p:nvCxnSpPr>
+        <p:spPr>
+          <a:xfrm flipV="1">
+            <a:off x="5098474" y="2669248"/>
+            <a:ext cx="882907" cy="1330036"/>
+          </a:xfrm>
+          <a:prstGeom prst="straightConnector1">
+            <a:avLst/>
+          </a:prstGeom>
+          <a:ln>
+            <a:tailEnd type="triangle"/>
+          </a:ln>
+        </p:spPr>
+        <p:style>
+          <a:lnRef idx="1">
+            <a:schemeClr val="accent1"/>
+          </a:lnRef>
+          <a:fillRef idx="0">
+            <a:schemeClr val="accent1"/>
+          </a:fillRef>
+          <a:effectRef idx="0">
+            <a:schemeClr val="accent1"/>
+          </a:effectRef>
+          <a:fontRef idx="minor">
+            <a:schemeClr val="tx1"/>
+          </a:fontRef>
+        </p:style>
+      </p:cxnSp>
+      <p:cxnSp>
+        <p:nvCxnSpPr>
+          <p:cNvPr id="14" name="Straight Arrow Connector 13">
+            <a:extLst>
+              <a:ext uri="{FF2B5EF4-FFF2-40B4-BE49-F238E27FC236}">
+                <a16:creationId xmlns:a16="http://schemas.microsoft.com/office/drawing/2014/main" id="{74BC9376-F979-435C-96B1-59C01DD6AA6F}"/>
+              </a:ext>
+            </a:extLst>
+          </p:cNvPr>
+          <p:cNvCxnSpPr>
+            <a:stCxn id="8" idx="2"/>
+            <a:endCxn id="6" idx="0"/>
+          </p:cNvCxnSpPr>
+          <p:nvPr/>
+        </p:nvCxnSpPr>
+        <p:spPr>
+          <a:xfrm>
+            <a:off x="6754509" y="2853914"/>
+            <a:ext cx="3017660" cy="1603786"/>
+          </a:xfrm>
+          <a:prstGeom prst="straightConnector1">
+            <a:avLst/>
+          </a:prstGeom>
+          <a:ln>
+            <a:tailEnd type="triangle"/>
+          </a:ln>
+        </p:spPr>
+        <p:style>
+          <a:lnRef idx="1">
+            <a:schemeClr val="accent1"/>
+          </a:lnRef>
+          <a:fillRef idx="0">
+            <a:schemeClr val="accent1"/>
+          </a:fillRef>
+          <a:effectRef idx="0">
+            <a:schemeClr val="accent1"/>
+          </a:effectRef>
+          <a:fontRef idx="minor">
+            <a:schemeClr val="tx1"/>
+          </a:fontRef>
+        </p:style>
+      </p:cxnSp>
+      <p:sp>
+        <p:nvSpPr>
+          <p:cNvPr id="16" name="TextBox 15">
+            <a:extLst>
+              <a:ext uri="{FF2B5EF4-FFF2-40B4-BE49-F238E27FC236}">
+                <a16:creationId xmlns:a16="http://schemas.microsoft.com/office/drawing/2014/main" id="{14658894-67E7-495B-A0A9-DBF9634C5D09}"/>
+              </a:ext>
+            </a:extLst>
+          </p:cNvPr>
+          <p:cNvSpPr txBox="1"/>
+          <p:nvPr/>
+        </p:nvSpPr>
+        <p:spPr>
+          <a:xfrm>
+            <a:off x="277091" y="526473"/>
+            <a:ext cx="3879273" cy="1754326"/>
+          </a:xfrm>
+          <a:prstGeom prst="rect">
+            <a:avLst/>
+          </a:prstGeom>
+          <a:noFill/>
+        </p:spPr>
+        <p:txBody>
+          <a:bodyPr wrap="square" rtlCol="0">
+            <a:spAutoFit/>
+          </a:bodyPr>
+          <a:lstStyle/>
+          <a:p>
+            <a:r>
+              <a:rPr lang="en-US" dirty="0"/>
+              <a:t>Service</a:t>
+            </a:r>
+          </a:p>
+          <a:p>
+            <a:pPr marL="342900" indent="-342900">
+              <a:buAutoNum type="arabicPeriod"/>
+            </a:pPr>
+            <a:r>
+              <a:rPr lang="en-US" dirty="0"/>
+              <a:t>(opt): exposes a port on the node</a:t>
+            </a:r>
+          </a:p>
+          <a:p>
+            <a:pPr marL="342900" indent="-342900">
+              <a:buAutoNum type="arabicPeriod"/>
+            </a:pPr>
+            <a:r>
+              <a:rPr lang="en-US" dirty="0"/>
+              <a:t>Load balancing</a:t>
+            </a:r>
+          </a:p>
+          <a:p>
+            <a:pPr marL="342900" indent="-342900">
+              <a:buAutoNum type="arabicPeriod"/>
+            </a:pPr>
+            <a:r>
+              <a:rPr lang="en-US" dirty="0"/>
+              <a:t>Name mapping: the name of the svc itself will acts as a </a:t>
+            </a:r>
+            <a:r>
+              <a:rPr lang="en-US" dirty="0" err="1"/>
+              <a:t>dns</a:t>
+            </a:r>
+            <a:r>
+              <a:rPr lang="en-US" dirty="0"/>
+              <a:t> entry.</a:t>
+            </a:r>
+          </a:p>
+          <a:p>
+            <a:r>
+              <a:rPr lang="en-US" dirty="0"/>
+              <a:t> also called as Service Discovery</a:t>
+            </a:r>
+          </a:p>
+        </p:txBody>
+      </p:sp>
+      <p:sp>
+        <p:nvSpPr>
+          <p:cNvPr id="17" name="Rectangle 16">
+            <a:extLst>
+              <a:ext uri="{FF2B5EF4-FFF2-40B4-BE49-F238E27FC236}">
+                <a16:creationId xmlns:a16="http://schemas.microsoft.com/office/drawing/2014/main" id="{F026F9EE-BB93-4D14-8D27-3CF3A180D02E}"/>
+              </a:ext>
+            </a:extLst>
+          </p:cNvPr>
+          <p:cNvSpPr/>
+          <p:nvPr/>
+        </p:nvSpPr>
+        <p:spPr>
+          <a:xfrm>
+            <a:off x="6247460" y="4686300"/>
+            <a:ext cx="2047875" cy="1504950"/>
+          </a:xfrm>
+          <a:prstGeom prst="rect">
+            <a:avLst/>
+          </a:prstGeom>
+          <a:noFill/>
+        </p:spPr>
+        <p:style>
+          <a:lnRef idx="2">
+            <a:schemeClr val="accent1">
+              <a:shade val="50000"/>
+            </a:schemeClr>
+          </a:lnRef>
+          <a:fillRef idx="1">
+            <a:schemeClr val="accent1"/>
+          </a:fillRef>
+          <a:effectRef idx="0">
+            <a:schemeClr val="accent1"/>
+          </a:effectRef>
+          <a:fontRef idx="minor">
+            <a:schemeClr val="lt1"/>
+          </a:fontRef>
+        </p:style>
+        <p:txBody>
+          <a:bodyPr rtlCol="0" anchor="ctr"/>
+          <a:lstStyle/>
+          <a:p>
+            <a:pPr algn="ctr"/>
+            <a:endParaRPr lang="en-US"/>
+          </a:p>
+        </p:txBody>
+      </p:sp>
+      <p:sp>
+        <p:nvSpPr>
+          <p:cNvPr id="18" name="Oval 17">
+            <a:extLst>
+              <a:ext uri="{FF2B5EF4-FFF2-40B4-BE49-F238E27FC236}">
+                <a16:creationId xmlns:a16="http://schemas.microsoft.com/office/drawing/2014/main" id="{04B7A8B7-69F6-4E85-AF88-0A717E57F6FD}"/>
+              </a:ext>
+            </a:extLst>
+          </p:cNvPr>
+          <p:cNvSpPr/>
+          <p:nvPr/>
+        </p:nvSpPr>
+        <p:spPr>
+          <a:xfrm>
+            <a:off x="6706714" y="5104478"/>
+            <a:ext cx="1588621" cy="811917"/>
+          </a:xfrm>
+          <a:prstGeom prst="ellipse">
+            <a:avLst/>
+          </a:prstGeom>
+        </p:spPr>
+        <p:style>
+          <a:lnRef idx="2">
+            <a:schemeClr val="accent1">
+              <a:shade val="50000"/>
+            </a:schemeClr>
+          </a:lnRef>
+          <a:fillRef idx="1">
+            <a:schemeClr val="accent1"/>
+          </a:fillRef>
+          <a:effectRef idx="0">
+            <a:schemeClr val="accent1"/>
+          </a:effectRef>
+          <a:fontRef idx="minor">
+            <a:schemeClr val="lt1"/>
+          </a:fontRef>
+        </p:style>
+        <p:txBody>
+          <a:bodyPr rtlCol="0" anchor="ctr"/>
+          <a:lstStyle/>
+          <a:p>
+            <a:pPr algn="ctr"/>
+            <a:r>
+              <a:rPr lang="en-US" dirty="0"/>
+              <a:t>Web:nginx:80</a:t>
+            </a:r>
+          </a:p>
+        </p:txBody>
+      </p:sp>
+      <p:sp>
+        <p:nvSpPr>
+          <p:cNvPr id="19" name="TextBox 18">
+            <a:extLst>
+              <a:ext uri="{FF2B5EF4-FFF2-40B4-BE49-F238E27FC236}">
+                <a16:creationId xmlns:a16="http://schemas.microsoft.com/office/drawing/2014/main" id="{BD888586-7E30-4542-9067-0E55C4E3FD23}"/>
+              </a:ext>
+            </a:extLst>
+          </p:cNvPr>
+          <p:cNvSpPr txBox="1"/>
+          <p:nvPr/>
+        </p:nvSpPr>
+        <p:spPr>
+          <a:xfrm>
+            <a:off x="6287393" y="4457700"/>
+            <a:ext cx="1650003" cy="369332"/>
+          </a:xfrm>
+          <a:prstGeom prst="rect">
+            <a:avLst/>
+          </a:prstGeom>
+          <a:noFill/>
+        </p:spPr>
+        <p:txBody>
+          <a:bodyPr wrap="none" rtlCol="0">
+            <a:spAutoFit/>
+          </a:bodyPr>
+          <a:lstStyle/>
+          <a:p>
+            <a:r>
+              <a:rPr lang="en-US" dirty="0"/>
+              <a:t>Pod: 172.17.0.4</a:t>
+            </a:r>
+          </a:p>
+        </p:txBody>
+      </p:sp>
+      <p:cxnSp>
+        <p:nvCxnSpPr>
+          <p:cNvPr id="20" name="Straight Arrow Connector 19">
+            <a:extLst>
+              <a:ext uri="{FF2B5EF4-FFF2-40B4-BE49-F238E27FC236}">
+                <a16:creationId xmlns:a16="http://schemas.microsoft.com/office/drawing/2014/main" id="{6D5B3128-DB0A-4DAF-B2DD-F05798CBCA98}"/>
+              </a:ext>
+            </a:extLst>
+          </p:cNvPr>
+          <p:cNvCxnSpPr>
+            <a:stCxn id="19" idx="2"/>
+            <a:endCxn id="18" idx="0"/>
+          </p:cNvCxnSpPr>
+          <p:nvPr/>
+        </p:nvCxnSpPr>
+        <p:spPr>
+          <a:xfrm>
+            <a:off x="7112395" y="4827032"/>
+            <a:ext cx="388630" cy="277446"/>
+          </a:xfrm>
+          <a:prstGeom prst="straightConnector1">
+            <a:avLst/>
+          </a:prstGeom>
+          <a:ln>
+            <a:tailEnd type="triangle"/>
+          </a:ln>
+        </p:spPr>
+        <p:style>
+          <a:lnRef idx="1">
+            <a:schemeClr val="accent1"/>
+          </a:lnRef>
+          <a:fillRef idx="0">
+            <a:schemeClr val="accent1"/>
+          </a:fillRef>
+          <a:effectRef idx="0">
+            <a:schemeClr val="accent1"/>
+          </a:effectRef>
+          <a:fontRef idx="minor">
+            <a:schemeClr val="tx1"/>
+          </a:fontRef>
+        </p:style>
+      </p:cxnSp>
+      <p:cxnSp>
+        <p:nvCxnSpPr>
+          <p:cNvPr id="22" name="Straight Arrow Connector 21">
+            <a:extLst>
+              <a:ext uri="{FF2B5EF4-FFF2-40B4-BE49-F238E27FC236}">
+                <a16:creationId xmlns:a16="http://schemas.microsoft.com/office/drawing/2014/main" id="{32B17C07-6329-4427-9253-18A27D1293E6}"/>
+              </a:ext>
+            </a:extLst>
+          </p:cNvPr>
+          <p:cNvCxnSpPr>
+            <a:endCxn id="19" idx="0"/>
+          </p:cNvCxnSpPr>
+          <p:nvPr/>
+        </p:nvCxnSpPr>
+        <p:spPr>
+          <a:xfrm>
+            <a:off x="6567055" y="2946400"/>
+            <a:ext cx="545340" cy="1511300"/>
+          </a:xfrm>
+          <a:prstGeom prst="straightConnector1">
+            <a:avLst/>
+          </a:prstGeom>
+          <a:ln>
+            <a:tailEnd type="triangle"/>
+          </a:ln>
+        </p:spPr>
+        <p:style>
+          <a:lnRef idx="1">
+            <a:schemeClr val="accent1"/>
+          </a:lnRef>
+          <a:fillRef idx="0">
+            <a:schemeClr val="accent1"/>
+          </a:fillRef>
+          <a:effectRef idx="0">
+            <a:schemeClr val="accent1"/>
+          </a:effectRef>
+          <a:fontRef idx="minor">
+            <a:schemeClr val="tx1"/>
+          </a:fontRef>
+        </p:style>
+      </p:cxnSp>
+    </p:spTree>
+    <p:extLst>
+      <p:ext uri="{BB962C8B-B14F-4D97-AF65-F5344CB8AC3E}">
+        <p14:creationId xmlns:p14="http://schemas.microsoft.com/office/powerpoint/2010/main" val="1834495192"/>
+      </p:ext>
+    </p:extLst>
+  </p:cSld>
+  <p:clrMapOvr>
+    <a:masterClrMapping/>
+  </p:clrMapOvr>
+</p:sld>
+</file>
+
+<file path=ppt/slides/slide15.xml><?xml version="1.0" encoding="utf-8"?>
+<p:sld xmlns:a="http://schemas.openxmlformats.org/drawingml/2006/main" xmlns:r="http://schemas.openxmlformats.org/officeDocument/2006/relationships" xmlns:p="http://schemas.openxmlformats.org/presentationml/2006/main">
+  <p:cSld>
+    <p:spTree>
+      <p:nvGrpSpPr>
+        <p:cNvPr id="1" name=""/>
+        <p:cNvGrpSpPr/>
+        <p:nvPr/>
+      </p:nvGrpSpPr>
+      <p:grpSpPr>
+        <a:xfrm>
+          <a:off x="0" y="0"/>
+          <a:ext cx="0" cy="0"/>
+          <a:chOff x="0" y="0"/>
+          <a:chExt cx="0" cy="0"/>
+        </a:xfrm>
+      </p:grpSpPr>
+      <p:sp>
+        <p:nvSpPr>
+          <p:cNvPr id="2" name="Rectangle 1">
+            <a:extLst>
+              <a:ext uri="{FF2B5EF4-FFF2-40B4-BE49-F238E27FC236}">
+                <a16:creationId xmlns:a16="http://schemas.microsoft.com/office/drawing/2014/main" id="{4D794E83-F7F6-428D-A5A5-89F017DF7557}"/>
+              </a:ext>
+            </a:extLst>
+          </p:cNvPr>
+          <p:cNvSpPr/>
+          <p:nvPr/>
+        </p:nvSpPr>
+        <p:spPr>
+          <a:xfrm>
+            <a:off x="7530123" y="1025236"/>
+            <a:ext cx="1764146" cy="1154546"/>
+          </a:xfrm>
+          <a:prstGeom prst="rect">
+            <a:avLst/>
+          </a:prstGeom>
+        </p:spPr>
+        <p:style>
+          <a:lnRef idx="2">
+            <a:schemeClr val="accent1">
+              <a:shade val="50000"/>
+            </a:schemeClr>
+          </a:lnRef>
+          <a:fillRef idx="1">
+            <a:schemeClr val="accent1"/>
+          </a:fillRef>
+          <a:effectRef idx="0">
+            <a:schemeClr val="accent1"/>
+          </a:effectRef>
+          <a:fontRef idx="minor">
+            <a:schemeClr val="lt1"/>
+          </a:fontRef>
+        </p:style>
+        <p:txBody>
+          <a:bodyPr rtlCol="0" anchor="ctr"/>
+          <a:lstStyle/>
+          <a:p>
+            <a:pPr algn="ctr"/>
+            <a:r>
+              <a:rPr lang="en-US" dirty="0"/>
+              <a:t>Tomcat:8080</a:t>
+            </a:r>
+          </a:p>
+        </p:txBody>
+      </p:sp>
+      <p:sp>
+        <p:nvSpPr>
+          <p:cNvPr id="3" name="TextBox 2">
+            <a:extLst>
+              <a:ext uri="{FF2B5EF4-FFF2-40B4-BE49-F238E27FC236}">
+                <a16:creationId xmlns:a16="http://schemas.microsoft.com/office/drawing/2014/main" id="{85F50253-6A67-4B90-A6BB-43FB416D4044}"/>
+              </a:ext>
+            </a:extLst>
+          </p:cNvPr>
+          <p:cNvSpPr txBox="1"/>
+          <p:nvPr/>
+        </p:nvSpPr>
+        <p:spPr>
+          <a:xfrm>
+            <a:off x="7499927" y="2179782"/>
+            <a:ext cx="1824538" cy="369332"/>
+          </a:xfrm>
+          <a:prstGeom prst="rect">
+            <a:avLst/>
+          </a:prstGeom>
+          <a:noFill/>
+        </p:spPr>
+        <p:txBody>
+          <a:bodyPr wrap="none" rtlCol="0">
+            <a:spAutoFit/>
+          </a:bodyPr>
+          <a:lstStyle/>
+          <a:p>
+            <a:r>
+              <a:rPr lang="en-US" dirty="0"/>
+              <a:t>12.23.34.56:8080</a:t>
+            </a:r>
+          </a:p>
+        </p:txBody>
+      </p:sp>
+      <p:sp>
+        <p:nvSpPr>
+          <p:cNvPr id="4" name="Smiley Face 3">
+            <a:extLst>
+              <a:ext uri="{FF2B5EF4-FFF2-40B4-BE49-F238E27FC236}">
+                <a16:creationId xmlns:a16="http://schemas.microsoft.com/office/drawing/2014/main" id="{C96E98EE-C74F-4910-B1A4-1D6BB14D353E}"/>
+              </a:ext>
+            </a:extLst>
+          </p:cNvPr>
+          <p:cNvSpPr/>
+          <p:nvPr/>
+        </p:nvSpPr>
+        <p:spPr>
+          <a:xfrm>
+            <a:off x="240145" y="923636"/>
+            <a:ext cx="748146" cy="572655"/>
+          </a:xfrm>
+          <a:prstGeom prst="smileyFace">
+            <a:avLst/>
+          </a:prstGeom>
+        </p:spPr>
+        <p:style>
+          <a:lnRef idx="2">
+            <a:schemeClr val="accent1">
+              <a:shade val="50000"/>
+            </a:schemeClr>
+          </a:lnRef>
+          <a:fillRef idx="1">
+            <a:schemeClr val="accent1"/>
+          </a:fillRef>
+          <a:effectRef idx="0">
+            <a:schemeClr val="accent1"/>
+          </a:effectRef>
+          <a:fontRef idx="minor">
+            <a:schemeClr val="lt1"/>
+          </a:fontRef>
+        </p:style>
+        <p:txBody>
+          <a:bodyPr rtlCol="0" anchor="ctr"/>
+          <a:lstStyle/>
+          <a:p>
+            <a:pPr algn="ctr"/>
+            <a:endParaRPr lang="en-US"/>
+          </a:p>
+        </p:txBody>
+      </p:sp>
+      <p:cxnSp>
+        <p:nvCxnSpPr>
+          <p:cNvPr id="6" name="Straight Arrow Connector 5">
+            <a:extLst>
+              <a:ext uri="{FF2B5EF4-FFF2-40B4-BE49-F238E27FC236}">
+                <a16:creationId xmlns:a16="http://schemas.microsoft.com/office/drawing/2014/main" id="{957A11FE-9ACE-4E8D-A310-478B094AB5A9}"/>
+              </a:ext>
+            </a:extLst>
+          </p:cNvPr>
+          <p:cNvCxnSpPr>
+            <a:cxnSpLocks/>
+            <a:stCxn id="4" idx="6"/>
+            <a:endCxn id="23" idx="2"/>
+          </p:cNvCxnSpPr>
+          <p:nvPr/>
+        </p:nvCxnSpPr>
+        <p:spPr>
+          <a:xfrm flipV="1">
+            <a:off x="988291" y="637309"/>
+            <a:ext cx="803564" cy="572655"/>
+          </a:xfrm>
+          <a:prstGeom prst="straightConnector1">
+            <a:avLst/>
+          </a:prstGeom>
+          <a:ln>
+            <a:tailEnd type="triangle"/>
+          </a:ln>
+        </p:spPr>
+        <p:style>
+          <a:lnRef idx="1">
+            <a:schemeClr val="accent1"/>
+          </a:lnRef>
+          <a:fillRef idx="0">
+            <a:schemeClr val="accent1"/>
+          </a:fillRef>
+          <a:effectRef idx="0">
+            <a:schemeClr val="accent1"/>
+          </a:effectRef>
+          <a:fontRef idx="minor">
+            <a:schemeClr val="tx1"/>
+          </a:fontRef>
+        </p:style>
+      </p:cxnSp>
+      <p:sp>
+        <p:nvSpPr>
+          <p:cNvPr id="7" name="Rectangle 6">
+            <a:extLst>
+              <a:ext uri="{FF2B5EF4-FFF2-40B4-BE49-F238E27FC236}">
+                <a16:creationId xmlns:a16="http://schemas.microsoft.com/office/drawing/2014/main" id="{C2776C02-B750-4340-99AF-B7B12BBBADD8}"/>
+              </a:ext>
+            </a:extLst>
+          </p:cNvPr>
+          <p:cNvSpPr/>
+          <p:nvPr/>
+        </p:nvSpPr>
+        <p:spPr>
+          <a:xfrm>
+            <a:off x="7560319" y="2701514"/>
+            <a:ext cx="1764146" cy="1154546"/>
+          </a:xfrm>
+          <a:prstGeom prst="rect">
+            <a:avLst/>
+          </a:prstGeom>
+        </p:spPr>
+        <p:style>
+          <a:lnRef idx="2">
+            <a:schemeClr val="accent1">
+              <a:shade val="50000"/>
+            </a:schemeClr>
+          </a:lnRef>
+          <a:fillRef idx="1">
+            <a:schemeClr val="accent1"/>
+          </a:fillRef>
+          <a:effectRef idx="0">
+            <a:schemeClr val="accent1"/>
+          </a:effectRef>
+          <a:fontRef idx="minor">
+            <a:schemeClr val="lt1"/>
+          </a:fontRef>
+        </p:style>
+        <p:txBody>
+          <a:bodyPr rtlCol="0" anchor="ctr"/>
+          <a:lstStyle/>
+          <a:p>
+            <a:pPr algn="ctr"/>
+            <a:r>
+              <a:rPr lang="en-US" dirty="0"/>
+              <a:t>Tomcat:8080</a:t>
+            </a:r>
+          </a:p>
+        </p:txBody>
+      </p:sp>
+      <p:sp>
+        <p:nvSpPr>
+          <p:cNvPr id="8" name="TextBox 7">
+            <a:extLst>
+              <a:ext uri="{FF2B5EF4-FFF2-40B4-BE49-F238E27FC236}">
+                <a16:creationId xmlns:a16="http://schemas.microsoft.com/office/drawing/2014/main" id="{9AA9E83A-2AFA-4EB8-9759-622BBAE29E38}"/>
+              </a:ext>
+            </a:extLst>
+          </p:cNvPr>
+          <p:cNvSpPr txBox="1"/>
+          <p:nvPr/>
+        </p:nvSpPr>
+        <p:spPr>
+          <a:xfrm>
+            <a:off x="7530123" y="3856060"/>
+            <a:ext cx="1824538" cy="369332"/>
+          </a:xfrm>
+          <a:prstGeom prst="rect">
+            <a:avLst/>
+          </a:prstGeom>
+          <a:noFill/>
+        </p:spPr>
+        <p:txBody>
+          <a:bodyPr wrap="none" rtlCol="0">
+            <a:spAutoFit/>
+          </a:bodyPr>
+          <a:lstStyle/>
+          <a:p>
+            <a:r>
+              <a:rPr lang="en-US" dirty="0"/>
+              <a:t>12.23.34.57:8080</a:t>
+            </a:r>
+          </a:p>
+        </p:txBody>
+      </p:sp>
+      <p:sp>
+        <p:nvSpPr>
+          <p:cNvPr id="10" name="Rectangle 9">
+            <a:extLst>
+              <a:ext uri="{FF2B5EF4-FFF2-40B4-BE49-F238E27FC236}">
+                <a16:creationId xmlns:a16="http://schemas.microsoft.com/office/drawing/2014/main" id="{2A79E788-D1AB-4599-BCE6-5F20ED9E4DFD}"/>
+              </a:ext>
+            </a:extLst>
+          </p:cNvPr>
+          <p:cNvSpPr/>
+          <p:nvPr/>
+        </p:nvSpPr>
+        <p:spPr>
+          <a:xfrm>
+            <a:off x="3830604" y="1971841"/>
+            <a:ext cx="1930400" cy="1154546"/>
+          </a:xfrm>
+          <a:prstGeom prst="rect">
+            <a:avLst/>
+          </a:prstGeom>
+        </p:spPr>
+        <p:style>
+          <a:lnRef idx="2">
+            <a:schemeClr val="accent1">
+              <a:shade val="50000"/>
+            </a:schemeClr>
+          </a:lnRef>
+          <a:fillRef idx="1">
+            <a:schemeClr val="accent1"/>
+          </a:fillRef>
+          <a:effectRef idx="0">
+            <a:schemeClr val="accent1"/>
+          </a:effectRef>
+          <a:fontRef idx="minor">
+            <a:schemeClr val="lt1"/>
+          </a:fontRef>
+        </p:style>
+        <p:txBody>
+          <a:bodyPr rtlCol="0" anchor="ctr"/>
+          <a:lstStyle/>
+          <a:p>
+            <a:pPr algn="ctr"/>
+            <a:r>
+              <a:rPr lang="en-US" dirty="0"/>
+              <a:t>Ha-proxy</a:t>
+            </a:r>
+          </a:p>
+        </p:txBody>
+      </p:sp>
+      <p:sp>
+        <p:nvSpPr>
+          <p:cNvPr id="11" name="TextBox 10">
+            <a:extLst>
+              <a:ext uri="{FF2B5EF4-FFF2-40B4-BE49-F238E27FC236}">
+                <a16:creationId xmlns:a16="http://schemas.microsoft.com/office/drawing/2014/main" id="{6106D410-A6B4-48CF-90B1-6AF74D3B1028}"/>
+              </a:ext>
+            </a:extLst>
+          </p:cNvPr>
+          <p:cNvSpPr txBox="1"/>
+          <p:nvPr/>
+        </p:nvSpPr>
+        <p:spPr>
+          <a:xfrm>
+            <a:off x="3908757" y="1602509"/>
+            <a:ext cx="1824538" cy="369332"/>
+          </a:xfrm>
+          <a:prstGeom prst="rect">
+            <a:avLst/>
+          </a:prstGeom>
+          <a:noFill/>
+        </p:spPr>
+        <p:txBody>
+          <a:bodyPr wrap="none" rtlCol="0">
+            <a:spAutoFit/>
+          </a:bodyPr>
+          <a:lstStyle/>
+          <a:p>
+            <a:r>
+              <a:rPr lang="en-US" dirty="0"/>
+              <a:t>12.23.34.58:8888</a:t>
+            </a:r>
+          </a:p>
+        </p:txBody>
+      </p:sp>
+      <p:sp>
+        <p:nvSpPr>
+          <p:cNvPr id="12" name="TextBox 11">
+            <a:extLst>
+              <a:ext uri="{FF2B5EF4-FFF2-40B4-BE49-F238E27FC236}">
+                <a16:creationId xmlns:a16="http://schemas.microsoft.com/office/drawing/2014/main" id="{7C0D4252-CECD-47BE-9670-678FD0EE525E}"/>
+              </a:ext>
+            </a:extLst>
+          </p:cNvPr>
+          <p:cNvSpPr txBox="1"/>
+          <p:nvPr/>
+        </p:nvSpPr>
+        <p:spPr>
+          <a:xfrm>
+            <a:off x="3830604" y="3184114"/>
+            <a:ext cx="2385469" cy="923330"/>
+          </a:xfrm>
+          <a:prstGeom prst="rect">
+            <a:avLst/>
+          </a:prstGeom>
+          <a:noFill/>
+        </p:spPr>
+        <p:txBody>
+          <a:bodyPr wrap="square" rtlCol="0">
+            <a:spAutoFit/>
+          </a:bodyPr>
+          <a:lstStyle/>
+          <a:p>
+            <a:r>
+              <a:rPr lang="en-US" dirty="0"/>
+              <a:t>Backend: (round-robin)</a:t>
+            </a:r>
+          </a:p>
+          <a:p>
+            <a:r>
+              <a:rPr lang="en-US" dirty="0"/>
+              <a:t>        12.23.34.56:8080</a:t>
+            </a:r>
+          </a:p>
+          <a:p>
+            <a:r>
+              <a:rPr lang="en-US" dirty="0"/>
+              <a:t>        12.23.34.57:8080</a:t>
+            </a:r>
+          </a:p>
+        </p:txBody>
+      </p:sp>
+      <p:cxnSp>
+        <p:nvCxnSpPr>
+          <p:cNvPr id="15" name="Straight Arrow Connector 14">
+            <a:extLst>
+              <a:ext uri="{FF2B5EF4-FFF2-40B4-BE49-F238E27FC236}">
+                <a16:creationId xmlns:a16="http://schemas.microsoft.com/office/drawing/2014/main" id="{4A86EC19-4E7E-458B-A9CB-0213F6606A85}"/>
+              </a:ext>
+            </a:extLst>
+          </p:cNvPr>
+          <p:cNvCxnSpPr>
+            <a:stCxn id="10" idx="3"/>
+            <a:endCxn id="2" idx="1"/>
+          </p:cNvCxnSpPr>
+          <p:nvPr/>
+        </p:nvCxnSpPr>
+        <p:spPr>
+          <a:xfrm flipV="1">
+            <a:off x="5761004" y="1602509"/>
+            <a:ext cx="1769119" cy="946605"/>
+          </a:xfrm>
+          <a:prstGeom prst="straightConnector1">
+            <a:avLst/>
+          </a:prstGeom>
+          <a:ln>
+            <a:tailEnd type="triangle"/>
+          </a:ln>
+        </p:spPr>
+        <p:style>
+          <a:lnRef idx="1">
+            <a:schemeClr val="accent1"/>
+          </a:lnRef>
+          <a:fillRef idx="0">
+            <a:schemeClr val="accent1"/>
+          </a:fillRef>
+          <a:effectRef idx="0">
+            <a:schemeClr val="accent1"/>
+          </a:effectRef>
+          <a:fontRef idx="minor">
+            <a:schemeClr val="tx1"/>
+          </a:fontRef>
+        </p:style>
+      </p:cxnSp>
+      <p:cxnSp>
+        <p:nvCxnSpPr>
+          <p:cNvPr id="17" name="Straight Arrow Connector 16">
+            <a:extLst>
+              <a:ext uri="{FF2B5EF4-FFF2-40B4-BE49-F238E27FC236}">
+                <a16:creationId xmlns:a16="http://schemas.microsoft.com/office/drawing/2014/main" id="{DEBE5C69-D92D-4D31-A131-4F60F28210F3}"/>
+              </a:ext>
+            </a:extLst>
+          </p:cNvPr>
+          <p:cNvCxnSpPr>
+            <a:cxnSpLocks/>
+            <a:stCxn id="10" idx="3"/>
+            <a:endCxn id="7" idx="1"/>
+          </p:cNvCxnSpPr>
+          <p:nvPr/>
+        </p:nvCxnSpPr>
+        <p:spPr>
+          <a:xfrm>
+            <a:off x="5761004" y="2549114"/>
+            <a:ext cx="1799315" cy="729673"/>
+          </a:xfrm>
+          <a:prstGeom prst="straightConnector1">
+            <a:avLst/>
+          </a:prstGeom>
+          <a:ln>
+            <a:tailEnd type="triangle"/>
+          </a:ln>
+        </p:spPr>
+        <p:style>
+          <a:lnRef idx="1">
+            <a:schemeClr val="accent1"/>
+          </a:lnRef>
+          <a:fillRef idx="0">
+            <a:schemeClr val="accent1"/>
+          </a:fillRef>
+          <a:effectRef idx="0">
+            <a:schemeClr val="accent1"/>
+          </a:effectRef>
+          <a:fontRef idx="minor">
+            <a:schemeClr val="tx1"/>
+          </a:fontRef>
+        </p:style>
+      </p:cxnSp>
+      <p:sp>
+        <p:nvSpPr>
+          <p:cNvPr id="20" name="TextBox 19">
+            <a:extLst>
+              <a:ext uri="{FF2B5EF4-FFF2-40B4-BE49-F238E27FC236}">
+                <a16:creationId xmlns:a16="http://schemas.microsoft.com/office/drawing/2014/main" id="{CF3E9AAA-1274-4FD9-94A7-4E362FE52C2F}"/>
+              </a:ext>
+            </a:extLst>
+          </p:cNvPr>
+          <p:cNvSpPr txBox="1"/>
+          <p:nvPr/>
+        </p:nvSpPr>
+        <p:spPr>
+          <a:xfrm>
+            <a:off x="46183" y="1537855"/>
+            <a:ext cx="1856214" cy="646331"/>
+          </a:xfrm>
+          <a:prstGeom prst="rect">
+            <a:avLst/>
+          </a:prstGeom>
+          <a:noFill/>
+        </p:spPr>
+        <p:txBody>
+          <a:bodyPr wrap="none" rtlCol="0">
+            <a:spAutoFit/>
+          </a:bodyPr>
+          <a:lstStyle/>
+          <a:p>
+            <a:pPr marL="228600" indent="-228600">
+              <a:buAutoNum type="arabicPeriod"/>
+            </a:pPr>
+            <a:r>
+              <a:rPr lang="en-US" sz="1200" dirty="0">
+                <a:hlinkClick r:id="rId2"/>
+              </a:rPr>
+              <a:t>http://prod.com:8888</a:t>
+            </a:r>
+            <a:endParaRPr lang="en-US" sz="1200" dirty="0"/>
+          </a:p>
+          <a:p>
+            <a:pPr marL="342900" indent="-342900">
+              <a:buAutoNum type="arabicPeriod"/>
+            </a:pPr>
+            <a:endParaRPr lang="en-US" sz="1200" dirty="0"/>
+          </a:p>
+          <a:p>
+            <a:r>
+              <a:rPr lang="en-US" sz="1200" dirty="0"/>
+              <a:t>4. http://12.23.34.58:8888</a:t>
+            </a:r>
+            <a:endParaRPr lang="en-US" dirty="0"/>
+          </a:p>
+        </p:txBody>
+      </p:sp>
+      <p:sp>
+        <p:nvSpPr>
+          <p:cNvPr id="23" name="Oval 22">
+            <a:extLst>
+              <a:ext uri="{FF2B5EF4-FFF2-40B4-BE49-F238E27FC236}">
+                <a16:creationId xmlns:a16="http://schemas.microsoft.com/office/drawing/2014/main" id="{BB31A9D9-904D-417D-A798-0451576097D4}"/>
+              </a:ext>
+            </a:extLst>
+          </p:cNvPr>
+          <p:cNvSpPr/>
+          <p:nvPr/>
+        </p:nvSpPr>
+        <p:spPr>
+          <a:xfrm>
+            <a:off x="1791855" y="350982"/>
+            <a:ext cx="2540000" cy="572654"/>
+          </a:xfrm>
+          <a:prstGeom prst="ellipse">
+            <a:avLst/>
+          </a:prstGeom>
+        </p:spPr>
+        <p:style>
+          <a:lnRef idx="2">
+            <a:schemeClr val="accent1">
+              <a:shade val="50000"/>
+            </a:schemeClr>
+          </a:lnRef>
+          <a:fillRef idx="1">
+            <a:schemeClr val="accent1"/>
+          </a:fillRef>
+          <a:effectRef idx="0">
+            <a:schemeClr val="accent1"/>
+          </a:effectRef>
+          <a:fontRef idx="minor">
+            <a:schemeClr val="lt1"/>
+          </a:fontRef>
+        </p:style>
+        <p:txBody>
+          <a:bodyPr rtlCol="0" anchor="ctr"/>
+          <a:lstStyle/>
+          <a:p>
+            <a:pPr algn="ctr"/>
+            <a:r>
+              <a:rPr lang="en-US" dirty="0"/>
+              <a:t>Prod.com </a:t>
+            </a:r>
+            <a:r>
+              <a:rPr lang="en-US" dirty="0">
+                <a:sym typeface="Wingdings" panose="05000000000000000000" pitchFamily="2" charset="2"/>
+              </a:rPr>
+              <a:t> 12.23.34.58</a:t>
+            </a:r>
+            <a:endParaRPr lang="en-US" dirty="0"/>
+          </a:p>
+        </p:txBody>
+      </p:sp>
+      <p:sp>
+        <p:nvSpPr>
+          <p:cNvPr id="25" name="TextBox 24">
+            <a:extLst>
+              <a:ext uri="{FF2B5EF4-FFF2-40B4-BE49-F238E27FC236}">
+                <a16:creationId xmlns:a16="http://schemas.microsoft.com/office/drawing/2014/main" id="{62C55E8D-7C6D-43D1-8360-B7A82B0C2E4E}"/>
+              </a:ext>
+            </a:extLst>
+          </p:cNvPr>
+          <p:cNvSpPr txBox="1"/>
+          <p:nvPr/>
+        </p:nvSpPr>
+        <p:spPr>
+          <a:xfrm>
+            <a:off x="979055" y="729673"/>
+            <a:ext cx="937501" cy="276999"/>
+          </a:xfrm>
+          <a:prstGeom prst="rect">
+            <a:avLst/>
+          </a:prstGeom>
+          <a:noFill/>
+        </p:spPr>
+        <p:txBody>
+          <a:bodyPr wrap="none" rtlCol="0">
+            <a:spAutoFit/>
+          </a:bodyPr>
+          <a:lstStyle/>
+          <a:p>
+            <a:r>
+              <a:rPr lang="en-US" sz="1200" dirty="0"/>
+              <a:t>2. prod.com</a:t>
+            </a:r>
+            <a:endParaRPr lang="en-US" dirty="0"/>
+          </a:p>
+        </p:txBody>
+      </p:sp>
+      <p:cxnSp>
+        <p:nvCxnSpPr>
+          <p:cNvPr id="27" name="Straight Arrow Connector 26">
+            <a:extLst>
+              <a:ext uri="{FF2B5EF4-FFF2-40B4-BE49-F238E27FC236}">
+                <a16:creationId xmlns:a16="http://schemas.microsoft.com/office/drawing/2014/main" id="{3F6C0FAA-F95D-4E7F-9B08-C4325B4DFC8F}"/>
+              </a:ext>
+            </a:extLst>
+          </p:cNvPr>
+          <p:cNvCxnSpPr>
+            <a:stCxn id="23" idx="4"/>
+          </p:cNvCxnSpPr>
+          <p:nvPr/>
+        </p:nvCxnSpPr>
+        <p:spPr>
+          <a:xfrm flipH="1">
+            <a:off x="988291" y="923636"/>
+            <a:ext cx="2073564" cy="1152175"/>
+          </a:xfrm>
+          <a:prstGeom prst="straightConnector1">
+            <a:avLst/>
+          </a:prstGeom>
+          <a:ln>
+            <a:tailEnd type="triangle"/>
+          </a:ln>
+        </p:spPr>
+        <p:style>
+          <a:lnRef idx="1">
+            <a:schemeClr val="accent1"/>
+          </a:lnRef>
+          <a:fillRef idx="0">
+            <a:schemeClr val="accent1"/>
+          </a:fillRef>
+          <a:effectRef idx="0">
+            <a:schemeClr val="accent1"/>
+          </a:effectRef>
+          <a:fontRef idx="minor">
+            <a:schemeClr val="tx1"/>
+          </a:fontRef>
+        </p:style>
+      </p:cxnSp>
+      <p:sp>
+        <p:nvSpPr>
+          <p:cNvPr id="28" name="Rectangle 27">
+            <a:extLst>
+              <a:ext uri="{FF2B5EF4-FFF2-40B4-BE49-F238E27FC236}">
+                <a16:creationId xmlns:a16="http://schemas.microsoft.com/office/drawing/2014/main" id="{CF922D07-90AF-4445-8DD1-6EFDAA7D7F41}"/>
+              </a:ext>
+            </a:extLst>
+          </p:cNvPr>
+          <p:cNvSpPr/>
+          <p:nvPr/>
+        </p:nvSpPr>
+        <p:spPr>
+          <a:xfrm>
+            <a:off x="1861730" y="1147741"/>
+            <a:ext cx="1007007" cy="261610"/>
+          </a:xfrm>
+          <a:prstGeom prst="rect">
+            <a:avLst/>
+          </a:prstGeom>
+        </p:spPr>
+        <p:txBody>
+          <a:bodyPr wrap="none">
+            <a:spAutoFit/>
+          </a:bodyPr>
+          <a:lstStyle/>
+          <a:p>
+            <a:r>
+              <a:rPr lang="en-US" sz="1100" dirty="0">
+                <a:sym typeface="Wingdings" panose="05000000000000000000" pitchFamily="2" charset="2"/>
+              </a:rPr>
+              <a:t>3. 12.23.34.58</a:t>
+            </a:r>
+            <a:endParaRPr lang="en-US" dirty="0"/>
+          </a:p>
+        </p:txBody>
+      </p:sp>
+      <p:cxnSp>
+        <p:nvCxnSpPr>
+          <p:cNvPr id="30" name="Straight Arrow Connector 29">
+            <a:extLst>
+              <a:ext uri="{FF2B5EF4-FFF2-40B4-BE49-F238E27FC236}">
+                <a16:creationId xmlns:a16="http://schemas.microsoft.com/office/drawing/2014/main" id="{F9272B4D-1148-4B3E-8804-DB05DC3EBF29}"/>
+              </a:ext>
+            </a:extLst>
+          </p:cNvPr>
+          <p:cNvCxnSpPr>
+            <a:endCxn id="11" idx="1"/>
+          </p:cNvCxnSpPr>
+          <p:nvPr/>
+        </p:nvCxnSpPr>
+        <p:spPr>
+          <a:xfrm flipV="1">
+            <a:off x="1791855" y="1787175"/>
+            <a:ext cx="2116902" cy="281770"/>
+          </a:xfrm>
+          <a:prstGeom prst="straightConnector1">
+            <a:avLst/>
+          </a:prstGeom>
+          <a:ln>
+            <a:tailEnd type="triangle"/>
+          </a:ln>
+        </p:spPr>
+        <p:style>
+          <a:lnRef idx="1">
+            <a:schemeClr val="accent1"/>
+          </a:lnRef>
+          <a:fillRef idx="0">
+            <a:schemeClr val="accent1"/>
+          </a:fillRef>
+          <a:effectRef idx="0">
+            <a:schemeClr val="accent1"/>
+          </a:effectRef>
+          <a:fontRef idx="minor">
+            <a:schemeClr val="tx1"/>
+          </a:fontRef>
+        </p:style>
+      </p:cxnSp>
+      <p:sp>
+        <p:nvSpPr>
+          <p:cNvPr id="32" name="Oval 31">
+            <a:extLst>
+              <a:ext uri="{FF2B5EF4-FFF2-40B4-BE49-F238E27FC236}">
+                <a16:creationId xmlns:a16="http://schemas.microsoft.com/office/drawing/2014/main" id="{67F5C85A-E3A4-445C-9C3B-080FF12C7A62}"/>
+              </a:ext>
+            </a:extLst>
+          </p:cNvPr>
+          <p:cNvSpPr/>
+          <p:nvPr/>
+        </p:nvSpPr>
+        <p:spPr>
+          <a:xfrm>
+            <a:off x="1447805" y="4456117"/>
+            <a:ext cx="2540000" cy="572654"/>
+          </a:xfrm>
+          <a:prstGeom prst="ellipse">
+            <a:avLst/>
+          </a:prstGeom>
+        </p:spPr>
+        <p:style>
+          <a:lnRef idx="2">
+            <a:schemeClr val="accent1">
+              <a:shade val="50000"/>
+            </a:schemeClr>
+          </a:lnRef>
+          <a:fillRef idx="1">
+            <a:schemeClr val="accent1"/>
+          </a:fillRef>
+          <a:effectRef idx="0">
+            <a:schemeClr val="accent1"/>
+          </a:effectRef>
+          <a:fontRef idx="minor">
+            <a:schemeClr val="lt1"/>
+          </a:fontRef>
+        </p:style>
+        <p:txBody>
+          <a:bodyPr rtlCol="0" anchor="ctr"/>
+          <a:lstStyle/>
+          <a:p>
+            <a:pPr algn="ctr"/>
+            <a:r>
+              <a:rPr lang="en-US" dirty="0" err="1"/>
+              <a:t>hw</a:t>
+            </a:r>
+            <a:r>
+              <a:rPr lang="en-US" dirty="0"/>
+              <a:t>-svc</a:t>
+            </a:r>
+            <a:r>
+              <a:rPr lang="en-US" dirty="0">
+                <a:sym typeface="Wingdings" panose="05000000000000000000" pitchFamily="2" charset="2"/>
+              </a:rPr>
+              <a:t> 10.106.208.225</a:t>
+            </a:r>
+            <a:endParaRPr lang="en-US" dirty="0"/>
+          </a:p>
+        </p:txBody>
+      </p:sp>
+      <p:sp>
+        <p:nvSpPr>
+          <p:cNvPr id="35" name="Smiley Face 34">
+            <a:extLst>
+              <a:ext uri="{FF2B5EF4-FFF2-40B4-BE49-F238E27FC236}">
+                <a16:creationId xmlns:a16="http://schemas.microsoft.com/office/drawing/2014/main" id="{809239AF-A5BA-430E-949C-537F66DC6FA2}"/>
+              </a:ext>
+            </a:extLst>
+          </p:cNvPr>
+          <p:cNvSpPr/>
+          <p:nvPr/>
+        </p:nvSpPr>
+        <p:spPr>
+          <a:xfrm>
+            <a:off x="254146" y="4705926"/>
+            <a:ext cx="748146" cy="572655"/>
+          </a:xfrm>
+          <a:prstGeom prst="smileyFace">
+            <a:avLst/>
+          </a:prstGeom>
+        </p:spPr>
+        <p:style>
+          <a:lnRef idx="2">
+            <a:schemeClr val="accent1">
+              <a:shade val="50000"/>
+            </a:schemeClr>
+          </a:lnRef>
+          <a:fillRef idx="1">
+            <a:schemeClr val="accent1"/>
+          </a:fillRef>
+          <a:effectRef idx="0">
+            <a:schemeClr val="accent1"/>
+          </a:effectRef>
+          <a:fontRef idx="minor">
+            <a:schemeClr val="lt1"/>
+          </a:fontRef>
+        </p:style>
+        <p:txBody>
+          <a:bodyPr rtlCol="0" anchor="ctr"/>
+          <a:lstStyle/>
+          <a:p>
+            <a:pPr algn="ctr"/>
+            <a:endParaRPr lang="en-US"/>
+          </a:p>
+        </p:txBody>
+      </p:sp>
+      <p:sp>
+        <p:nvSpPr>
+          <p:cNvPr id="36" name="TextBox 35">
+            <a:extLst>
+              <a:ext uri="{FF2B5EF4-FFF2-40B4-BE49-F238E27FC236}">
+                <a16:creationId xmlns:a16="http://schemas.microsoft.com/office/drawing/2014/main" id="{4AD3AEB5-5AD2-4CCD-9CAB-D3C3585B407E}"/>
+              </a:ext>
+            </a:extLst>
+          </p:cNvPr>
+          <p:cNvSpPr txBox="1"/>
+          <p:nvPr/>
+        </p:nvSpPr>
+        <p:spPr>
+          <a:xfrm>
+            <a:off x="60184" y="5320145"/>
+            <a:ext cx="2091855" cy="646331"/>
+          </a:xfrm>
+          <a:prstGeom prst="rect">
+            <a:avLst/>
+          </a:prstGeom>
+          <a:noFill/>
+        </p:spPr>
+        <p:txBody>
+          <a:bodyPr wrap="none" rtlCol="0">
+            <a:spAutoFit/>
+          </a:bodyPr>
+          <a:lstStyle/>
+          <a:p>
+            <a:pPr marL="228600" indent="-228600">
+              <a:buAutoNum type="arabicPeriod"/>
+            </a:pPr>
+            <a:r>
+              <a:rPr lang="en-US" sz="1200" dirty="0">
+                <a:hlinkClick r:id="rId2"/>
+              </a:rPr>
+              <a:t>http://hw-svc:8888</a:t>
+            </a:r>
+            <a:endParaRPr lang="en-US" sz="1200" dirty="0"/>
+          </a:p>
+          <a:p>
+            <a:pPr marL="342900" indent="-342900">
+              <a:buAutoNum type="arabicPeriod"/>
+            </a:pPr>
+            <a:endParaRPr lang="en-US" sz="1200" dirty="0"/>
+          </a:p>
+          <a:p>
+            <a:r>
+              <a:rPr lang="en-US" sz="1200" dirty="0"/>
+              <a:t>4. http://10.106.208.225:8888</a:t>
+            </a:r>
+            <a:endParaRPr lang="en-US" dirty="0"/>
+          </a:p>
+        </p:txBody>
+      </p:sp>
+      <p:sp>
+        <p:nvSpPr>
+          <p:cNvPr id="39" name="TextBox 38">
+            <a:extLst>
+              <a:ext uri="{FF2B5EF4-FFF2-40B4-BE49-F238E27FC236}">
+                <a16:creationId xmlns:a16="http://schemas.microsoft.com/office/drawing/2014/main" id="{2D30637A-46CE-4B28-A8AB-7862FC96910B}"/>
+              </a:ext>
+            </a:extLst>
+          </p:cNvPr>
+          <p:cNvSpPr txBox="1"/>
+          <p:nvPr/>
+        </p:nvSpPr>
+        <p:spPr>
+          <a:xfrm>
+            <a:off x="3699225" y="5560291"/>
+            <a:ext cx="2396775" cy="923330"/>
+          </a:xfrm>
+          <a:prstGeom prst="rect">
+            <a:avLst/>
+          </a:prstGeom>
+          <a:noFill/>
+        </p:spPr>
+        <p:txBody>
+          <a:bodyPr wrap="square" rtlCol="0">
+            <a:spAutoFit/>
+          </a:bodyPr>
+          <a:lstStyle/>
+          <a:p>
+            <a:r>
+              <a:rPr lang="en-US" dirty="0"/>
+              <a:t>K8s service : EP: 172.17.0.4:80,172.17.0.5:80</a:t>
+            </a:r>
+          </a:p>
+        </p:txBody>
+      </p:sp>
+      <p:sp>
+        <p:nvSpPr>
+          <p:cNvPr id="40" name="Rectangle 39">
+            <a:extLst>
+              <a:ext uri="{FF2B5EF4-FFF2-40B4-BE49-F238E27FC236}">
+                <a16:creationId xmlns:a16="http://schemas.microsoft.com/office/drawing/2014/main" id="{A4868D9B-7311-41DE-AD8B-92ACAA0C6A9E}"/>
+              </a:ext>
+            </a:extLst>
+          </p:cNvPr>
+          <p:cNvSpPr/>
+          <p:nvPr/>
+        </p:nvSpPr>
+        <p:spPr>
+          <a:xfrm>
+            <a:off x="6733311" y="4673603"/>
+            <a:ext cx="2290618" cy="1468579"/>
+          </a:xfrm>
+          <a:prstGeom prst="rect">
+            <a:avLst/>
+          </a:prstGeom>
+          <a:noFill/>
+        </p:spPr>
+        <p:style>
+          <a:lnRef idx="2">
+            <a:schemeClr val="accent1">
+              <a:shade val="50000"/>
+            </a:schemeClr>
+          </a:lnRef>
+          <a:fillRef idx="1">
+            <a:schemeClr val="accent1"/>
+          </a:fillRef>
+          <a:effectRef idx="0">
+            <a:schemeClr val="accent1"/>
+          </a:effectRef>
+          <a:fontRef idx="minor">
+            <a:schemeClr val="lt1"/>
+          </a:fontRef>
+        </p:style>
+        <p:txBody>
+          <a:bodyPr rtlCol="0" anchor="ctr"/>
+          <a:lstStyle/>
+          <a:p>
+            <a:pPr algn="ctr"/>
+            <a:endParaRPr lang="en-US"/>
+          </a:p>
+        </p:txBody>
+      </p:sp>
+      <p:sp>
+        <p:nvSpPr>
+          <p:cNvPr id="41" name="TextBox 40">
+            <a:extLst>
+              <a:ext uri="{FF2B5EF4-FFF2-40B4-BE49-F238E27FC236}">
+                <a16:creationId xmlns:a16="http://schemas.microsoft.com/office/drawing/2014/main" id="{7D520E49-82BB-4641-A552-9966BDCA045F}"/>
+              </a:ext>
+            </a:extLst>
+          </p:cNvPr>
+          <p:cNvSpPr txBox="1"/>
+          <p:nvPr/>
+        </p:nvSpPr>
+        <p:spPr>
+          <a:xfrm>
+            <a:off x="6733311" y="4424221"/>
+            <a:ext cx="1597104" cy="369332"/>
+          </a:xfrm>
+          <a:prstGeom prst="rect">
+            <a:avLst/>
+          </a:prstGeom>
+          <a:noFill/>
+        </p:spPr>
+        <p:txBody>
+          <a:bodyPr wrap="none" rtlCol="0">
+            <a:spAutoFit/>
+          </a:bodyPr>
+          <a:lstStyle/>
+          <a:p>
+            <a:r>
+              <a:rPr lang="en-US" dirty="0"/>
+              <a:t>Pod:172.17.0.4</a:t>
+            </a:r>
+          </a:p>
+        </p:txBody>
+      </p:sp>
+      <p:sp>
+        <p:nvSpPr>
+          <p:cNvPr id="42" name="Oval 41">
+            <a:extLst>
+              <a:ext uri="{FF2B5EF4-FFF2-40B4-BE49-F238E27FC236}">
+                <a16:creationId xmlns:a16="http://schemas.microsoft.com/office/drawing/2014/main" id="{4857129B-9B30-41A6-ACDA-7BF9E843CB1C}"/>
+              </a:ext>
+            </a:extLst>
+          </p:cNvPr>
+          <p:cNvSpPr/>
+          <p:nvPr/>
+        </p:nvSpPr>
+        <p:spPr>
+          <a:xfrm>
+            <a:off x="7191117" y="4761102"/>
+            <a:ext cx="1727200" cy="1237672"/>
+          </a:xfrm>
+          <a:prstGeom prst="ellipse">
+            <a:avLst/>
+          </a:prstGeom>
+        </p:spPr>
+        <p:style>
+          <a:lnRef idx="2">
+            <a:schemeClr val="accent1">
+              <a:shade val="50000"/>
+            </a:schemeClr>
+          </a:lnRef>
+          <a:fillRef idx="1">
+            <a:schemeClr val="accent1"/>
+          </a:fillRef>
+          <a:effectRef idx="0">
+            <a:schemeClr val="accent1"/>
+          </a:effectRef>
+          <a:fontRef idx="minor">
+            <a:schemeClr val="lt1"/>
+          </a:fontRef>
+        </p:style>
+        <p:txBody>
+          <a:bodyPr rtlCol="0" anchor="ctr"/>
+          <a:lstStyle/>
+          <a:p>
+            <a:pPr algn="ctr"/>
+            <a:r>
+              <a:rPr lang="en-US" dirty="0"/>
+              <a:t>Nginx:80</a:t>
+            </a:r>
+          </a:p>
+          <a:p>
+            <a:pPr algn="ctr"/>
+            <a:r>
+              <a:rPr lang="en-US" dirty="0"/>
+              <a:t>Curl 192…:31001</a:t>
+            </a:r>
+          </a:p>
+        </p:txBody>
+      </p:sp>
+      <p:sp>
+        <p:nvSpPr>
+          <p:cNvPr id="43" name="Rectangle 42">
+            <a:extLst>
+              <a:ext uri="{FF2B5EF4-FFF2-40B4-BE49-F238E27FC236}">
+                <a16:creationId xmlns:a16="http://schemas.microsoft.com/office/drawing/2014/main" id="{E4231AF0-2891-4DCA-B31D-F22D4EEC81C8}"/>
+              </a:ext>
+            </a:extLst>
+          </p:cNvPr>
+          <p:cNvSpPr/>
+          <p:nvPr/>
+        </p:nvSpPr>
+        <p:spPr>
+          <a:xfrm>
+            <a:off x="9411857" y="4668985"/>
+            <a:ext cx="2290618" cy="1468579"/>
+          </a:xfrm>
+          <a:prstGeom prst="rect">
+            <a:avLst/>
+          </a:prstGeom>
+          <a:noFill/>
+        </p:spPr>
+        <p:style>
+          <a:lnRef idx="2">
+            <a:schemeClr val="accent1">
+              <a:shade val="50000"/>
+            </a:schemeClr>
+          </a:lnRef>
+          <a:fillRef idx="1">
+            <a:schemeClr val="accent1"/>
+          </a:fillRef>
+          <a:effectRef idx="0">
+            <a:schemeClr val="accent1"/>
+          </a:effectRef>
+          <a:fontRef idx="minor">
+            <a:schemeClr val="lt1"/>
+          </a:fontRef>
+        </p:style>
+        <p:txBody>
+          <a:bodyPr rtlCol="0" anchor="ctr"/>
+          <a:lstStyle/>
+          <a:p>
+            <a:pPr algn="ctr"/>
+            <a:endParaRPr lang="en-US"/>
+          </a:p>
+        </p:txBody>
+      </p:sp>
+      <p:sp>
+        <p:nvSpPr>
+          <p:cNvPr id="44" name="TextBox 43">
+            <a:extLst>
+              <a:ext uri="{FF2B5EF4-FFF2-40B4-BE49-F238E27FC236}">
+                <a16:creationId xmlns:a16="http://schemas.microsoft.com/office/drawing/2014/main" id="{02E86D8F-12D1-4739-A064-6D98F420C3CF}"/>
+              </a:ext>
+            </a:extLst>
+          </p:cNvPr>
+          <p:cNvSpPr txBox="1"/>
+          <p:nvPr/>
+        </p:nvSpPr>
+        <p:spPr>
+          <a:xfrm>
+            <a:off x="9411857" y="4419603"/>
+            <a:ext cx="1597104" cy="369332"/>
+          </a:xfrm>
+          <a:prstGeom prst="rect">
+            <a:avLst/>
+          </a:prstGeom>
+          <a:noFill/>
+        </p:spPr>
+        <p:txBody>
+          <a:bodyPr wrap="none" rtlCol="0">
+            <a:spAutoFit/>
+          </a:bodyPr>
+          <a:lstStyle/>
+          <a:p>
+            <a:r>
+              <a:rPr lang="en-US" dirty="0"/>
+              <a:t>Pod:172.17.0.5</a:t>
+            </a:r>
+          </a:p>
+        </p:txBody>
+      </p:sp>
+      <p:sp>
+        <p:nvSpPr>
+          <p:cNvPr id="45" name="Oval 44">
+            <a:extLst>
+              <a:ext uri="{FF2B5EF4-FFF2-40B4-BE49-F238E27FC236}">
+                <a16:creationId xmlns:a16="http://schemas.microsoft.com/office/drawing/2014/main" id="{5014BFFC-2C54-499F-9CC6-C860C5801325}"/>
+              </a:ext>
+            </a:extLst>
+          </p:cNvPr>
+          <p:cNvSpPr/>
+          <p:nvPr/>
+        </p:nvSpPr>
+        <p:spPr>
+          <a:xfrm>
+            <a:off x="9975275" y="4817917"/>
+            <a:ext cx="1727200" cy="921327"/>
+          </a:xfrm>
+          <a:prstGeom prst="ellipse">
+            <a:avLst/>
+          </a:prstGeom>
+        </p:spPr>
+        <p:style>
+          <a:lnRef idx="2">
+            <a:schemeClr val="accent1">
+              <a:shade val="50000"/>
+            </a:schemeClr>
+          </a:lnRef>
+          <a:fillRef idx="1">
+            <a:schemeClr val="accent1"/>
+          </a:fillRef>
+          <a:effectRef idx="0">
+            <a:schemeClr val="accent1"/>
+          </a:effectRef>
+          <a:fontRef idx="minor">
+            <a:schemeClr val="lt1"/>
+          </a:fontRef>
+        </p:style>
+        <p:txBody>
+          <a:bodyPr rtlCol="0" anchor="ctr"/>
+          <a:lstStyle/>
+          <a:p>
+            <a:pPr algn="ctr"/>
+            <a:r>
+              <a:rPr lang="en-US" dirty="0"/>
+              <a:t>Nginx:80</a:t>
+            </a:r>
+          </a:p>
+        </p:txBody>
+      </p:sp>
+      <p:cxnSp>
+        <p:nvCxnSpPr>
+          <p:cNvPr id="47" name="Straight Arrow Connector 46">
+            <a:extLst>
+              <a:ext uri="{FF2B5EF4-FFF2-40B4-BE49-F238E27FC236}">
+                <a16:creationId xmlns:a16="http://schemas.microsoft.com/office/drawing/2014/main" id="{56A219E4-3B92-4A0B-90FD-4A6E3D618098}"/>
+              </a:ext>
+            </a:extLst>
+          </p:cNvPr>
+          <p:cNvCxnSpPr>
+            <a:stCxn id="35" idx="6"/>
+            <a:endCxn id="32" idx="2"/>
+          </p:cNvCxnSpPr>
+          <p:nvPr/>
+        </p:nvCxnSpPr>
+        <p:spPr>
+          <a:xfrm flipV="1">
+            <a:off x="1002292" y="4742444"/>
+            <a:ext cx="445513" cy="249810"/>
+          </a:xfrm>
+          <a:prstGeom prst="straightConnector1">
+            <a:avLst/>
+          </a:prstGeom>
+          <a:ln>
+            <a:tailEnd type="triangle"/>
+          </a:ln>
+        </p:spPr>
+        <p:style>
+          <a:lnRef idx="1">
+            <a:schemeClr val="accent1"/>
+          </a:lnRef>
+          <a:fillRef idx="0">
+            <a:schemeClr val="accent1"/>
+          </a:fillRef>
+          <a:effectRef idx="0">
+            <a:schemeClr val="accent1"/>
+          </a:effectRef>
+          <a:fontRef idx="minor">
+            <a:schemeClr val="tx1"/>
+          </a:fontRef>
+        </p:style>
+      </p:cxnSp>
+      <p:cxnSp>
+        <p:nvCxnSpPr>
+          <p:cNvPr id="49" name="Straight Arrow Connector 48">
+            <a:extLst>
+              <a:ext uri="{FF2B5EF4-FFF2-40B4-BE49-F238E27FC236}">
+                <a16:creationId xmlns:a16="http://schemas.microsoft.com/office/drawing/2014/main" id="{86A4A280-FF81-4772-B440-EDCA1D30C916}"/>
+              </a:ext>
+            </a:extLst>
+          </p:cNvPr>
+          <p:cNvCxnSpPr>
+            <a:stCxn id="32" idx="4"/>
+          </p:cNvCxnSpPr>
+          <p:nvPr/>
+        </p:nvCxnSpPr>
+        <p:spPr>
+          <a:xfrm flipH="1">
+            <a:off x="1653309" y="5028771"/>
+            <a:ext cx="1064496" cy="790138"/>
+          </a:xfrm>
+          <a:prstGeom prst="straightConnector1">
+            <a:avLst/>
+          </a:prstGeom>
+          <a:ln>
+            <a:tailEnd type="triangle"/>
+          </a:ln>
+        </p:spPr>
+        <p:style>
+          <a:lnRef idx="1">
+            <a:schemeClr val="accent1"/>
+          </a:lnRef>
+          <a:fillRef idx="0">
+            <a:schemeClr val="accent1"/>
+          </a:fillRef>
+          <a:effectRef idx="0">
+            <a:schemeClr val="accent1"/>
+          </a:effectRef>
+          <a:fontRef idx="minor">
+            <a:schemeClr val="tx1"/>
+          </a:fontRef>
+        </p:style>
+      </p:cxnSp>
+      <p:cxnSp>
+        <p:nvCxnSpPr>
+          <p:cNvPr id="51" name="Straight Arrow Connector 50">
+            <a:extLst>
+              <a:ext uri="{FF2B5EF4-FFF2-40B4-BE49-F238E27FC236}">
+                <a16:creationId xmlns:a16="http://schemas.microsoft.com/office/drawing/2014/main" id="{17EDA110-B3BE-44F2-A696-2F82BB6F29EE}"/>
+              </a:ext>
+            </a:extLst>
+          </p:cNvPr>
+          <p:cNvCxnSpPr>
+            <a:stCxn id="36" idx="3"/>
+            <a:endCxn id="39" idx="1"/>
+          </p:cNvCxnSpPr>
+          <p:nvPr/>
+        </p:nvCxnSpPr>
+        <p:spPr>
+          <a:xfrm>
+            <a:off x="2152039" y="5643311"/>
+            <a:ext cx="1547186" cy="378645"/>
+          </a:xfrm>
+          <a:prstGeom prst="straightConnector1">
+            <a:avLst/>
+          </a:prstGeom>
+          <a:ln>
+            <a:tailEnd type="triangle"/>
+          </a:ln>
+        </p:spPr>
+        <p:style>
+          <a:lnRef idx="1">
+            <a:schemeClr val="accent1"/>
+          </a:lnRef>
+          <a:fillRef idx="0">
+            <a:schemeClr val="accent1"/>
+          </a:fillRef>
+          <a:effectRef idx="0">
+            <a:schemeClr val="accent1"/>
+          </a:effectRef>
+          <a:fontRef idx="minor">
+            <a:schemeClr val="tx1"/>
+          </a:fontRef>
+        </p:style>
+      </p:cxnSp>
+      <p:cxnSp>
+        <p:nvCxnSpPr>
+          <p:cNvPr id="53" name="Straight Arrow Connector 52">
+            <a:extLst>
+              <a:ext uri="{FF2B5EF4-FFF2-40B4-BE49-F238E27FC236}">
+                <a16:creationId xmlns:a16="http://schemas.microsoft.com/office/drawing/2014/main" id="{C312B5FD-031A-4646-B6D5-B18FAC67D30B}"/>
+              </a:ext>
+            </a:extLst>
+          </p:cNvPr>
+          <p:cNvCxnSpPr>
+            <a:stCxn id="39" idx="3"/>
+            <a:endCxn id="41" idx="1"/>
+          </p:cNvCxnSpPr>
+          <p:nvPr/>
+        </p:nvCxnSpPr>
+        <p:spPr>
+          <a:xfrm flipV="1">
+            <a:off x="6096000" y="4608887"/>
+            <a:ext cx="637311" cy="1413069"/>
+          </a:xfrm>
+          <a:prstGeom prst="straightConnector1">
+            <a:avLst/>
+          </a:prstGeom>
+          <a:ln>
+            <a:tailEnd type="triangle"/>
+          </a:ln>
+        </p:spPr>
+        <p:style>
+          <a:lnRef idx="1">
+            <a:schemeClr val="accent1"/>
+          </a:lnRef>
+          <a:fillRef idx="0">
+            <a:schemeClr val="accent1"/>
+          </a:fillRef>
+          <a:effectRef idx="0">
+            <a:schemeClr val="accent1"/>
+          </a:effectRef>
+          <a:fontRef idx="minor">
+            <a:schemeClr val="tx1"/>
+          </a:fontRef>
+        </p:style>
+      </p:cxnSp>
+      <p:cxnSp>
+        <p:nvCxnSpPr>
+          <p:cNvPr id="55" name="Straight Arrow Connector 54">
+            <a:extLst>
+              <a:ext uri="{FF2B5EF4-FFF2-40B4-BE49-F238E27FC236}">
+                <a16:creationId xmlns:a16="http://schemas.microsoft.com/office/drawing/2014/main" id="{816684FC-0BEF-40B9-909C-2DDE71DF0A52}"/>
+              </a:ext>
+            </a:extLst>
+          </p:cNvPr>
+          <p:cNvCxnSpPr>
+            <a:stCxn id="41" idx="2"/>
+            <a:endCxn id="42" idx="2"/>
+          </p:cNvCxnSpPr>
+          <p:nvPr/>
+        </p:nvCxnSpPr>
+        <p:spPr>
+          <a:xfrm flipH="1">
+            <a:off x="7191117" y="4793553"/>
+            <a:ext cx="340746" cy="586385"/>
+          </a:xfrm>
+          <a:prstGeom prst="straightConnector1">
+            <a:avLst/>
+          </a:prstGeom>
+          <a:ln>
+            <a:tailEnd type="triangle"/>
+          </a:ln>
+        </p:spPr>
+        <p:style>
+          <a:lnRef idx="1">
+            <a:schemeClr val="accent1"/>
+          </a:lnRef>
+          <a:fillRef idx="0">
+            <a:schemeClr val="accent1"/>
+          </a:fillRef>
+          <a:effectRef idx="0">
+            <a:schemeClr val="accent1"/>
+          </a:effectRef>
+          <a:fontRef idx="minor">
+            <a:schemeClr val="tx1"/>
+          </a:fontRef>
+        </p:style>
+      </p:cxnSp>
+      <p:sp>
+        <p:nvSpPr>
+          <p:cNvPr id="56" name="Rectangle 55">
+            <a:extLst>
+              <a:ext uri="{FF2B5EF4-FFF2-40B4-BE49-F238E27FC236}">
+                <a16:creationId xmlns:a16="http://schemas.microsoft.com/office/drawing/2014/main" id="{05B3DBE3-3BC2-401A-A4B4-3F248D3574C2}"/>
+              </a:ext>
+            </a:extLst>
+          </p:cNvPr>
+          <p:cNvSpPr/>
+          <p:nvPr/>
+        </p:nvSpPr>
+        <p:spPr>
+          <a:xfrm>
+            <a:off x="2025073" y="4225392"/>
+            <a:ext cx="1176925" cy="369332"/>
+          </a:xfrm>
+          <a:prstGeom prst="rect">
+            <a:avLst/>
+          </a:prstGeom>
+        </p:spPr>
+        <p:txBody>
+          <a:bodyPr wrap="none">
+            <a:spAutoFit/>
+          </a:bodyPr>
+          <a:lstStyle/>
+          <a:p>
+            <a:r>
+              <a:rPr lang="en-US" dirty="0"/>
+              <a:t>10.96.0.10</a:t>
+            </a:r>
+          </a:p>
+        </p:txBody>
+      </p:sp>
+    </p:spTree>
+    <p:extLst>
+      <p:ext uri="{BB962C8B-B14F-4D97-AF65-F5344CB8AC3E}">
+        <p14:creationId xmlns:p14="http://schemas.microsoft.com/office/powerpoint/2010/main" val="625438558"/>
+      </p:ext>
+    </p:extLst>
+  </p:cSld>
+  <p:clrMapOvr>
+    <a:masterClrMapping/>
+  </p:clrMapOvr>
+</p:sld>
+</file>
+
+<file path=ppt/slides/slide16.xml><?xml version="1.0" encoding="utf-8"?>
+<p:sld xmlns:a="http://schemas.openxmlformats.org/drawingml/2006/main" xmlns:r="http://schemas.openxmlformats.org/officeDocument/2006/relationships" xmlns:p="http://schemas.openxmlformats.org/presentationml/2006/main">
+  <p:cSld>
+    <p:spTree>
+      <p:nvGrpSpPr>
+        <p:cNvPr id="1" name=""/>
+        <p:cNvGrpSpPr/>
+        <p:nvPr/>
+      </p:nvGrpSpPr>
+      <p:grpSpPr>
+        <a:xfrm>
+          <a:off x="0" y="0"/>
+          <a:ext cx="0" cy="0"/>
+          <a:chOff x="0" y="0"/>
+          <a:chExt cx="0" cy="0"/>
+        </a:xfrm>
+      </p:grpSpPr>
+      <p:sp>
+        <p:nvSpPr>
+          <p:cNvPr id="2" name="Rectangle 1">
+            <a:extLst>
+              <a:ext uri="{FF2B5EF4-FFF2-40B4-BE49-F238E27FC236}">
+                <a16:creationId xmlns:a16="http://schemas.microsoft.com/office/drawing/2014/main" id="{90D399AF-EDFB-4811-8AEA-D618B383CDA3}"/>
+              </a:ext>
+            </a:extLst>
+          </p:cNvPr>
+          <p:cNvSpPr/>
+          <p:nvPr/>
+        </p:nvSpPr>
+        <p:spPr>
+          <a:xfrm>
+            <a:off x="1791855" y="258618"/>
+            <a:ext cx="9587345" cy="6299200"/>
+          </a:xfrm>
+          <a:prstGeom prst="rect">
+            <a:avLst/>
+          </a:prstGeom>
+          <a:noFill/>
+        </p:spPr>
+        <p:style>
+          <a:lnRef idx="2">
+            <a:schemeClr val="accent1">
+              <a:shade val="50000"/>
+            </a:schemeClr>
+          </a:lnRef>
+          <a:fillRef idx="1">
+            <a:schemeClr val="accent1"/>
+          </a:fillRef>
+          <a:effectRef idx="0">
+            <a:schemeClr val="accent1"/>
+          </a:effectRef>
+          <a:fontRef idx="minor">
+            <a:schemeClr val="lt1"/>
+          </a:fontRef>
+        </p:style>
+        <p:txBody>
+          <a:bodyPr rtlCol="0" anchor="ctr"/>
+          <a:lstStyle/>
+          <a:p>
+            <a:pPr algn="ctr"/>
+            <a:endParaRPr lang="en-US" dirty="0"/>
+          </a:p>
+        </p:txBody>
+      </p:sp>
+      <p:sp>
+        <p:nvSpPr>
+          <p:cNvPr id="3" name="TextBox 2">
+            <a:extLst>
+              <a:ext uri="{FF2B5EF4-FFF2-40B4-BE49-F238E27FC236}">
+                <a16:creationId xmlns:a16="http://schemas.microsoft.com/office/drawing/2014/main" id="{DDB5813C-5006-429C-925B-7F7789D5BE92}"/>
+              </a:ext>
+            </a:extLst>
+          </p:cNvPr>
+          <p:cNvSpPr txBox="1"/>
+          <p:nvPr/>
+        </p:nvSpPr>
+        <p:spPr>
+          <a:xfrm>
+            <a:off x="1801092" y="249382"/>
+            <a:ext cx="1020087" cy="369332"/>
+          </a:xfrm>
+          <a:prstGeom prst="rect">
+            <a:avLst/>
+          </a:prstGeom>
+          <a:noFill/>
+        </p:spPr>
+        <p:txBody>
+          <a:bodyPr wrap="none" rtlCol="0">
+            <a:spAutoFit/>
+          </a:bodyPr>
+          <a:lstStyle/>
+          <a:p>
+            <a:r>
+              <a:rPr lang="en-US" dirty="0"/>
+              <a:t>windows</a:t>
+            </a:r>
+          </a:p>
+        </p:txBody>
+      </p:sp>
+      <p:sp>
+        <p:nvSpPr>
+          <p:cNvPr id="4" name="Rectangle 3">
+            <a:extLst>
+              <a:ext uri="{FF2B5EF4-FFF2-40B4-BE49-F238E27FC236}">
+                <a16:creationId xmlns:a16="http://schemas.microsoft.com/office/drawing/2014/main" id="{EE89D7AE-54D0-44EA-94CB-B999AFAC084B}"/>
+              </a:ext>
+            </a:extLst>
+          </p:cNvPr>
+          <p:cNvSpPr/>
+          <p:nvPr/>
+        </p:nvSpPr>
+        <p:spPr>
+          <a:xfrm>
+            <a:off x="3306618" y="618714"/>
+            <a:ext cx="7795491" cy="5578886"/>
+          </a:xfrm>
+          <a:prstGeom prst="rect">
+            <a:avLst/>
+          </a:prstGeom>
+          <a:noFill/>
+        </p:spPr>
+        <p:style>
+          <a:lnRef idx="2">
+            <a:schemeClr val="accent1">
+              <a:shade val="50000"/>
+            </a:schemeClr>
+          </a:lnRef>
+          <a:fillRef idx="1">
+            <a:schemeClr val="accent1"/>
+          </a:fillRef>
+          <a:effectRef idx="0">
+            <a:schemeClr val="accent1"/>
+          </a:effectRef>
+          <a:fontRef idx="minor">
+            <a:schemeClr val="lt1"/>
+          </a:fontRef>
+        </p:style>
+        <p:txBody>
+          <a:bodyPr rtlCol="0" anchor="ctr"/>
+          <a:lstStyle/>
+          <a:p>
+            <a:pPr algn="ctr"/>
+            <a:endParaRPr lang="en-US"/>
+          </a:p>
+        </p:txBody>
+      </p:sp>
+      <p:sp>
+        <p:nvSpPr>
+          <p:cNvPr id="5" name="TextBox 4">
+            <a:extLst>
+              <a:ext uri="{FF2B5EF4-FFF2-40B4-BE49-F238E27FC236}">
+                <a16:creationId xmlns:a16="http://schemas.microsoft.com/office/drawing/2014/main" id="{1E037A03-D90D-43E5-9FA8-1C3DD615EA83}"/>
+              </a:ext>
+            </a:extLst>
+          </p:cNvPr>
+          <p:cNvSpPr txBox="1"/>
+          <p:nvPr/>
+        </p:nvSpPr>
+        <p:spPr>
+          <a:xfrm>
+            <a:off x="3306618" y="618714"/>
+            <a:ext cx="2645532" cy="369332"/>
+          </a:xfrm>
+          <a:prstGeom prst="rect">
+            <a:avLst/>
+          </a:prstGeom>
+          <a:noFill/>
+        </p:spPr>
+        <p:txBody>
+          <a:bodyPr wrap="none" rtlCol="0">
+            <a:spAutoFit/>
+          </a:bodyPr>
+          <a:lstStyle/>
+          <a:p>
+            <a:r>
+              <a:rPr lang="en-US" dirty="0" err="1"/>
+              <a:t>Minikube</a:t>
+            </a:r>
+            <a:r>
+              <a:rPr lang="en-US" dirty="0"/>
+              <a:t>: 192.168.99.100</a:t>
+            </a:r>
+          </a:p>
+        </p:txBody>
+      </p:sp>
+      <p:sp>
+        <p:nvSpPr>
+          <p:cNvPr id="6" name="Rectangle 5">
+            <a:extLst>
+              <a:ext uri="{FF2B5EF4-FFF2-40B4-BE49-F238E27FC236}">
+                <a16:creationId xmlns:a16="http://schemas.microsoft.com/office/drawing/2014/main" id="{9F7C91B2-6928-4C74-84B2-E8A655F5EEB9}"/>
+              </a:ext>
+            </a:extLst>
+          </p:cNvPr>
+          <p:cNvSpPr/>
+          <p:nvPr/>
+        </p:nvSpPr>
+        <p:spPr>
+          <a:xfrm>
+            <a:off x="4839855" y="2309091"/>
+            <a:ext cx="2290618" cy="3001818"/>
+          </a:xfrm>
+          <a:prstGeom prst="rect">
+            <a:avLst/>
+          </a:prstGeom>
+          <a:noFill/>
+        </p:spPr>
+        <p:style>
+          <a:lnRef idx="2">
+            <a:schemeClr val="accent1">
+              <a:shade val="50000"/>
+            </a:schemeClr>
+          </a:lnRef>
+          <a:fillRef idx="1">
+            <a:schemeClr val="accent1"/>
+          </a:fillRef>
+          <a:effectRef idx="0">
+            <a:schemeClr val="accent1"/>
+          </a:effectRef>
+          <a:fontRef idx="minor">
+            <a:schemeClr val="lt1"/>
+          </a:fontRef>
+        </p:style>
+        <p:txBody>
+          <a:bodyPr rtlCol="0" anchor="ctr"/>
+          <a:lstStyle/>
+          <a:p>
+            <a:pPr algn="ctr"/>
+            <a:endParaRPr lang="en-US"/>
+          </a:p>
+        </p:txBody>
+      </p:sp>
+      <p:sp>
+        <p:nvSpPr>
+          <p:cNvPr id="7" name="TextBox 6">
+            <a:extLst>
+              <a:ext uri="{FF2B5EF4-FFF2-40B4-BE49-F238E27FC236}">
+                <a16:creationId xmlns:a16="http://schemas.microsoft.com/office/drawing/2014/main" id="{679047B3-74EF-4F0D-962B-E94BF3155B4A}"/>
+              </a:ext>
+            </a:extLst>
+          </p:cNvPr>
+          <p:cNvSpPr txBox="1"/>
+          <p:nvPr/>
+        </p:nvSpPr>
+        <p:spPr>
+          <a:xfrm>
+            <a:off x="4839855" y="2059709"/>
+            <a:ext cx="1597104" cy="369332"/>
+          </a:xfrm>
+          <a:prstGeom prst="rect">
+            <a:avLst/>
+          </a:prstGeom>
+          <a:noFill/>
+        </p:spPr>
+        <p:txBody>
+          <a:bodyPr wrap="none" rtlCol="0">
+            <a:spAutoFit/>
+          </a:bodyPr>
+          <a:lstStyle/>
+          <a:p>
+            <a:r>
+              <a:rPr lang="en-US" dirty="0"/>
+              <a:t>Pod:172.17.0.4</a:t>
+            </a:r>
+          </a:p>
+        </p:txBody>
+      </p:sp>
+      <p:sp>
+        <p:nvSpPr>
+          <p:cNvPr id="8" name="Oval 7">
+            <a:extLst>
+              <a:ext uri="{FF2B5EF4-FFF2-40B4-BE49-F238E27FC236}">
+                <a16:creationId xmlns:a16="http://schemas.microsoft.com/office/drawing/2014/main" id="{DC0E13F3-CE0D-411E-8463-878496E536FB}"/>
+              </a:ext>
+            </a:extLst>
+          </p:cNvPr>
+          <p:cNvSpPr/>
+          <p:nvPr/>
+        </p:nvSpPr>
+        <p:spPr>
+          <a:xfrm>
+            <a:off x="5403273" y="3112656"/>
+            <a:ext cx="1727200" cy="1237672"/>
+          </a:xfrm>
+          <a:prstGeom prst="ellipse">
+            <a:avLst/>
+          </a:prstGeom>
+        </p:spPr>
+        <p:style>
+          <a:lnRef idx="2">
+            <a:schemeClr val="accent1">
+              <a:shade val="50000"/>
+            </a:schemeClr>
+          </a:lnRef>
+          <a:fillRef idx="1">
+            <a:schemeClr val="accent1"/>
+          </a:fillRef>
+          <a:effectRef idx="0">
+            <a:schemeClr val="accent1"/>
+          </a:effectRef>
+          <a:fontRef idx="minor">
+            <a:schemeClr val="lt1"/>
+          </a:fontRef>
+        </p:style>
+        <p:txBody>
+          <a:bodyPr rtlCol="0" anchor="ctr"/>
+          <a:lstStyle/>
+          <a:p>
+            <a:pPr algn="ctr"/>
+            <a:r>
+              <a:rPr lang="en-US" dirty="0"/>
+              <a:t>Nginx:80</a:t>
+            </a:r>
+          </a:p>
+          <a:p>
+            <a:pPr algn="ctr"/>
+            <a:r>
+              <a:rPr lang="en-US" dirty="0"/>
+              <a:t>Curl 192…:31001</a:t>
+            </a:r>
+          </a:p>
+        </p:txBody>
+      </p:sp>
+      <p:sp>
+        <p:nvSpPr>
+          <p:cNvPr id="9" name="Rectangle 8">
+            <a:extLst>
+              <a:ext uri="{FF2B5EF4-FFF2-40B4-BE49-F238E27FC236}">
+                <a16:creationId xmlns:a16="http://schemas.microsoft.com/office/drawing/2014/main" id="{8349E7DD-F797-4797-AB19-CA21F6E3639F}"/>
+              </a:ext>
+            </a:extLst>
+          </p:cNvPr>
+          <p:cNvSpPr/>
+          <p:nvPr/>
+        </p:nvSpPr>
+        <p:spPr>
+          <a:xfrm>
+            <a:off x="7518401" y="2304473"/>
+            <a:ext cx="2290618" cy="3001818"/>
+          </a:xfrm>
+          <a:prstGeom prst="rect">
+            <a:avLst/>
+          </a:prstGeom>
+          <a:noFill/>
+        </p:spPr>
+        <p:style>
+          <a:lnRef idx="2">
+            <a:schemeClr val="accent1">
+              <a:shade val="50000"/>
+            </a:schemeClr>
+          </a:lnRef>
+          <a:fillRef idx="1">
+            <a:schemeClr val="accent1"/>
+          </a:fillRef>
+          <a:effectRef idx="0">
+            <a:schemeClr val="accent1"/>
+          </a:effectRef>
+          <a:fontRef idx="minor">
+            <a:schemeClr val="lt1"/>
+          </a:fontRef>
+        </p:style>
+        <p:txBody>
+          <a:bodyPr rtlCol="0" anchor="ctr"/>
+          <a:lstStyle/>
+          <a:p>
+            <a:pPr algn="ctr"/>
+            <a:endParaRPr lang="en-US"/>
+          </a:p>
+        </p:txBody>
+      </p:sp>
+      <p:sp>
+        <p:nvSpPr>
+          <p:cNvPr id="10" name="TextBox 9">
+            <a:extLst>
+              <a:ext uri="{FF2B5EF4-FFF2-40B4-BE49-F238E27FC236}">
+                <a16:creationId xmlns:a16="http://schemas.microsoft.com/office/drawing/2014/main" id="{3E11E2D9-9E22-4083-A9F3-52B32015EFE4}"/>
+              </a:ext>
+            </a:extLst>
+          </p:cNvPr>
+          <p:cNvSpPr txBox="1"/>
+          <p:nvPr/>
+        </p:nvSpPr>
+        <p:spPr>
+          <a:xfrm>
+            <a:off x="7518401" y="2055091"/>
+            <a:ext cx="1714124" cy="369332"/>
+          </a:xfrm>
+          <a:prstGeom prst="rect">
+            <a:avLst/>
+          </a:prstGeom>
+          <a:noFill/>
+        </p:spPr>
+        <p:txBody>
+          <a:bodyPr wrap="none" rtlCol="0">
+            <a:spAutoFit/>
+          </a:bodyPr>
+          <a:lstStyle/>
+          <a:p>
+            <a:r>
+              <a:rPr lang="en-US" dirty="0"/>
+              <a:t>Pod:172.17.0.10</a:t>
+            </a:r>
+          </a:p>
+        </p:txBody>
+      </p:sp>
+      <p:sp>
+        <p:nvSpPr>
+          <p:cNvPr id="11" name="Oval 10">
+            <a:extLst>
+              <a:ext uri="{FF2B5EF4-FFF2-40B4-BE49-F238E27FC236}">
+                <a16:creationId xmlns:a16="http://schemas.microsoft.com/office/drawing/2014/main" id="{815139B8-871A-43E3-B4A2-0E9966F7DB54}"/>
+              </a:ext>
+            </a:extLst>
+          </p:cNvPr>
+          <p:cNvSpPr/>
+          <p:nvPr/>
+        </p:nvSpPr>
+        <p:spPr>
+          <a:xfrm>
+            <a:off x="8081819" y="3424382"/>
+            <a:ext cx="1727200" cy="921327"/>
+          </a:xfrm>
+          <a:prstGeom prst="ellipse">
+            <a:avLst/>
+          </a:prstGeom>
+        </p:spPr>
+        <p:style>
+          <a:lnRef idx="2">
+            <a:schemeClr val="accent1">
+              <a:shade val="50000"/>
+            </a:schemeClr>
+          </a:lnRef>
+          <a:fillRef idx="1">
+            <a:schemeClr val="accent1"/>
+          </a:fillRef>
+          <a:effectRef idx="0">
+            <a:schemeClr val="accent1"/>
+          </a:effectRef>
+          <a:fontRef idx="minor">
+            <a:schemeClr val="lt1"/>
+          </a:fontRef>
+        </p:style>
+        <p:txBody>
+          <a:bodyPr rtlCol="0" anchor="ctr"/>
+          <a:lstStyle/>
+          <a:p>
+            <a:pPr algn="ctr"/>
+            <a:r>
+              <a:rPr lang="en-US" dirty="0"/>
+              <a:t>Nginx:80</a:t>
+            </a:r>
+          </a:p>
+        </p:txBody>
+      </p:sp>
+      <p:sp>
+        <p:nvSpPr>
+          <p:cNvPr id="12" name="TextBox 11">
+            <a:extLst>
+              <a:ext uri="{FF2B5EF4-FFF2-40B4-BE49-F238E27FC236}">
+                <a16:creationId xmlns:a16="http://schemas.microsoft.com/office/drawing/2014/main" id="{3AA24CF2-31E4-463C-A88D-77379B162872}"/>
+              </a:ext>
+            </a:extLst>
+          </p:cNvPr>
+          <p:cNvSpPr txBox="1"/>
+          <p:nvPr/>
+        </p:nvSpPr>
+        <p:spPr>
+          <a:xfrm>
+            <a:off x="2983808" y="3842327"/>
+            <a:ext cx="812337" cy="369332"/>
+          </a:xfrm>
+          <a:prstGeom prst="rect">
+            <a:avLst/>
+          </a:prstGeom>
+          <a:noFill/>
+        </p:spPr>
+        <p:txBody>
+          <a:bodyPr wrap="square" rtlCol="0">
+            <a:spAutoFit/>
+          </a:bodyPr>
+          <a:lstStyle/>
+          <a:p>
+            <a:r>
+              <a:rPr lang="en-US" dirty="0"/>
+              <a:t>31001</a:t>
+            </a:r>
+          </a:p>
+        </p:txBody>
+      </p:sp>
+    </p:spTree>
+    <p:extLst>
+      <p:ext uri="{BB962C8B-B14F-4D97-AF65-F5344CB8AC3E}">
+        <p14:creationId xmlns:p14="http://schemas.microsoft.com/office/powerpoint/2010/main" val="1478933616"/>
+      </p:ext>
+    </p:extLst>
+  </p:cSld>
+  <p:clrMapOvr>
+    <a:masterClrMapping/>
+  </p:clrMapOvr>
+</p:sld>
+</file>
+
 <file path=ppt/slides/slide2.xml><?xml version="1.0" encoding="utf-8"?>
 <p:sld xmlns:a="http://schemas.openxmlformats.org/drawingml/2006/main" xmlns:r="http://schemas.openxmlformats.org/officeDocument/2006/relationships" xmlns:p="http://schemas.openxmlformats.org/presentationml/2006/main">
   <p:cSld>

--- a/rough-diag.pptx
+++ b/rough-diag.pptx
@@ -21,6 +21,13 @@
     <p:sldId id="269" r:id="rId15"/>
     <p:sldId id="270" r:id="rId16"/>
     <p:sldId id="271" r:id="rId17"/>
+    <p:sldId id="272" r:id="rId18"/>
+    <p:sldId id="273" r:id="rId19"/>
+    <p:sldId id="274" r:id="rId20"/>
+    <p:sldId id="275" r:id="rId21"/>
+    <p:sldId id="276" r:id="rId22"/>
+    <p:sldId id="277" r:id="rId23"/>
+    <p:sldId id="278" r:id="rId24"/>
   </p:sldIdLst>
   <p:sldSz cx="12192000" cy="6858000"/>
   <p:notesSz cx="6858000" cy="9144000"/>
@@ -10757,6 +10764,3903 @@
 </p:sld>
 </file>
 
+<file path=ppt/slides/slide17.xml><?xml version="1.0" encoding="utf-8"?>
+<p:sld xmlns:a="http://schemas.openxmlformats.org/drawingml/2006/main" xmlns:r="http://schemas.openxmlformats.org/officeDocument/2006/relationships" xmlns:p="http://schemas.openxmlformats.org/presentationml/2006/main">
+  <p:cSld>
+    <p:spTree>
+      <p:nvGrpSpPr>
+        <p:cNvPr id="1" name=""/>
+        <p:cNvGrpSpPr/>
+        <p:nvPr/>
+      </p:nvGrpSpPr>
+      <p:grpSpPr>
+        <a:xfrm>
+          <a:off x="0" y="0"/>
+          <a:ext cx="0" cy="0"/>
+          <a:chOff x="0" y="0"/>
+          <a:chExt cx="0" cy="0"/>
+        </a:xfrm>
+      </p:grpSpPr>
+      <p:sp>
+        <p:nvSpPr>
+          <p:cNvPr id="2" name="Rectangle 1">
+            <a:extLst>
+              <a:ext uri="{FF2B5EF4-FFF2-40B4-BE49-F238E27FC236}">
+                <a16:creationId xmlns:a16="http://schemas.microsoft.com/office/drawing/2014/main" id="{840353E7-E130-4838-A5BC-2D7E4343E938}"/>
+              </a:ext>
+            </a:extLst>
+          </p:cNvPr>
+          <p:cNvSpPr/>
+          <p:nvPr/>
+        </p:nvSpPr>
+        <p:spPr>
+          <a:xfrm>
+            <a:off x="3038764" y="447675"/>
+            <a:ext cx="8629361" cy="6000750"/>
+          </a:xfrm>
+          <a:prstGeom prst="rect">
+            <a:avLst/>
+          </a:prstGeom>
+          <a:noFill/>
+        </p:spPr>
+        <p:style>
+          <a:lnRef idx="2">
+            <a:schemeClr val="accent1">
+              <a:shade val="50000"/>
+            </a:schemeClr>
+          </a:lnRef>
+          <a:fillRef idx="1">
+            <a:schemeClr val="accent1"/>
+          </a:fillRef>
+          <a:effectRef idx="0">
+            <a:schemeClr val="accent1"/>
+          </a:effectRef>
+          <a:fontRef idx="minor">
+            <a:schemeClr val="lt1"/>
+          </a:fontRef>
+        </p:style>
+        <p:txBody>
+          <a:bodyPr rtlCol="0" anchor="ctr"/>
+          <a:lstStyle/>
+          <a:p>
+            <a:pPr algn="ctr"/>
+            <a:endParaRPr lang="en-US"/>
+          </a:p>
+        </p:txBody>
+      </p:sp>
+      <p:sp>
+        <p:nvSpPr>
+          <p:cNvPr id="3" name="TextBox 2">
+            <a:extLst>
+              <a:ext uri="{FF2B5EF4-FFF2-40B4-BE49-F238E27FC236}">
+                <a16:creationId xmlns:a16="http://schemas.microsoft.com/office/drawing/2014/main" id="{92E7E85F-9FAC-453F-B2FB-AED20A686638}"/>
+              </a:ext>
+            </a:extLst>
+          </p:cNvPr>
+          <p:cNvSpPr txBox="1"/>
+          <p:nvPr/>
+        </p:nvSpPr>
+        <p:spPr>
+          <a:xfrm>
+            <a:off x="3038764" y="447675"/>
+            <a:ext cx="1056956" cy="369332"/>
+          </a:xfrm>
+          <a:prstGeom prst="rect">
+            <a:avLst/>
+          </a:prstGeom>
+          <a:noFill/>
+        </p:spPr>
+        <p:txBody>
+          <a:bodyPr wrap="none" rtlCol="0">
+            <a:spAutoFit/>
+          </a:bodyPr>
+          <a:lstStyle/>
+          <a:p>
+            <a:r>
+              <a:rPr lang="en-US" dirty="0" err="1"/>
+              <a:t>minikube</a:t>
+            </a:r>
+            <a:endParaRPr lang="en-US" dirty="0"/>
+          </a:p>
+        </p:txBody>
+      </p:sp>
+      <p:sp>
+        <p:nvSpPr>
+          <p:cNvPr id="4" name="TextBox 3">
+            <a:extLst>
+              <a:ext uri="{FF2B5EF4-FFF2-40B4-BE49-F238E27FC236}">
+                <a16:creationId xmlns:a16="http://schemas.microsoft.com/office/drawing/2014/main" id="{9B14DB92-272F-4AA1-9973-0FAC72DB9172}"/>
+              </a:ext>
+            </a:extLst>
+          </p:cNvPr>
+          <p:cNvSpPr txBox="1"/>
+          <p:nvPr/>
+        </p:nvSpPr>
+        <p:spPr>
+          <a:xfrm>
+            <a:off x="9619671" y="5384984"/>
+            <a:ext cx="637311" cy="369332"/>
+          </a:xfrm>
+          <a:prstGeom prst="rect">
+            <a:avLst/>
+          </a:prstGeom>
+          <a:noFill/>
+        </p:spPr>
+        <p:txBody>
+          <a:bodyPr wrap="square" rtlCol="0">
+            <a:spAutoFit/>
+          </a:bodyPr>
+          <a:lstStyle/>
+          <a:p>
+            <a:r>
+              <a:rPr lang="en-US" dirty="0"/>
+              <a:t>dep</a:t>
+            </a:r>
+          </a:p>
+        </p:txBody>
+      </p:sp>
+      <p:cxnSp>
+        <p:nvCxnSpPr>
+          <p:cNvPr id="6" name="Straight Arrow Connector 5">
+            <a:extLst>
+              <a:ext uri="{FF2B5EF4-FFF2-40B4-BE49-F238E27FC236}">
+                <a16:creationId xmlns:a16="http://schemas.microsoft.com/office/drawing/2014/main" id="{F4E72F71-0270-4CDF-8BFA-F31530CC3C0C}"/>
+              </a:ext>
+            </a:extLst>
+          </p:cNvPr>
+          <p:cNvCxnSpPr>
+            <a:cxnSpLocks/>
+            <a:stCxn id="4" idx="0"/>
+            <a:endCxn id="7" idx="2"/>
+          </p:cNvCxnSpPr>
+          <p:nvPr/>
+        </p:nvCxnSpPr>
+        <p:spPr>
+          <a:xfrm flipV="1">
+            <a:off x="9938327" y="5080000"/>
+            <a:ext cx="0" cy="304984"/>
+          </a:xfrm>
+          <a:prstGeom prst="straightConnector1">
+            <a:avLst/>
+          </a:prstGeom>
+          <a:ln>
+            <a:tailEnd type="triangle"/>
+          </a:ln>
+        </p:spPr>
+        <p:style>
+          <a:lnRef idx="1">
+            <a:schemeClr val="accent1"/>
+          </a:lnRef>
+          <a:fillRef idx="0">
+            <a:schemeClr val="accent1"/>
+          </a:fillRef>
+          <a:effectRef idx="0">
+            <a:schemeClr val="accent1"/>
+          </a:effectRef>
+          <a:fontRef idx="minor">
+            <a:schemeClr val="tx1"/>
+          </a:fontRef>
+        </p:style>
+      </p:cxnSp>
+      <p:sp>
+        <p:nvSpPr>
+          <p:cNvPr id="7" name="TextBox 6">
+            <a:extLst>
+              <a:ext uri="{FF2B5EF4-FFF2-40B4-BE49-F238E27FC236}">
+                <a16:creationId xmlns:a16="http://schemas.microsoft.com/office/drawing/2014/main" id="{A12E3018-71B0-42BA-9B53-C02E2C7365DD}"/>
+              </a:ext>
+            </a:extLst>
+          </p:cNvPr>
+          <p:cNvSpPr txBox="1"/>
+          <p:nvPr/>
+        </p:nvSpPr>
+        <p:spPr>
+          <a:xfrm>
+            <a:off x="9753598" y="4710668"/>
+            <a:ext cx="369458" cy="369332"/>
+          </a:xfrm>
+          <a:prstGeom prst="rect">
+            <a:avLst/>
+          </a:prstGeom>
+          <a:noFill/>
+        </p:spPr>
+        <p:txBody>
+          <a:bodyPr wrap="square" rtlCol="0">
+            <a:spAutoFit/>
+          </a:bodyPr>
+          <a:lstStyle/>
+          <a:p>
+            <a:r>
+              <a:rPr lang="en-US" dirty="0" err="1"/>
+              <a:t>rs</a:t>
+            </a:r>
+            <a:endParaRPr lang="en-US" dirty="0"/>
+          </a:p>
+        </p:txBody>
+      </p:sp>
+      <p:cxnSp>
+        <p:nvCxnSpPr>
+          <p:cNvPr id="9" name="Straight Arrow Connector 8">
+            <a:extLst>
+              <a:ext uri="{FF2B5EF4-FFF2-40B4-BE49-F238E27FC236}">
+                <a16:creationId xmlns:a16="http://schemas.microsoft.com/office/drawing/2014/main" id="{CDC4BB47-EED3-4FCE-ADD4-A43AA420223C}"/>
+              </a:ext>
+            </a:extLst>
+          </p:cNvPr>
+          <p:cNvCxnSpPr>
+            <a:stCxn id="7" idx="0"/>
+          </p:cNvCxnSpPr>
+          <p:nvPr/>
+        </p:nvCxnSpPr>
+        <p:spPr>
+          <a:xfrm flipV="1">
+            <a:off x="9938327" y="4211782"/>
+            <a:ext cx="0" cy="498886"/>
+          </a:xfrm>
+          <a:prstGeom prst="straightConnector1">
+            <a:avLst/>
+          </a:prstGeom>
+          <a:ln>
+            <a:tailEnd type="triangle"/>
+          </a:ln>
+        </p:spPr>
+        <p:style>
+          <a:lnRef idx="1">
+            <a:schemeClr val="accent1"/>
+          </a:lnRef>
+          <a:fillRef idx="0">
+            <a:schemeClr val="accent1"/>
+          </a:fillRef>
+          <a:effectRef idx="0">
+            <a:schemeClr val="accent1"/>
+          </a:effectRef>
+          <a:fontRef idx="minor">
+            <a:schemeClr val="tx1"/>
+          </a:fontRef>
+        </p:style>
+      </p:cxnSp>
+      <p:sp>
+        <p:nvSpPr>
+          <p:cNvPr id="10" name="Rectangle 9">
+            <a:extLst>
+              <a:ext uri="{FF2B5EF4-FFF2-40B4-BE49-F238E27FC236}">
+                <a16:creationId xmlns:a16="http://schemas.microsoft.com/office/drawing/2014/main" id="{B3693B64-0460-4510-98F5-1F82BF40C81B}"/>
+              </a:ext>
+            </a:extLst>
+          </p:cNvPr>
+          <p:cNvSpPr/>
+          <p:nvPr/>
+        </p:nvSpPr>
+        <p:spPr>
+          <a:xfrm>
+            <a:off x="9004008" y="2136045"/>
+            <a:ext cx="2004291" cy="2115127"/>
+          </a:xfrm>
+          <a:prstGeom prst="rect">
+            <a:avLst/>
+          </a:prstGeom>
+          <a:noFill/>
+        </p:spPr>
+        <p:style>
+          <a:lnRef idx="2">
+            <a:schemeClr val="accent1">
+              <a:shade val="50000"/>
+            </a:schemeClr>
+          </a:lnRef>
+          <a:fillRef idx="1">
+            <a:schemeClr val="accent1"/>
+          </a:fillRef>
+          <a:effectRef idx="0">
+            <a:schemeClr val="accent1"/>
+          </a:effectRef>
+          <a:fontRef idx="minor">
+            <a:schemeClr val="lt1"/>
+          </a:fontRef>
+        </p:style>
+        <p:txBody>
+          <a:bodyPr rtlCol="0" anchor="ctr"/>
+          <a:lstStyle/>
+          <a:p>
+            <a:pPr algn="ctr"/>
+            <a:endParaRPr lang="en-US"/>
+          </a:p>
+        </p:txBody>
+      </p:sp>
+      <p:sp>
+        <p:nvSpPr>
+          <p:cNvPr id="11" name="Oval 10">
+            <a:extLst>
+              <a:ext uri="{FF2B5EF4-FFF2-40B4-BE49-F238E27FC236}">
+                <a16:creationId xmlns:a16="http://schemas.microsoft.com/office/drawing/2014/main" id="{7FC48FED-FD2C-496A-B257-DE7F7AFE4F33}"/>
+              </a:ext>
+            </a:extLst>
+          </p:cNvPr>
+          <p:cNvSpPr/>
+          <p:nvPr/>
+        </p:nvSpPr>
+        <p:spPr>
+          <a:xfrm>
+            <a:off x="9521257" y="2826463"/>
+            <a:ext cx="1487042" cy="584200"/>
+          </a:xfrm>
+          <a:prstGeom prst="ellipse">
+            <a:avLst/>
+          </a:prstGeom>
+        </p:spPr>
+        <p:style>
+          <a:lnRef idx="2">
+            <a:schemeClr val="accent1">
+              <a:shade val="50000"/>
+            </a:schemeClr>
+          </a:lnRef>
+          <a:fillRef idx="1">
+            <a:schemeClr val="accent1"/>
+          </a:fillRef>
+          <a:effectRef idx="0">
+            <a:schemeClr val="accent1"/>
+          </a:effectRef>
+          <a:fontRef idx="minor">
+            <a:schemeClr val="lt1"/>
+          </a:fontRef>
+        </p:style>
+        <p:txBody>
+          <a:bodyPr rtlCol="0" anchor="ctr"/>
+          <a:lstStyle/>
+          <a:p>
+            <a:pPr algn="ctr"/>
+            <a:r>
+              <a:rPr lang="en-US" dirty="0"/>
+              <a:t>Mysql:3306</a:t>
+            </a:r>
+          </a:p>
+        </p:txBody>
+      </p:sp>
+      <p:sp>
+        <p:nvSpPr>
+          <p:cNvPr id="12" name="TextBox 11">
+            <a:extLst>
+              <a:ext uri="{FF2B5EF4-FFF2-40B4-BE49-F238E27FC236}">
+                <a16:creationId xmlns:a16="http://schemas.microsoft.com/office/drawing/2014/main" id="{B829B603-E410-4E25-8864-1BE85A9ECE80}"/>
+              </a:ext>
+            </a:extLst>
+          </p:cNvPr>
+          <p:cNvSpPr txBox="1"/>
+          <p:nvPr/>
+        </p:nvSpPr>
+        <p:spPr>
+          <a:xfrm>
+            <a:off x="9003995" y="1849718"/>
+            <a:ext cx="1176925" cy="369332"/>
+          </a:xfrm>
+          <a:prstGeom prst="rect">
+            <a:avLst/>
+          </a:prstGeom>
+          <a:noFill/>
+        </p:spPr>
+        <p:txBody>
+          <a:bodyPr wrap="none" rtlCol="0">
+            <a:spAutoFit/>
+          </a:bodyPr>
+          <a:lstStyle/>
+          <a:p>
+            <a:r>
+              <a:rPr lang="en-US" dirty="0"/>
+              <a:t>172.17.0.5</a:t>
+            </a:r>
+          </a:p>
+        </p:txBody>
+      </p:sp>
+      <p:sp>
+        <p:nvSpPr>
+          <p:cNvPr id="15" name="TextBox 14">
+            <a:extLst>
+              <a:ext uri="{FF2B5EF4-FFF2-40B4-BE49-F238E27FC236}">
+                <a16:creationId xmlns:a16="http://schemas.microsoft.com/office/drawing/2014/main" id="{71779352-4D7C-42FA-B1D3-290120B29BF8}"/>
+              </a:ext>
+            </a:extLst>
+          </p:cNvPr>
+          <p:cNvSpPr txBox="1"/>
+          <p:nvPr/>
+        </p:nvSpPr>
+        <p:spPr>
+          <a:xfrm>
+            <a:off x="5654601" y="5288002"/>
+            <a:ext cx="637311" cy="369332"/>
+          </a:xfrm>
+          <a:prstGeom prst="rect">
+            <a:avLst/>
+          </a:prstGeom>
+          <a:noFill/>
+        </p:spPr>
+        <p:txBody>
+          <a:bodyPr wrap="square" rtlCol="0">
+            <a:spAutoFit/>
+          </a:bodyPr>
+          <a:lstStyle/>
+          <a:p>
+            <a:r>
+              <a:rPr lang="en-US" dirty="0"/>
+              <a:t>dep</a:t>
+            </a:r>
+          </a:p>
+        </p:txBody>
+      </p:sp>
+      <p:cxnSp>
+        <p:nvCxnSpPr>
+          <p:cNvPr id="16" name="Straight Arrow Connector 15">
+            <a:extLst>
+              <a:ext uri="{FF2B5EF4-FFF2-40B4-BE49-F238E27FC236}">
+                <a16:creationId xmlns:a16="http://schemas.microsoft.com/office/drawing/2014/main" id="{73F23A88-4537-4E71-88E5-0CE8B49EC94D}"/>
+              </a:ext>
+            </a:extLst>
+          </p:cNvPr>
+          <p:cNvCxnSpPr>
+            <a:cxnSpLocks/>
+            <a:stCxn id="15" idx="0"/>
+            <a:endCxn id="17" idx="2"/>
+          </p:cNvCxnSpPr>
+          <p:nvPr/>
+        </p:nvCxnSpPr>
+        <p:spPr>
+          <a:xfrm flipV="1">
+            <a:off x="5973257" y="4983018"/>
+            <a:ext cx="0" cy="304984"/>
+          </a:xfrm>
+          <a:prstGeom prst="straightConnector1">
+            <a:avLst/>
+          </a:prstGeom>
+          <a:ln>
+            <a:tailEnd type="triangle"/>
+          </a:ln>
+        </p:spPr>
+        <p:style>
+          <a:lnRef idx="1">
+            <a:schemeClr val="accent1"/>
+          </a:lnRef>
+          <a:fillRef idx="0">
+            <a:schemeClr val="accent1"/>
+          </a:fillRef>
+          <a:effectRef idx="0">
+            <a:schemeClr val="accent1"/>
+          </a:effectRef>
+          <a:fontRef idx="minor">
+            <a:schemeClr val="tx1"/>
+          </a:fontRef>
+        </p:style>
+      </p:cxnSp>
+      <p:sp>
+        <p:nvSpPr>
+          <p:cNvPr id="17" name="TextBox 16">
+            <a:extLst>
+              <a:ext uri="{FF2B5EF4-FFF2-40B4-BE49-F238E27FC236}">
+                <a16:creationId xmlns:a16="http://schemas.microsoft.com/office/drawing/2014/main" id="{D162C15D-262F-4D1F-815C-AA4A00FAE3AB}"/>
+              </a:ext>
+            </a:extLst>
+          </p:cNvPr>
+          <p:cNvSpPr txBox="1"/>
+          <p:nvPr/>
+        </p:nvSpPr>
+        <p:spPr>
+          <a:xfrm>
+            <a:off x="5788528" y="4613686"/>
+            <a:ext cx="369458" cy="369332"/>
+          </a:xfrm>
+          <a:prstGeom prst="rect">
+            <a:avLst/>
+          </a:prstGeom>
+          <a:noFill/>
+        </p:spPr>
+        <p:txBody>
+          <a:bodyPr wrap="square" rtlCol="0">
+            <a:spAutoFit/>
+          </a:bodyPr>
+          <a:lstStyle/>
+          <a:p>
+            <a:r>
+              <a:rPr lang="en-US" dirty="0" err="1"/>
+              <a:t>rs</a:t>
+            </a:r>
+            <a:endParaRPr lang="en-US" dirty="0"/>
+          </a:p>
+        </p:txBody>
+      </p:sp>
+      <p:cxnSp>
+        <p:nvCxnSpPr>
+          <p:cNvPr id="18" name="Straight Arrow Connector 17">
+            <a:extLst>
+              <a:ext uri="{FF2B5EF4-FFF2-40B4-BE49-F238E27FC236}">
+                <a16:creationId xmlns:a16="http://schemas.microsoft.com/office/drawing/2014/main" id="{26BC037B-B783-455B-9229-33C177244A13}"/>
+              </a:ext>
+            </a:extLst>
+          </p:cNvPr>
+          <p:cNvCxnSpPr>
+            <a:stCxn id="17" idx="0"/>
+          </p:cNvCxnSpPr>
+          <p:nvPr/>
+        </p:nvCxnSpPr>
+        <p:spPr>
+          <a:xfrm flipV="1">
+            <a:off x="5973257" y="4114800"/>
+            <a:ext cx="0" cy="498886"/>
+          </a:xfrm>
+          <a:prstGeom prst="straightConnector1">
+            <a:avLst/>
+          </a:prstGeom>
+          <a:ln>
+            <a:tailEnd type="triangle"/>
+          </a:ln>
+        </p:spPr>
+        <p:style>
+          <a:lnRef idx="1">
+            <a:schemeClr val="accent1"/>
+          </a:lnRef>
+          <a:fillRef idx="0">
+            <a:schemeClr val="accent1"/>
+          </a:fillRef>
+          <a:effectRef idx="0">
+            <a:schemeClr val="accent1"/>
+          </a:effectRef>
+          <a:fontRef idx="minor">
+            <a:schemeClr val="tx1"/>
+          </a:fontRef>
+        </p:style>
+      </p:cxnSp>
+      <p:sp>
+        <p:nvSpPr>
+          <p:cNvPr id="19" name="Rectangle 18">
+            <a:extLst>
+              <a:ext uri="{FF2B5EF4-FFF2-40B4-BE49-F238E27FC236}">
+                <a16:creationId xmlns:a16="http://schemas.microsoft.com/office/drawing/2014/main" id="{0A92876D-7F66-4D01-92F9-55174B9540D2}"/>
+              </a:ext>
+            </a:extLst>
+          </p:cNvPr>
+          <p:cNvSpPr/>
+          <p:nvPr/>
+        </p:nvSpPr>
+        <p:spPr>
+          <a:xfrm>
+            <a:off x="4892603" y="2008909"/>
+            <a:ext cx="2004291" cy="2115127"/>
+          </a:xfrm>
+          <a:prstGeom prst="rect">
+            <a:avLst/>
+          </a:prstGeom>
+          <a:noFill/>
+        </p:spPr>
+        <p:style>
+          <a:lnRef idx="2">
+            <a:schemeClr val="accent1">
+              <a:shade val="50000"/>
+            </a:schemeClr>
+          </a:lnRef>
+          <a:fillRef idx="1">
+            <a:schemeClr val="accent1"/>
+          </a:fillRef>
+          <a:effectRef idx="0">
+            <a:schemeClr val="accent1"/>
+          </a:effectRef>
+          <a:fontRef idx="minor">
+            <a:schemeClr val="lt1"/>
+          </a:fontRef>
+        </p:style>
+        <p:txBody>
+          <a:bodyPr rtlCol="0" anchor="ctr"/>
+          <a:lstStyle/>
+          <a:p>
+            <a:pPr algn="ctr"/>
+            <a:endParaRPr lang="en-US"/>
+          </a:p>
+        </p:txBody>
+      </p:sp>
+      <p:sp>
+        <p:nvSpPr>
+          <p:cNvPr id="20" name="Oval 19">
+            <a:extLst>
+              <a:ext uri="{FF2B5EF4-FFF2-40B4-BE49-F238E27FC236}">
+                <a16:creationId xmlns:a16="http://schemas.microsoft.com/office/drawing/2014/main" id="{F0CCE0CF-8069-42B3-95B5-762A444FF519}"/>
+              </a:ext>
+            </a:extLst>
+          </p:cNvPr>
+          <p:cNvSpPr/>
+          <p:nvPr/>
+        </p:nvSpPr>
+        <p:spPr>
+          <a:xfrm>
+            <a:off x="5043054" y="2159000"/>
+            <a:ext cx="1853839" cy="1858818"/>
+          </a:xfrm>
+          <a:prstGeom prst="ellipse">
+            <a:avLst/>
+          </a:prstGeom>
+        </p:spPr>
+        <p:style>
+          <a:lnRef idx="2">
+            <a:schemeClr val="accent1">
+              <a:shade val="50000"/>
+            </a:schemeClr>
+          </a:lnRef>
+          <a:fillRef idx="1">
+            <a:schemeClr val="accent1"/>
+          </a:fillRef>
+          <a:effectRef idx="0">
+            <a:schemeClr val="accent1"/>
+          </a:effectRef>
+          <a:fontRef idx="minor">
+            <a:schemeClr val="lt1"/>
+          </a:fontRef>
+        </p:style>
+        <p:txBody>
+          <a:bodyPr rtlCol="0" anchor="ctr"/>
+          <a:lstStyle/>
+          <a:p>
+            <a:pPr algn="ctr"/>
+            <a:r>
+              <a:rPr lang="en-US" dirty="0"/>
+              <a:t>Ghost:2368</a:t>
+            </a:r>
+          </a:p>
+          <a:p>
+            <a:pPr algn="ctr"/>
+            <a:r>
+              <a:rPr lang="en-US" sz="1200" dirty="0" err="1"/>
+              <a:t>Dbhost</a:t>
+            </a:r>
+            <a:r>
+              <a:rPr lang="en-US" sz="1200" dirty="0"/>
+              <a:t>:</a:t>
+            </a:r>
+          </a:p>
+          <a:p>
+            <a:pPr algn="ctr"/>
+            <a:r>
+              <a:rPr lang="en-US" sz="1200" dirty="0"/>
+              <a:t>Db-svc</a:t>
+            </a:r>
+          </a:p>
+          <a:p>
+            <a:pPr algn="ctr"/>
+            <a:r>
+              <a:rPr lang="en-US" sz="1200" dirty="0" err="1"/>
+              <a:t>Dbport</a:t>
+            </a:r>
+            <a:r>
+              <a:rPr lang="en-US" sz="1200" dirty="0"/>
+              <a:t>:</a:t>
+            </a:r>
+          </a:p>
+          <a:p>
+            <a:pPr algn="ctr"/>
+            <a:r>
+              <a:rPr lang="en-US" sz="1200" dirty="0"/>
+              <a:t>8888</a:t>
+            </a:r>
+          </a:p>
+        </p:txBody>
+      </p:sp>
+      <p:sp>
+        <p:nvSpPr>
+          <p:cNvPr id="21" name="TextBox 20">
+            <a:extLst>
+              <a:ext uri="{FF2B5EF4-FFF2-40B4-BE49-F238E27FC236}">
+                <a16:creationId xmlns:a16="http://schemas.microsoft.com/office/drawing/2014/main" id="{97E60ED5-625F-4C09-B5B1-15D6E30038E9}"/>
+              </a:ext>
+            </a:extLst>
+          </p:cNvPr>
+          <p:cNvSpPr txBox="1"/>
+          <p:nvPr/>
+        </p:nvSpPr>
+        <p:spPr>
+          <a:xfrm>
+            <a:off x="4892590" y="1722582"/>
+            <a:ext cx="1176925" cy="369332"/>
+          </a:xfrm>
+          <a:prstGeom prst="rect">
+            <a:avLst/>
+          </a:prstGeom>
+          <a:noFill/>
+        </p:spPr>
+        <p:txBody>
+          <a:bodyPr wrap="none" rtlCol="0">
+            <a:spAutoFit/>
+          </a:bodyPr>
+          <a:lstStyle/>
+          <a:p>
+            <a:r>
+              <a:rPr lang="en-US" dirty="0"/>
+              <a:t>172.17.0.6</a:t>
+            </a:r>
+          </a:p>
+        </p:txBody>
+      </p:sp>
+      <p:sp>
+        <p:nvSpPr>
+          <p:cNvPr id="22" name="TextBox 21">
+            <a:extLst>
+              <a:ext uri="{FF2B5EF4-FFF2-40B4-BE49-F238E27FC236}">
+                <a16:creationId xmlns:a16="http://schemas.microsoft.com/office/drawing/2014/main" id="{8E8A855F-6690-4C31-8C7E-FDC7E7B814FE}"/>
+              </a:ext>
+            </a:extLst>
+          </p:cNvPr>
+          <p:cNvSpPr txBox="1"/>
+          <p:nvPr/>
+        </p:nvSpPr>
+        <p:spPr>
+          <a:xfrm>
+            <a:off x="8488218" y="817007"/>
+            <a:ext cx="3029997" cy="923330"/>
+          </a:xfrm>
+          <a:prstGeom prst="rect">
+            <a:avLst/>
+          </a:prstGeom>
+          <a:noFill/>
+        </p:spPr>
+        <p:txBody>
+          <a:bodyPr wrap="none" rtlCol="0">
+            <a:spAutoFit/>
+          </a:bodyPr>
+          <a:lstStyle/>
+          <a:p>
+            <a:r>
+              <a:rPr lang="en-US" dirty="0" err="1"/>
+              <a:t>ClusterIP</a:t>
+            </a:r>
+            <a:r>
+              <a:rPr lang="en-US" dirty="0"/>
+              <a:t> svc</a:t>
+            </a:r>
+          </a:p>
+          <a:p>
+            <a:r>
+              <a:rPr lang="en-US" dirty="0" err="1"/>
+              <a:t>db</a:t>
+            </a:r>
+            <a:r>
+              <a:rPr lang="en-US" dirty="0"/>
+              <a:t>-svc: 8888</a:t>
+            </a:r>
+          </a:p>
+          <a:p>
+            <a:r>
+              <a:rPr lang="en-US" dirty="0"/>
+              <a:t>	EP : 172.17.0.5:3306</a:t>
+            </a:r>
+          </a:p>
+        </p:txBody>
+      </p:sp>
+      <p:cxnSp>
+        <p:nvCxnSpPr>
+          <p:cNvPr id="24" name="Straight Arrow Connector 23">
+            <a:extLst>
+              <a:ext uri="{FF2B5EF4-FFF2-40B4-BE49-F238E27FC236}">
+                <a16:creationId xmlns:a16="http://schemas.microsoft.com/office/drawing/2014/main" id="{87A060A2-676D-4A40-96F8-1E60E664C7EC}"/>
+              </a:ext>
+            </a:extLst>
+          </p:cNvPr>
+          <p:cNvCxnSpPr>
+            <a:endCxn id="12" idx="3"/>
+          </p:cNvCxnSpPr>
+          <p:nvPr/>
+        </p:nvCxnSpPr>
+        <p:spPr>
+          <a:xfrm flipH="1">
+            <a:off x="10180920" y="1431361"/>
+            <a:ext cx="426674" cy="603023"/>
+          </a:xfrm>
+          <a:prstGeom prst="straightConnector1">
+            <a:avLst/>
+          </a:prstGeom>
+          <a:ln>
+            <a:tailEnd type="triangle"/>
+          </a:ln>
+        </p:spPr>
+        <p:style>
+          <a:lnRef idx="1">
+            <a:schemeClr val="accent1"/>
+          </a:lnRef>
+          <a:fillRef idx="0">
+            <a:schemeClr val="accent1"/>
+          </a:fillRef>
+          <a:effectRef idx="0">
+            <a:schemeClr val="accent1"/>
+          </a:effectRef>
+          <a:fontRef idx="minor">
+            <a:schemeClr val="tx1"/>
+          </a:fontRef>
+        </p:style>
+      </p:cxnSp>
+      <p:cxnSp>
+        <p:nvCxnSpPr>
+          <p:cNvPr id="26" name="Straight Arrow Connector 25">
+            <a:extLst>
+              <a:ext uri="{FF2B5EF4-FFF2-40B4-BE49-F238E27FC236}">
+                <a16:creationId xmlns:a16="http://schemas.microsoft.com/office/drawing/2014/main" id="{CB446E22-0FA9-4396-A2D1-88777E88EDEB}"/>
+              </a:ext>
+            </a:extLst>
+          </p:cNvPr>
+          <p:cNvCxnSpPr>
+            <a:stCxn id="12" idx="2"/>
+            <a:endCxn id="11" idx="0"/>
+          </p:cNvCxnSpPr>
+          <p:nvPr/>
+        </p:nvCxnSpPr>
+        <p:spPr>
+          <a:xfrm>
+            <a:off x="9592458" y="2219050"/>
+            <a:ext cx="672320" cy="607413"/>
+          </a:xfrm>
+          <a:prstGeom prst="straightConnector1">
+            <a:avLst/>
+          </a:prstGeom>
+          <a:ln>
+            <a:tailEnd type="triangle"/>
+          </a:ln>
+        </p:spPr>
+        <p:style>
+          <a:lnRef idx="1">
+            <a:schemeClr val="accent1"/>
+          </a:lnRef>
+          <a:fillRef idx="0">
+            <a:schemeClr val="accent1"/>
+          </a:fillRef>
+          <a:effectRef idx="0">
+            <a:schemeClr val="accent1"/>
+          </a:effectRef>
+          <a:fontRef idx="minor">
+            <a:schemeClr val="tx1"/>
+          </a:fontRef>
+        </p:style>
+      </p:cxnSp>
+      <p:cxnSp>
+        <p:nvCxnSpPr>
+          <p:cNvPr id="30" name="Straight Arrow Connector 29">
+            <a:extLst>
+              <a:ext uri="{FF2B5EF4-FFF2-40B4-BE49-F238E27FC236}">
+                <a16:creationId xmlns:a16="http://schemas.microsoft.com/office/drawing/2014/main" id="{EAA18B51-F710-4A03-AF24-12C7D7F2C890}"/>
+              </a:ext>
+            </a:extLst>
+          </p:cNvPr>
+          <p:cNvCxnSpPr>
+            <a:endCxn id="22" idx="1"/>
+          </p:cNvCxnSpPr>
+          <p:nvPr/>
+        </p:nvCxnSpPr>
+        <p:spPr>
+          <a:xfrm flipV="1">
+            <a:off x="6157986" y="1278672"/>
+            <a:ext cx="2330232" cy="1914937"/>
+          </a:xfrm>
+          <a:prstGeom prst="straightConnector1">
+            <a:avLst/>
+          </a:prstGeom>
+          <a:ln>
+            <a:solidFill>
+              <a:srgbClr val="FF0000"/>
+            </a:solidFill>
+            <a:tailEnd type="triangle"/>
+          </a:ln>
+        </p:spPr>
+        <p:style>
+          <a:lnRef idx="1">
+            <a:schemeClr val="accent1"/>
+          </a:lnRef>
+          <a:fillRef idx="0">
+            <a:schemeClr val="accent1"/>
+          </a:fillRef>
+          <a:effectRef idx="0">
+            <a:schemeClr val="accent1"/>
+          </a:effectRef>
+          <a:fontRef idx="minor">
+            <a:schemeClr val="tx1"/>
+          </a:fontRef>
+        </p:style>
+      </p:cxnSp>
+      <p:cxnSp>
+        <p:nvCxnSpPr>
+          <p:cNvPr id="32" name="Straight Arrow Connector 31">
+            <a:extLst>
+              <a:ext uri="{FF2B5EF4-FFF2-40B4-BE49-F238E27FC236}">
+                <a16:creationId xmlns:a16="http://schemas.microsoft.com/office/drawing/2014/main" id="{89ED67EA-A683-41A6-9E82-2C9513DC32C2}"/>
+              </a:ext>
+            </a:extLst>
+          </p:cNvPr>
+          <p:cNvCxnSpPr>
+            <a:cxnSpLocks/>
+            <a:endCxn id="33" idx="1"/>
+          </p:cNvCxnSpPr>
+          <p:nvPr/>
+        </p:nvCxnSpPr>
+        <p:spPr>
+          <a:xfrm>
+            <a:off x="1108364" y="2826463"/>
+            <a:ext cx="1524000" cy="1228239"/>
+          </a:xfrm>
+          <a:prstGeom prst="straightConnector1">
+            <a:avLst/>
+          </a:prstGeom>
+          <a:ln>
+            <a:tailEnd type="triangle"/>
+          </a:ln>
+        </p:spPr>
+        <p:style>
+          <a:lnRef idx="1">
+            <a:schemeClr val="accent1"/>
+          </a:lnRef>
+          <a:fillRef idx="0">
+            <a:schemeClr val="accent1"/>
+          </a:fillRef>
+          <a:effectRef idx="0">
+            <a:schemeClr val="accent1"/>
+          </a:effectRef>
+          <a:fontRef idx="minor">
+            <a:schemeClr val="tx1"/>
+          </a:fontRef>
+        </p:style>
+      </p:cxnSp>
+      <p:sp>
+        <p:nvSpPr>
+          <p:cNvPr id="33" name="TextBox 32">
+            <a:extLst>
+              <a:ext uri="{FF2B5EF4-FFF2-40B4-BE49-F238E27FC236}">
+                <a16:creationId xmlns:a16="http://schemas.microsoft.com/office/drawing/2014/main" id="{A12CBA0C-E75C-4F59-A3DA-D12F81D50685}"/>
+              </a:ext>
+            </a:extLst>
+          </p:cNvPr>
+          <p:cNvSpPr txBox="1"/>
+          <p:nvPr/>
+        </p:nvSpPr>
+        <p:spPr>
+          <a:xfrm>
+            <a:off x="2632364" y="3870036"/>
+            <a:ext cx="775854" cy="369332"/>
+          </a:xfrm>
+          <a:prstGeom prst="rect">
+            <a:avLst/>
+          </a:prstGeom>
+          <a:noFill/>
+        </p:spPr>
+        <p:txBody>
+          <a:bodyPr wrap="square" rtlCol="0">
+            <a:spAutoFit/>
+          </a:bodyPr>
+          <a:lstStyle/>
+          <a:p>
+            <a:r>
+              <a:rPr lang="en-US" dirty="0"/>
+              <a:t>32005</a:t>
+            </a:r>
+          </a:p>
+        </p:txBody>
+      </p:sp>
+      <p:sp>
+        <p:nvSpPr>
+          <p:cNvPr id="34" name="TextBox 33">
+            <a:extLst>
+              <a:ext uri="{FF2B5EF4-FFF2-40B4-BE49-F238E27FC236}">
+                <a16:creationId xmlns:a16="http://schemas.microsoft.com/office/drawing/2014/main" id="{17BCBEE0-631C-4682-BF5F-3F3F9E413A45}"/>
+              </a:ext>
+            </a:extLst>
+          </p:cNvPr>
+          <p:cNvSpPr txBox="1"/>
+          <p:nvPr/>
+        </p:nvSpPr>
+        <p:spPr>
+          <a:xfrm>
+            <a:off x="3821418" y="926388"/>
+            <a:ext cx="2718892" cy="923330"/>
+          </a:xfrm>
+          <a:prstGeom prst="rect">
+            <a:avLst/>
+          </a:prstGeom>
+          <a:noFill/>
+        </p:spPr>
+        <p:txBody>
+          <a:bodyPr wrap="square" rtlCol="0">
+            <a:spAutoFit/>
+          </a:bodyPr>
+          <a:lstStyle/>
+          <a:p>
+            <a:r>
+              <a:rPr lang="en-US" dirty="0" err="1"/>
+              <a:t>nodePort</a:t>
+            </a:r>
+            <a:endParaRPr lang="en-US" dirty="0"/>
+          </a:p>
+          <a:p>
+            <a:r>
+              <a:rPr lang="en-US" dirty="0"/>
+              <a:t>Ghost-svc EP</a:t>
+            </a:r>
+          </a:p>
+          <a:p>
+            <a:r>
+              <a:rPr lang="en-US" dirty="0"/>
+              <a:t>	172.17.0.6:2368</a:t>
+            </a:r>
+          </a:p>
+        </p:txBody>
+      </p:sp>
+      <p:cxnSp>
+        <p:nvCxnSpPr>
+          <p:cNvPr id="36" name="Straight Arrow Connector 35">
+            <a:extLst>
+              <a:ext uri="{FF2B5EF4-FFF2-40B4-BE49-F238E27FC236}">
+                <a16:creationId xmlns:a16="http://schemas.microsoft.com/office/drawing/2014/main" id="{1FCC51C7-D65A-4C71-B61C-95573E4AFE29}"/>
+              </a:ext>
+            </a:extLst>
+          </p:cNvPr>
+          <p:cNvCxnSpPr>
+            <a:stCxn id="33" idx="3"/>
+            <a:endCxn id="34" idx="1"/>
+          </p:cNvCxnSpPr>
+          <p:nvPr/>
+        </p:nvCxnSpPr>
+        <p:spPr>
+          <a:xfrm flipV="1">
+            <a:off x="3408218" y="1388053"/>
+            <a:ext cx="413200" cy="2666649"/>
+          </a:xfrm>
+          <a:prstGeom prst="straightConnector1">
+            <a:avLst/>
+          </a:prstGeom>
+          <a:ln>
+            <a:tailEnd type="triangle"/>
+          </a:ln>
+        </p:spPr>
+        <p:style>
+          <a:lnRef idx="1">
+            <a:schemeClr val="accent1"/>
+          </a:lnRef>
+          <a:fillRef idx="0">
+            <a:schemeClr val="accent1"/>
+          </a:fillRef>
+          <a:effectRef idx="0">
+            <a:schemeClr val="accent1"/>
+          </a:effectRef>
+          <a:fontRef idx="minor">
+            <a:schemeClr val="tx1"/>
+          </a:fontRef>
+        </p:style>
+      </p:cxnSp>
+      <p:cxnSp>
+        <p:nvCxnSpPr>
+          <p:cNvPr id="38" name="Straight Arrow Connector 37">
+            <a:extLst>
+              <a:ext uri="{FF2B5EF4-FFF2-40B4-BE49-F238E27FC236}">
+                <a16:creationId xmlns:a16="http://schemas.microsoft.com/office/drawing/2014/main" id="{E48AFB94-705F-4BD2-B330-DEE7CC4EA82A}"/>
+              </a:ext>
+            </a:extLst>
+          </p:cNvPr>
+          <p:cNvCxnSpPr>
+            <a:stCxn id="34" idx="3"/>
+            <a:endCxn id="21" idx="3"/>
+          </p:cNvCxnSpPr>
+          <p:nvPr/>
+        </p:nvCxnSpPr>
+        <p:spPr>
+          <a:xfrm flipH="1">
+            <a:off x="6069515" y="1388053"/>
+            <a:ext cx="470795" cy="519195"/>
+          </a:xfrm>
+          <a:prstGeom prst="straightConnector1">
+            <a:avLst/>
+          </a:prstGeom>
+          <a:ln>
+            <a:tailEnd type="triangle"/>
+          </a:ln>
+        </p:spPr>
+        <p:style>
+          <a:lnRef idx="1">
+            <a:schemeClr val="accent1"/>
+          </a:lnRef>
+          <a:fillRef idx="0">
+            <a:schemeClr val="accent1"/>
+          </a:fillRef>
+          <a:effectRef idx="0">
+            <a:schemeClr val="accent1"/>
+          </a:effectRef>
+          <a:fontRef idx="minor">
+            <a:schemeClr val="tx1"/>
+          </a:fontRef>
+        </p:style>
+      </p:cxnSp>
+      <p:cxnSp>
+        <p:nvCxnSpPr>
+          <p:cNvPr id="40" name="Straight Arrow Connector 39">
+            <a:extLst>
+              <a:ext uri="{FF2B5EF4-FFF2-40B4-BE49-F238E27FC236}">
+                <a16:creationId xmlns:a16="http://schemas.microsoft.com/office/drawing/2014/main" id="{2287FAF2-13DB-431B-B6E7-7E5AD1679ED6}"/>
+              </a:ext>
+            </a:extLst>
+          </p:cNvPr>
+          <p:cNvCxnSpPr>
+            <a:cxnSpLocks/>
+            <a:stCxn id="21" idx="3"/>
+            <a:endCxn id="20" idx="0"/>
+          </p:cNvCxnSpPr>
+          <p:nvPr/>
+        </p:nvCxnSpPr>
+        <p:spPr>
+          <a:xfrm flipH="1">
+            <a:off x="5969974" y="1907248"/>
+            <a:ext cx="99541" cy="251752"/>
+          </a:xfrm>
+          <a:prstGeom prst="straightConnector1">
+            <a:avLst/>
+          </a:prstGeom>
+          <a:ln>
+            <a:tailEnd type="triangle"/>
+          </a:ln>
+        </p:spPr>
+        <p:style>
+          <a:lnRef idx="1">
+            <a:schemeClr val="accent1"/>
+          </a:lnRef>
+          <a:fillRef idx="0">
+            <a:schemeClr val="accent1"/>
+          </a:fillRef>
+          <a:effectRef idx="0">
+            <a:schemeClr val="accent1"/>
+          </a:effectRef>
+          <a:fontRef idx="minor">
+            <a:schemeClr val="tx1"/>
+          </a:fontRef>
+        </p:style>
+      </p:cxnSp>
+    </p:spTree>
+    <p:extLst>
+      <p:ext uri="{BB962C8B-B14F-4D97-AF65-F5344CB8AC3E}">
+        <p14:creationId xmlns:p14="http://schemas.microsoft.com/office/powerpoint/2010/main" val="1778550546"/>
+      </p:ext>
+    </p:extLst>
+  </p:cSld>
+  <p:clrMapOvr>
+    <a:masterClrMapping/>
+  </p:clrMapOvr>
+</p:sld>
+</file>
+
+<file path=ppt/slides/slide18.xml><?xml version="1.0" encoding="utf-8"?>
+<p:sld xmlns:a="http://schemas.openxmlformats.org/drawingml/2006/main" xmlns:r="http://schemas.openxmlformats.org/officeDocument/2006/relationships" xmlns:p="http://schemas.openxmlformats.org/presentationml/2006/main">
+  <p:cSld>
+    <p:spTree>
+      <p:nvGrpSpPr>
+        <p:cNvPr id="1" name=""/>
+        <p:cNvGrpSpPr/>
+        <p:nvPr/>
+      </p:nvGrpSpPr>
+      <p:grpSpPr>
+        <a:xfrm>
+          <a:off x="0" y="0"/>
+          <a:ext cx="0" cy="0"/>
+          <a:chOff x="0" y="0"/>
+          <a:chExt cx="0" cy="0"/>
+        </a:xfrm>
+      </p:grpSpPr>
+      <p:sp>
+        <p:nvSpPr>
+          <p:cNvPr id="3" name="Isosceles Triangle 2">
+            <a:extLst>
+              <a:ext uri="{FF2B5EF4-FFF2-40B4-BE49-F238E27FC236}">
+                <a16:creationId xmlns:a16="http://schemas.microsoft.com/office/drawing/2014/main" id="{58F2A509-DBEE-4F57-83BC-BEC41963545C}"/>
+              </a:ext>
+            </a:extLst>
+          </p:cNvPr>
+          <p:cNvSpPr/>
+          <p:nvPr/>
+        </p:nvSpPr>
+        <p:spPr>
+          <a:xfrm>
+            <a:off x="1717964" y="1810327"/>
+            <a:ext cx="471054" cy="757382"/>
+          </a:xfrm>
+          <a:prstGeom prst="triangle">
+            <a:avLst/>
+          </a:prstGeom>
+        </p:spPr>
+        <p:style>
+          <a:lnRef idx="2">
+            <a:schemeClr val="accent1">
+              <a:shade val="50000"/>
+            </a:schemeClr>
+          </a:lnRef>
+          <a:fillRef idx="1">
+            <a:schemeClr val="accent1"/>
+          </a:fillRef>
+          <a:effectRef idx="0">
+            <a:schemeClr val="accent1"/>
+          </a:effectRef>
+          <a:fontRef idx="minor">
+            <a:schemeClr val="lt1"/>
+          </a:fontRef>
+        </p:style>
+        <p:txBody>
+          <a:bodyPr rtlCol="0" anchor="ctr"/>
+          <a:lstStyle/>
+          <a:p>
+            <a:pPr algn="ctr"/>
+            <a:endParaRPr lang="en-US"/>
+          </a:p>
+        </p:txBody>
+      </p:sp>
+      <p:sp>
+        <p:nvSpPr>
+          <p:cNvPr id="2" name="Rectangle 1">
+            <a:extLst>
+              <a:ext uri="{FF2B5EF4-FFF2-40B4-BE49-F238E27FC236}">
+                <a16:creationId xmlns:a16="http://schemas.microsoft.com/office/drawing/2014/main" id="{F7E1B045-C680-478A-875E-61594E5CF36A}"/>
+              </a:ext>
+            </a:extLst>
+          </p:cNvPr>
+          <p:cNvSpPr/>
+          <p:nvPr/>
+        </p:nvSpPr>
+        <p:spPr>
+          <a:xfrm>
+            <a:off x="942109" y="1136073"/>
+            <a:ext cx="2004291" cy="1136072"/>
+          </a:xfrm>
+          <a:prstGeom prst="rect">
+            <a:avLst/>
+          </a:prstGeom>
+        </p:spPr>
+        <p:style>
+          <a:lnRef idx="2">
+            <a:schemeClr val="accent1">
+              <a:shade val="50000"/>
+            </a:schemeClr>
+          </a:lnRef>
+          <a:fillRef idx="1">
+            <a:schemeClr val="accent1"/>
+          </a:fillRef>
+          <a:effectRef idx="0">
+            <a:schemeClr val="accent1"/>
+          </a:effectRef>
+          <a:fontRef idx="minor">
+            <a:schemeClr val="lt1"/>
+          </a:fontRef>
+        </p:style>
+        <p:txBody>
+          <a:bodyPr rtlCol="0" anchor="ctr"/>
+          <a:lstStyle/>
+          <a:p>
+            <a:pPr algn="ctr"/>
+            <a:r>
+              <a:rPr lang="en-US" sz="1200" dirty="0" err="1"/>
+              <a:t>Kubectl</a:t>
+            </a:r>
+            <a:r>
+              <a:rPr lang="en-US" sz="1200" dirty="0"/>
+              <a:t> apply –f </a:t>
+            </a:r>
+            <a:r>
+              <a:rPr lang="en-US" sz="1200" dirty="0" err="1"/>
+              <a:t>dep.ym</a:t>
+            </a:r>
+            <a:endParaRPr lang="en-US" sz="1200" dirty="0"/>
+          </a:p>
+          <a:p>
+            <a:pPr algn="ctr"/>
+            <a:r>
+              <a:rPr lang="en-US" sz="1200" dirty="0"/>
+              <a:t>~/.</a:t>
+            </a:r>
+            <a:r>
+              <a:rPr lang="en-US" sz="1200" dirty="0" err="1"/>
+              <a:t>kube</a:t>
+            </a:r>
+            <a:r>
+              <a:rPr lang="en-US" sz="1200" dirty="0"/>
+              <a:t>/config</a:t>
+            </a:r>
+            <a:endParaRPr lang="en-US" dirty="0"/>
+          </a:p>
+        </p:txBody>
+      </p:sp>
+      <p:sp>
+        <p:nvSpPr>
+          <p:cNvPr id="4" name="Rectangle 3">
+            <a:extLst>
+              <a:ext uri="{FF2B5EF4-FFF2-40B4-BE49-F238E27FC236}">
+                <a16:creationId xmlns:a16="http://schemas.microsoft.com/office/drawing/2014/main" id="{208EED3B-D6C3-4EE2-93A0-8C074FB1AAAC}"/>
+              </a:ext>
+            </a:extLst>
+          </p:cNvPr>
+          <p:cNvSpPr/>
+          <p:nvPr/>
+        </p:nvSpPr>
+        <p:spPr>
+          <a:xfrm>
+            <a:off x="5966690" y="572654"/>
+            <a:ext cx="3731491" cy="2429163"/>
+          </a:xfrm>
+          <a:prstGeom prst="rect">
+            <a:avLst/>
+          </a:prstGeom>
+          <a:noFill/>
+        </p:spPr>
+        <p:style>
+          <a:lnRef idx="2">
+            <a:schemeClr val="accent1">
+              <a:shade val="50000"/>
+            </a:schemeClr>
+          </a:lnRef>
+          <a:fillRef idx="1">
+            <a:schemeClr val="accent1"/>
+          </a:fillRef>
+          <a:effectRef idx="0">
+            <a:schemeClr val="accent1"/>
+          </a:effectRef>
+          <a:fontRef idx="minor">
+            <a:schemeClr val="lt1"/>
+          </a:fontRef>
+        </p:style>
+        <p:txBody>
+          <a:bodyPr rtlCol="0" anchor="ctr"/>
+          <a:lstStyle/>
+          <a:p>
+            <a:pPr algn="ctr"/>
+            <a:endParaRPr lang="en-US"/>
+          </a:p>
+        </p:txBody>
+      </p:sp>
+      <p:sp>
+        <p:nvSpPr>
+          <p:cNvPr id="5" name="TextBox 4">
+            <a:extLst>
+              <a:ext uri="{FF2B5EF4-FFF2-40B4-BE49-F238E27FC236}">
+                <a16:creationId xmlns:a16="http://schemas.microsoft.com/office/drawing/2014/main" id="{CF45DD01-255F-4E1A-A626-6D7F5A7FCC1E}"/>
+              </a:ext>
+            </a:extLst>
+          </p:cNvPr>
+          <p:cNvSpPr txBox="1"/>
+          <p:nvPr/>
+        </p:nvSpPr>
+        <p:spPr>
+          <a:xfrm>
+            <a:off x="6096000" y="277091"/>
+            <a:ext cx="2569678" cy="369332"/>
+          </a:xfrm>
+          <a:prstGeom prst="rect">
+            <a:avLst/>
+          </a:prstGeom>
+          <a:noFill/>
+        </p:spPr>
+        <p:txBody>
+          <a:bodyPr wrap="none" rtlCol="0">
+            <a:spAutoFit/>
+          </a:bodyPr>
+          <a:lstStyle/>
+          <a:p>
+            <a:r>
+              <a:rPr lang="en-US" dirty="0"/>
+              <a:t>K8smaster:192.167.10.70</a:t>
+            </a:r>
+          </a:p>
+        </p:txBody>
+      </p:sp>
+      <p:sp>
+        <p:nvSpPr>
+          <p:cNvPr id="6" name="TextBox 5">
+            <a:extLst>
+              <a:ext uri="{FF2B5EF4-FFF2-40B4-BE49-F238E27FC236}">
+                <a16:creationId xmlns:a16="http://schemas.microsoft.com/office/drawing/2014/main" id="{B754606E-8A66-42ED-8059-498C2BB321CD}"/>
+              </a:ext>
+            </a:extLst>
+          </p:cNvPr>
+          <p:cNvSpPr txBox="1"/>
+          <p:nvPr/>
+        </p:nvSpPr>
+        <p:spPr>
+          <a:xfrm>
+            <a:off x="6845130" y="646423"/>
+            <a:ext cx="1265382" cy="369332"/>
+          </a:xfrm>
+          <a:prstGeom prst="rect">
+            <a:avLst/>
+          </a:prstGeom>
+          <a:noFill/>
+        </p:spPr>
+        <p:txBody>
+          <a:bodyPr wrap="square" rtlCol="0">
+            <a:spAutoFit/>
+          </a:bodyPr>
+          <a:lstStyle/>
+          <a:p>
+            <a:r>
+              <a:rPr lang="en-US" dirty="0" err="1"/>
+              <a:t>api</a:t>
+            </a:r>
+            <a:r>
+              <a:rPr lang="en-US" dirty="0"/>
+              <a:t>-server</a:t>
+            </a:r>
+          </a:p>
+        </p:txBody>
+      </p:sp>
+      <p:cxnSp>
+        <p:nvCxnSpPr>
+          <p:cNvPr id="8" name="Straight Arrow Connector 7">
+            <a:extLst>
+              <a:ext uri="{FF2B5EF4-FFF2-40B4-BE49-F238E27FC236}">
+                <a16:creationId xmlns:a16="http://schemas.microsoft.com/office/drawing/2014/main" id="{56A623E1-18CE-4438-84B0-6430A1E4DCEC}"/>
+              </a:ext>
+            </a:extLst>
+          </p:cNvPr>
+          <p:cNvCxnSpPr>
+            <a:stCxn id="2" idx="3"/>
+            <a:endCxn id="6" idx="1"/>
+          </p:cNvCxnSpPr>
+          <p:nvPr/>
+        </p:nvCxnSpPr>
+        <p:spPr>
+          <a:xfrm flipV="1">
+            <a:off x="2946400" y="831089"/>
+            <a:ext cx="3898730" cy="873020"/>
+          </a:xfrm>
+          <a:prstGeom prst="straightConnector1">
+            <a:avLst/>
+          </a:prstGeom>
+          <a:ln>
+            <a:tailEnd type="triangle"/>
+          </a:ln>
+        </p:spPr>
+        <p:style>
+          <a:lnRef idx="1">
+            <a:schemeClr val="accent1"/>
+          </a:lnRef>
+          <a:fillRef idx="0">
+            <a:schemeClr val="accent1"/>
+          </a:fillRef>
+          <a:effectRef idx="0">
+            <a:schemeClr val="accent1"/>
+          </a:effectRef>
+          <a:fontRef idx="minor">
+            <a:schemeClr val="tx1"/>
+          </a:fontRef>
+        </p:style>
+      </p:cxnSp>
+      <p:sp>
+        <p:nvSpPr>
+          <p:cNvPr id="9" name="TextBox 8">
+            <a:extLst>
+              <a:ext uri="{FF2B5EF4-FFF2-40B4-BE49-F238E27FC236}">
+                <a16:creationId xmlns:a16="http://schemas.microsoft.com/office/drawing/2014/main" id="{DE40870F-C17F-4CC5-BAA8-5B9F85E77709}"/>
+              </a:ext>
+            </a:extLst>
+          </p:cNvPr>
+          <p:cNvSpPr txBox="1"/>
+          <p:nvPr/>
+        </p:nvSpPr>
+        <p:spPr>
+          <a:xfrm>
+            <a:off x="4156362" y="1089523"/>
+            <a:ext cx="944169" cy="307777"/>
+          </a:xfrm>
+          <a:prstGeom prst="rect">
+            <a:avLst/>
+          </a:prstGeom>
+          <a:noFill/>
+        </p:spPr>
+        <p:txBody>
+          <a:bodyPr wrap="none" rtlCol="0">
+            <a:spAutoFit/>
+          </a:bodyPr>
+          <a:lstStyle/>
+          <a:p>
+            <a:r>
+              <a:rPr lang="en-US" sz="1400" dirty="0"/>
+              <a:t>1. </a:t>
+            </a:r>
+            <a:r>
+              <a:rPr lang="en-US" sz="1400" dirty="0" err="1"/>
+              <a:t>dep.yml</a:t>
+            </a:r>
+            <a:endParaRPr lang="en-US" sz="1400" dirty="0"/>
+          </a:p>
+        </p:txBody>
+      </p:sp>
+      <p:cxnSp>
+        <p:nvCxnSpPr>
+          <p:cNvPr id="11" name="Straight Arrow Connector 10">
+            <a:extLst>
+              <a:ext uri="{FF2B5EF4-FFF2-40B4-BE49-F238E27FC236}">
+                <a16:creationId xmlns:a16="http://schemas.microsoft.com/office/drawing/2014/main" id="{4EA4878B-2874-41FB-ABE7-F2B3260CAD85}"/>
+              </a:ext>
+            </a:extLst>
+          </p:cNvPr>
+          <p:cNvCxnSpPr>
+            <a:stCxn id="6" idx="2"/>
+          </p:cNvCxnSpPr>
+          <p:nvPr/>
+        </p:nvCxnSpPr>
+        <p:spPr>
+          <a:xfrm>
+            <a:off x="7477821" y="1015755"/>
+            <a:ext cx="0" cy="381545"/>
+          </a:xfrm>
+          <a:prstGeom prst="straightConnector1">
+            <a:avLst/>
+          </a:prstGeom>
+          <a:ln>
+            <a:tailEnd type="triangle"/>
+          </a:ln>
+        </p:spPr>
+        <p:style>
+          <a:lnRef idx="1">
+            <a:schemeClr val="accent1"/>
+          </a:lnRef>
+          <a:fillRef idx="0">
+            <a:schemeClr val="accent1"/>
+          </a:fillRef>
+          <a:effectRef idx="0">
+            <a:schemeClr val="accent1"/>
+          </a:effectRef>
+          <a:fontRef idx="minor">
+            <a:schemeClr val="tx1"/>
+          </a:fontRef>
+        </p:style>
+      </p:cxnSp>
+      <p:sp>
+        <p:nvSpPr>
+          <p:cNvPr id="12" name="TextBox 11">
+            <a:extLst>
+              <a:ext uri="{FF2B5EF4-FFF2-40B4-BE49-F238E27FC236}">
+                <a16:creationId xmlns:a16="http://schemas.microsoft.com/office/drawing/2014/main" id="{DC0E22BC-57CC-4FF7-8FF1-265CD222BDEE}"/>
+              </a:ext>
+            </a:extLst>
+          </p:cNvPr>
+          <p:cNvSpPr txBox="1"/>
+          <p:nvPr/>
+        </p:nvSpPr>
+        <p:spPr>
+          <a:xfrm>
+            <a:off x="6474693" y="1366985"/>
+            <a:ext cx="2026773" cy="553998"/>
+          </a:xfrm>
+          <a:prstGeom prst="rect">
+            <a:avLst/>
+          </a:prstGeom>
+          <a:noFill/>
+        </p:spPr>
+        <p:txBody>
+          <a:bodyPr wrap="none" rtlCol="0">
+            <a:spAutoFit/>
+          </a:bodyPr>
+          <a:lstStyle/>
+          <a:p>
+            <a:r>
+              <a:rPr lang="en-US" dirty="0"/>
+              <a:t>Controller-manager</a:t>
+            </a:r>
+          </a:p>
+          <a:p>
+            <a:r>
+              <a:rPr lang="en-US" sz="1200" i="1" dirty="0"/>
+              <a:t>(dep, </a:t>
+            </a:r>
+            <a:r>
+              <a:rPr lang="en-US" sz="1200" i="1" dirty="0" err="1"/>
+              <a:t>rc</a:t>
+            </a:r>
+            <a:r>
+              <a:rPr lang="en-US" sz="1200" i="1" dirty="0"/>
+              <a:t>, </a:t>
+            </a:r>
+            <a:r>
+              <a:rPr lang="en-US" sz="1200" i="1" dirty="0" err="1"/>
+              <a:t>rs</a:t>
+            </a:r>
+            <a:r>
+              <a:rPr lang="en-US" sz="1200" i="1" dirty="0"/>
+              <a:t>, pod-def)</a:t>
+            </a:r>
+            <a:endParaRPr lang="en-US" i="1" dirty="0"/>
+          </a:p>
+        </p:txBody>
+      </p:sp>
+      <p:sp>
+        <p:nvSpPr>
+          <p:cNvPr id="13" name="TextBox 12">
+            <a:extLst>
+              <a:ext uri="{FF2B5EF4-FFF2-40B4-BE49-F238E27FC236}">
+                <a16:creationId xmlns:a16="http://schemas.microsoft.com/office/drawing/2014/main" id="{C1836B5D-4A0C-4E3D-80B0-8EACD07CB492}"/>
+              </a:ext>
+            </a:extLst>
+          </p:cNvPr>
+          <p:cNvSpPr txBox="1"/>
+          <p:nvPr/>
+        </p:nvSpPr>
+        <p:spPr>
+          <a:xfrm>
+            <a:off x="7490691" y="1043710"/>
+            <a:ext cx="155939" cy="307777"/>
+          </a:xfrm>
+          <a:prstGeom prst="rect">
+            <a:avLst/>
+          </a:prstGeom>
+          <a:noFill/>
+        </p:spPr>
+        <p:txBody>
+          <a:bodyPr wrap="square" rtlCol="0">
+            <a:spAutoFit/>
+          </a:bodyPr>
+          <a:lstStyle/>
+          <a:p>
+            <a:r>
+              <a:rPr lang="en-US" sz="1400" dirty="0"/>
+              <a:t>2</a:t>
+            </a:r>
+            <a:endParaRPr lang="en-US" dirty="0"/>
+          </a:p>
+        </p:txBody>
+      </p:sp>
+      <p:cxnSp>
+        <p:nvCxnSpPr>
+          <p:cNvPr id="15" name="Straight Arrow Connector 14">
+            <a:extLst>
+              <a:ext uri="{FF2B5EF4-FFF2-40B4-BE49-F238E27FC236}">
+                <a16:creationId xmlns:a16="http://schemas.microsoft.com/office/drawing/2014/main" id="{A754BB68-D174-4509-92BD-E8B1969DB75B}"/>
+              </a:ext>
+            </a:extLst>
+          </p:cNvPr>
+          <p:cNvCxnSpPr>
+            <a:stCxn id="12" idx="2"/>
+          </p:cNvCxnSpPr>
+          <p:nvPr/>
+        </p:nvCxnSpPr>
+        <p:spPr>
+          <a:xfrm>
+            <a:off x="7488080" y="1920983"/>
+            <a:ext cx="2611" cy="498944"/>
+          </a:xfrm>
+          <a:prstGeom prst="straightConnector1">
+            <a:avLst/>
+          </a:prstGeom>
+          <a:ln>
+            <a:tailEnd type="triangle"/>
+          </a:ln>
+        </p:spPr>
+        <p:style>
+          <a:lnRef idx="1">
+            <a:schemeClr val="accent1"/>
+          </a:lnRef>
+          <a:fillRef idx="0">
+            <a:schemeClr val="accent1"/>
+          </a:fillRef>
+          <a:effectRef idx="0">
+            <a:schemeClr val="accent1"/>
+          </a:effectRef>
+          <a:fontRef idx="minor">
+            <a:schemeClr val="tx1"/>
+          </a:fontRef>
+        </p:style>
+      </p:cxnSp>
+      <p:sp>
+        <p:nvSpPr>
+          <p:cNvPr id="16" name="TextBox 15">
+            <a:extLst>
+              <a:ext uri="{FF2B5EF4-FFF2-40B4-BE49-F238E27FC236}">
+                <a16:creationId xmlns:a16="http://schemas.microsoft.com/office/drawing/2014/main" id="{AAA2259D-ED4E-44B5-9512-F49E4024637A}"/>
+              </a:ext>
+            </a:extLst>
+          </p:cNvPr>
+          <p:cNvSpPr txBox="1"/>
+          <p:nvPr/>
+        </p:nvSpPr>
+        <p:spPr>
+          <a:xfrm>
+            <a:off x="6896951" y="2327566"/>
+            <a:ext cx="1200728" cy="369332"/>
+          </a:xfrm>
+          <a:prstGeom prst="rect">
+            <a:avLst/>
+          </a:prstGeom>
+          <a:noFill/>
+        </p:spPr>
+        <p:txBody>
+          <a:bodyPr wrap="square" rtlCol="0">
+            <a:spAutoFit/>
+          </a:bodyPr>
+          <a:lstStyle/>
+          <a:p>
+            <a:r>
+              <a:rPr lang="en-US" dirty="0"/>
+              <a:t>Scheduler</a:t>
+            </a:r>
+          </a:p>
+        </p:txBody>
+      </p:sp>
+      <p:sp>
+        <p:nvSpPr>
+          <p:cNvPr id="17" name="TextBox 16">
+            <a:extLst>
+              <a:ext uri="{FF2B5EF4-FFF2-40B4-BE49-F238E27FC236}">
+                <a16:creationId xmlns:a16="http://schemas.microsoft.com/office/drawing/2014/main" id="{C21686B5-61AE-41A1-A9EA-4AEA64B99B5E}"/>
+              </a:ext>
+            </a:extLst>
+          </p:cNvPr>
+          <p:cNvSpPr txBox="1"/>
+          <p:nvPr/>
+        </p:nvSpPr>
+        <p:spPr>
+          <a:xfrm>
+            <a:off x="7523019" y="1981200"/>
+            <a:ext cx="155939" cy="307777"/>
+          </a:xfrm>
+          <a:prstGeom prst="rect">
+            <a:avLst/>
+          </a:prstGeom>
+          <a:noFill/>
+        </p:spPr>
+        <p:txBody>
+          <a:bodyPr wrap="square" rtlCol="0">
+            <a:spAutoFit/>
+          </a:bodyPr>
+          <a:lstStyle/>
+          <a:p>
+            <a:r>
+              <a:rPr lang="en-US" sz="1400" dirty="0"/>
+              <a:t>3</a:t>
+            </a:r>
+            <a:endParaRPr lang="en-US" dirty="0"/>
+          </a:p>
+        </p:txBody>
+      </p:sp>
+      <p:sp>
+        <p:nvSpPr>
+          <p:cNvPr id="18" name="Rectangle 17">
+            <a:extLst>
+              <a:ext uri="{FF2B5EF4-FFF2-40B4-BE49-F238E27FC236}">
+                <a16:creationId xmlns:a16="http://schemas.microsoft.com/office/drawing/2014/main" id="{351248A0-647D-4EF2-9701-3C820F5AF723}"/>
+              </a:ext>
+            </a:extLst>
+          </p:cNvPr>
+          <p:cNvSpPr/>
+          <p:nvPr/>
+        </p:nvSpPr>
+        <p:spPr>
+          <a:xfrm>
+            <a:off x="6382327" y="646423"/>
+            <a:ext cx="2119139" cy="2142836"/>
+          </a:xfrm>
+          <a:prstGeom prst="rect">
+            <a:avLst/>
+          </a:prstGeom>
+          <a:noFill/>
+          <a:ln>
+            <a:prstDash val="sysDot"/>
+          </a:ln>
+        </p:spPr>
+        <p:style>
+          <a:lnRef idx="2">
+            <a:schemeClr val="accent1">
+              <a:shade val="50000"/>
+            </a:schemeClr>
+          </a:lnRef>
+          <a:fillRef idx="1">
+            <a:schemeClr val="accent1"/>
+          </a:fillRef>
+          <a:effectRef idx="0">
+            <a:schemeClr val="accent1"/>
+          </a:effectRef>
+          <a:fontRef idx="minor">
+            <a:schemeClr val="lt1"/>
+          </a:fontRef>
+        </p:style>
+        <p:txBody>
+          <a:bodyPr rtlCol="0" anchor="ctr"/>
+          <a:lstStyle/>
+          <a:p>
+            <a:pPr algn="ctr"/>
+            <a:endParaRPr lang="en-US"/>
+          </a:p>
+        </p:txBody>
+      </p:sp>
+      <p:cxnSp>
+        <p:nvCxnSpPr>
+          <p:cNvPr id="20" name="Straight Arrow Connector 19">
+            <a:extLst>
+              <a:ext uri="{FF2B5EF4-FFF2-40B4-BE49-F238E27FC236}">
+                <a16:creationId xmlns:a16="http://schemas.microsoft.com/office/drawing/2014/main" id="{33F6D5F7-2DCB-4B5F-A546-70E94B493B9C}"/>
+              </a:ext>
+            </a:extLst>
+          </p:cNvPr>
+          <p:cNvCxnSpPr/>
+          <p:nvPr/>
+        </p:nvCxnSpPr>
+        <p:spPr>
+          <a:xfrm flipV="1">
+            <a:off x="8501466" y="415636"/>
+            <a:ext cx="651770" cy="415453"/>
+          </a:xfrm>
+          <a:prstGeom prst="straightConnector1">
+            <a:avLst/>
+          </a:prstGeom>
+          <a:ln>
+            <a:tailEnd type="triangle"/>
+          </a:ln>
+        </p:spPr>
+        <p:style>
+          <a:lnRef idx="1">
+            <a:schemeClr val="accent1"/>
+          </a:lnRef>
+          <a:fillRef idx="0">
+            <a:schemeClr val="accent1"/>
+          </a:fillRef>
+          <a:effectRef idx="0">
+            <a:schemeClr val="accent1"/>
+          </a:effectRef>
+          <a:fontRef idx="minor">
+            <a:schemeClr val="tx1"/>
+          </a:fontRef>
+        </p:style>
+      </p:cxnSp>
+      <p:sp>
+        <p:nvSpPr>
+          <p:cNvPr id="21" name="TextBox 20">
+            <a:extLst>
+              <a:ext uri="{FF2B5EF4-FFF2-40B4-BE49-F238E27FC236}">
+                <a16:creationId xmlns:a16="http://schemas.microsoft.com/office/drawing/2014/main" id="{8237E71C-0BB4-454C-A2FB-888C090C93BC}"/>
+              </a:ext>
+            </a:extLst>
+          </p:cNvPr>
+          <p:cNvSpPr txBox="1"/>
+          <p:nvPr/>
+        </p:nvSpPr>
+        <p:spPr>
+          <a:xfrm>
+            <a:off x="9245600" y="277091"/>
+            <a:ext cx="1470852" cy="369332"/>
+          </a:xfrm>
+          <a:prstGeom prst="rect">
+            <a:avLst/>
+          </a:prstGeom>
+          <a:noFill/>
+        </p:spPr>
+        <p:txBody>
+          <a:bodyPr wrap="none" rtlCol="0">
+            <a:spAutoFit/>
+          </a:bodyPr>
+          <a:lstStyle/>
+          <a:p>
+            <a:r>
+              <a:rPr lang="en-US" dirty="0"/>
+              <a:t>Control-plane</a:t>
+            </a:r>
+          </a:p>
+        </p:txBody>
+      </p:sp>
+      <p:sp>
+        <p:nvSpPr>
+          <p:cNvPr id="22" name="Rectangle 21">
+            <a:extLst>
+              <a:ext uri="{FF2B5EF4-FFF2-40B4-BE49-F238E27FC236}">
+                <a16:creationId xmlns:a16="http://schemas.microsoft.com/office/drawing/2014/main" id="{CAC777AF-D67D-48BE-82A0-757C0008E885}"/>
+              </a:ext>
+            </a:extLst>
+          </p:cNvPr>
+          <p:cNvSpPr/>
+          <p:nvPr/>
+        </p:nvSpPr>
+        <p:spPr>
+          <a:xfrm>
+            <a:off x="8501466" y="3800948"/>
+            <a:ext cx="2854036" cy="2429163"/>
+          </a:xfrm>
+          <a:prstGeom prst="rect">
+            <a:avLst/>
+          </a:prstGeom>
+          <a:noFill/>
+        </p:spPr>
+        <p:style>
+          <a:lnRef idx="2">
+            <a:schemeClr val="accent1">
+              <a:shade val="50000"/>
+            </a:schemeClr>
+          </a:lnRef>
+          <a:fillRef idx="1">
+            <a:schemeClr val="accent1"/>
+          </a:fillRef>
+          <a:effectRef idx="0">
+            <a:schemeClr val="accent1"/>
+          </a:effectRef>
+          <a:fontRef idx="minor">
+            <a:schemeClr val="lt1"/>
+          </a:fontRef>
+        </p:style>
+        <p:txBody>
+          <a:bodyPr rtlCol="0" anchor="ctr"/>
+          <a:lstStyle/>
+          <a:p>
+            <a:pPr algn="ctr"/>
+            <a:endParaRPr lang="en-US"/>
+          </a:p>
+        </p:txBody>
+      </p:sp>
+      <p:sp>
+        <p:nvSpPr>
+          <p:cNvPr id="23" name="TextBox 22">
+            <a:extLst>
+              <a:ext uri="{FF2B5EF4-FFF2-40B4-BE49-F238E27FC236}">
+                <a16:creationId xmlns:a16="http://schemas.microsoft.com/office/drawing/2014/main" id="{EB739467-C759-4ABB-B947-392C20BDDCE0}"/>
+              </a:ext>
+            </a:extLst>
+          </p:cNvPr>
+          <p:cNvSpPr txBox="1"/>
+          <p:nvPr/>
+        </p:nvSpPr>
+        <p:spPr>
+          <a:xfrm>
+            <a:off x="8723310" y="6205073"/>
+            <a:ext cx="2515432" cy="369332"/>
+          </a:xfrm>
+          <a:prstGeom prst="rect">
+            <a:avLst/>
+          </a:prstGeom>
+          <a:noFill/>
+        </p:spPr>
+        <p:txBody>
+          <a:bodyPr wrap="none" rtlCol="0">
+            <a:spAutoFit/>
+          </a:bodyPr>
+          <a:lstStyle/>
+          <a:p>
+            <a:r>
+              <a:rPr lang="en-US" dirty="0"/>
+              <a:t>K8snode1:192.167.10.71</a:t>
+            </a:r>
+          </a:p>
+        </p:txBody>
+      </p:sp>
+      <p:sp>
+        <p:nvSpPr>
+          <p:cNvPr id="24" name="Rectangle 23">
+            <a:extLst>
+              <a:ext uri="{FF2B5EF4-FFF2-40B4-BE49-F238E27FC236}">
+                <a16:creationId xmlns:a16="http://schemas.microsoft.com/office/drawing/2014/main" id="{38A7F8FC-3DDB-4B60-B3DD-BFF3DDC1C4B8}"/>
+              </a:ext>
+            </a:extLst>
+          </p:cNvPr>
+          <p:cNvSpPr/>
+          <p:nvPr/>
+        </p:nvSpPr>
+        <p:spPr>
+          <a:xfrm>
+            <a:off x="4037690" y="3782414"/>
+            <a:ext cx="2854036" cy="2429163"/>
+          </a:xfrm>
+          <a:prstGeom prst="rect">
+            <a:avLst/>
+          </a:prstGeom>
+          <a:noFill/>
+        </p:spPr>
+        <p:style>
+          <a:lnRef idx="2">
+            <a:schemeClr val="accent1">
+              <a:shade val="50000"/>
+            </a:schemeClr>
+          </a:lnRef>
+          <a:fillRef idx="1">
+            <a:schemeClr val="accent1"/>
+          </a:fillRef>
+          <a:effectRef idx="0">
+            <a:schemeClr val="accent1"/>
+          </a:effectRef>
+          <a:fontRef idx="minor">
+            <a:schemeClr val="lt1"/>
+          </a:fontRef>
+        </p:style>
+        <p:txBody>
+          <a:bodyPr rtlCol="0" anchor="ctr"/>
+          <a:lstStyle/>
+          <a:p>
+            <a:pPr algn="ctr"/>
+            <a:endParaRPr lang="en-US"/>
+          </a:p>
+        </p:txBody>
+      </p:sp>
+      <p:sp>
+        <p:nvSpPr>
+          <p:cNvPr id="25" name="TextBox 24">
+            <a:extLst>
+              <a:ext uri="{FF2B5EF4-FFF2-40B4-BE49-F238E27FC236}">
+                <a16:creationId xmlns:a16="http://schemas.microsoft.com/office/drawing/2014/main" id="{A32B7746-7FAC-4C8B-B61F-4842CEC09A44}"/>
+              </a:ext>
+            </a:extLst>
+          </p:cNvPr>
+          <p:cNvSpPr txBox="1"/>
+          <p:nvPr/>
+        </p:nvSpPr>
+        <p:spPr>
+          <a:xfrm>
+            <a:off x="4206992" y="6205073"/>
+            <a:ext cx="2515432" cy="369332"/>
+          </a:xfrm>
+          <a:prstGeom prst="rect">
+            <a:avLst/>
+          </a:prstGeom>
+          <a:noFill/>
+        </p:spPr>
+        <p:txBody>
+          <a:bodyPr wrap="none" rtlCol="0">
+            <a:spAutoFit/>
+          </a:bodyPr>
+          <a:lstStyle/>
+          <a:p>
+            <a:r>
+              <a:rPr lang="en-US" dirty="0"/>
+              <a:t>K8snode2:192.167.10.72</a:t>
+            </a:r>
+          </a:p>
+        </p:txBody>
+      </p:sp>
+      <p:sp>
+        <p:nvSpPr>
+          <p:cNvPr id="26" name="TextBox 25">
+            <a:extLst>
+              <a:ext uri="{FF2B5EF4-FFF2-40B4-BE49-F238E27FC236}">
+                <a16:creationId xmlns:a16="http://schemas.microsoft.com/office/drawing/2014/main" id="{2F932408-92BD-4138-BDBC-5C8BA34BD382}"/>
+              </a:ext>
+            </a:extLst>
+          </p:cNvPr>
+          <p:cNvSpPr txBox="1"/>
+          <p:nvPr/>
+        </p:nvSpPr>
+        <p:spPr>
+          <a:xfrm>
+            <a:off x="10501745" y="5865091"/>
+            <a:ext cx="853757" cy="369332"/>
+          </a:xfrm>
+          <a:prstGeom prst="rect">
+            <a:avLst/>
+          </a:prstGeom>
+          <a:noFill/>
+        </p:spPr>
+        <p:txBody>
+          <a:bodyPr wrap="square" rtlCol="0">
+            <a:spAutoFit/>
+          </a:bodyPr>
+          <a:lstStyle/>
+          <a:p>
+            <a:r>
+              <a:rPr lang="en-US" dirty="0"/>
+              <a:t>docker</a:t>
+            </a:r>
+          </a:p>
+        </p:txBody>
+      </p:sp>
+      <p:sp>
+        <p:nvSpPr>
+          <p:cNvPr id="27" name="TextBox 26">
+            <a:extLst>
+              <a:ext uri="{FF2B5EF4-FFF2-40B4-BE49-F238E27FC236}">
+                <a16:creationId xmlns:a16="http://schemas.microsoft.com/office/drawing/2014/main" id="{3DD4CBAD-FBD1-474D-91A4-563B9452B7F0}"/>
+              </a:ext>
+            </a:extLst>
+          </p:cNvPr>
+          <p:cNvSpPr txBox="1"/>
+          <p:nvPr/>
+        </p:nvSpPr>
+        <p:spPr>
+          <a:xfrm>
+            <a:off x="6035952" y="5860474"/>
+            <a:ext cx="853757" cy="369332"/>
+          </a:xfrm>
+          <a:prstGeom prst="rect">
+            <a:avLst/>
+          </a:prstGeom>
+          <a:noFill/>
+        </p:spPr>
+        <p:txBody>
+          <a:bodyPr wrap="square" rtlCol="0">
+            <a:spAutoFit/>
+          </a:bodyPr>
+          <a:lstStyle/>
+          <a:p>
+            <a:r>
+              <a:rPr lang="en-US" dirty="0"/>
+              <a:t>docker</a:t>
+            </a:r>
+          </a:p>
+        </p:txBody>
+      </p:sp>
+      <p:sp>
+        <p:nvSpPr>
+          <p:cNvPr id="28" name="TextBox 27">
+            <a:extLst>
+              <a:ext uri="{FF2B5EF4-FFF2-40B4-BE49-F238E27FC236}">
+                <a16:creationId xmlns:a16="http://schemas.microsoft.com/office/drawing/2014/main" id="{F556D4CA-1A9B-454A-8C1B-4C0151D66804}"/>
+              </a:ext>
+            </a:extLst>
+          </p:cNvPr>
+          <p:cNvSpPr txBox="1"/>
+          <p:nvPr/>
+        </p:nvSpPr>
+        <p:spPr>
+          <a:xfrm>
+            <a:off x="8633388" y="2730971"/>
+            <a:ext cx="1103138" cy="261610"/>
+          </a:xfrm>
+          <a:prstGeom prst="rect">
+            <a:avLst/>
+          </a:prstGeom>
+          <a:noFill/>
+        </p:spPr>
+        <p:txBody>
+          <a:bodyPr wrap="square" rtlCol="0">
+            <a:spAutoFit/>
+          </a:bodyPr>
+          <a:lstStyle/>
+          <a:p>
+            <a:r>
+              <a:rPr lang="en-US" sz="1100" dirty="0"/>
+              <a:t>Docker, </a:t>
+            </a:r>
+            <a:r>
+              <a:rPr lang="en-US" sz="1100" dirty="0" err="1"/>
+              <a:t>kubelet</a:t>
+            </a:r>
+            <a:endParaRPr lang="en-US" dirty="0"/>
+          </a:p>
+        </p:txBody>
+      </p:sp>
+      <p:sp>
+        <p:nvSpPr>
+          <p:cNvPr id="29" name="TextBox 28">
+            <a:extLst>
+              <a:ext uri="{FF2B5EF4-FFF2-40B4-BE49-F238E27FC236}">
+                <a16:creationId xmlns:a16="http://schemas.microsoft.com/office/drawing/2014/main" id="{267B46B7-729C-4F76-B4C9-8C949AACB6DA}"/>
+              </a:ext>
+            </a:extLst>
+          </p:cNvPr>
+          <p:cNvSpPr txBox="1"/>
+          <p:nvPr/>
+        </p:nvSpPr>
+        <p:spPr>
+          <a:xfrm>
+            <a:off x="6003634" y="3796146"/>
+            <a:ext cx="889026" cy="369332"/>
+          </a:xfrm>
+          <a:prstGeom prst="rect">
+            <a:avLst/>
+          </a:prstGeom>
+          <a:noFill/>
+        </p:spPr>
+        <p:txBody>
+          <a:bodyPr wrap="none" rtlCol="0">
+            <a:spAutoFit/>
+          </a:bodyPr>
+          <a:lstStyle/>
+          <a:p>
+            <a:r>
+              <a:rPr lang="en-US" dirty="0" err="1"/>
+              <a:t>kubelet</a:t>
+            </a:r>
+            <a:endParaRPr lang="en-US" dirty="0"/>
+          </a:p>
+        </p:txBody>
+      </p:sp>
+      <p:sp>
+        <p:nvSpPr>
+          <p:cNvPr id="30" name="TextBox 29">
+            <a:extLst>
+              <a:ext uri="{FF2B5EF4-FFF2-40B4-BE49-F238E27FC236}">
+                <a16:creationId xmlns:a16="http://schemas.microsoft.com/office/drawing/2014/main" id="{1AA4526A-E369-4EE4-88D8-1427595E5ACE}"/>
+              </a:ext>
+            </a:extLst>
+          </p:cNvPr>
+          <p:cNvSpPr txBox="1"/>
+          <p:nvPr/>
+        </p:nvSpPr>
+        <p:spPr>
+          <a:xfrm>
+            <a:off x="10469424" y="3810002"/>
+            <a:ext cx="889026" cy="369332"/>
+          </a:xfrm>
+          <a:prstGeom prst="rect">
+            <a:avLst/>
+          </a:prstGeom>
+          <a:noFill/>
+        </p:spPr>
+        <p:txBody>
+          <a:bodyPr wrap="none" rtlCol="0">
+            <a:spAutoFit/>
+          </a:bodyPr>
+          <a:lstStyle/>
+          <a:p>
+            <a:r>
+              <a:rPr lang="en-US" dirty="0" err="1"/>
+              <a:t>kubelet</a:t>
+            </a:r>
+            <a:endParaRPr lang="en-US" dirty="0"/>
+          </a:p>
+        </p:txBody>
+      </p:sp>
+      <p:cxnSp>
+        <p:nvCxnSpPr>
+          <p:cNvPr id="32" name="Connector: Curved 31">
+            <a:extLst>
+              <a:ext uri="{FF2B5EF4-FFF2-40B4-BE49-F238E27FC236}">
+                <a16:creationId xmlns:a16="http://schemas.microsoft.com/office/drawing/2014/main" id="{5AC3B6DD-306E-45B9-A6C5-7486109B904A}"/>
+              </a:ext>
+            </a:extLst>
+          </p:cNvPr>
+          <p:cNvCxnSpPr>
+            <a:stCxn id="22" idx="3"/>
+            <a:endCxn id="6" idx="3"/>
+          </p:cNvCxnSpPr>
+          <p:nvPr/>
+        </p:nvCxnSpPr>
+        <p:spPr>
+          <a:xfrm flipH="1" flipV="1">
+            <a:off x="8110512" y="831089"/>
+            <a:ext cx="3244990" cy="4184441"/>
+          </a:xfrm>
+          <a:prstGeom prst="curvedConnector3">
+            <a:avLst>
+              <a:gd name="adj1" fmla="val -7045"/>
+            </a:avLst>
+          </a:prstGeom>
+          <a:ln>
+            <a:prstDash val="sysDot"/>
+            <a:tailEnd type="triangle"/>
+          </a:ln>
+        </p:spPr>
+        <p:style>
+          <a:lnRef idx="1">
+            <a:schemeClr val="accent1"/>
+          </a:lnRef>
+          <a:fillRef idx="0">
+            <a:schemeClr val="accent1"/>
+          </a:fillRef>
+          <a:effectRef idx="0">
+            <a:schemeClr val="accent1"/>
+          </a:effectRef>
+          <a:fontRef idx="minor">
+            <a:schemeClr val="tx1"/>
+          </a:fontRef>
+        </p:style>
+      </p:cxnSp>
+      <p:sp>
+        <p:nvSpPr>
+          <p:cNvPr id="33" name="TextBox 32">
+            <a:extLst>
+              <a:ext uri="{FF2B5EF4-FFF2-40B4-BE49-F238E27FC236}">
+                <a16:creationId xmlns:a16="http://schemas.microsoft.com/office/drawing/2014/main" id="{CFD72903-853D-4B39-8B11-C64521BBE1A8}"/>
+              </a:ext>
+            </a:extLst>
+          </p:cNvPr>
+          <p:cNvSpPr txBox="1"/>
+          <p:nvPr/>
+        </p:nvSpPr>
+        <p:spPr>
+          <a:xfrm>
+            <a:off x="10704943" y="2068945"/>
+            <a:ext cx="1152047" cy="461665"/>
+          </a:xfrm>
+          <a:prstGeom prst="rect">
+            <a:avLst/>
+          </a:prstGeom>
+          <a:noFill/>
+        </p:spPr>
+        <p:txBody>
+          <a:bodyPr wrap="none" rtlCol="0">
+            <a:spAutoFit/>
+          </a:bodyPr>
+          <a:lstStyle/>
+          <a:p>
+            <a:r>
+              <a:rPr lang="en-US" sz="1200" dirty="0" err="1"/>
+              <a:t>Kubeadm</a:t>
+            </a:r>
+            <a:r>
+              <a:rPr lang="en-US" sz="1200" dirty="0"/>
+              <a:t> join…</a:t>
+            </a:r>
+          </a:p>
+          <a:p>
+            <a:r>
+              <a:rPr lang="en-US" sz="1200" dirty="0"/>
+              <a:t>token</a:t>
+            </a:r>
+            <a:endParaRPr lang="en-US" dirty="0"/>
+          </a:p>
+        </p:txBody>
+      </p:sp>
+      <p:cxnSp>
+        <p:nvCxnSpPr>
+          <p:cNvPr id="35" name="Connector: Curved 34">
+            <a:extLst>
+              <a:ext uri="{FF2B5EF4-FFF2-40B4-BE49-F238E27FC236}">
+                <a16:creationId xmlns:a16="http://schemas.microsoft.com/office/drawing/2014/main" id="{BA330A38-0830-4CA9-A6E7-AF7DACD94F50}"/>
+              </a:ext>
+            </a:extLst>
+          </p:cNvPr>
+          <p:cNvCxnSpPr>
+            <a:stCxn id="24" idx="1"/>
+            <a:endCxn id="6" idx="1"/>
+          </p:cNvCxnSpPr>
+          <p:nvPr/>
+        </p:nvCxnSpPr>
+        <p:spPr>
+          <a:xfrm rot="10800000" flipH="1">
+            <a:off x="4037690" y="831090"/>
+            <a:ext cx="2807440" cy="4165907"/>
+          </a:xfrm>
+          <a:prstGeom prst="curvedConnector3">
+            <a:avLst>
+              <a:gd name="adj1" fmla="val -8143"/>
+            </a:avLst>
+          </a:prstGeom>
+          <a:ln>
+            <a:prstDash val="sysDot"/>
+            <a:tailEnd type="triangle"/>
+          </a:ln>
+        </p:spPr>
+        <p:style>
+          <a:lnRef idx="1">
+            <a:schemeClr val="accent1"/>
+          </a:lnRef>
+          <a:fillRef idx="0">
+            <a:schemeClr val="accent1"/>
+          </a:fillRef>
+          <a:effectRef idx="0">
+            <a:schemeClr val="accent1"/>
+          </a:effectRef>
+          <a:fontRef idx="minor">
+            <a:schemeClr val="tx1"/>
+          </a:fontRef>
+        </p:style>
+      </p:cxnSp>
+      <p:sp>
+        <p:nvSpPr>
+          <p:cNvPr id="36" name="TextBox 35">
+            <a:extLst>
+              <a:ext uri="{FF2B5EF4-FFF2-40B4-BE49-F238E27FC236}">
+                <a16:creationId xmlns:a16="http://schemas.microsoft.com/office/drawing/2014/main" id="{4A7008A2-26C8-48B5-8B32-A1B48E02EA8D}"/>
+              </a:ext>
+            </a:extLst>
+          </p:cNvPr>
+          <p:cNvSpPr txBox="1"/>
+          <p:nvPr/>
+        </p:nvSpPr>
+        <p:spPr>
+          <a:xfrm>
+            <a:off x="3486703" y="2221345"/>
+            <a:ext cx="1214605" cy="461665"/>
+          </a:xfrm>
+          <a:prstGeom prst="rect">
+            <a:avLst/>
+          </a:prstGeom>
+          <a:noFill/>
+        </p:spPr>
+        <p:txBody>
+          <a:bodyPr wrap="square" rtlCol="0">
+            <a:spAutoFit/>
+          </a:bodyPr>
+          <a:lstStyle/>
+          <a:p>
+            <a:r>
+              <a:rPr lang="en-US" sz="1200" dirty="0" err="1"/>
+              <a:t>Kubeadm</a:t>
+            </a:r>
+            <a:r>
+              <a:rPr lang="en-US" sz="1200" dirty="0"/>
+              <a:t> join…</a:t>
+            </a:r>
+          </a:p>
+          <a:p>
+            <a:r>
+              <a:rPr lang="en-US" sz="1200" dirty="0"/>
+              <a:t>token</a:t>
+            </a:r>
+            <a:endParaRPr lang="en-US" dirty="0"/>
+          </a:p>
+        </p:txBody>
+      </p:sp>
+      <p:cxnSp>
+        <p:nvCxnSpPr>
+          <p:cNvPr id="38" name="Straight Arrow Connector 37">
+            <a:extLst>
+              <a:ext uri="{FF2B5EF4-FFF2-40B4-BE49-F238E27FC236}">
+                <a16:creationId xmlns:a16="http://schemas.microsoft.com/office/drawing/2014/main" id="{E29C9CB8-F380-401C-BDA9-16D854541071}"/>
+              </a:ext>
+            </a:extLst>
+          </p:cNvPr>
+          <p:cNvCxnSpPr>
+            <a:cxnSpLocks/>
+            <a:stCxn id="16" idx="2"/>
+            <a:endCxn id="29" idx="0"/>
+          </p:cNvCxnSpPr>
+          <p:nvPr/>
+        </p:nvCxnSpPr>
+        <p:spPr>
+          <a:xfrm flipH="1">
+            <a:off x="6448147" y="2696898"/>
+            <a:ext cx="1049168" cy="1099248"/>
+          </a:xfrm>
+          <a:prstGeom prst="straightConnector1">
+            <a:avLst/>
+          </a:prstGeom>
+          <a:ln>
+            <a:tailEnd type="triangle"/>
+          </a:ln>
+        </p:spPr>
+        <p:style>
+          <a:lnRef idx="1">
+            <a:schemeClr val="accent1"/>
+          </a:lnRef>
+          <a:fillRef idx="0">
+            <a:schemeClr val="accent1"/>
+          </a:fillRef>
+          <a:effectRef idx="0">
+            <a:schemeClr val="accent1"/>
+          </a:effectRef>
+          <a:fontRef idx="minor">
+            <a:schemeClr val="tx1"/>
+          </a:fontRef>
+        </p:style>
+      </p:cxnSp>
+      <p:sp>
+        <p:nvSpPr>
+          <p:cNvPr id="40" name="TextBox 39">
+            <a:extLst>
+              <a:ext uri="{FF2B5EF4-FFF2-40B4-BE49-F238E27FC236}">
+                <a16:creationId xmlns:a16="http://schemas.microsoft.com/office/drawing/2014/main" id="{7E327E76-4B09-4E2C-A865-C26FCA4A5356}"/>
+              </a:ext>
+            </a:extLst>
+          </p:cNvPr>
+          <p:cNvSpPr txBox="1"/>
+          <p:nvPr/>
+        </p:nvSpPr>
+        <p:spPr>
+          <a:xfrm>
+            <a:off x="6890329" y="2992581"/>
+            <a:ext cx="155939" cy="307777"/>
+          </a:xfrm>
+          <a:prstGeom prst="rect">
+            <a:avLst/>
+          </a:prstGeom>
+          <a:noFill/>
+        </p:spPr>
+        <p:txBody>
+          <a:bodyPr wrap="square" rtlCol="0">
+            <a:spAutoFit/>
+          </a:bodyPr>
+          <a:lstStyle/>
+          <a:p>
+            <a:r>
+              <a:rPr lang="en-US" sz="1400" dirty="0"/>
+              <a:t>4</a:t>
+            </a:r>
+            <a:endParaRPr lang="en-US" dirty="0"/>
+          </a:p>
+        </p:txBody>
+      </p:sp>
+      <p:cxnSp>
+        <p:nvCxnSpPr>
+          <p:cNvPr id="42" name="Straight Arrow Connector 41">
+            <a:extLst>
+              <a:ext uri="{FF2B5EF4-FFF2-40B4-BE49-F238E27FC236}">
+                <a16:creationId xmlns:a16="http://schemas.microsoft.com/office/drawing/2014/main" id="{7BB0AD19-36C9-4F29-BE57-462202FCF9AE}"/>
+              </a:ext>
+            </a:extLst>
+          </p:cNvPr>
+          <p:cNvCxnSpPr>
+            <a:stCxn id="29" idx="2"/>
+            <a:endCxn id="27" idx="0"/>
+          </p:cNvCxnSpPr>
+          <p:nvPr/>
+        </p:nvCxnSpPr>
+        <p:spPr>
+          <a:xfrm>
+            <a:off x="6448147" y="4165478"/>
+            <a:ext cx="14684" cy="1694996"/>
+          </a:xfrm>
+          <a:prstGeom prst="straightConnector1">
+            <a:avLst/>
+          </a:prstGeom>
+          <a:ln>
+            <a:tailEnd type="triangle"/>
+          </a:ln>
+        </p:spPr>
+        <p:style>
+          <a:lnRef idx="1">
+            <a:schemeClr val="accent1"/>
+          </a:lnRef>
+          <a:fillRef idx="0">
+            <a:schemeClr val="accent1"/>
+          </a:fillRef>
+          <a:effectRef idx="0">
+            <a:schemeClr val="accent1"/>
+          </a:effectRef>
+          <a:fontRef idx="minor">
+            <a:schemeClr val="tx1"/>
+          </a:fontRef>
+        </p:style>
+      </p:cxnSp>
+      <p:cxnSp>
+        <p:nvCxnSpPr>
+          <p:cNvPr id="44" name="Straight Arrow Connector 43">
+            <a:extLst>
+              <a:ext uri="{FF2B5EF4-FFF2-40B4-BE49-F238E27FC236}">
+                <a16:creationId xmlns:a16="http://schemas.microsoft.com/office/drawing/2014/main" id="{D46D8F07-B0BB-4431-BFF8-8B667A4FC1F2}"/>
+              </a:ext>
+            </a:extLst>
+          </p:cNvPr>
+          <p:cNvCxnSpPr>
+            <a:stCxn id="27" idx="0"/>
+          </p:cNvCxnSpPr>
+          <p:nvPr/>
+        </p:nvCxnSpPr>
+        <p:spPr>
+          <a:xfrm flipH="1" flipV="1">
+            <a:off x="5958435" y="5264726"/>
+            <a:ext cx="504396" cy="595748"/>
+          </a:xfrm>
+          <a:prstGeom prst="straightConnector1">
+            <a:avLst/>
+          </a:prstGeom>
+          <a:ln>
+            <a:tailEnd type="triangle"/>
+          </a:ln>
+        </p:spPr>
+        <p:style>
+          <a:lnRef idx="1">
+            <a:schemeClr val="accent1"/>
+          </a:lnRef>
+          <a:fillRef idx="0">
+            <a:schemeClr val="accent1"/>
+          </a:fillRef>
+          <a:effectRef idx="0">
+            <a:schemeClr val="accent1"/>
+          </a:effectRef>
+          <a:fontRef idx="minor">
+            <a:schemeClr val="tx1"/>
+          </a:fontRef>
+        </p:style>
+      </p:cxnSp>
+      <p:sp>
+        <p:nvSpPr>
+          <p:cNvPr id="45" name="Oval 44">
+            <a:extLst>
+              <a:ext uri="{FF2B5EF4-FFF2-40B4-BE49-F238E27FC236}">
+                <a16:creationId xmlns:a16="http://schemas.microsoft.com/office/drawing/2014/main" id="{99E466D2-D4C9-4C3C-8077-ABC7D1D9008B}"/>
+              </a:ext>
+            </a:extLst>
+          </p:cNvPr>
+          <p:cNvSpPr/>
+          <p:nvPr/>
+        </p:nvSpPr>
+        <p:spPr>
+          <a:xfrm>
+            <a:off x="5504873" y="5015530"/>
+            <a:ext cx="844520" cy="326067"/>
+          </a:xfrm>
+          <a:prstGeom prst="ellipse">
+            <a:avLst/>
+          </a:prstGeom>
+        </p:spPr>
+        <p:style>
+          <a:lnRef idx="2">
+            <a:schemeClr val="accent1">
+              <a:shade val="50000"/>
+            </a:schemeClr>
+          </a:lnRef>
+          <a:fillRef idx="1">
+            <a:schemeClr val="accent1"/>
+          </a:fillRef>
+          <a:effectRef idx="0">
+            <a:schemeClr val="accent1"/>
+          </a:effectRef>
+          <a:fontRef idx="minor">
+            <a:schemeClr val="lt1"/>
+          </a:fontRef>
+        </p:style>
+        <p:txBody>
+          <a:bodyPr rtlCol="0" anchor="ctr"/>
+          <a:lstStyle/>
+          <a:p>
+            <a:pPr algn="ctr"/>
+            <a:r>
+              <a:rPr lang="en-US" dirty="0"/>
+              <a:t>pod</a:t>
+            </a:r>
+          </a:p>
+        </p:txBody>
+      </p:sp>
+      <p:sp>
+        <p:nvSpPr>
+          <p:cNvPr id="46" name="Rectangle 45">
+            <a:extLst>
+              <a:ext uri="{FF2B5EF4-FFF2-40B4-BE49-F238E27FC236}">
+                <a16:creationId xmlns:a16="http://schemas.microsoft.com/office/drawing/2014/main" id="{8B92A4DF-BD94-41CA-9BC3-463BA00D51D9}"/>
+              </a:ext>
+            </a:extLst>
+          </p:cNvPr>
+          <p:cNvSpPr/>
+          <p:nvPr/>
+        </p:nvSpPr>
+        <p:spPr>
+          <a:xfrm>
+            <a:off x="5100531" y="4996998"/>
+            <a:ext cx="643323" cy="258433"/>
+          </a:xfrm>
+          <a:prstGeom prst="rect">
+            <a:avLst/>
+          </a:prstGeom>
+        </p:spPr>
+        <p:style>
+          <a:lnRef idx="2">
+            <a:schemeClr val="accent1">
+              <a:shade val="50000"/>
+            </a:schemeClr>
+          </a:lnRef>
+          <a:fillRef idx="1">
+            <a:schemeClr val="accent1"/>
+          </a:fillRef>
+          <a:effectRef idx="0">
+            <a:schemeClr val="accent1"/>
+          </a:effectRef>
+          <a:fontRef idx="minor">
+            <a:schemeClr val="lt1"/>
+          </a:fontRef>
+        </p:style>
+        <p:txBody>
+          <a:bodyPr rtlCol="0" anchor="ctr"/>
+          <a:lstStyle/>
+          <a:p>
+            <a:pPr algn="ctr"/>
+            <a:r>
+              <a:rPr lang="en-US" sz="1200" dirty="0" err="1"/>
+              <a:t>veth</a:t>
+            </a:r>
+            <a:endParaRPr lang="en-US" sz="1200" dirty="0"/>
+          </a:p>
+        </p:txBody>
+      </p:sp>
+      <p:sp>
+        <p:nvSpPr>
+          <p:cNvPr id="49" name="Oval 48">
+            <a:extLst>
+              <a:ext uri="{FF2B5EF4-FFF2-40B4-BE49-F238E27FC236}">
+                <a16:creationId xmlns:a16="http://schemas.microsoft.com/office/drawing/2014/main" id="{750AB11D-B26C-4C2F-9BA7-F481A789D454}"/>
+              </a:ext>
+            </a:extLst>
+          </p:cNvPr>
+          <p:cNvSpPr/>
+          <p:nvPr/>
+        </p:nvSpPr>
+        <p:spPr>
+          <a:xfrm>
+            <a:off x="4516582" y="5180302"/>
+            <a:ext cx="1059554" cy="344599"/>
+          </a:xfrm>
+          <a:prstGeom prst="ellipse">
+            <a:avLst/>
+          </a:prstGeom>
+        </p:spPr>
+        <p:style>
+          <a:lnRef idx="2">
+            <a:schemeClr val="accent1">
+              <a:shade val="50000"/>
+            </a:schemeClr>
+          </a:lnRef>
+          <a:fillRef idx="1">
+            <a:schemeClr val="accent1"/>
+          </a:fillRef>
+          <a:effectRef idx="0">
+            <a:schemeClr val="accent1"/>
+          </a:effectRef>
+          <a:fontRef idx="minor">
+            <a:schemeClr val="lt1"/>
+          </a:fontRef>
+        </p:style>
+        <p:txBody>
+          <a:bodyPr rtlCol="0" anchor="ctr"/>
+          <a:lstStyle/>
+          <a:p>
+            <a:pPr algn="ctr"/>
+            <a:r>
+              <a:rPr lang="en-US" dirty="0" err="1"/>
+              <a:t>nginx</a:t>
+            </a:r>
+            <a:endParaRPr lang="en-US" dirty="0"/>
+          </a:p>
+        </p:txBody>
+      </p:sp>
+      <p:cxnSp>
+        <p:nvCxnSpPr>
+          <p:cNvPr id="51" name="Straight Arrow Connector 50">
+            <a:extLst>
+              <a:ext uri="{FF2B5EF4-FFF2-40B4-BE49-F238E27FC236}">
+                <a16:creationId xmlns:a16="http://schemas.microsoft.com/office/drawing/2014/main" id="{22D7F3DE-8AC9-4CDE-BB70-C0292DE1B163}"/>
+              </a:ext>
+            </a:extLst>
+          </p:cNvPr>
+          <p:cNvCxnSpPr>
+            <a:stCxn id="27" idx="1"/>
+            <a:endCxn id="49" idx="4"/>
+          </p:cNvCxnSpPr>
+          <p:nvPr/>
+        </p:nvCxnSpPr>
+        <p:spPr>
+          <a:xfrm flipH="1" flipV="1">
+            <a:off x="5046359" y="5524901"/>
+            <a:ext cx="989593" cy="520239"/>
+          </a:xfrm>
+          <a:prstGeom prst="straightConnector1">
+            <a:avLst/>
+          </a:prstGeom>
+          <a:ln>
+            <a:tailEnd type="triangle"/>
+          </a:ln>
+        </p:spPr>
+        <p:style>
+          <a:lnRef idx="1">
+            <a:schemeClr val="accent1"/>
+          </a:lnRef>
+          <a:fillRef idx="0">
+            <a:schemeClr val="accent1"/>
+          </a:fillRef>
+          <a:effectRef idx="0">
+            <a:schemeClr val="accent1"/>
+          </a:effectRef>
+          <a:fontRef idx="minor">
+            <a:schemeClr val="tx1"/>
+          </a:fontRef>
+        </p:style>
+      </p:cxnSp>
+      <p:sp>
+        <p:nvSpPr>
+          <p:cNvPr id="52" name="Smiley Face 51">
+            <a:extLst>
+              <a:ext uri="{FF2B5EF4-FFF2-40B4-BE49-F238E27FC236}">
+                <a16:creationId xmlns:a16="http://schemas.microsoft.com/office/drawing/2014/main" id="{F6A7A86B-28AA-45C4-81F7-7ABE12F3A397}"/>
+              </a:ext>
+            </a:extLst>
+          </p:cNvPr>
+          <p:cNvSpPr/>
+          <p:nvPr/>
+        </p:nvSpPr>
+        <p:spPr>
+          <a:xfrm>
+            <a:off x="434109" y="572654"/>
+            <a:ext cx="628075" cy="563419"/>
+          </a:xfrm>
+          <a:prstGeom prst="smileyFace">
+            <a:avLst/>
+          </a:prstGeom>
+        </p:spPr>
+        <p:style>
+          <a:lnRef idx="2">
+            <a:schemeClr val="accent1">
+              <a:shade val="50000"/>
+            </a:schemeClr>
+          </a:lnRef>
+          <a:fillRef idx="1">
+            <a:schemeClr val="accent1"/>
+          </a:fillRef>
+          <a:effectRef idx="0">
+            <a:schemeClr val="accent1"/>
+          </a:effectRef>
+          <a:fontRef idx="minor">
+            <a:schemeClr val="lt1"/>
+          </a:fontRef>
+        </p:style>
+        <p:txBody>
+          <a:bodyPr rtlCol="0" anchor="ctr"/>
+          <a:lstStyle/>
+          <a:p>
+            <a:pPr algn="ctr"/>
+            <a:endParaRPr lang="en-US"/>
+          </a:p>
+        </p:txBody>
+      </p:sp>
+      <p:sp>
+        <p:nvSpPr>
+          <p:cNvPr id="53" name="Cylinder 52">
+            <a:extLst>
+              <a:ext uri="{FF2B5EF4-FFF2-40B4-BE49-F238E27FC236}">
+                <a16:creationId xmlns:a16="http://schemas.microsoft.com/office/drawing/2014/main" id="{6675404F-3BB3-4966-8299-9CC5D40C7A6F}"/>
+              </a:ext>
+            </a:extLst>
+          </p:cNvPr>
+          <p:cNvSpPr/>
+          <p:nvPr/>
+        </p:nvSpPr>
+        <p:spPr>
+          <a:xfrm>
+            <a:off x="8633388" y="1810327"/>
+            <a:ext cx="974571" cy="576350"/>
+          </a:xfrm>
+          <a:prstGeom prst="can">
+            <a:avLst/>
+          </a:prstGeom>
+        </p:spPr>
+        <p:style>
+          <a:lnRef idx="2">
+            <a:schemeClr val="accent1">
+              <a:shade val="50000"/>
+            </a:schemeClr>
+          </a:lnRef>
+          <a:fillRef idx="1">
+            <a:schemeClr val="accent1"/>
+          </a:fillRef>
+          <a:effectRef idx="0">
+            <a:schemeClr val="accent1"/>
+          </a:effectRef>
+          <a:fontRef idx="minor">
+            <a:schemeClr val="lt1"/>
+          </a:fontRef>
+        </p:style>
+        <p:txBody>
+          <a:bodyPr rtlCol="0" anchor="ctr"/>
+          <a:lstStyle/>
+          <a:p>
+            <a:pPr algn="ctr"/>
+            <a:r>
+              <a:rPr lang="en-US" dirty="0" err="1"/>
+              <a:t>etcd</a:t>
+            </a:r>
+            <a:endParaRPr lang="en-US" dirty="0"/>
+          </a:p>
+        </p:txBody>
+      </p:sp>
+      <p:cxnSp>
+        <p:nvCxnSpPr>
+          <p:cNvPr id="55" name="Straight Arrow Connector 54">
+            <a:extLst>
+              <a:ext uri="{FF2B5EF4-FFF2-40B4-BE49-F238E27FC236}">
+                <a16:creationId xmlns:a16="http://schemas.microsoft.com/office/drawing/2014/main" id="{46AE12AB-5F81-4145-A671-14986E3E06CA}"/>
+              </a:ext>
+            </a:extLst>
+          </p:cNvPr>
+          <p:cNvCxnSpPr>
+            <a:endCxn id="53" idx="2"/>
+          </p:cNvCxnSpPr>
+          <p:nvPr/>
+        </p:nvCxnSpPr>
+        <p:spPr>
+          <a:xfrm>
+            <a:off x="8062982" y="1704109"/>
+            <a:ext cx="570406" cy="394393"/>
+          </a:xfrm>
+          <a:prstGeom prst="straightConnector1">
+            <a:avLst/>
+          </a:prstGeom>
+          <a:ln>
+            <a:headEnd type="triangle"/>
+            <a:tailEnd type="triangle"/>
+          </a:ln>
+        </p:spPr>
+        <p:style>
+          <a:lnRef idx="1">
+            <a:schemeClr val="accent1"/>
+          </a:lnRef>
+          <a:fillRef idx="0">
+            <a:schemeClr val="accent1"/>
+          </a:fillRef>
+          <a:effectRef idx="0">
+            <a:schemeClr val="accent1"/>
+          </a:effectRef>
+          <a:fontRef idx="minor">
+            <a:schemeClr val="tx1"/>
+          </a:fontRef>
+        </p:style>
+      </p:cxnSp>
+    </p:spTree>
+    <p:extLst>
+      <p:ext uri="{BB962C8B-B14F-4D97-AF65-F5344CB8AC3E}">
+        <p14:creationId xmlns:p14="http://schemas.microsoft.com/office/powerpoint/2010/main" val="136182633"/>
+      </p:ext>
+    </p:extLst>
+  </p:cSld>
+  <p:clrMapOvr>
+    <a:masterClrMapping/>
+  </p:clrMapOvr>
+</p:sld>
+</file>
+
+<file path=ppt/slides/slide19.xml><?xml version="1.0" encoding="utf-8"?>
+<p:sld xmlns:a="http://schemas.openxmlformats.org/drawingml/2006/main" xmlns:r="http://schemas.openxmlformats.org/officeDocument/2006/relationships" xmlns:p="http://schemas.openxmlformats.org/presentationml/2006/main">
+  <p:cSld>
+    <p:spTree>
+      <p:nvGrpSpPr>
+        <p:cNvPr id="1" name=""/>
+        <p:cNvGrpSpPr/>
+        <p:nvPr/>
+      </p:nvGrpSpPr>
+      <p:grpSpPr>
+        <a:xfrm>
+          <a:off x="0" y="0"/>
+          <a:ext cx="0" cy="0"/>
+          <a:chOff x="0" y="0"/>
+          <a:chExt cx="0" cy="0"/>
+        </a:xfrm>
+      </p:grpSpPr>
+      <p:sp>
+        <p:nvSpPr>
+          <p:cNvPr id="2" name="Rectangle 1">
+            <a:extLst>
+              <a:ext uri="{FF2B5EF4-FFF2-40B4-BE49-F238E27FC236}">
+                <a16:creationId xmlns:a16="http://schemas.microsoft.com/office/drawing/2014/main" id="{584DF015-67D2-4105-A54D-11DA66ABA3E5}"/>
+              </a:ext>
+            </a:extLst>
+          </p:cNvPr>
+          <p:cNvSpPr/>
+          <p:nvPr/>
+        </p:nvSpPr>
+        <p:spPr>
+          <a:xfrm>
+            <a:off x="2586181" y="295563"/>
+            <a:ext cx="9245600" cy="2678545"/>
+          </a:xfrm>
+          <a:prstGeom prst="rect">
+            <a:avLst/>
+          </a:prstGeom>
+          <a:noFill/>
+        </p:spPr>
+        <p:style>
+          <a:lnRef idx="2">
+            <a:schemeClr val="accent1">
+              <a:shade val="50000"/>
+            </a:schemeClr>
+          </a:lnRef>
+          <a:fillRef idx="1">
+            <a:schemeClr val="accent1"/>
+          </a:fillRef>
+          <a:effectRef idx="0">
+            <a:schemeClr val="accent1"/>
+          </a:effectRef>
+          <a:fontRef idx="minor">
+            <a:schemeClr val="lt1"/>
+          </a:fontRef>
+        </p:style>
+        <p:txBody>
+          <a:bodyPr rtlCol="0" anchor="ctr"/>
+          <a:lstStyle/>
+          <a:p>
+            <a:pPr algn="ctr"/>
+            <a:endParaRPr lang="en-US"/>
+          </a:p>
+        </p:txBody>
+      </p:sp>
+      <p:sp>
+        <p:nvSpPr>
+          <p:cNvPr id="3" name="Rectangle 2">
+            <a:extLst>
+              <a:ext uri="{FF2B5EF4-FFF2-40B4-BE49-F238E27FC236}">
+                <a16:creationId xmlns:a16="http://schemas.microsoft.com/office/drawing/2014/main" id="{4FB04FD2-89FE-469A-8DD1-E9EE588A1B44}"/>
+              </a:ext>
+            </a:extLst>
+          </p:cNvPr>
+          <p:cNvSpPr/>
+          <p:nvPr/>
+        </p:nvSpPr>
+        <p:spPr>
+          <a:xfrm>
+            <a:off x="2586181" y="3883891"/>
+            <a:ext cx="9245600" cy="2590800"/>
+          </a:xfrm>
+          <a:prstGeom prst="rect">
+            <a:avLst/>
+          </a:prstGeom>
+          <a:noFill/>
+        </p:spPr>
+        <p:style>
+          <a:lnRef idx="2">
+            <a:schemeClr val="accent1">
+              <a:shade val="50000"/>
+            </a:schemeClr>
+          </a:lnRef>
+          <a:fillRef idx="1">
+            <a:schemeClr val="accent1"/>
+          </a:fillRef>
+          <a:effectRef idx="0">
+            <a:schemeClr val="accent1"/>
+          </a:effectRef>
+          <a:fontRef idx="minor">
+            <a:schemeClr val="lt1"/>
+          </a:fontRef>
+        </p:style>
+        <p:txBody>
+          <a:bodyPr rtlCol="0" anchor="ctr"/>
+          <a:lstStyle/>
+          <a:p>
+            <a:pPr algn="ctr"/>
+            <a:endParaRPr lang="en-US"/>
+          </a:p>
+        </p:txBody>
+      </p:sp>
+      <p:sp>
+        <p:nvSpPr>
+          <p:cNvPr id="4" name="TextBox 3">
+            <a:extLst>
+              <a:ext uri="{FF2B5EF4-FFF2-40B4-BE49-F238E27FC236}">
+                <a16:creationId xmlns:a16="http://schemas.microsoft.com/office/drawing/2014/main" id="{2B421BAA-58B6-44AC-9EBA-334BF1AB7DCC}"/>
+              </a:ext>
+            </a:extLst>
+          </p:cNvPr>
+          <p:cNvSpPr txBox="1"/>
+          <p:nvPr/>
+        </p:nvSpPr>
+        <p:spPr>
+          <a:xfrm>
+            <a:off x="2595417" y="-27704"/>
+            <a:ext cx="2515432" cy="369332"/>
+          </a:xfrm>
+          <a:prstGeom prst="rect">
+            <a:avLst/>
+          </a:prstGeom>
+          <a:noFill/>
+        </p:spPr>
+        <p:txBody>
+          <a:bodyPr wrap="none" rtlCol="0">
+            <a:spAutoFit/>
+          </a:bodyPr>
+          <a:lstStyle/>
+          <a:p>
+            <a:r>
+              <a:rPr lang="en-US" dirty="0"/>
+              <a:t>K8snode1:192.167.10.71</a:t>
+            </a:r>
+          </a:p>
+        </p:txBody>
+      </p:sp>
+      <p:sp>
+        <p:nvSpPr>
+          <p:cNvPr id="5" name="TextBox 4">
+            <a:extLst>
+              <a:ext uri="{FF2B5EF4-FFF2-40B4-BE49-F238E27FC236}">
+                <a16:creationId xmlns:a16="http://schemas.microsoft.com/office/drawing/2014/main" id="{9891E5B2-817C-4C03-B2C8-E70E08B92FC0}"/>
+              </a:ext>
+            </a:extLst>
+          </p:cNvPr>
+          <p:cNvSpPr txBox="1"/>
+          <p:nvPr/>
+        </p:nvSpPr>
+        <p:spPr>
+          <a:xfrm>
+            <a:off x="2609271" y="3652992"/>
+            <a:ext cx="2515432" cy="369332"/>
+          </a:xfrm>
+          <a:prstGeom prst="rect">
+            <a:avLst/>
+          </a:prstGeom>
+          <a:noFill/>
+        </p:spPr>
+        <p:txBody>
+          <a:bodyPr wrap="none" rtlCol="0">
+            <a:spAutoFit/>
+          </a:bodyPr>
+          <a:lstStyle/>
+          <a:p>
+            <a:r>
+              <a:rPr lang="en-US" dirty="0"/>
+              <a:t>K8snode2:192.167.10.72</a:t>
+            </a:r>
+          </a:p>
+        </p:txBody>
+      </p:sp>
+      <p:sp>
+        <p:nvSpPr>
+          <p:cNvPr id="6" name="TextBox 5">
+            <a:extLst>
+              <a:ext uri="{FF2B5EF4-FFF2-40B4-BE49-F238E27FC236}">
+                <a16:creationId xmlns:a16="http://schemas.microsoft.com/office/drawing/2014/main" id="{D4B5E052-51A2-4C01-BD5D-E5D161C2CA8A}"/>
+              </a:ext>
+            </a:extLst>
+          </p:cNvPr>
+          <p:cNvSpPr txBox="1"/>
+          <p:nvPr/>
+        </p:nvSpPr>
+        <p:spPr>
+          <a:xfrm>
+            <a:off x="10667999" y="314038"/>
+            <a:ext cx="1151213" cy="276999"/>
+          </a:xfrm>
+          <a:prstGeom prst="rect">
+            <a:avLst/>
+          </a:prstGeom>
+          <a:noFill/>
+        </p:spPr>
+        <p:txBody>
+          <a:bodyPr wrap="none" rtlCol="0">
+            <a:spAutoFit/>
+          </a:bodyPr>
+          <a:lstStyle/>
+          <a:p>
+            <a:r>
+              <a:rPr lang="en-US" sz="1200" dirty="0"/>
+              <a:t>Docker, </a:t>
+            </a:r>
+            <a:r>
+              <a:rPr lang="en-US" sz="1200" dirty="0" err="1"/>
+              <a:t>kubelet</a:t>
+            </a:r>
+            <a:endParaRPr lang="en-US" sz="1200" dirty="0"/>
+          </a:p>
+        </p:txBody>
+      </p:sp>
+      <p:sp>
+        <p:nvSpPr>
+          <p:cNvPr id="7" name="TextBox 6">
+            <a:extLst>
+              <a:ext uri="{FF2B5EF4-FFF2-40B4-BE49-F238E27FC236}">
+                <a16:creationId xmlns:a16="http://schemas.microsoft.com/office/drawing/2014/main" id="{78318497-B4CE-4BCB-B56F-271C9A26B298}"/>
+              </a:ext>
+            </a:extLst>
+          </p:cNvPr>
+          <p:cNvSpPr txBox="1"/>
+          <p:nvPr/>
+        </p:nvSpPr>
+        <p:spPr>
+          <a:xfrm>
+            <a:off x="10691091" y="3893133"/>
+            <a:ext cx="1151213" cy="276999"/>
+          </a:xfrm>
+          <a:prstGeom prst="rect">
+            <a:avLst/>
+          </a:prstGeom>
+          <a:noFill/>
+        </p:spPr>
+        <p:txBody>
+          <a:bodyPr wrap="none" rtlCol="0">
+            <a:spAutoFit/>
+          </a:bodyPr>
+          <a:lstStyle/>
+          <a:p>
+            <a:r>
+              <a:rPr lang="en-US" sz="1200" dirty="0"/>
+              <a:t>Docker, </a:t>
+            </a:r>
+            <a:r>
+              <a:rPr lang="en-US" sz="1200" dirty="0" err="1"/>
+              <a:t>kubelet</a:t>
+            </a:r>
+            <a:endParaRPr lang="en-US" sz="1200" dirty="0"/>
+          </a:p>
+        </p:txBody>
+      </p:sp>
+      <p:sp>
+        <p:nvSpPr>
+          <p:cNvPr id="8" name="Oval 7">
+            <a:extLst>
+              <a:ext uri="{FF2B5EF4-FFF2-40B4-BE49-F238E27FC236}">
+                <a16:creationId xmlns:a16="http://schemas.microsoft.com/office/drawing/2014/main" id="{D50853A3-C169-486C-8324-FFE241FEAF3F}"/>
+              </a:ext>
+            </a:extLst>
+          </p:cNvPr>
+          <p:cNvSpPr/>
+          <p:nvPr/>
+        </p:nvSpPr>
+        <p:spPr>
+          <a:xfrm>
+            <a:off x="7858181" y="4461163"/>
+            <a:ext cx="1588654" cy="766618"/>
+          </a:xfrm>
+          <a:prstGeom prst="ellipse">
+            <a:avLst/>
+          </a:prstGeom>
+        </p:spPr>
+        <p:style>
+          <a:lnRef idx="2">
+            <a:schemeClr val="accent1">
+              <a:shade val="50000"/>
+            </a:schemeClr>
+          </a:lnRef>
+          <a:fillRef idx="1">
+            <a:schemeClr val="accent1"/>
+          </a:fillRef>
+          <a:effectRef idx="0">
+            <a:schemeClr val="accent1"/>
+          </a:effectRef>
+          <a:fontRef idx="minor">
+            <a:schemeClr val="lt1"/>
+          </a:fontRef>
+        </p:style>
+        <p:txBody>
+          <a:bodyPr rtlCol="0" anchor="ctr"/>
+          <a:lstStyle/>
+          <a:p>
+            <a:pPr algn="ctr"/>
+            <a:r>
+              <a:rPr lang="en-US" dirty="0"/>
+              <a:t>Db:3306</a:t>
+            </a:r>
+          </a:p>
+        </p:txBody>
+      </p:sp>
+      <p:sp>
+        <p:nvSpPr>
+          <p:cNvPr id="9" name="TextBox 8">
+            <a:extLst>
+              <a:ext uri="{FF2B5EF4-FFF2-40B4-BE49-F238E27FC236}">
+                <a16:creationId xmlns:a16="http://schemas.microsoft.com/office/drawing/2014/main" id="{F7B27DF8-08CA-4A7F-A61F-FBB6F4C836E5}"/>
+              </a:ext>
+            </a:extLst>
+          </p:cNvPr>
+          <p:cNvSpPr txBox="1"/>
+          <p:nvPr/>
+        </p:nvSpPr>
+        <p:spPr>
+          <a:xfrm>
+            <a:off x="8144507" y="5163121"/>
+            <a:ext cx="1176925" cy="369332"/>
+          </a:xfrm>
+          <a:prstGeom prst="rect">
+            <a:avLst/>
+          </a:prstGeom>
+          <a:noFill/>
+        </p:spPr>
+        <p:txBody>
+          <a:bodyPr wrap="none" rtlCol="0">
+            <a:spAutoFit/>
+          </a:bodyPr>
+          <a:lstStyle/>
+          <a:p>
+            <a:r>
+              <a:rPr lang="en-US" dirty="0"/>
+              <a:t>172.18.0.6</a:t>
+            </a:r>
+          </a:p>
+        </p:txBody>
+      </p:sp>
+      <p:sp>
+        <p:nvSpPr>
+          <p:cNvPr id="10" name="Oval 9">
+            <a:extLst>
+              <a:ext uri="{FF2B5EF4-FFF2-40B4-BE49-F238E27FC236}">
+                <a16:creationId xmlns:a16="http://schemas.microsoft.com/office/drawing/2014/main" id="{5E7E1034-8CE7-4D73-BF5B-2DDC5D736730}"/>
+              </a:ext>
+            </a:extLst>
+          </p:cNvPr>
+          <p:cNvSpPr/>
+          <p:nvPr/>
+        </p:nvSpPr>
+        <p:spPr>
+          <a:xfrm>
+            <a:off x="7539528" y="568115"/>
+            <a:ext cx="1865744" cy="905035"/>
+          </a:xfrm>
+          <a:prstGeom prst="ellipse">
+            <a:avLst/>
+          </a:prstGeom>
+        </p:spPr>
+        <p:style>
+          <a:lnRef idx="2">
+            <a:schemeClr val="accent1">
+              <a:shade val="50000"/>
+            </a:schemeClr>
+          </a:lnRef>
+          <a:fillRef idx="1">
+            <a:schemeClr val="accent1"/>
+          </a:fillRef>
+          <a:effectRef idx="0">
+            <a:schemeClr val="accent1"/>
+          </a:effectRef>
+          <a:fontRef idx="minor">
+            <a:schemeClr val="lt1"/>
+          </a:fontRef>
+        </p:style>
+        <p:txBody>
+          <a:bodyPr rtlCol="0" anchor="ctr"/>
+          <a:lstStyle/>
+          <a:p>
+            <a:pPr algn="ctr"/>
+            <a:r>
+              <a:rPr lang="en-US" dirty="0"/>
+              <a:t>Ghost:2368</a:t>
+            </a:r>
+          </a:p>
+        </p:txBody>
+      </p:sp>
+      <p:sp>
+        <p:nvSpPr>
+          <p:cNvPr id="11" name="TextBox 10">
+            <a:extLst>
+              <a:ext uri="{FF2B5EF4-FFF2-40B4-BE49-F238E27FC236}">
+                <a16:creationId xmlns:a16="http://schemas.microsoft.com/office/drawing/2014/main" id="{4DA41EF4-4278-432C-930D-24E3755F7C9C}"/>
+              </a:ext>
+            </a:extLst>
+          </p:cNvPr>
+          <p:cNvSpPr txBox="1"/>
+          <p:nvPr/>
+        </p:nvSpPr>
+        <p:spPr>
+          <a:xfrm>
+            <a:off x="7927454" y="1380918"/>
+            <a:ext cx="1632178" cy="646331"/>
+          </a:xfrm>
+          <a:prstGeom prst="rect">
+            <a:avLst/>
+          </a:prstGeom>
+          <a:noFill/>
+        </p:spPr>
+        <p:txBody>
+          <a:bodyPr wrap="none" rtlCol="0">
+            <a:spAutoFit/>
+          </a:bodyPr>
+          <a:lstStyle/>
+          <a:p>
+            <a:r>
+              <a:rPr lang="en-US" dirty="0"/>
+              <a:t>172.17.0.6</a:t>
+            </a:r>
+          </a:p>
+          <a:p>
+            <a:r>
+              <a:rPr lang="en-US" dirty="0"/>
+              <a:t>Ping 172.18.0.6</a:t>
+            </a:r>
+          </a:p>
+        </p:txBody>
+      </p:sp>
+      <p:sp>
+        <p:nvSpPr>
+          <p:cNvPr id="12" name="Rectangle 11">
+            <a:extLst>
+              <a:ext uri="{FF2B5EF4-FFF2-40B4-BE49-F238E27FC236}">
+                <a16:creationId xmlns:a16="http://schemas.microsoft.com/office/drawing/2014/main" id="{0B7EFC53-AEC2-45CD-A652-3312586C7638}"/>
+              </a:ext>
+            </a:extLst>
+          </p:cNvPr>
+          <p:cNvSpPr/>
+          <p:nvPr/>
+        </p:nvSpPr>
+        <p:spPr>
+          <a:xfrm>
+            <a:off x="362527" y="1782618"/>
+            <a:ext cx="489527" cy="2678545"/>
+          </a:xfrm>
+          <a:prstGeom prst="rect">
+            <a:avLst/>
+          </a:prstGeom>
+        </p:spPr>
+        <p:style>
+          <a:lnRef idx="2">
+            <a:schemeClr val="accent1">
+              <a:shade val="50000"/>
+            </a:schemeClr>
+          </a:lnRef>
+          <a:fillRef idx="1">
+            <a:schemeClr val="accent1"/>
+          </a:fillRef>
+          <a:effectRef idx="0">
+            <a:schemeClr val="accent1"/>
+          </a:effectRef>
+          <a:fontRef idx="minor">
+            <a:schemeClr val="lt1"/>
+          </a:fontRef>
+        </p:style>
+        <p:txBody>
+          <a:bodyPr rtlCol="0" anchor="ctr"/>
+          <a:lstStyle/>
+          <a:p>
+            <a:pPr algn="ctr"/>
+            <a:r>
+              <a:rPr lang="en-US" dirty="0"/>
+              <a:t>k8smaster</a:t>
+            </a:r>
+          </a:p>
+        </p:txBody>
+      </p:sp>
+      <p:sp>
+        <p:nvSpPr>
+          <p:cNvPr id="13" name="TextBox 12">
+            <a:extLst>
+              <a:ext uri="{FF2B5EF4-FFF2-40B4-BE49-F238E27FC236}">
+                <a16:creationId xmlns:a16="http://schemas.microsoft.com/office/drawing/2014/main" id="{44889089-3F03-41F9-B85E-9816A93FB3CE}"/>
+              </a:ext>
+            </a:extLst>
+          </p:cNvPr>
+          <p:cNvSpPr txBox="1"/>
+          <p:nvPr/>
+        </p:nvSpPr>
+        <p:spPr>
+          <a:xfrm>
+            <a:off x="83127" y="5015345"/>
+            <a:ext cx="2410691" cy="1754326"/>
+          </a:xfrm>
+          <a:prstGeom prst="rect">
+            <a:avLst/>
+          </a:prstGeom>
+          <a:noFill/>
+        </p:spPr>
+        <p:txBody>
+          <a:bodyPr wrap="square" rtlCol="0">
+            <a:spAutoFit/>
+          </a:bodyPr>
+          <a:lstStyle/>
+          <a:p>
+            <a:r>
+              <a:rPr lang="en-US" u="sng" dirty="0"/>
+              <a:t>Pod-to-pod communication:</a:t>
+            </a:r>
+          </a:p>
+          <a:p>
+            <a:r>
+              <a:rPr lang="en-US" dirty="0"/>
+              <a:t>Any pod should be able to talk to any pod on a k8s cluster through its </a:t>
+            </a:r>
+            <a:r>
+              <a:rPr lang="en-US" dirty="0" err="1"/>
+              <a:t>ipaddress</a:t>
+            </a:r>
+            <a:endParaRPr lang="en-US" dirty="0"/>
+          </a:p>
+        </p:txBody>
+      </p:sp>
+      <p:sp>
+        <p:nvSpPr>
+          <p:cNvPr id="14" name="TextBox 13">
+            <a:extLst>
+              <a:ext uri="{FF2B5EF4-FFF2-40B4-BE49-F238E27FC236}">
+                <a16:creationId xmlns:a16="http://schemas.microsoft.com/office/drawing/2014/main" id="{3110D2C9-265B-4EB3-B7D5-13AEA48F2FAA}"/>
+              </a:ext>
+            </a:extLst>
+          </p:cNvPr>
+          <p:cNvSpPr txBox="1"/>
+          <p:nvPr/>
+        </p:nvSpPr>
+        <p:spPr>
+          <a:xfrm>
+            <a:off x="2604659" y="1782618"/>
+            <a:ext cx="4451923" cy="1446550"/>
+          </a:xfrm>
+          <a:prstGeom prst="rect">
+            <a:avLst/>
+          </a:prstGeom>
+          <a:noFill/>
+        </p:spPr>
+        <p:txBody>
+          <a:bodyPr wrap="square" rtlCol="0">
+            <a:spAutoFit/>
+          </a:bodyPr>
+          <a:lstStyle/>
+          <a:p>
+            <a:r>
+              <a:rPr lang="en-US" sz="1400" dirty="0"/>
+              <a:t>canal</a:t>
+            </a:r>
+          </a:p>
+          <a:p>
+            <a:r>
+              <a:rPr lang="en-US" sz="1400" dirty="0" err="1"/>
+              <a:t>Kubeproxy</a:t>
+            </a:r>
+            <a:endParaRPr lang="en-US" sz="1400" dirty="0"/>
+          </a:p>
+          <a:p>
+            <a:r>
+              <a:rPr lang="en-US" sz="1400" dirty="0"/>
+              <a:t>Route:</a:t>
+            </a:r>
+          </a:p>
+          <a:p>
+            <a:r>
+              <a:rPr lang="en-US" sz="1400" dirty="0"/>
+              <a:t>172.18.0.0  next hop 192.167.10.72</a:t>
+            </a:r>
+          </a:p>
+          <a:p>
+            <a:r>
+              <a:rPr lang="en-US" sz="1400" dirty="0"/>
+              <a:t>172.17.0.0 next hop 192.167.10.71</a:t>
+            </a:r>
+          </a:p>
+          <a:p>
+            <a:endParaRPr lang="en-US" dirty="0"/>
+          </a:p>
+        </p:txBody>
+      </p:sp>
+      <p:sp>
+        <p:nvSpPr>
+          <p:cNvPr id="16" name="Cloud 15">
+            <a:extLst>
+              <a:ext uri="{FF2B5EF4-FFF2-40B4-BE49-F238E27FC236}">
+                <a16:creationId xmlns:a16="http://schemas.microsoft.com/office/drawing/2014/main" id="{E0C30AF1-F7C1-46D7-BC5C-06A953A1BE79}"/>
+              </a:ext>
+            </a:extLst>
+          </p:cNvPr>
+          <p:cNvSpPr/>
+          <p:nvPr/>
+        </p:nvSpPr>
+        <p:spPr>
+          <a:xfrm>
+            <a:off x="655782" y="1505527"/>
+            <a:ext cx="2410691" cy="3805382"/>
+          </a:xfrm>
+          <a:prstGeom prst="cloud">
+            <a:avLst/>
+          </a:prstGeom>
+          <a:noFill/>
+        </p:spPr>
+        <p:style>
+          <a:lnRef idx="2">
+            <a:schemeClr val="accent1">
+              <a:shade val="50000"/>
+            </a:schemeClr>
+          </a:lnRef>
+          <a:fillRef idx="1">
+            <a:schemeClr val="accent1"/>
+          </a:fillRef>
+          <a:effectRef idx="0">
+            <a:schemeClr val="accent1"/>
+          </a:effectRef>
+          <a:fontRef idx="minor">
+            <a:schemeClr val="lt1"/>
+          </a:fontRef>
+        </p:style>
+        <p:txBody>
+          <a:bodyPr rtlCol="0" anchor="ctr"/>
+          <a:lstStyle/>
+          <a:p>
+            <a:pPr algn="ctr"/>
+            <a:endParaRPr lang="en-US"/>
+          </a:p>
+        </p:txBody>
+      </p:sp>
+      <p:sp>
+        <p:nvSpPr>
+          <p:cNvPr id="17" name="TextBox 16">
+            <a:extLst>
+              <a:ext uri="{FF2B5EF4-FFF2-40B4-BE49-F238E27FC236}">
+                <a16:creationId xmlns:a16="http://schemas.microsoft.com/office/drawing/2014/main" id="{63694879-9455-4640-8FA7-261BC9D17A53}"/>
+              </a:ext>
+            </a:extLst>
+          </p:cNvPr>
+          <p:cNvSpPr txBox="1"/>
+          <p:nvPr/>
+        </p:nvSpPr>
+        <p:spPr>
+          <a:xfrm>
+            <a:off x="969818" y="1431631"/>
+            <a:ext cx="1560946" cy="369332"/>
+          </a:xfrm>
+          <a:prstGeom prst="rect">
+            <a:avLst/>
+          </a:prstGeom>
+          <a:noFill/>
+        </p:spPr>
+        <p:txBody>
+          <a:bodyPr wrap="square" rtlCol="0">
+            <a:spAutoFit/>
+          </a:bodyPr>
+          <a:lstStyle/>
+          <a:p>
+            <a:r>
+              <a:rPr lang="en-US" dirty="0"/>
+              <a:t>Mesh network</a:t>
+            </a:r>
+          </a:p>
+        </p:txBody>
+      </p:sp>
+      <p:sp>
+        <p:nvSpPr>
+          <p:cNvPr id="18" name="TextBox 17">
+            <a:extLst>
+              <a:ext uri="{FF2B5EF4-FFF2-40B4-BE49-F238E27FC236}">
+                <a16:creationId xmlns:a16="http://schemas.microsoft.com/office/drawing/2014/main" id="{CE0C2A78-C94E-4856-B29D-F680318278B8}"/>
+              </a:ext>
+            </a:extLst>
+          </p:cNvPr>
+          <p:cNvSpPr txBox="1"/>
+          <p:nvPr/>
+        </p:nvSpPr>
+        <p:spPr>
+          <a:xfrm>
+            <a:off x="938644" y="3205018"/>
+            <a:ext cx="1324266" cy="938719"/>
+          </a:xfrm>
+          <a:prstGeom prst="rect">
+            <a:avLst/>
+          </a:prstGeom>
+          <a:noFill/>
+        </p:spPr>
+        <p:txBody>
+          <a:bodyPr wrap="square" rtlCol="0">
+            <a:spAutoFit/>
+          </a:bodyPr>
+          <a:lstStyle/>
+          <a:p>
+            <a:r>
+              <a:rPr lang="en-US" sz="1100" dirty="0"/>
+              <a:t>Calico(AWS), flannel (oracle), cloud-weave(GC), (overlay n/w </a:t>
+            </a:r>
+            <a:r>
+              <a:rPr lang="en-US" sz="1100" dirty="0">
+                <a:sym typeface="Wingdings" panose="05000000000000000000" pitchFamily="2" charset="2"/>
+              </a:rPr>
+              <a:t> docker swarm</a:t>
+            </a:r>
+            <a:r>
+              <a:rPr lang="en-US" sz="1100" dirty="0"/>
+              <a:t>)</a:t>
+            </a:r>
+          </a:p>
+        </p:txBody>
+      </p:sp>
+      <p:sp>
+        <p:nvSpPr>
+          <p:cNvPr id="19" name="TextBox 18">
+            <a:extLst>
+              <a:ext uri="{FF2B5EF4-FFF2-40B4-BE49-F238E27FC236}">
+                <a16:creationId xmlns:a16="http://schemas.microsoft.com/office/drawing/2014/main" id="{5734D249-A25A-4A86-8CF4-8F85612FF4CF}"/>
+              </a:ext>
+            </a:extLst>
+          </p:cNvPr>
+          <p:cNvSpPr txBox="1"/>
+          <p:nvPr/>
+        </p:nvSpPr>
+        <p:spPr>
+          <a:xfrm>
+            <a:off x="2648809" y="5333416"/>
+            <a:ext cx="4451923" cy="1446550"/>
+          </a:xfrm>
+          <a:prstGeom prst="rect">
+            <a:avLst/>
+          </a:prstGeom>
+          <a:noFill/>
+        </p:spPr>
+        <p:txBody>
+          <a:bodyPr wrap="square" rtlCol="0">
+            <a:spAutoFit/>
+          </a:bodyPr>
+          <a:lstStyle/>
+          <a:p>
+            <a:r>
+              <a:rPr lang="en-US" sz="1400" dirty="0"/>
+              <a:t>canal</a:t>
+            </a:r>
+          </a:p>
+          <a:p>
+            <a:r>
+              <a:rPr lang="en-US" sz="1400" dirty="0" err="1"/>
+              <a:t>kubeproxy</a:t>
+            </a:r>
+            <a:endParaRPr lang="en-US" sz="1400" dirty="0"/>
+          </a:p>
+          <a:p>
+            <a:r>
+              <a:rPr lang="en-US" sz="1400" dirty="0"/>
+              <a:t>Route:</a:t>
+            </a:r>
+          </a:p>
+          <a:p>
+            <a:r>
+              <a:rPr lang="en-US" sz="1400" dirty="0"/>
+              <a:t>172.18.0.0  next hop 192.167.10.72</a:t>
+            </a:r>
+          </a:p>
+          <a:p>
+            <a:r>
+              <a:rPr lang="en-US" sz="1400" dirty="0"/>
+              <a:t>172.17.0.0 next hop 192.167.10.71</a:t>
+            </a:r>
+          </a:p>
+          <a:p>
+            <a:endParaRPr lang="en-US" dirty="0"/>
+          </a:p>
+        </p:txBody>
+      </p:sp>
+      <p:cxnSp>
+        <p:nvCxnSpPr>
+          <p:cNvPr id="21" name="Straight Arrow Connector 20">
+            <a:extLst>
+              <a:ext uri="{FF2B5EF4-FFF2-40B4-BE49-F238E27FC236}">
+                <a16:creationId xmlns:a16="http://schemas.microsoft.com/office/drawing/2014/main" id="{D0F5D0A8-A997-4057-B22D-33C247389FDB}"/>
+              </a:ext>
+            </a:extLst>
+          </p:cNvPr>
+          <p:cNvCxnSpPr/>
+          <p:nvPr/>
+        </p:nvCxnSpPr>
+        <p:spPr>
+          <a:xfrm flipH="1" flipV="1">
+            <a:off x="7539528" y="1200727"/>
+            <a:ext cx="480292" cy="699736"/>
+          </a:xfrm>
+          <a:prstGeom prst="straightConnector1">
+            <a:avLst/>
+          </a:prstGeom>
+          <a:ln>
+            <a:tailEnd type="triangle"/>
+          </a:ln>
+        </p:spPr>
+        <p:style>
+          <a:lnRef idx="1">
+            <a:schemeClr val="accent1"/>
+          </a:lnRef>
+          <a:fillRef idx="0">
+            <a:schemeClr val="accent1"/>
+          </a:fillRef>
+          <a:effectRef idx="0">
+            <a:schemeClr val="accent1"/>
+          </a:effectRef>
+          <a:fontRef idx="minor">
+            <a:schemeClr val="tx1"/>
+          </a:fontRef>
+        </p:style>
+      </p:cxnSp>
+      <p:cxnSp>
+        <p:nvCxnSpPr>
+          <p:cNvPr id="23" name="Straight Arrow Connector 22">
+            <a:extLst>
+              <a:ext uri="{FF2B5EF4-FFF2-40B4-BE49-F238E27FC236}">
+                <a16:creationId xmlns:a16="http://schemas.microsoft.com/office/drawing/2014/main" id="{C61E3751-2077-483B-BDCD-ED5B37AAD85F}"/>
+              </a:ext>
+            </a:extLst>
+          </p:cNvPr>
+          <p:cNvCxnSpPr>
+            <a:endCxn id="4" idx="2"/>
+          </p:cNvCxnSpPr>
+          <p:nvPr/>
+        </p:nvCxnSpPr>
+        <p:spPr>
+          <a:xfrm flipH="1" flipV="1">
+            <a:off x="3853133" y="341628"/>
+            <a:ext cx="3582140" cy="679004"/>
+          </a:xfrm>
+          <a:prstGeom prst="straightConnector1">
+            <a:avLst/>
+          </a:prstGeom>
+          <a:ln>
+            <a:tailEnd type="triangle"/>
+          </a:ln>
+        </p:spPr>
+        <p:style>
+          <a:lnRef idx="1">
+            <a:schemeClr val="accent1"/>
+          </a:lnRef>
+          <a:fillRef idx="0">
+            <a:schemeClr val="accent1"/>
+          </a:fillRef>
+          <a:effectRef idx="0">
+            <a:schemeClr val="accent1"/>
+          </a:effectRef>
+          <a:fontRef idx="minor">
+            <a:schemeClr val="tx1"/>
+          </a:fontRef>
+        </p:style>
+      </p:cxnSp>
+      <p:cxnSp>
+        <p:nvCxnSpPr>
+          <p:cNvPr id="25" name="Straight Arrow Connector 24">
+            <a:extLst>
+              <a:ext uri="{FF2B5EF4-FFF2-40B4-BE49-F238E27FC236}">
+                <a16:creationId xmlns:a16="http://schemas.microsoft.com/office/drawing/2014/main" id="{139CE72D-6F89-4E72-A7AE-B44A53D0EDA0}"/>
+              </a:ext>
+            </a:extLst>
+          </p:cNvPr>
+          <p:cNvCxnSpPr>
+            <a:cxnSpLocks/>
+            <a:stCxn id="4" idx="2"/>
+          </p:cNvCxnSpPr>
+          <p:nvPr/>
+        </p:nvCxnSpPr>
+        <p:spPr>
+          <a:xfrm flipH="1">
+            <a:off x="3401636" y="341628"/>
+            <a:ext cx="451497" cy="2177531"/>
+          </a:xfrm>
+          <a:prstGeom prst="straightConnector1">
+            <a:avLst/>
+          </a:prstGeom>
+          <a:ln>
+            <a:tailEnd type="triangle"/>
+          </a:ln>
+        </p:spPr>
+        <p:style>
+          <a:lnRef idx="1">
+            <a:schemeClr val="accent1"/>
+          </a:lnRef>
+          <a:fillRef idx="0">
+            <a:schemeClr val="accent1"/>
+          </a:fillRef>
+          <a:effectRef idx="0">
+            <a:schemeClr val="accent1"/>
+          </a:effectRef>
+          <a:fontRef idx="minor">
+            <a:schemeClr val="tx1"/>
+          </a:fontRef>
+        </p:style>
+      </p:cxnSp>
+      <p:cxnSp>
+        <p:nvCxnSpPr>
+          <p:cNvPr id="28" name="Straight Arrow Connector 27">
+            <a:extLst>
+              <a:ext uri="{FF2B5EF4-FFF2-40B4-BE49-F238E27FC236}">
+                <a16:creationId xmlns:a16="http://schemas.microsoft.com/office/drawing/2014/main" id="{F88FD7FD-48D2-4620-9BE9-0E2152C37616}"/>
+              </a:ext>
+            </a:extLst>
+          </p:cNvPr>
+          <p:cNvCxnSpPr/>
+          <p:nvPr/>
+        </p:nvCxnSpPr>
+        <p:spPr>
+          <a:xfrm flipH="1">
+            <a:off x="4572000" y="2519159"/>
+            <a:ext cx="618836" cy="1155218"/>
+          </a:xfrm>
+          <a:prstGeom prst="straightConnector1">
+            <a:avLst/>
+          </a:prstGeom>
+          <a:ln>
+            <a:tailEnd type="triangle"/>
+          </a:ln>
+        </p:spPr>
+        <p:style>
+          <a:lnRef idx="1">
+            <a:schemeClr val="accent1"/>
+          </a:lnRef>
+          <a:fillRef idx="0">
+            <a:schemeClr val="accent1"/>
+          </a:fillRef>
+          <a:effectRef idx="0">
+            <a:schemeClr val="accent1"/>
+          </a:effectRef>
+          <a:fontRef idx="minor">
+            <a:schemeClr val="tx1"/>
+          </a:fontRef>
+        </p:style>
+      </p:cxnSp>
+      <p:cxnSp>
+        <p:nvCxnSpPr>
+          <p:cNvPr id="30" name="Straight Arrow Connector 29">
+            <a:extLst>
+              <a:ext uri="{FF2B5EF4-FFF2-40B4-BE49-F238E27FC236}">
+                <a16:creationId xmlns:a16="http://schemas.microsoft.com/office/drawing/2014/main" id="{587DC022-249A-430B-B842-2EDB59F8CC01}"/>
+              </a:ext>
+            </a:extLst>
+          </p:cNvPr>
+          <p:cNvCxnSpPr>
+            <a:stCxn id="5" idx="2"/>
+            <a:endCxn id="8" idx="2"/>
+          </p:cNvCxnSpPr>
+          <p:nvPr/>
+        </p:nvCxnSpPr>
+        <p:spPr>
+          <a:xfrm>
+            <a:off x="3866987" y="4022324"/>
+            <a:ext cx="3991194" cy="822148"/>
+          </a:xfrm>
+          <a:prstGeom prst="straightConnector1">
+            <a:avLst/>
+          </a:prstGeom>
+          <a:ln>
+            <a:tailEnd type="triangle"/>
+          </a:ln>
+        </p:spPr>
+        <p:style>
+          <a:lnRef idx="1">
+            <a:schemeClr val="accent1"/>
+          </a:lnRef>
+          <a:fillRef idx="0">
+            <a:schemeClr val="accent1"/>
+          </a:fillRef>
+          <a:effectRef idx="0">
+            <a:schemeClr val="accent1"/>
+          </a:effectRef>
+          <a:fontRef idx="minor">
+            <a:schemeClr val="tx1"/>
+          </a:fontRef>
+        </p:style>
+      </p:cxnSp>
+    </p:spTree>
+    <p:extLst>
+      <p:ext uri="{BB962C8B-B14F-4D97-AF65-F5344CB8AC3E}">
+        <p14:creationId xmlns:p14="http://schemas.microsoft.com/office/powerpoint/2010/main" val="546423694"/>
+      </p:ext>
+    </p:extLst>
+  </p:cSld>
+  <p:clrMapOvr>
+    <a:masterClrMapping/>
+  </p:clrMapOvr>
+</p:sld>
+</file>
+
 <file path=ppt/slides/slide2.xml><?xml version="1.0" encoding="utf-8"?>
 <p:sld xmlns:a="http://schemas.openxmlformats.org/drawingml/2006/main" xmlns:r="http://schemas.openxmlformats.org/officeDocument/2006/relationships" xmlns:p="http://schemas.openxmlformats.org/presentationml/2006/main">
   <p:cSld>
@@ -12293,6 +16197,4568 @@
     <p:extLst>
       <p:ext uri="{BB962C8B-B14F-4D97-AF65-F5344CB8AC3E}">
         <p14:creationId xmlns:p14="http://schemas.microsoft.com/office/powerpoint/2010/main" val="3349746570"/>
+      </p:ext>
+    </p:extLst>
+  </p:cSld>
+  <p:clrMapOvr>
+    <a:masterClrMapping/>
+  </p:clrMapOvr>
+</p:sld>
+</file>
+
+<file path=ppt/slides/slide20.xml><?xml version="1.0" encoding="utf-8"?>
+<p:sld xmlns:a="http://schemas.openxmlformats.org/drawingml/2006/main" xmlns:r="http://schemas.openxmlformats.org/officeDocument/2006/relationships" xmlns:p="http://schemas.openxmlformats.org/presentationml/2006/main">
+  <p:cSld>
+    <p:spTree>
+      <p:nvGrpSpPr>
+        <p:cNvPr id="1" name=""/>
+        <p:cNvGrpSpPr/>
+        <p:nvPr/>
+      </p:nvGrpSpPr>
+      <p:grpSpPr>
+        <a:xfrm>
+          <a:off x="0" y="0"/>
+          <a:ext cx="0" cy="0"/>
+          <a:chOff x="0" y="0"/>
+          <a:chExt cx="0" cy="0"/>
+        </a:xfrm>
+      </p:grpSpPr>
+      <p:sp>
+        <p:nvSpPr>
+          <p:cNvPr id="2" name="Rectangle 1">
+            <a:extLst>
+              <a:ext uri="{FF2B5EF4-FFF2-40B4-BE49-F238E27FC236}">
+                <a16:creationId xmlns:a16="http://schemas.microsoft.com/office/drawing/2014/main" id="{584DF015-67D2-4105-A54D-11DA66ABA3E5}"/>
+              </a:ext>
+            </a:extLst>
+          </p:cNvPr>
+          <p:cNvSpPr/>
+          <p:nvPr/>
+        </p:nvSpPr>
+        <p:spPr>
+          <a:xfrm>
+            <a:off x="2586181" y="295563"/>
+            <a:ext cx="9245600" cy="2678545"/>
+          </a:xfrm>
+          <a:prstGeom prst="rect">
+            <a:avLst/>
+          </a:prstGeom>
+          <a:noFill/>
+        </p:spPr>
+        <p:style>
+          <a:lnRef idx="2">
+            <a:schemeClr val="accent1">
+              <a:shade val="50000"/>
+            </a:schemeClr>
+          </a:lnRef>
+          <a:fillRef idx="1">
+            <a:schemeClr val="accent1"/>
+          </a:fillRef>
+          <a:effectRef idx="0">
+            <a:schemeClr val="accent1"/>
+          </a:effectRef>
+          <a:fontRef idx="minor">
+            <a:schemeClr val="lt1"/>
+          </a:fontRef>
+        </p:style>
+        <p:txBody>
+          <a:bodyPr rtlCol="0" anchor="ctr"/>
+          <a:lstStyle/>
+          <a:p>
+            <a:pPr algn="ctr"/>
+            <a:r>
+              <a:rPr lang="en-US"/>
+              <a:t>10.101.225.160</a:t>
+            </a:r>
+          </a:p>
+        </p:txBody>
+      </p:sp>
+      <p:sp>
+        <p:nvSpPr>
+          <p:cNvPr id="3" name="Rectangle 2">
+            <a:extLst>
+              <a:ext uri="{FF2B5EF4-FFF2-40B4-BE49-F238E27FC236}">
+                <a16:creationId xmlns:a16="http://schemas.microsoft.com/office/drawing/2014/main" id="{4FB04FD2-89FE-469A-8DD1-E9EE588A1B44}"/>
+              </a:ext>
+            </a:extLst>
+          </p:cNvPr>
+          <p:cNvSpPr/>
+          <p:nvPr/>
+        </p:nvSpPr>
+        <p:spPr>
+          <a:xfrm>
+            <a:off x="2586181" y="3883891"/>
+            <a:ext cx="9245600" cy="2590800"/>
+          </a:xfrm>
+          <a:prstGeom prst="rect">
+            <a:avLst/>
+          </a:prstGeom>
+          <a:noFill/>
+        </p:spPr>
+        <p:style>
+          <a:lnRef idx="2">
+            <a:schemeClr val="accent1">
+              <a:shade val="50000"/>
+            </a:schemeClr>
+          </a:lnRef>
+          <a:fillRef idx="1">
+            <a:schemeClr val="accent1"/>
+          </a:fillRef>
+          <a:effectRef idx="0">
+            <a:schemeClr val="accent1"/>
+          </a:effectRef>
+          <a:fontRef idx="minor">
+            <a:schemeClr val="lt1"/>
+          </a:fontRef>
+        </p:style>
+        <p:txBody>
+          <a:bodyPr rtlCol="0" anchor="ctr"/>
+          <a:lstStyle/>
+          <a:p>
+            <a:pPr algn="ctr"/>
+            <a:endParaRPr lang="en-US"/>
+          </a:p>
+        </p:txBody>
+      </p:sp>
+      <p:sp>
+        <p:nvSpPr>
+          <p:cNvPr id="4" name="TextBox 3">
+            <a:extLst>
+              <a:ext uri="{FF2B5EF4-FFF2-40B4-BE49-F238E27FC236}">
+                <a16:creationId xmlns:a16="http://schemas.microsoft.com/office/drawing/2014/main" id="{2B421BAA-58B6-44AC-9EBA-334BF1AB7DCC}"/>
+              </a:ext>
+            </a:extLst>
+          </p:cNvPr>
+          <p:cNvSpPr txBox="1"/>
+          <p:nvPr/>
+        </p:nvSpPr>
+        <p:spPr>
+          <a:xfrm>
+            <a:off x="2595417" y="-27704"/>
+            <a:ext cx="2515432" cy="369332"/>
+          </a:xfrm>
+          <a:prstGeom prst="rect">
+            <a:avLst/>
+          </a:prstGeom>
+          <a:noFill/>
+        </p:spPr>
+        <p:txBody>
+          <a:bodyPr wrap="none" rtlCol="0">
+            <a:spAutoFit/>
+          </a:bodyPr>
+          <a:lstStyle/>
+          <a:p>
+            <a:r>
+              <a:rPr lang="en-US" dirty="0"/>
+              <a:t>K8snode1:192.167.10.71</a:t>
+            </a:r>
+          </a:p>
+        </p:txBody>
+      </p:sp>
+      <p:sp>
+        <p:nvSpPr>
+          <p:cNvPr id="5" name="TextBox 4">
+            <a:extLst>
+              <a:ext uri="{FF2B5EF4-FFF2-40B4-BE49-F238E27FC236}">
+                <a16:creationId xmlns:a16="http://schemas.microsoft.com/office/drawing/2014/main" id="{9891E5B2-817C-4C03-B2C8-E70E08B92FC0}"/>
+              </a:ext>
+            </a:extLst>
+          </p:cNvPr>
+          <p:cNvSpPr txBox="1"/>
+          <p:nvPr/>
+        </p:nvSpPr>
+        <p:spPr>
+          <a:xfrm>
+            <a:off x="2609271" y="3652992"/>
+            <a:ext cx="2515432" cy="369332"/>
+          </a:xfrm>
+          <a:prstGeom prst="rect">
+            <a:avLst/>
+          </a:prstGeom>
+          <a:noFill/>
+        </p:spPr>
+        <p:txBody>
+          <a:bodyPr wrap="none" rtlCol="0">
+            <a:spAutoFit/>
+          </a:bodyPr>
+          <a:lstStyle/>
+          <a:p>
+            <a:r>
+              <a:rPr lang="en-US" dirty="0"/>
+              <a:t>K8snode2:192.167.10.72</a:t>
+            </a:r>
+          </a:p>
+        </p:txBody>
+      </p:sp>
+      <p:sp>
+        <p:nvSpPr>
+          <p:cNvPr id="6" name="TextBox 5">
+            <a:extLst>
+              <a:ext uri="{FF2B5EF4-FFF2-40B4-BE49-F238E27FC236}">
+                <a16:creationId xmlns:a16="http://schemas.microsoft.com/office/drawing/2014/main" id="{D4B5E052-51A2-4C01-BD5D-E5D161C2CA8A}"/>
+              </a:ext>
+            </a:extLst>
+          </p:cNvPr>
+          <p:cNvSpPr txBox="1"/>
+          <p:nvPr/>
+        </p:nvSpPr>
+        <p:spPr>
+          <a:xfrm>
+            <a:off x="10667999" y="314038"/>
+            <a:ext cx="1151213" cy="276999"/>
+          </a:xfrm>
+          <a:prstGeom prst="rect">
+            <a:avLst/>
+          </a:prstGeom>
+          <a:noFill/>
+        </p:spPr>
+        <p:txBody>
+          <a:bodyPr wrap="none" rtlCol="0">
+            <a:spAutoFit/>
+          </a:bodyPr>
+          <a:lstStyle/>
+          <a:p>
+            <a:r>
+              <a:rPr lang="en-US" sz="1200" dirty="0"/>
+              <a:t>Docker, </a:t>
+            </a:r>
+            <a:r>
+              <a:rPr lang="en-US" sz="1200" dirty="0" err="1"/>
+              <a:t>kubelet</a:t>
+            </a:r>
+            <a:endParaRPr lang="en-US" sz="1200" dirty="0"/>
+          </a:p>
+        </p:txBody>
+      </p:sp>
+      <p:sp>
+        <p:nvSpPr>
+          <p:cNvPr id="7" name="TextBox 6">
+            <a:extLst>
+              <a:ext uri="{FF2B5EF4-FFF2-40B4-BE49-F238E27FC236}">
+                <a16:creationId xmlns:a16="http://schemas.microsoft.com/office/drawing/2014/main" id="{78318497-B4CE-4BCB-B56F-271C9A26B298}"/>
+              </a:ext>
+            </a:extLst>
+          </p:cNvPr>
+          <p:cNvSpPr txBox="1"/>
+          <p:nvPr/>
+        </p:nvSpPr>
+        <p:spPr>
+          <a:xfrm>
+            <a:off x="10691091" y="3893133"/>
+            <a:ext cx="1151213" cy="276999"/>
+          </a:xfrm>
+          <a:prstGeom prst="rect">
+            <a:avLst/>
+          </a:prstGeom>
+          <a:noFill/>
+        </p:spPr>
+        <p:txBody>
+          <a:bodyPr wrap="none" rtlCol="0">
+            <a:spAutoFit/>
+          </a:bodyPr>
+          <a:lstStyle/>
+          <a:p>
+            <a:r>
+              <a:rPr lang="en-US" sz="1200" dirty="0"/>
+              <a:t>Docker, </a:t>
+            </a:r>
+            <a:r>
+              <a:rPr lang="en-US" sz="1200" dirty="0" err="1"/>
+              <a:t>kubelet</a:t>
+            </a:r>
+            <a:endParaRPr lang="en-US" sz="1200" dirty="0"/>
+          </a:p>
+        </p:txBody>
+      </p:sp>
+      <p:sp>
+        <p:nvSpPr>
+          <p:cNvPr id="8" name="Oval 7">
+            <a:extLst>
+              <a:ext uri="{FF2B5EF4-FFF2-40B4-BE49-F238E27FC236}">
+                <a16:creationId xmlns:a16="http://schemas.microsoft.com/office/drawing/2014/main" id="{D50853A3-C169-486C-8324-FFE241FEAF3F}"/>
+              </a:ext>
+            </a:extLst>
+          </p:cNvPr>
+          <p:cNvSpPr/>
+          <p:nvPr/>
+        </p:nvSpPr>
+        <p:spPr>
+          <a:xfrm>
+            <a:off x="7858181" y="4461163"/>
+            <a:ext cx="1588654" cy="766618"/>
+          </a:xfrm>
+          <a:prstGeom prst="ellipse">
+            <a:avLst/>
+          </a:prstGeom>
+        </p:spPr>
+        <p:style>
+          <a:lnRef idx="2">
+            <a:schemeClr val="accent1">
+              <a:shade val="50000"/>
+            </a:schemeClr>
+          </a:lnRef>
+          <a:fillRef idx="1">
+            <a:schemeClr val="accent1"/>
+          </a:fillRef>
+          <a:effectRef idx="0">
+            <a:schemeClr val="accent1"/>
+          </a:effectRef>
+          <a:fontRef idx="minor">
+            <a:schemeClr val="lt1"/>
+          </a:fontRef>
+        </p:style>
+        <p:txBody>
+          <a:bodyPr rtlCol="0" anchor="ctr"/>
+          <a:lstStyle/>
+          <a:p>
+            <a:pPr algn="ctr"/>
+            <a:r>
+              <a:rPr lang="en-US" dirty="0"/>
+              <a:t>Db:3306</a:t>
+            </a:r>
+          </a:p>
+        </p:txBody>
+      </p:sp>
+      <p:sp>
+        <p:nvSpPr>
+          <p:cNvPr id="9" name="TextBox 8">
+            <a:extLst>
+              <a:ext uri="{FF2B5EF4-FFF2-40B4-BE49-F238E27FC236}">
+                <a16:creationId xmlns:a16="http://schemas.microsoft.com/office/drawing/2014/main" id="{F7B27DF8-08CA-4A7F-A61F-FBB6F4C836E5}"/>
+              </a:ext>
+            </a:extLst>
+          </p:cNvPr>
+          <p:cNvSpPr txBox="1"/>
+          <p:nvPr/>
+        </p:nvSpPr>
+        <p:spPr>
+          <a:xfrm>
+            <a:off x="8144507" y="5163121"/>
+            <a:ext cx="1176925" cy="369332"/>
+          </a:xfrm>
+          <a:prstGeom prst="rect">
+            <a:avLst/>
+          </a:prstGeom>
+          <a:noFill/>
+        </p:spPr>
+        <p:txBody>
+          <a:bodyPr wrap="none" rtlCol="0">
+            <a:spAutoFit/>
+          </a:bodyPr>
+          <a:lstStyle/>
+          <a:p>
+            <a:r>
+              <a:rPr lang="en-US" dirty="0"/>
+              <a:t>172.18.0.6</a:t>
+            </a:r>
+          </a:p>
+        </p:txBody>
+      </p:sp>
+      <p:sp>
+        <p:nvSpPr>
+          <p:cNvPr id="10" name="Oval 9">
+            <a:extLst>
+              <a:ext uri="{FF2B5EF4-FFF2-40B4-BE49-F238E27FC236}">
+                <a16:creationId xmlns:a16="http://schemas.microsoft.com/office/drawing/2014/main" id="{5E7E1034-8CE7-4D73-BF5B-2DDC5D736730}"/>
+              </a:ext>
+            </a:extLst>
+          </p:cNvPr>
+          <p:cNvSpPr/>
+          <p:nvPr/>
+        </p:nvSpPr>
+        <p:spPr>
+          <a:xfrm>
+            <a:off x="7539528" y="568115"/>
+            <a:ext cx="1865744" cy="905035"/>
+          </a:xfrm>
+          <a:prstGeom prst="ellipse">
+            <a:avLst/>
+          </a:prstGeom>
+        </p:spPr>
+        <p:style>
+          <a:lnRef idx="2">
+            <a:schemeClr val="accent1">
+              <a:shade val="50000"/>
+            </a:schemeClr>
+          </a:lnRef>
+          <a:fillRef idx="1">
+            <a:schemeClr val="accent1"/>
+          </a:fillRef>
+          <a:effectRef idx="0">
+            <a:schemeClr val="accent1"/>
+          </a:effectRef>
+          <a:fontRef idx="minor">
+            <a:schemeClr val="lt1"/>
+          </a:fontRef>
+        </p:style>
+        <p:txBody>
+          <a:bodyPr rtlCol="0" anchor="ctr"/>
+          <a:lstStyle/>
+          <a:p>
+            <a:pPr algn="ctr"/>
+            <a:r>
+              <a:rPr lang="en-US" dirty="0"/>
+              <a:t>Ghost:2368</a:t>
+            </a:r>
+          </a:p>
+        </p:txBody>
+      </p:sp>
+      <p:sp>
+        <p:nvSpPr>
+          <p:cNvPr id="11" name="TextBox 10">
+            <a:extLst>
+              <a:ext uri="{FF2B5EF4-FFF2-40B4-BE49-F238E27FC236}">
+                <a16:creationId xmlns:a16="http://schemas.microsoft.com/office/drawing/2014/main" id="{4DA41EF4-4278-432C-930D-24E3755F7C9C}"/>
+              </a:ext>
+            </a:extLst>
+          </p:cNvPr>
+          <p:cNvSpPr txBox="1"/>
+          <p:nvPr/>
+        </p:nvSpPr>
+        <p:spPr>
+          <a:xfrm>
+            <a:off x="7890495" y="383449"/>
+            <a:ext cx="1176925" cy="369332"/>
+          </a:xfrm>
+          <a:prstGeom prst="rect">
+            <a:avLst/>
+          </a:prstGeom>
+          <a:noFill/>
+        </p:spPr>
+        <p:txBody>
+          <a:bodyPr wrap="none" rtlCol="0">
+            <a:spAutoFit/>
+          </a:bodyPr>
+          <a:lstStyle/>
+          <a:p>
+            <a:r>
+              <a:rPr lang="en-US" dirty="0"/>
+              <a:t>172.17.0.6</a:t>
+            </a:r>
+          </a:p>
+        </p:txBody>
+      </p:sp>
+      <p:sp>
+        <p:nvSpPr>
+          <p:cNvPr id="12" name="Rectangle 11">
+            <a:extLst>
+              <a:ext uri="{FF2B5EF4-FFF2-40B4-BE49-F238E27FC236}">
+                <a16:creationId xmlns:a16="http://schemas.microsoft.com/office/drawing/2014/main" id="{0B7EFC53-AEC2-45CD-A652-3312586C7638}"/>
+              </a:ext>
+            </a:extLst>
+          </p:cNvPr>
+          <p:cNvSpPr/>
+          <p:nvPr/>
+        </p:nvSpPr>
+        <p:spPr>
+          <a:xfrm>
+            <a:off x="362527" y="1782618"/>
+            <a:ext cx="489527" cy="2678545"/>
+          </a:xfrm>
+          <a:prstGeom prst="rect">
+            <a:avLst/>
+          </a:prstGeom>
+        </p:spPr>
+        <p:style>
+          <a:lnRef idx="2">
+            <a:schemeClr val="accent1">
+              <a:shade val="50000"/>
+            </a:schemeClr>
+          </a:lnRef>
+          <a:fillRef idx="1">
+            <a:schemeClr val="accent1"/>
+          </a:fillRef>
+          <a:effectRef idx="0">
+            <a:schemeClr val="accent1"/>
+          </a:effectRef>
+          <a:fontRef idx="minor">
+            <a:schemeClr val="lt1"/>
+          </a:fontRef>
+        </p:style>
+        <p:txBody>
+          <a:bodyPr rtlCol="0" anchor="ctr"/>
+          <a:lstStyle/>
+          <a:p>
+            <a:pPr algn="ctr"/>
+            <a:r>
+              <a:rPr lang="en-US" dirty="0"/>
+              <a:t>k8smaster</a:t>
+            </a:r>
+          </a:p>
+        </p:txBody>
+      </p:sp>
+      <p:sp>
+        <p:nvSpPr>
+          <p:cNvPr id="13" name="TextBox 12">
+            <a:extLst>
+              <a:ext uri="{FF2B5EF4-FFF2-40B4-BE49-F238E27FC236}">
+                <a16:creationId xmlns:a16="http://schemas.microsoft.com/office/drawing/2014/main" id="{44889089-3F03-41F9-B85E-9816A93FB3CE}"/>
+              </a:ext>
+            </a:extLst>
+          </p:cNvPr>
+          <p:cNvSpPr txBox="1"/>
+          <p:nvPr/>
+        </p:nvSpPr>
+        <p:spPr>
+          <a:xfrm>
+            <a:off x="83127" y="5015345"/>
+            <a:ext cx="2410691" cy="1754326"/>
+          </a:xfrm>
+          <a:prstGeom prst="rect">
+            <a:avLst/>
+          </a:prstGeom>
+          <a:noFill/>
+        </p:spPr>
+        <p:txBody>
+          <a:bodyPr wrap="square" rtlCol="0">
+            <a:spAutoFit/>
+          </a:bodyPr>
+          <a:lstStyle/>
+          <a:p>
+            <a:r>
+              <a:rPr lang="en-US" u="sng" dirty="0"/>
+              <a:t>Pod-to-pod communication:</a:t>
+            </a:r>
+          </a:p>
+          <a:p>
+            <a:r>
+              <a:rPr lang="en-US" dirty="0"/>
+              <a:t>Any pod should be able to talk to any pod on a k8s cluster through its </a:t>
+            </a:r>
+            <a:r>
+              <a:rPr lang="en-US" dirty="0" err="1"/>
+              <a:t>ipaddress</a:t>
+            </a:r>
+            <a:endParaRPr lang="en-US" dirty="0"/>
+          </a:p>
+        </p:txBody>
+      </p:sp>
+      <p:sp>
+        <p:nvSpPr>
+          <p:cNvPr id="14" name="TextBox 13">
+            <a:extLst>
+              <a:ext uri="{FF2B5EF4-FFF2-40B4-BE49-F238E27FC236}">
+                <a16:creationId xmlns:a16="http://schemas.microsoft.com/office/drawing/2014/main" id="{3110D2C9-265B-4EB3-B7D5-13AEA48F2FAA}"/>
+              </a:ext>
+            </a:extLst>
+          </p:cNvPr>
+          <p:cNvSpPr txBox="1"/>
+          <p:nvPr/>
+        </p:nvSpPr>
+        <p:spPr>
+          <a:xfrm>
+            <a:off x="2595417" y="1533196"/>
+            <a:ext cx="4451923" cy="1661993"/>
+          </a:xfrm>
+          <a:prstGeom prst="rect">
+            <a:avLst/>
+          </a:prstGeom>
+          <a:noFill/>
+        </p:spPr>
+        <p:txBody>
+          <a:bodyPr wrap="square" rtlCol="0">
+            <a:spAutoFit/>
+          </a:bodyPr>
+          <a:lstStyle/>
+          <a:p>
+            <a:r>
+              <a:rPr lang="en-US" sz="1400" dirty="0"/>
+              <a:t>canal</a:t>
+            </a:r>
+          </a:p>
+          <a:p>
+            <a:r>
+              <a:rPr lang="en-US" sz="1400" dirty="0" err="1"/>
+              <a:t>Kubeproxy</a:t>
+            </a:r>
+            <a:endParaRPr lang="en-US" sz="1400" dirty="0"/>
+          </a:p>
+          <a:p>
+            <a:r>
+              <a:rPr lang="en-US" sz="1400" dirty="0"/>
+              <a:t>	10.101.225.160:8888-&gt;172.18.0.6:3306</a:t>
+            </a:r>
+          </a:p>
+          <a:p>
+            <a:r>
+              <a:rPr lang="en-US" sz="1400" dirty="0"/>
+              <a:t>Route:</a:t>
+            </a:r>
+          </a:p>
+          <a:p>
+            <a:r>
+              <a:rPr lang="en-US" sz="1400" dirty="0"/>
+              <a:t>172.18.0.0  next hop 192.167.10.72</a:t>
+            </a:r>
+          </a:p>
+          <a:p>
+            <a:r>
+              <a:rPr lang="en-US" sz="1400" dirty="0"/>
+              <a:t>172.17.0.0 next hop 192.167.10.71</a:t>
+            </a:r>
+          </a:p>
+          <a:p>
+            <a:endParaRPr lang="en-US" dirty="0"/>
+          </a:p>
+        </p:txBody>
+      </p:sp>
+      <p:sp>
+        <p:nvSpPr>
+          <p:cNvPr id="16" name="Cloud 15">
+            <a:extLst>
+              <a:ext uri="{FF2B5EF4-FFF2-40B4-BE49-F238E27FC236}">
+                <a16:creationId xmlns:a16="http://schemas.microsoft.com/office/drawing/2014/main" id="{E0C30AF1-F7C1-46D7-BC5C-06A953A1BE79}"/>
+              </a:ext>
+            </a:extLst>
+          </p:cNvPr>
+          <p:cNvSpPr/>
+          <p:nvPr/>
+        </p:nvSpPr>
+        <p:spPr>
+          <a:xfrm>
+            <a:off x="655782" y="1505527"/>
+            <a:ext cx="2410691" cy="3805382"/>
+          </a:xfrm>
+          <a:prstGeom prst="cloud">
+            <a:avLst/>
+          </a:prstGeom>
+          <a:noFill/>
+        </p:spPr>
+        <p:style>
+          <a:lnRef idx="2">
+            <a:schemeClr val="accent1">
+              <a:shade val="50000"/>
+            </a:schemeClr>
+          </a:lnRef>
+          <a:fillRef idx="1">
+            <a:schemeClr val="accent1"/>
+          </a:fillRef>
+          <a:effectRef idx="0">
+            <a:schemeClr val="accent1"/>
+          </a:effectRef>
+          <a:fontRef idx="minor">
+            <a:schemeClr val="lt1"/>
+          </a:fontRef>
+        </p:style>
+        <p:txBody>
+          <a:bodyPr rtlCol="0" anchor="ctr"/>
+          <a:lstStyle/>
+          <a:p>
+            <a:pPr algn="ctr"/>
+            <a:endParaRPr lang="en-US"/>
+          </a:p>
+        </p:txBody>
+      </p:sp>
+      <p:sp>
+        <p:nvSpPr>
+          <p:cNvPr id="17" name="TextBox 16">
+            <a:extLst>
+              <a:ext uri="{FF2B5EF4-FFF2-40B4-BE49-F238E27FC236}">
+                <a16:creationId xmlns:a16="http://schemas.microsoft.com/office/drawing/2014/main" id="{63694879-9455-4640-8FA7-261BC9D17A53}"/>
+              </a:ext>
+            </a:extLst>
+          </p:cNvPr>
+          <p:cNvSpPr txBox="1"/>
+          <p:nvPr/>
+        </p:nvSpPr>
+        <p:spPr>
+          <a:xfrm>
+            <a:off x="969818" y="1431631"/>
+            <a:ext cx="1560946" cy="369332"/>
+          </a:xfrm>
+          <a:prstGeom prst="rect">
+            <a:avLst/>
+          </a:prstGeom>
+          <a:noFill/>
+        </p:spPr>
+        <p:txBody>
+          <a:bodyPr wrap="square" rtlCol="0">
+            <a:spAutoFit/>
+          </a:bodyPr>
+          <a:lstStyle/>
+          <a:p>
+            <a:r>
+              <a:rPr lang="en-US" dirty="0"/>
+              <a:t>Mesh network</a:t>
+            </a:r>
+          </a:p>
+        </p:txBody>
+      </p:sp>
+      <p:sp>
+        <p:nvSpPr>
+          <p:cNvPr id="18" name="TextBox 17">
+            <a:extLst>
+              <a:ext uri="{FF2B5EF4-FFF2-40B4-BE49-F238E27FC236}">
+                <a16:creationId xmlns:a16="http://schemas.microsoft.com/office/drawing/2014/main" id="{CE0C2A78-C94E-4856-B29D-F680318278B8}"/>
+              </a:ext>
+            </a:extLst>
+          </p:cNvPr>
+          <p:cNvSpPr txBox="1"/>
+          <p:nvPr/>
+        </p:nvSpPr>
+        <p:spPr>
+          <a:xfrm>
+            <a:off x="938644" y="3205018"/>
+            <a:ext cx="1324266" cy="938719"/>
+          </a:xfrm>
+          <a:prstGeom prst="rect">
+            <a:avLst/>
+          </a:prstGeom>
+          <a:noFill/>
+        </p:spPr>
+        <p:txBody>
+          <a:bodyPr wrap="square" rtlCol="0">
+            <a:spAutoFit/>
+          </a:bodyPr>
+          <a:lstStyle/>
+          <a:p>
+            <a:r>
+              <a:rPr lang="en-US" sz="1100" dirty="0"/>
+              <a:t>Calico(AWS), flannel (oracle), cloud-weave(GC), (overlay n/w </a:t>
+            </a:r>
+            <a:r>
+              <a:rPr lang="en-US" sz="1100" dirty="0">
+                <a:sym typeface="Wingdings" panose="05000000000000000000" pitchFamily="2" charset="2"/>
+              </a:rPr>
+              <a:t> docker swarm</a:t>
+            </a:r>
+            <a:r>
+              <a:rPr lang="en-US" sz="1100" dirty="0"/>
+              <a:t>)</a:t>
+            </a:r>
+          </a:p>
+        </p:txBody>
+      </p:sp>
+      <p:sp>
+        <p:nvSpPr>
+          <p:cNvPr id="19" name="TextBox 18">
+            <a:extLst>
+              <a:ext uri="{FF2B5EF4-FFF2-40B4-BE49-F238E27FC236}">
+                <a16:creationId xmlns:a16="http://schemas.microsoft.com/office/drawing/2014/main" id="{5734D249-A25A-4A86-8CF4-8F85612FF4CF}"/>
+              </a:ext>
+            </a:extLst>
+          </p:cNvPr>
+          <p:cNvSpPr txBox="1"/>
+          <p:nvPr/>
+        </p:nvSpPr>
+        <p:spPr>
+          <a:xfrm>
+            <a:off x="2586181" y="5124205"/>
+            <a:ext cx="4451923" cy="1661993"/>
+          </a:xfrm>
+          <a:prstGeom prst="rect">
+            <a:avLst/>
+          </a:prstGeom>
+          <a:noFill/>
+        </p:spPr>
+        <p:txBody>
+          <a:bodyPr wrap="square" rtlCol="0">
+            <a:spAutoFit/>
+          </a:bodyPr>
+          <a:lstStyle/>
+          <a:p>
+            <a:r>
+              <a:rPr lang="en-US" sz="1400" dirty="0"/>
+              <a:t>canal</a:t>
+            </a:r>
+          </a:p>
+          <a:p>
+            <a:r>
+              <a:rPr lang="en-US" sz="1400" dirty="0" err="1"/>
+              <a:t>Kubeproxy</a:t>
+            </a:r>
+            <a:endParaRPr lang="en-US" sz="1400" dirty="0"/>
+          </a:p>
+          <a:p>
+            <a:r>
+              <a:rPr lang="en-US" sz="1400" dirty="0"/>
+              <a:t>	10.101.225.160:8888-&gt;172.18.0.6:3306</a:t>
+            </a:r>
+          </a:p>
+          <a:p>
+            <a:r>
+              <a:rPr lang="en-US" sz="1400" dirty="0"/>
+              <a:t>Route:</a:t>
+            </a:r>
+          </a:p>
+          <a:p>
+            <a:r>
+              <a:rPr lang="en-US" sz="1400" dirty="0"/>
+              <a:t>172.18.0.0  next hop 192.167.10.72</a:t>
+            </a:r>
+          </a:p>
+          <a:p>
+            <a:r>
+              <a:rPr lang="en-US" sz="1400" dirty="0"/>
+              <a:t>172.17.0.0 next hop 192.167.10.71</a:t>
+            </a:r>
+          </a:p>
+          <a:p>
+            <a:endParaRPr lang="en-US" dirty="0"/>
+          </a:p>
+        </p:txBody>
+      </p:sp>
+      <p:sp>
+        <p:nvSpPr>
+          <p:cNvPr id="15" name="TextBox 14">
+            <a:extLst>
+              <a:ext uri="{FF2B5EF4-FFF2-40B4-BE49-F238E27FC236}">
+                <a16:creationId xmlns:a16="http://schemas.microsoft.com/office/drawing/2014/main" id="{19B31C91-5B54-4505-BCC7-67588B2BC4D4}"/>
+              </a:ext>
+            </a:extLst>
+          </p:cNvPr>
+          <p:cNvSpPr txBox="1"/>
+          <p:nvPr/>
+        </p:nvSpPr>
+        <p:spPr>
+          <a:xfrm>
+            <a:off x="7858181" y="1505527"/>
+            <a:ext cx="2662037" cy="954107"/>
+          </a:xfrm>
+          <a:prstGeom prst="rect">
+            <a:avLst/>
+          </a:prstGeom>
+          <a:noFill/>
+        </p:spPr>
+        <p:txBody>
+          <a:bodyPr wrap="square" rtlCol="0">
+            <a:spAutoFit/>
+          </a:bodyPr>
+          <a:lstStyle/>
+          <a:p>
+            <a:pPr marL="342900" indent="-342900">
+              <a:buAutoNum type="arabicPeriod"/>
+            </a:pPr>
+            <a:r>
+              <a:rPr lang="en-US" sz="1400" dirty="0"/>
+              <a:t>jdbc:blog-db-svc:8888</a:t>
+            </a:r>
+          </a:p>
+          <a:p>
+            <a:pPr marL="342900" indent="-342900">
+              <a:buAutoNum type="arabicPeriod"/>
+            </a:pPr>
+            <a:r>
+              <a:rPr lang="en-US" sz="1400" dirty="0"/>
+              <a:t>/</a:t>
+            </a:r>
+            <a:r>
+              <a:rPr lang="en-US" sz="1400" dirty="0" err="1"/>
+              <a:t>etc</a:t>
+            </a:r>
+            <a:r>
+              <a:rPr lang="en-US" sz="1400" dirty="0"/>
+              <a:t>/</a:t>
+            </a:r>
+            <a:r>
+              <a:rPr lang="en-US" sz="1400" dirty="0" err="1"/>
+              <a:t>resolv.conf</a:t>
+            </a:r>
+            <a:r>
+              <a:rPr lang="en-US" sz="1400" dirty="0"/>
+              <a:t> </a:t>
+            </a:r>
+          </a:p>
+          <a:p>
+            <a:pPr marL="342900" indent="-342900">
+              <a:buAutoNum type="arabicPeriod"/>
+            </a:pPr>
+            <a:r>
+              <a:rPr lang="en-US" sz="1400" dirty="0"/>
+              <a:t>Contacts </a:t>
+            </a:r>
+            <a:r>
+              <a:rPr lang="en-US" sz="1400" dirty="0" err="1"/>
+              <a:t>dns</a:t>
+            </a:r>
+            <a:r>
+              <a:rPr lang="en-US" sz="1400" dirty="0"/>
+              <a:t> service</a:t>
+            </a:r>
+          </a:p>
+          <a:p>
+            <a:pPr marL="342900" indent="-342900">
+              <a:buAutoNum type="arabicPeriod"/>
+            </a:pPr>
+            <a:r>
+              <a:rPr lang="en-US" sz="1400" dirty="0" err="1"/>
+              <a:t>Jdbc</a:t>
+            </a:r>
+            <a:r>
+              <a:rPr lang="en-US" sz="1400" dirty="0"/>
+              <a:t> 10.101.225.160:8888</a:t>
+            </a:r>
+          </a:p>
+        </p:txBody>
+      </p:sp>
+      <p:sp>
+        <p:nvSpPr>
+          <p:cNvPr id="20" name="Oval 19">
+            <a:extLst>
+              <a:ext uri="{FF2B5EF4-FFF2-40B4-BE49-F238E27FC236}">
+                <a16:creationId xmlns:a16="http://schemas.microsoft.com/office/drawing/2014/main" id="{A68CD212-AF8A-40A7-83AD-8317DDDFE967}"/>
+              </a:ext>
+            </a:extLst>
+          </p:cNvPr>
+          <p:cNvSpPr/>
+          <p:nvPr/>
+        </p:nvSpPr>
+        <p:spPr>
+          <a:xfrm>
+            <a:off x="10843491" y="1123712"/>
+            <a:ext cx="1256145" cy="464862"/>
+          </a:xfrm>
+          <a:prstGeom prst="ellipse">
+            <a:avLst/>
+          </a:prstGeom>
+        </p:spPr>
+        <p:style>
+          <a:lnRef idx="2">
+            <a:schemeClr val="accent1">
+              <a:shade val="50000"/>
+            </a:schemeClr>
+          </a:lnRef>
+          <a:fillRef idx="1">
+            <a:schemeClr val="accent1"/>
+          </a:fillRef>
+          <a:effectRef idx="0">
+            <a:schemeClr val="accent1"/>
+          </a:effectRef>
+          <a:fontRef idx="minor">
+            <a:schemeClr val="lt1"/>
+          </a:fontRef>
+        </p:style>
+        <p:txBody>
+          <a:bodyPr rtlCol="0" anchor="ctr"/>
+          <a:lstStyle/>
+          <a:p>
+            <a:pPr algn="ctr"/>
+            <a:r>
+              <a:rPr lang="en-US" dirty="0" err="1"/>
+              <a:t>dns</a:t>
+            </a:r>
+            <a:endParaRPr lang="en-US" dirty="0"/>
+          </a:p>
+        </p:txBody>
+      </p:sp>
+      <p:cxnSp>
+        <p:nvCxnSpPr>
+          <p:cNvPr id="24" name="Straight Arrow Connector 23">
+            <a:extLst>
+              <a:ext uri="{FF2B5EF4-FFF2-40B4-BE49-F238E27FC236}">
+                <a16:creationId xmlns:a16="http://schemas.microsoft.com/office/drawing/2014/main" id="{E701B101-49A9-47C0-AC40-CD43125F3A13}"/>
+              </a:ext>
+            </a:extLst>
+          </p:cNvPr>
+          <p:cNvCxnSpPr>
+            <a:endCxn id="20" idx="2"/>
+          </p:cNvCxnSpPr>
+          <p:nvPr/>
+        </p:nvCxnSpPr>
+        <p:spPr>
+          <a:xfrm flipV="1">
+            <a:off x="9790545" y="1356143"/>
+            <a:ext cx="1052946" cy="805709"/>
+          </a:xfrm>
+          <a:prstGeom prst="straightConnector1">
+            <a:avLst/>
+          </a:prstGeom>
+          <a:ln>
+            <a:tailEnd type="triangle"/>
+          </a:ln>
+        </p:spPr>
+        <p:style>
+          <a:lnRef idx="1">
+            <a:schemeClr val="accent1"/>
+          </a:lnRef>
+          <a:fillRef idx="0">
+            <a:schemeClr val="accent1"/>
+          </a:fillRef>
+          <a:effectRef idx="0">
+            <a:schemeClr val="accent1"/>
+          </a:effectRef>
+          <a:fontRef idx="minor">
+            <a:schemeClr val="tx1"/>
+          </a:fontRef>
+        </p:style>
+      </p:cxnSp>
+      <p:sp>
+        <p:nvSpPr>
+          <p:cNvPr id="26" name="Rectangle 25">
+            <a:extLst>
+              <a:ext uri="{FF2B5EF4-FFF2-40B4-BE49-F238E27FC236}">
+                <a16:creationId xmlns:a16="http://schemas.microsoft.com/office/drawing/2014/main" id="{7B54BB57-7EE5-44EF-BF7A-B890D87F9BA1}"/>
+              </a:ext>
+            </a:extLst>
+          </p:cNvPr>
+          <p:cNvSpPr/>
+          <p:nvPr/>
+        </p:nvSpPr>
+        <p:spPr>
+          <a:xfrm>
+            <a:off x="10037209" y="1450074"/>
+            <a:ext cx="898644" cy="276999"/>
+          </a:xfrm>
+          <a:prstGeom prst="rect">
+            <a:avLst/>
+          </a:prstGeom>
+        </p:spPr>
+        <p:txBody>
+          <a:bodyPr wrap="none">
+            <a:spAutoFit/>
+          </a:bodyPr>
+          <a:lstStyle/>
+          <a:p>
+            <a:r>
+              <a:rPr lang="en-US" sz="1200" dirty="0"/>
+              <a:t>blog-</a:t>
+            </a:r>
+            <a:r>
+              <a:rPr lang="en-US" sz="1200" dirty="0" err="1"/>
+              <a:t>db</a:t>
+            </a:r>
+            <a:r>
+              <a:rPr lang="en-US" sz="1200" dirty="0"/>
+              <a:t>-svc</a:t>
+            </a:r>
+          </a:p>
+        </p:txBody>
+      </p:sp>
+      <p:cxnSp>
+        <p:nvCxnSpPr>
+          <p:cNvPr id="29" name="Straight Arrow Connector 28">
+            <a:extLst>
+              <a:ext uri="{FF2B5EF4-FFF2-40B4-BE49-F238E27FC236}">
+                <a16:creationId xmlns:a16="http://schemas.microsoft.com/office/drawing/2014/main" id="{D7B2A531-ECC2-4EE5-A462-C3328719A47A}"/>
+              </a:ext>
+            </a:extLst>
+          </p:cNvPr>
+          <p:cNvCxnSpPr>
+            <a:stCxn id="20" idx="4"/>
+          </p:cNvCxnSpPr>
+          <p:nvPr/>
+        </p:nvCxnSpPr>
+        <p:spPr>
+          <a:xfrm flipH="1">
+            <a:off x="9790545" y="1588574"/>
+            <a:ext cx="1681019" cy="775618"/>
+          </a:xfrm>
+          <a:prstGeom prst="straightConnector1">
+            <a:avLst/>
+          </a:prstGeom>
+          <a:ln>
+            <a:tailEnd type="triangle"/>
+          </a:ln>
+        </p:spPr>
+        <p:style>
+          <a:lnRef idx="1">
+            <a:schemeClr val="accent1"/>
+          </a:lnRef>
+          <a:fillRef idx="0">
+            <a:schemeClr val="accent1"/>
+          </a:fillRef>
+          <a:effectRef idx="0">
+            <a:schemeClr val="accent1"/>
+          </a:effectRef>
+          <a:fontRef idx="minor">
+            <a:schemeClr val="tx1"/>
+          </a:fontRef>
+        </p:style>
+      </p:cxnSp>
+      <p:sp>
+        <p:nvSpPr>
+          <p:cNvPr id="31" name="Rectangle 30">
+            <a:extLst>
+              <a:ext uri="{FF2B5EF4-FFF2-40B4-BE49-F238E27FC236}">
+                <a16:creationId xmlns:a16="http://schemas.microsoft.com/office/drawing/2014/main" id="{173BA348-5F4F-4109-9F30-ED85EB1FB3F1}"/>
+              </a:ext>
+            </a:extLst>
+          </p:cNvPr>
+          <p:cNvSpPr/>
+          <p:nvPr/>
+        </p:nvSpPr>
+        <p:spPr>
+          <a:xfrm>
+            <a:off x="10191848" y="1819473"/>
+            <a:ext cx="1083951" cy="261610"/>
+          </a:xfrm>
+          <a:prstGeom prst="rect">
+            <a:avLst/>
+          </a:prstGeom>
+        </p:spPr>
+        <p:txBody>
+          <a:bodyPr wrap="none">
+            <a:spAutoFit/>
+          </a:bodyPr>
+          <a:lstStyle/>
+          <a:p>
+            <a:r>
+              <a:rPr lang="en-US" sz="1050" dirty="0"/>
+              <a:t>10.101.225.160</a:t>
+            </a:r>
+            <a:endParaRPr lang="en-US" sz="1200" dirty="0"/>
+          </a:p>
+        </p:txBody>
+      </p:sp>
+      <p:cxnSp>
+        <p:nvCxnSpPr>
+          <p:cNvPr id="33" name="Straight Arrow Connector 32">
+            <a:extLst>
+              <a:ext uri="{FF2B5EF4-FFF2-40B4-BE49-F238E27FC236}">
+                <a16:creationId xmlns:a16="http://schemas.microsoft.com/office/drawing/2014/main" id="{97AA88FB-D91A-40A4-BA0F-37C7C102BD2F}"/>
+              </a:ext>
+            </a:extLst>
+          </p:cNvPr>
+          <p:cNvCxnSpPr/>
+          <p:nvPr/>
+        </p:nvCxnSpPr>
+        <p:spPr>
+          <a:xfrm flipH="1" flipV="1">
+            <a:off x="7432613" y="983680"/>
+            <a:ext cx="406514" cy="1320665"/>
+          </a:xfrm>
+          <a:prstGeom prst="straightConnector1">
+            <a:avLst/>
+          </a:prstGeom>
+          <a:ln>
+            <a:tailEnd type="triangle"/>
+          </a:ln>
+        </p:spPr>
+        <p:style>
+          <a:lnRef idx="1">
+            <a:schemeClr val="accent1"/>
+          </a:lnRef>
+          <a:fillRef idx="0">
+            <a:schemeClr val="accent1"/>
+          </a:fillRef>
+          <a:effectRef idx="0">
+            <a:schemeClr val="accent1"/>
+          </a:effectRef>
+          <a:fontRef idx="minor">
+            <a:schemeClr val="tx1"/>
+          </a:fontRef>
+        </p:style>
+      </p:cxnSp>
+      <p:cxnSp>
+        <p:nvCxnSpPr>
+          <p:cNvPr id="35" name="Straight Arrow Connector 34">
+            <a:extLst>
+              <a:ext uri="{FF2B5EF4-FFF2-40B4-BE49-F238E27FC236}">
+                <a16:creationId xmlns:a16="http://schemas.microsoft.com/office/drawing/2014/main" id="{02F80564-D29A-4F40-99EF-ECEDEDAB8D91}"/>
+              </a:ext>
+            </a:extLst>
+          </p:cNvPr>
+          <p:cNvCxnSpPr>
+            <a:endCxn id="4" idx="2"/>
+          </p:cNvCxnSpPr>
+          <p:nvPr/>
+        </p:nvCxnSpPr>
+        <p:spPr>
+          <a:xfrm flipH="1" flipV="1">
+            <a:off x="3853133" y="341628"/>
+            <a:ext cx="3517480" cy="782084"/>
+          </a:xfrm>
+          <a:prstGeom prst="straightConnector1">
+            <a:avLst/>
+          </a:prstGeom>
+          <a:ln>
+            <a:tailEnd type="triangle"/>
+          </a:ln>
+        </p:spPr>
+        <p:style>
+          <a:lnRef idx="1">
+            <a:schemeClr val="accent1"/>
+          </a:lnRef>
+          <a:fillRef idx="0">
+            <a:schemeClr val="accent1"/>
+          </a:fillRef>
+          <a:effectRef idx="0">
+            <a:schemeClr val="accent1"/>
+          </a:effectRef>
+          <a:fontRef idx="minor">
+            <a:schemeClr val="tx1"/>
+          </a:fontRef>
+        </p:style>
+      </p:cxnSp>
+      <p:cxnSp>
+        <p:nvCxnSpPr>
+          <p:cNvPr id="37" name="Straight Arrow Connector 36">
+            <a:extLst>
+              <a:ext uri="{FF2B5EF4-FFF2-40B4-BE49-F238E27FC236}">
+                <a16:creationId xmlns:a16="http://schemas.microsoft.com/office/drawing/2014/main" id="{37D61397-634D-4C96-8B0D-781283765BCE}"/>
+              </a:ext>
+            </a:extLst>
+          </p:cNvPr>
+          <p:cNvCxnSpPr/>
+          <p:nvPr/>
+        </p:nvCxnSpPr>
+        <p:spPr>
+          <a:xfrm flipH="1" flipV="1">
+            <a:off x="1333673" y="321928"/>
+            <a:ext cx="2344706" cy="91977"/>
+          </a:xfrm>
+          <a:prstGeom prst="straightConnector1">
+            <a:avLst/>
+          </a:prstGeom>
+          <a:ln>
+            <a:tailEnd type="triangle"/>
+          </a:ln>
+        </p:spPr>
+        <p:style>
+          <a:lnRef idx="1">
+            <a:schemeClr val="accent1"/>
+          </a:lnRef>
+          <a:fillRef idx="0">
+            <a:schemeClr val="accent1"/>
+          </a:fillRef>
+          <a:effectRef idx="0">
+            <a:schemeClr val="accent1"/>
+          </a:effectRef>
+          <a:fontRef idx="minor">
+            <a:schemeClr val="tx1"/>
+          </a:fontRef>
+        </p:style>
+      </p:cxnSp>
+      <p:sp>
+        <p:nvSpPr>
+          <p:cNvPr id="38" name="Rectangle 37">
+            <a:extLst>
+              <a:ext uri="{FF2B5EF4-FFF2-40B4-BE49-F238E27FC236}">
+                <a16:creationId xmlns:a16="http://schemas.microsoft.com/office/drawing/2014/main" id="{D8B296F8-0820-42BB-89BD-B458E5FDCC78}"/>
+              </a:ext>
+            </a:extLst>
+          </p:cNvPr>
+          <p:cNvSpPr/>
+          <p:nvPr/>
+        </p:nvSpPr>
+        <p:spPr>
+          <a:xfrm>
+            <a:off x="4582727" y="452537"/>
+            <a:ext cx="1223412" cy="261610"/>
+          </a:xfrm>
+          <a:prstGeom prst="rect">
+            <a:avLst/>
+          </a:prstGeom>
+        </p:spPr>
+        <p:txBody>
+          <a:bodyPr wrap="none">
+            <a:spAutoFit/>
+          </a:bodyPr>
+          <a:lstStyle/>
+          <a:p>
+            <a:r>
+              <a:rPr lang="en-US" sz="1100" dirty="0"/>
+              <a:t>5. 10.101.225.160</a:t>
+            </a:r>
+            <a:endParaRPr lang="en-US" dirty="0"/>
+          </a:p>
+        </p:txBody>
+      </p:sp>
+      <p:cxnSp>
+        <p:nvCxnSpPr>
+          <p:cNvPr id="40" name="Straight Arrow Connector 39">
+            <a:extLst>
+              <a:ext uri="{FF2B5EF4-FFF2-40B4-BE49-F238E27FC236}">
+                <a16:creationId xmlns:a16="http://schemas.microsoft.com/office/drawing/2014/main" id="{968FF9C8-9529-4A23-A146-53EF4046C31F}"/>
+              </a:ext>
+            </a:extLst>
+          </p:cNvPr>
+          <p:cNvCxnSpPr>
+            <a:cxnSpLocks/>
+          </p:cNvCxnSpPr>
+          <p:nvPr/>
+        </p:nvCxnSpPr>
+        <p:spPr>
+          <a:xfrm>
+            <a:off x="2863273" y="367916"/>
+            <a:ext cx="628219" cy="1582362"/>
+          </a:xfrm>
+          <a:prstGeom prst="straightConnector1">
+            <a:avLst/>
+          </a:prstGeom>
+          <a:ln>
+            <a:tailEnd type="triangle"/>
+          </a:ln>
+        </p:spPr>
+        <p:style>
+          <a:lnRef idx="1">
+            <a:schemeClr val="accent1"/>
+          </a:lnRef>
+          <a:fillRef idx="0">
+            <a:schemeClr val="accent1"/>
+          </a:fillRef>
+          <a:effectRef idx="0">
+            <a:schemeClr val="accent1"/>
+          </a:effectRef>
+          <a:fontRef idx="minor">
+            <a:schemeClr val="tx1"/>
+          </a:fontRef>
+        </p:style>
+      </p:cxnSp>
+      <p:sp>
+        <p:nvSpPr>
+          <p:cNvPr id="41" name="TextBox 40">
+            <a:extLst>
+              <a:ext uri="{FF2B5EF4-FFF2-40B4-BE49-F238E27FC236}">
+                <a16:creationId xmlns:a16="http://schemas.microsoft.com/office/drawing/2014/main" id="{61BDFF17-C4FE-4F92-B366-9A77068AD1BD}"/>
+              </a:ext>
+            </a:extLst>
+          </p:cNvPr>
+          <p:cNvSpPr txBox="1"/>
+          <p:nvPr/>
+        </p:nvSpPr>
+        <p:spPr>
+          <a:xfrm>
+            <a:off x="2818929" y="648133"/>
+            <a:ext cx="1257075" cy="261610"/>
+          </a:xfrm>
+          <a:prstGeom prst="rect">
+            <a:avLst/>
+          </a:prstGeom>
+          <a:noFill/>
+        </p:spPr>
+        <p:txBody>
+          <a:bodyPr wrap="none" rtlCol="0">
+            <a:spAutoFit/>
+          </a:bodyPr>
+          <a:lstStyle/>
+          <a:p>
+            <a:r>
+              <a:rPr lang="en-US" sz="1100" dirty="0"/>
+              <a:t>6. Inflight snagging</a:t>
+            </a:r>
+            <a:endParaRPr lang="en-US" dirty="0"/>
+          </a:p>
+        </p:txBody>
+      </p:sp>
+      <p:sp>
+        <p:nvSpPr>
+          <p:cNvPr id="43" name="TextBox 42">
+            <a:extLst>
+              <a:ext uri="{FF2B5EF4-FFF2-40B4-BE49-F238E27FC236}">
+                <a16:creationId xmlns:a16="http://schemas.microsoft.com/office/drawing/2014/main" id="{DFB3E4E5-91F6-490C-B885-BDBC23036391}"/>
+              </a:ext>
+            </a:extLst>
+          </p:cNvPr>
+          <p:cNvSpPr txBox="1"/>
+          <p:nvPr/>
+        </p:nvSpPr>
+        <p:spPr>
+          <a:xfrm>
+            <a:off x="4451927" y="1431631"/>
+            <a:ext cx="1723549" cy="600164"/>
+          </a:xfrm>
+          <a:prstGeom prst="rect">
+            <a:avLst/>
+          </a:prstGeom>
+          <a:noFill/>
+        </p:spPr>
+        <p:txBody>
+          <a:bodyPr wrap="none" rtlCol="0">
+            <a:spAutoFit/>
+          </a:bodyPr>
+          <a:lstStyle/>
+          <a:p>
+            <a:r>
+              <a:rPr lang="en-US" sz="1100" dirty="0"/>
+              <a:t>7. </a:t>
+            </a:r>
+            <a:r>
+              <a:rPr lang="en-US" sz="1100" dirty="0" err="1"/>
+              <a:t>Kubeprox</a:t>
+            </a:r>
+            <a:r>
+              <a:rPr lang="en-US" sz="1100" dirty="0"/>
+              <a:t> load balances</a:t>
+            </a:r>
+          </a:p>
+          <a:p>
+            <a:r>
+              <a:rPr lang="en-US" sz="1100" dirty="0"/>
+              <a:t>8. Convert svc </a:t>
+            </a:r>
+            <a:r>
+              <a:rPr lang="en-US" sz="1100" dirty="0" err="1"/>
+              <a:t>ip</a:t>
+            </a:r>
+            <a:r>
+              <a:rPr lang="en-US" sz="1100" dirty="0"/>
+              <a:t> to pods </a:t>
+            </a:r>
+            <a:r>
+              <a:rPr lang="en-US" sz="1100" dirty="0" err="1"/>
+              <a:t>ip</a:t>
+            </a:r>
+            <a:endParaRPr lang="en-US" sz="1100" dirty="0"/>
+          </a:p>
+          <a:p>
+            <a:r>
+              <a:rPr lang="en-US" sz="1100" dirty="0"/>
+              <a:t>9. Pod – to - comm</a:t>
+            </a:r>
+          </a:p>
+        </p:txBody>
+      </p:sp>
+      <p:cxnSp>
+        <p:nvCxnSpPr>
+          <p:cNvPr id="45" name="Straight Arrow Connector 44">
+            <a:extLst>
+              <a:ext uri="{FF2B5EF4-FFF2-40B4-BE49-F238E27FC236}">
+                <a16:creationId xmlns:a16="http://schemas.microsoft.com/office/drawing/2014/main" id="{B2FA6F17-5B5A-46A6-B258-60986F513835}"/>
+              </a:ext>
+            </a:extLst>
+          </p:cNvPr>
+          <p:cNvCxnSpPr/>
+          <p:nvPr/>
+        </p:nvCxnSpPr>
+        <p:spPr>
+          <a:xfrm flipH="1">
+            <a:off x="5218545" y="2161852"/>
+            <a:ext cx="587594" cy="297782"/>
+          </a:xfrm>
+          <a:prstGeom prst="straightConnector1">
+            <a:avLst/>
+          </a:prstGeom>
+          <a:ln>
+            <a:tailEnd type="triangle"/>
+          </a:ln>
+        </p:spPr>
+        <p:style>
+          <a:lnRef idx="1">
+            <a:schemeClr val="accent1"/>
+          </a:lnRef>
+          <a:fillRef idx="0">
+            <a:schemeClr val="accent1"/>
+          </a:fillRef>
+          <a:effectRef idx="0">
+            <a:schemeClr val="accent1"/>
+          </a:effectRef>
+          <a:fontRef idx="minor">
+            <a:schemeClr val="tx1"/>
+          </a:fontRef>
+        </p:style>
+      </p:cxnSp>
+      <p:cxnSp>
+        <p:nvCxnSpPr>
+          <p:cNvPr id="47" name="Straight Arrow Connector 46">
+            <a:extLst>
+              <a:ext uri="{FF2B5EF4-FFF2-40B4-BE49-F238E27FC236}">
+                <a16:creationId xmlns:a16="http://schemas.microsoft.com/office/drawing/2014/main" id="{38E52B66-0D71-4327-B5A8-4886E2549931}"/>
+              </a:ext>
+            </a:extLst>
+          </p:cNvPr>
+          <p:cNvCxnSpPr/>
+          <p:nvPr/>
+        </p:nvCxnSpPr>
+        <p:spPr>
+          <a:xfrm flipH="1">
+            <a:off x="4285673" y="2595418"/>
+            <a:ext cx="825176" cy="1173018"/>
+          </a:xfrm>
+          <a:prstGeom prst="straightConnector1">
+            <a:avLst/>
+          </a:prstGeom>
+          <a:ln>
+            <a:tailEnd type="triangle"/>
+          </a:ln>
+        </p:spPr>
+        <p:style>
+          <a:lnRef idx="1">
+            <a:schemeClr val="accent1"/>
+          </a:lnRef>
+          <a:fillRef idx="0">
+            <a:schemeClr val="accent1"/>
+          </a:fillRef>
+          <a:effectRef idx="0">
+            <a:schemeClr val="accent1"/>
+          </a:effectRef>
+          <a:fontRef idx="minor">
+            <a:schemeClr val="tx1"/>
+          </a:fontRef>
+        </p:style>
+      </p:cxnSp>
+      <p:cxnSp>
+        <p:nvCxnSpPr>
+          <p:cNvPr id="49" name="Straight Arrow Connector 48">
+            <a:extLst>
+              <a:ext uri="{FF2B5EF4-FFF2-40B4-BE49-F238E27FC236}">
+                <a16:creationId xmlns:a16="http://schemas.microsoft.com/office/drawing/2014/main" id="{D3887986-852E-43E5-B3C2-15B99ACEB9D4}"/>
+              </a:ext>
+            </a:extLst>
+          </p:cNvPr>
+          <p:cNvCxnSpPr>
+            <a:endCxn id="8" idx="2"/>
+          </p:cNvCxnSpPr>
+          <p:nvPr/>
+        </p:nvCxnSpPr>
+        <p:spPr>
+          <a:xfrm>
+            <a:off x="4221018" y="4022324"/>
+            <a:ext cx="3637163" cy="822148"/>
+          </a:xfrm>
+          <a:prstGeom prst="straightConnector1">
+            <a:avLst/>
+          </a:prstGeom>
+          <a:ln>
+            <a:tailEnd type="triangle"/>
+          </a:ln>
+        </p:spPr>
+        <p:style>
+          <a:lnRef idx="1">
+            <a:schemeClr val="accent1"/>
+          </a:lnRef>
+          <a:fillRef idx="0">
+            <a:schemeClr val="accent1"/>
+          </a:fillRef>
+          <a:effectRef idx="0">
+            <a:schemeClr val="accent1"/>
+          </a:effectRef>
+          <a:fontRef idx="minor">
+            <a:schemeClr val="tx1"/>
+          </a:fontRef>
+        </p:style>
+      </p:cxnSp>
+    </p:spTree>
+    <p:extLst>
+      <p:ext uri="{BB962C8B-B14F-4D97-AF65-F5344CB8AC3E}">
+        <p14:creationId xmlns:p14="http://schemas.microsoft.com/office/powerpoint/2010/main" val="1823624933"/>
+      </p:ext>
+    </p:extLst>
+  </p:cSld>
+  <p:clrMapOvr>
+    <a:masterClrMapping/>
+  </p:clrMapOvr>
+</p:sld>
+</file>
+
+<file path=ppt/slides/slide21.xml><?xml version="1.0" encoding="utf-8"?>
+<p:sld xmlns:a="http://schemas.openxmlformats.org/drawingml/2006/main" xmlns:r="http://schemas.openxmlformats.org/officeDocument/2006/relationships" xmlns:p="http://schemas.openxmlformats.org/presentationml/2006/main">
+  <p:cSld>
+    <p:spTree>
+      <p:nvGrpSpPr>
+        <p:cNvPr id="1" name=""/>
+        <p:cNvGrpSpPr/>
+        <p:nvPr/>
+      </p:nvGrpSpPr>
+      <p:grpSpPr>
+        <a:xfrm>
+          <a:off x="0" y="0"/>
+          <a:ext cx="0" cy="0"/>
+          <a:chOff x="0" y="0"/>
+          <a:chExt cx="0" cy="0"/>
+        </a:xfrm>
+      </p:grpSpPr>
+      <p:sp>
+        <p:nvSpPr>
+          <p:cNvPr id="2" name="Rectangle 1">
+            <a:extLst>
+              <a:ext uri="{FF2B5EF4-FFF2-40B4-BE49-F238E27FC236}">
+                <a16:creationId xmlns:a16="http://schemas.microsoft.com/office/drawing/2014/main" id="{42B26111-424D-4933-B395-F232DEEA5816}"/>
+              </a:ext>
+            </a:extLst>
+          </p:cNvPr>
+          <p:cNvSpPr/>
+          <p:nvPr/>
+        </p:nvSpPr>
+        <p:spPr>
+          <a:xfrm>
+            <a:off x="7121236" y="415636"/>
+            <a:ext cx="1948873" cy="1265382"/>
+          </a:xfrm>
+          <a:prstGeom prst="rect">
+            <a:avLst/>
+          </a:prstGeom>
+        </p:spPr>
+        <p:style>
+          <a:lnRef idx="2">
+            <a:schemeClr val="accent1">
+              <a:shade val="50000"/>
+            </a:schemeClr>
+          </a:lnRef>
+          <a:fillRef idx="1">
+            <a:schemeClr val="accent1"/>
+          </a:fillRef>
+          <a:effectRef idx="0">
+            <a:schemeClr val="accent1"/>
+          </a:effectRef>
+          <a:fontRef idx="minor">
+            <a:schemeClr val="lt1"/>
+          </a:fontRef>
+        </p:style>
+        <p:txBody>
+          <a:bodyPr rtlCol="0" anchor="ctr"/>
+          <a:lstStyle/>
+          <a:p>
+            <a:pPr algn="ctr"/>
+            <a:r>
+              <a:rPr lang="en-US" dirty="0"/>
+              <a:t>/</a:t>
+            </a:r>
+            <a:r>
+              <a:rPr lang="en-US" dirty="0" err="1"/>
+              <a:t>etc</a:t>
+            </a:r>
+            <a:r>
+              <a:rPr lang="en-US" dirty="0"/>
+              <a:t>/Kubernetes/</a:t>
+            </a:r>
+            <a:r>
+              <a:rPr lang="en-US" dirty="0" err="1"/>
+              <a:t>admin.conf</a:t>
+            </a:r>
+            <a:endParaRPr lang="en-US" dirty="0"/>
+          </a:p>
+        </p:txBody>
+      </p:sp>
+      <p:sp>
+        <p:nvSpPr>
+          <p:cNvPr id="3" name="TextBox 2">
+            <a:extLst>
+              <a:ext uri="{FF2B5EF4-FFF2-40B4-BE49-F238E27FC236}">
+                <a16:creationId xmlns:a16="http://schemas.microsoft.com/office/drawing/2014/main" id="{2561E800-E521-4B38-AE42-B35EEDAAE2F4}"/>
+              </a:ext>
+            </a:extLst>
+          </p:cNvPr>
+          <p:cNvSpPr txBox="1"/>
+          <p:nvPr/>
+        </p:nvSpPr>
+        <p:spPr>
+          <a:xfrm>
+            <a:off x="7121236" y="0"/>
+            <a:ext cx="2632364" cy="369332"/>
+          </a:xfrm>
+          <a:prstGeom prst="rect">
+            <a:avLst/>
+          </a:prstGeom>
+          <a:noFill/>
+        </p:spPr>
+        <p:txBody>
+          <a:bodyPr wrap="square" rtlCol="0">
+            <a:spAutoFit/>
+          </a:bodyPr>
+          <a:lstStyle/>
+          <a:p>
+            <a:r>
+              <a:rPr lang="en-US" dirty="0" err="1"/>
+              <a:t>Minikube</a:t>
+            </a:r>
+            <a:r>
+              <a:rPr lang="en-US" dirty="0"/>
+              <a:t>: 192.168.99.100</a:t>
+            </a:r>
+          </a:p>
+        </p:txBody>
+      </p:sp>
+      <p:sp>
+        <p:nvSpPr>
+          <p:cNvPr id="4" name="Rectangle 3">
+            <a:extLst>
+              <a:ext uri="{FF2B5EF4-FFF2-40B4-BE49-F238E27FC236}">
+                <a16:creationId xmlns:a16="http://schemas.microsoft.com/office/drawing/2014/main" id="{BBF50474-08CC-4D43-AE90-1B8FC27B6FC7}"/>
+              </a:ext>
+            </a:extLst>
+          </p:cNvPr>
+          <p:cNvSpPr/>
+          <p:nvPr/>
+        </p:nvSpPr>
+        <p:spPr>
+          <a:xfrm>
+            <a:off x="775854" y="535709"/>
+            <a:ext cx="3195782" cy="1422400"/>
+          </a:xfrm>
+          <a:prstGeom prst="rect">
+            <a:avLst/>
+          </a:prstGeom>
+          <a:noFill/>
+        </p:spPr>
+        <p:style>
+          <a:lnRef idx="2">
+            <a:schemeClr val="accent1">
+              <a:shade val="50000"/>
+            </a:schemeClr>
+          </a:lnRef>
+          <a:fillRef idx="1">
+            <a:schemeClr val="accent1"/>
+          </a:fillRef>
+          <a:effectRef idx="0">
+            <a:schemeClr val="accent1"/>
+          </a:effectRef>
+          <a:fontRef idx="minor">
+            <a:schemeClr val="lt1"/>
+          </a:fontRef>
+        </p:style>
+        <p:txBody>
+          <a:bodyPr rtlCol="0" anchor="ctr"/>
+          <a:lstStyle/>
+          <a:p>
+            <a:pPr algn="ctr"/>
+            <a:endParaRPr lang="en-US"/>
+          </a:p>
+        </p:txBody>
+      </p:sp>
+      <p:sp>
+        <p:nvSpPr>
+          <p:cNvPr id="5" name="TextBox 4">
+            <a:extLst>
+              <a:ext uri="{FF2B5EF4-FFF2-40B4-BE49-F238E27FC236}">
+                <a16:creationId xmlns:a16="http://schemas.microsoft.com/office/drawing/2014/main" id="{22668D62-A72B-4C6F-B5EA-B9573BDA56F5}"/>
+              </a:ext>
+            </a:extLst>
+          </p:cNvPr>
+          <p:cNvSpPr txBox="1"/>
+          <p:nvPr/>
+        </p:nvSpPr>
+        <p:spPr>
+          <a:xfrm>
+            <a:off x="1311563" y="1163782"/>
+            <a:ext cx="1678601" cy="646331"/>
+          </a:xfrm>
+          <a:prstGeom prst="rect">
+            <a:avLst/>
+          </a:prstGeom>
+          <a:noFill/>
+        </p:spPr>
+        <p:txBody>
+          <a:bodyPr wrap="none" rtlCol="0">
+            <a:spAutoFit/>
+          </a:bodyPr>
+          <a:lstStyle/>
+          <a:p>
+            <a:r>
+              <a:rPr lang="en-US" dirty="0"/>
+              <a:t>~/.</a:t>
+            </a:r>
+            <a:r>
+              <a:rPr lang="en-US" dirty="0" err="1"/>
+              <a:t>kube</a:t>
+            </a:r>
+            <a:endParaRPr lang="en-US" dirty="0"/>
+          </a:p>
+          <a:p>
+            <a:r>
+              <a:rPr lang="en-US" dirty="0"/>
+              <a:t>	config</a:t>
+            </a:r>
+          </a:p>
+        </p:txBody>
+      </p:sp>
+      <p:cxnSp>
+        <p:nvCxnSpPr>
+          <p:cNvPr id="7" name="Straight Arrow Connector 6">
+            <a:extLst>
+              <a:ext uri="{FF2B5EF4-FFF2-40B4-BE49-F238E27FC236}">
+                <a16:creationId xmlns:a16="http://schemas.microsoft.com/office/drawing/2014/main" id="{96509D63-E28B-4FAD-A7F2-7BF42AA25358}"/>
+              </a:ext>
+            </a:extLst>
+          </p:cNvPr>
+          <p:cNvCxnSpPr/>
+          <p:nvPr/>
+        </p:nvCxnSpPr>
+        <p:spPr>
+          <a:xfrm flipV="1">
+            <a:off x="2890982" y="1163782"/>
+            <a:ext cx="4461163" cy="517236"/>
+          </a:xfrm>
+          <a:prstGeom prst="straightConnector1">
+            <a:avLst/>
+          </a:prstGeom>
+          <a:ln>
+            <a:solidFill>
+              <a:srgbClr val="FF0000"/>
+            </a:solidFill>
+            <a:headEnd type="triangle"/>
+            <a:tailEnd type="triangle"/>
+          </a:ln>
+        </p:spPr>
+        <p:style>
+          <a:lnRef idx="1">
+            <a:schemeClr val="accent1"/>
+          </a:lnRef>
+          <a:fillRef idx="0">
+            <a:schemeClr val="accent1"/>
+          </a:fillRef>
+          <a:effectRef idx="0">
+            <a:schemeClr val="accent1"/>
+          </a:effectRef>
+          <a:fontRef idx="minor">
+            <a:schemeClr val="tx1"/>
+          </a:fontRef>
+        </p:style>
+      </p:cxnSp>
+      <p:sp>
+        <p:nvSpPr>
+          <p:cNvPr id="8" name="TextBox 7">
+            <a:extLst>
+              <a:ext uri="{FF2B5EF4-FFF2-40B4-BE49-F238E27FC236}">
+                <a16:creationId xmlns:a16="http://schemas.microsoft.com/office/drawing/2014/main" id="{47B4C21D-BA3D-4A7D-A3E5-4FA6CF94FF42}"/>
+              </a:ext>
+            </a:extLst>
+          </p:cNvPr>
+          <p:cNvSpPr txBox="1"/>
+          <p:nvPr/>
+        </p:nvSpPr>
+        <p:spPr>
+          <a:xfrm>
+            <a:off x="994118" y="258618"/>
+            <a:ext cx="1020087" cy="369332"/>
+          </a:xfrm>
+          <a:prstGeom prst="rect">
+            <a:avLst/>
+          </a:prstGeom>
+          <a:noFill/>
+        </p:spPr>
+        <p:txBody>
+          <a:bodyPr wrap="none" rtlCol="0">
+            <a:spAutoFit/>
+          </a:bodyPr>
+          <a:lstStyle/>
+          <a:p>
+            <a:r>
+              <a:rPr lang="en-US" dirty="0"/>
+              <a:t>windows</a:t>
+            </a:r>
+          </a:p>
+        </p:txBody>
+      </p:sp>
+      <p:sp>
+        <p:nvSpPr>
+          <p:cNvPr id="9" name="Rectangle 8">
+            <a:extLst>
+              <a:ext uri="{FF2B5EF4-FFF2-40B4-BE49-F238E27FC236}">
+                <a16:creationId xmlns:a16="http://schemas.microsoft.com/office/drawing/2014/main" id="{535AA30C-06CC-4C6E-B0D1-9741FD404E10}"/>
+              </a:ext>
+            </a:extLst>
+          </p:cNvPr>
+          <p:cNvSpPr/>
+          <p:nvPr/>
+        </p:nvSpPr>
+        <p:spPr>
+          <a:xfrm>
+            <a:off x="5504874" y="2041236"/>
+            <a:ext cx="3666836" cy="3140364"/>
+          </a:xfrm>
+          <a:prstGeom prst="rect">
+            <a:avLst/>
+          </a:prstGeom>
+        </p:spPr>
+        <p:style>
+          <a:lnRef idx="2">
+            <a:schemeClr val="accent1">
+              <a:shade val="50000"/>
+            </a:schemeClr>
+          </a:lnRef>
+          <a:fillRef idx="1">
+            <a:schemeClr val="accent1"/>
+          </a:fillRef>
+          <a:effectRef idx="0">
+            <a:schemeClr val="accent1"/>
+          </a:effectRef>
+          <a:fontRef idx="minor">
+            <a:schemeClr val="lt1"/>
+          </a:fontRef>
+        </p:style>
+        <p:txBody>
+          <a:bodyPr rtlCol="0" anchor="ctr"/>
+          <a:lstStyle/>
+          <a:p>
+            <a:pPr algn="ctr"/>
+            <a:r>
+              <a:rPr lang="en-US" dirty="0" err="1"/>
+              <a:t>Kubeadmin</a:t>
+            </a:r>
+            <a:r>
+              <a:rPr lang="en-US" dirty="0"/>
+              <a:t> </a:t>
+            </a:r>
+            <a:r>
+              <a:rPr lang="en-US" dirty="0">
+                <a:sym typeface="Wingdings" panose="05000000000000000000" pitchFamily="2" charset="2"/>
+              </a:rPr>
+              <a:t> </a:t>
+            </a:r>
+            <a:r>
+              <a:rPr lang="en-US" dirty="0" err="1">
+                <a:sym typeface="Wingdings" panose="05000000000000000000" pitchFamily="2" charset="2"/>
+              </a:rPr>
+              <a:t>apiserver,etcd,controllermanger</a:t>
+            </a:r>
+            <a:r>
+              <a:rPr lang="en-US" dirty="0">
+                <a:sym typeface="Wingdings" panose="05000000000000000000" pitchFamily="2" charset="2"/>
+              </a:rPr>
+              <a:t>,</a:t>
+            </a:r>
+          </a:p>
+          <a:p>
+            <a:pPr algn="ctr"/>
+            <a:r>
+              <a:rPr lang="en-US" dirty="0">
+                <a:sym typeface="Wingdings" panose="05000000000000000000" pitchFamily="2" charset="2"/>
+              </a:rPr>
+              <a:t>Scheduler</a:t>
+            </a:r>
+          </a:p>
+          <a:p>
+            <a:pPr algn="ctr"/>
+            <a:endParaRPr lang="en-US" dirty="0">
+              <a:sym typeface="Wingdings" panose="05000000000000000000" pitchFamily="2" charset="2"/>
+            </a:endParaRPr>
+          </a:p>
+          <a:p>
+            <a:pPr algn="ctr"/>
+            <a:r>
+              <a:rPr lang="en-US" dirty="0">
+                <a:sym typeface="Wingdings" panose="05000000000000000000" pitchFamily="2" charset="2"/>
+              </a:rPr>
+              <a:t>$cp /</a:t>
+            </a:r>
+            <a:r>
+              <a:rPr lang="en-US" dirty="0" err="1">
+                <a:sym typeface="Wingdings" panose="05000000000000000000" pitchFamily="2" charset="2"/>
+              </a:rPr>
+              <a:t>etc</a:t>
+            </a:r>
+            <a:r>
+              <a:rPr lang="en-US" dirty="0">
+                <a:sym typeface="Wingdings" panose="05000000000000000000" pitchFamily="2" charset="2"/>
+              </a:rPr>
+              <a:t>/Kubernetes/</a:t>
+            </a:r>
+            <a:r>
+              <a:rPr lang="en-US" dirty="0" err="1">
+                <a:sym typeface="Wingdings" panose="05000000000000000000" pitchFamily="2" charset="2"/>
+              </a:rPr>
+              <a:t>admin.conf</a:t>
+            </a:r>
+            <a:r>
+              <a:rPr lang="en-US" dirty="0">
+                <a:sym typeface="Wingdings" panose="05000000000000000000" pitchFamily="2" charset="2"/>
+              </a:rPr>
+              <a:t> ~/.</a:t>
+            </a:r>
+            <a:r>
+              <a:rPr lang="en-US" dirty="0" err="1">
+                <a:sym typeface="Wingdings" panose="05000000000000000000" pitchFamily="2" charset="2"/>
+              </a:rPr>
+              <a:t>kube</a:t>
+            </a:r>
+            <a:r>
+              <a:rPr lang="en-US" dirty="0">
+                <a:sym typeface="Wingdings" panose="05000000000000000000" pitchFamily="2" charset="2"/>
+              </a:rPr>
+              <a:t>/config</a:t>
+            </a:r>
+          </a:p>
+          <a:p>
+            <a:pPr algn="ctr"/>
+            <a:r>
+              <a:rPr lang="en-US" dirty="0">
+                <a:sym typeface="Wingdings" panose="05000000000000000000" pitchFamily="2" charset="2"/>
+              </a:rPr>
+              <a:t>$</a:t>
+            </a:r>
+            <a:r>
+              <a:rPr lang="en-US" dirty="0" err="1">
+                <a:sym typeface="Wingdings" panose="05000000000000000000" pitchFamily="2" charset="2"/>
+              </a:rPr>
+              <a:t>kubectl</a:t>
+            </a:r>
+            <a:r>
+              <a:rPr lang="en-US" dirty="0">
+                <a:sym typeface="Wingdings" panose="05000000000000000000" pitchFamily="2" charset="2"/>
+              </a:rPr>
+              <a:t> get nodes</a:t>
+            </a:r>
+            <a:endParaRPr lang="en-US" dirty="0"/>
+          </a:p>
+        </p:txBody>
+      </p:sp>
+      <p:sp>
+        <p:nvSpPr>
+          <p:cNvPr id="10" name="Rectangle 9">
+            <a:extLst>
+              <a:ext uri="{FF2B5EF4-FFF2-40B4-BE49-F238E27FC236}">
+                <a16:creationId xmlns:a16="http://schemas.microsoft.com/office/drawing/2014/main" id="{FC6BD050-2FA7-40BD-988C-5EC1CC7814EE}"/>
+              </a:ext>
+            </a:extLst>
+          </p:cNvPr>
+          <p:cNvSpPr/>
+          <p:nvPr/>
+        </p:nvSpPr>
+        <p:spPr>
+          <a:xfrm>
+            <a:off x="9476509" y="2041235"/>
+            <a:ext cx="2225964" cy="3140364"/>
+          </a:xfrm>
+          <a:prstGeom prst="rect">
+            <a:avLst/>
+          </a:prstGeom>
+        </p:spPr>
+        <p:style>
+          <a:lnRef idx="2">
+            <a:schemeClr val="accent1">
+              <a:shade val="50000"/>
+            </a:schemeClr>
+          </a:lnRef>
+          <a:fillRef idx="1">
+            <a:schemeClr val="accent1"/>
+          </a:fillRef>
+          <a:effectRef idx="0">
+            <a:schemeClr val="accent1"/>
+          </a:effectRef>
+          <a:fontRef idx="minor">
+            <a:schemeClr val="lt1"/>
+          </a:fontRef>
+        </p:style>
+        <p:txBody>
+          <a:bodyPr rtlCol="0" anchor="ctr"/>
+          <a:lstStyle/>
+          <a:p>
+            <a:pPr algn="ctr"/>
+            <a:r>
+              <a:rPr lang="en-US" dirty="0" err="1"/>
+              <a:t>Kubeadm</a:t>
+            </a:r>
+            <a:r>
+              <a:rPr lang="en-US" dirty="0"/>
+              <a:t> join</a:t>
+            </a:r>
+          </a:p>
+          <a:p>
+            <a:pPr algn="ctr"/>
+            <a:endParaRPr lang="en-US" dirty="0"/>
+          </a:p>
+          <a:p>
+            <a:pPr algn="ctr"/>
+            <a:endParaRPr lang="en-US" dirty="0"/>
+          </a:p>
+          <a:p>
+            <a:pPr algn="ctr"/>
+            <a:r>
+              <a:rPr lang="en-US" dirty="0"/>
+              <a:t>$ </a:t>
+            </a:r>
+            <a:r>
+              <a:rPr lang="en-US" dirty="0" err="1"/>
+              <a:t>scp</a:t>
+            </a:r>
+            <a:r>
+              <a:rPr lang="en-US" dirty="0"/>
+              <a:t> from k8smaster </a:t>
+            </a:r>
+            <a:r>
+              <a:rPr lang="en-US" dirty="0" err="1"/>
+              <a:t>admin.conf</a:t>
+            </a:r>
+            <a:r>
+              <a:rPr lang="en-US" dirty="0"/>
+              <a:t> to ~/.</a:t>
+            </a:r>
+            <a:r>
+              <a:rPr lang="en-US" dirty="0" err="1"/>
+              <a:t>kube</a:t>
+            </a:r>
+            <a:r>
+              <a:rPr lang="en-US" dirty="0"/>
+              <a:t>/config</a:t>
+            </a:r>
+          </a:p>
+          <a:p>
+            <a:pPr algn="ctr"/>
+            <a:r>
+              <a:rPr lang="en-US" dirty="0"/>
+              <a:t>$</a:t>
+            </a:r>
+            <a:r>
+              <a:rPr lang="en-US" dirty="0" err="1"/>
+              <a:t>kubectl</a:t>
+            </a:r>
+            <a:r>
+              <a:rPr lang="en-US" dirty="0"/>
+              <a:t> get nodes</a:t>
+            </a:r>
+          </a:p>
+        </p:txBody>
+      </p:sp>
+      <p:sp>
+        <p:nvSpPr>
+          <p:cNvPr id="11" name="TextBox 10">
+            <a:extLst>
+              <a:ext uri="{FF2B5EF4-FFF2-40B4-BE49-F238E27FC236}">
+                <a16:creationId xmlns:a16="http://schemas.microsoft.com/office/drawing/2014/main" id="{98F19398-A7E6-41E2-84CD-A49CC5ADDCBB}"/>
+              </a:ext>
+            </a:extLst>
+          </p:cNvPr>
+          <p:cNvSpPr txBox="1"/>
+          <p:nvPr/>
+        </p:nvSpPr>
+        <p:spPr>
+          <a:xfrm>
+            <a:off x="7121236" y="5324886"/>
+            <a:ext cx="1147815" cy="369332"/>
+          </a:xfrm>
+          <a:prstGeom prst="rect">
+            <a:avLst/>
+          </a:prstGeom>
+          <a:noFill/>
+        </p:spPr>
+        <p:txBody>
+          <a:bodyPr wrap="none" rtlCol="0">
+            <a:spAutoFit/>
+          </a:bodyPr>
+          <a:lstStyle/>
+          <a:p>
+            <a:r>
+              <a:rPr lang="en-US" dirty="0"/>
+              <a:t>k8smaster</a:t>
+            </a:r>
+          </a:p>
+        </p:txBody>
+      </p:sp>
+      <p:sp>
+        <p:nvSpPr>
+          <p:cNvPr id="12" name="TextBox 11">
+            <a:extLst>
+              <a:ext uri="{FF2B5EF4-FFF2-40B4-BE49-F238E27FC236}">
+                <a16:creationId xmlns:a16="http://schemas.microsoft.com/office/drawing/2014/main" id="{43308053-7844-4CD4-A062-16294BDD5CE3}"/>
+              </a:ext>
+            </a:extLst>
+          </p:cNvPr>
+          <p:cNvSpPr txBox="1"/>
+          <p:nvPr/>
+        </p:nvSpPr>
+        <p:spPr>
+          <a:xfrm>
+            <a:off x="9580615" y="5412691"/>
+            <a:ext cx="1093569" cy="369332"/>
+          </a:xfrm>
+          <a:prstGeom prst="rect">
+            <a:avLst/>
+          </a:prstGeom>
+          <a:noFill/>
+        </p:spPr>
+        <p:txBody>
+          <a:bodyPr wrap="none" rtlCol="0">
+            <a:spAutoFit/>
+          </a:bodyPr>
+          <a:lstStyle/>
+          <a:p>
+            <a:r>
+              <a:rPr lang="en-US" dirty="0"/>
+              <a:t>k8snode1</a:t>
+            </a:r>
+          </a:p>
+        </p:txBody>
+      </p:sp>
+      <p:cxnSp>
+        <p:nvCxnSpPr>
+          <p:cNvPr id="14" name="Straight Arrow Connector 13">
+            <a:extLst>
+              <a:ext uri="{FF2B5EF4-FFF2-40B4-BE49-F238E27FC236}">
+                <a16:creationId xmlns:a16="http://schemas.microsoft.com/office/drawing/2014/main" id="{29F2BA92-AF80-4E26-B49A-34082FD0DEBE}"/>
+              </a:ext>
+            </a:extLst>
+          </p:cNvPr>
+          <p:cNvCxnSpPr>
+            <a:cxnSpLocks/>
+            <a:stCxn id="10" idx="1"/>
+            <a:endCxn id="9" idx="3"/>
+          </p:cNvCxnSpPr>
+          <p:nvPr/>
+        </p:nvCxnSpPr>
+        <p:spPr>
+          <a:xfrm flipH="1">
+            <a:off x="9171710" y="3611417"/>
+            <a:ext cx="304799" cy="1"/>
+          </a:xfrm>
+          <a:prstGeom prst="straightConnector1">
+            <a:avLst/>
+          </a:prstGeom>
+          <a:ln>
+            <a:tailEnd type="triangle"/>
+          </a:ln>
+        </p:spPr>
+        <p:style>
+          <a:lnRef idx="1">
+            <a:schemeClr val="accent1"/>
+          </a:lnRef>
+          <a:fillRef idx="0">
+            <a:schemeClr val="accent1"/>
+          </a:fillRef>
+          <a:effectRef idx="0">
+            <a:schemeClr val="accent1"/>
+          </a:effectRef>
+          <a:fontRef idx="minor">
+            <a:schemeClr val="tx1"/>
+          </a:fontRef>
+        </p:style>
+      </p:cxnSp>
+      <p:cxnSp>
+        <p:nvCxnSpPr>
+          <p:cNvPr id="19" name="Straight Arrow Connector 18">
+            <a:extLst>
+              <a:ext uri="{FF2B5EF4-FFF2-40B4-BE49-F238E27FC236}">
+                <a16:creationId xmlns:a16="http://schemas.microsoft.com/office/drawing/2014/main" id="{A3EDB236-3006-452C-99AF-63E290CC58A6}"/>
+              </a:ext>
+            </a:extLst>
+          </p:cNvPr>
+          <p:cNvCxnSpPr/>
+          <p:nvPr/>
+        </p:nvCxnSpPr>
+        <p:spPr>
+          <a:xfrm flipH="1" flipV="1">
+            <a:off x="6253018" y="3112655"/>
+            <a:ext cx="3500582" cy="1302327"/>
+          </a:xfrm>
+          <a:prstGeom prst="straightConnector1">
+            <a:avLst/>
+          </a:prstGeom>
+          <a:ln>
+            <a:solidFill>
+              <a:srgbClr val="FF0000"/>
+            </a:solidFill>
+            <a:tailEnd type="triangle"/>
+          </a:ln>
+        </p:spPr>
+        <p:style>
+          <a:lnRef idx="1">
+            <a:schemeClr val="accent1"/>
+          </a:lnRef>
+          <a:fillRef idx="0">
+            <a:schemeClr val="accent1"/>
+          </a:fillRef>
+          <a:effectRef idx="0">
+            <a:schemeClr val="accent1"/>
+          </a:effectRef>
+          <a:fontRef idx="minor">
+            <a:schemeClr val="tx1"/>
+          </a:fontRef>
+        </p:style>
+      </p:cxnSp>
+      <p:cxnSp>
+        <p:nvCxnSpPr>
+          <p:cNvPr id="21" name="Connector: Curved 20">
+            <a:extLst>
+              <a:ext uri="{FF2B5EF4-FFF2-40B4-BE49-F238E27FC236}">
+                <a16:creationId xmlns:a16="http://schemas.microsoft.com/office/drawing/2014/main" id="{DFC38F31-4712-4DCF-977E-6C2C76A53295}"/>
+              </a:ext>
+            </a:extLst>
+          </p:cNvPr>
+          <p:cNvCxnSpPr/>
+          <p:nvPr/>
+        </p:nvCxnSpPr>
+        <p:spPr>
+          <a:xfrm rot="16200000" flipV="1">
+            <a:off x="5444836" y="3514436"/>
+            <a:ext cx="1302327" cy="498764"/>
+          </a:xfrm>
+          <a:prstGeom prst="curvedConnector3">
+            <a:avLst>
+              <a:gd name="adj1" fmla="val -103901"/>
+            </a:avLst>
+          </a:prstGeom>
+          <a:ln>
+            <a:solidFill>
+              <a:srgbClr val="FF0000"/>
+            </a:solidFill>
+            <a:tailEnd type="triangle"/>
+          </a:ln>
+        </p:spPr>
+        <p:style>
+          <a:lnRef idx="1">
+            <a:schemeClr val="accent1"/>
+          </a:lnRef>
+          <a:fillRef idx="0">
+            <a:schemeClr val="accent1"/>
+          </a:fillRef>
+          <a:effectRef idx="0">
+            <a:schemeClr val="accent1"/>
+          </a:effectRef>
+          <a:fontRef idx="minor">
+            <a:schemeClr val="tx1"/>
+          </a:fontRef>
+        </p:style>
+      </p:cxnSp>
+      <p:sp>
+        <p:nvSpPr>
+          <p:cNvPr id="24" name="Rectangle 23">
+            <a:extLst>
+              <a:ext uri="{FF2B5EF4-FFF2-40B4-BE49-F238E27FC236}">
+                <a16:creationId xmlns:a16="http://schemas.microsoft.com/office/drawing/2014/main" id="{9B6FECDA-99C2-4967-8EC5-0ED5C2443710}"/>
+              </a:ext>
+            </a:extLst>
+          </p:cNvPr>
+          <p:cNvSpPr/>
+          <p:nvPr/>
+        </p:nvSpPr>
+        <p:spPr>
+          <a:xfrm>
+            <a:off x="701962" y="3759199"/>
+            <a:ext cx="3195782" cy="3294744"/>
+          </a:xfrm>
+          <a:prstGeom prst="rect">
+            <a:avLst/>
+          </a:prstGeom>
+          <a:noFill/>
+        </p:spPr>
+        <p:style>
+          <a:lnRef idx="2">
+            <a:schemeClr val="accent1">
+              <a:shade val="50000"/>
+            </a:schemeClr>
+          </a:lnRef>
+          <a:fillRef idx="1">
+            <a:schemeClr val="accent1"/>
+          </a:fillRef>
+          <a:effectRef idx="0">
+            <a:schemeClr val="accent1"/>
+          </a:effectRef>
+          <a:fontRef idx="minor">
+            <a:schemeClr val="lt1"/>
+          </a:fontRef>
+        </p:style>
+        <p:txBody>
+          <a:bodyPr rtlCol="0" anchor="ctr"/>
+          <a:lstStyle/>
+          <a:p>
+            <a:pPr algn="ctr"/>
+            <a:endParaRPr lang="en-US"/>
+          </a:p>
+        </p:txBody>
+      </p:sp>
+      <p:sp>
+        <p:nvSpPr>
+          <p:cNvPr id="25" name="TextBox 24">
+            <a:extLst>
+              <a:ext uri="{FF2B5EF4-FFF2-40B4-BE49-F238E27FC236}">
+                <a16:creationId xmlns:a16="http://schemas.microsoft.com/office/drawing/2014/main" id="{3F54D724-6B7E-45A0-8737-F6C63F4F922A}"/>
+              </a:ext>
+            </a:extLst>
+          </p:cNvPr>
+          <p:cNvSpPr txBox="1"/>
+          <p:nvPr/>
+        </p:nvSpPr>
+        <p:spPr>
+          <a:xfrm>
+            <a:off x="728378" y="3898111"/>
+            <a:ext cx="3222101" cy="1477328"/>
+          </a:xfrm>
+          <a:prstGeom prst="rect">
+            <a:avLst/>
+          </a:prstGeom>
+          <a:noFill/>
+        </p:spPr>
+        <p:txBody>
+          <a:bodyPr wrap="none" rtlCol="0">
+            <a:spAutoFit/>
+          </a:bodyPr>
+          <a:lstStyle/>
+          <a:p>
+            <a:r>
+              <a:rPr lang="en-US" dirty="0"/>
+              <a:t>~/.</a:t>
+            </a:r>
+            <a:r>
+              <a:rPr lang="en-US" dirty="0" err="1"/>
+              <a:t>kube</a:t>
+            </a:r>
+            <a:endParaRPr lang="en-US" dirty="0"/>
+          </a:p>
+          <a:p>
+            <a:r>
+              <a:rPr lang="en-US" dirty="0"/>
+              <a:t>	config</a:t>
+            </a:r>
+          </a:p>
+          <a:p>
+            <a:r>
+              <a:rPr lang="en-US" dirty="0"/>
+              <a:t>		1. k8smaster</a:t>
+            </a:r>
+          </a:p>
+          <a:p>
+            <a:r>
+              <a:rPr lang="en-US" dirty="0"/>
+              <a:t>		2. </a:t>
+            </a:r>
+            <a:r>
+              <a:rPr lang="en-US" dirty="0" err="1"/>
+              <a:t>minikube</a:t>
+            </a:r>
+            <a:endParaRPr lang="en-US" dirty="0"/>
+          </a:p>
+          <a:p>
+            <a:endParaRPr lang="en-US" dirty="0"/>
+          </a:p>
+        </p:txBody>
+      </p:sp>
+      <p:sp>
+        <p:nvSpPr>
+          <p:cNvPr id="26" name="TextBox 25">
+            <a:extLst>
+              <a:ext uri="{FF2B5EF4-FFF2-40B4-BE49-F238E27FC236}">
+                <a16:creationId xmlns:a16="http://schemas.microsoft.com/office/drawing/2014/main" id="{E615D5F6-0457-4C41-8AEF-01D10501ED90}"/>
+              </a:ext>
+            </a:extLst>
+          </p:cNvPr>
+          <p:cNvSpPr txBox="1"/>
+          <p:nvPr/>
+        </p:nvSpPr>
+        <p:spPr>
+          <a:xfrm>
+            <a:off x="920226" y="3482108"/>
+            <a:ext cx="1020087" cy="369332"/>
+          </a:xfrm>
+          <a:prstGeom prst="rect">
+            <a:avLst/>
+          </a:prstGeom>
+          <a:noFill/>
+        </p:spPr>
+        <p:txBody>
+          <a:bodyPr wrap="none" rtlCol="0">
+            <a:spAutoFit/>
+          </a:bodyPr>
+          <a:lstStyle/>
+          <a:p>
+            <a:r>
+              <a:rPr lang="en-US" dirty="0"/>
+              <a:t>windows</a:t>
+            </a:r>
+          </a:p>
+        </p:txBody>
+      </p:sp>
+      <p:sp>
+        <p:nvSpPr>
+          <p:cNvPr id="27" name="TextBox 26">
+            <a:extLst>
+              <a:ext uri="{FF2B5EF4-FFF2-40B4-BE49-F238E27FC236}">
+                <a16:creationId xmlns:a16="http://schemas.microsoft.com/office/drawing/2014/main" id="{9DEC9130-F712-4925-99D9-14701D8A61E9}"/>
+              </a:ext>
+            </a:extLst>
+          </p:cNvPr>
+          <p:cNvSpPr txBox="1"/>
+          <p:nvPr/>
+        </p:nvSpPr>
+        <p:spPr>
+          <a:xfrm>
+            <a:off x="850192" y="5465950"/>
+            <a:ext cx="4573881" cy="1754326"/>
+          </a:xfrm>
+          <a:prstGeom prst="rect">
+            <a:avLst/>
+          </a:prstGeom>
+          <a:noFill/>
+        </p:spPr>
+        <p:txBody>
+          <a:bodyPr wrap="none" rtlCol="0">
+            <a:spAutoFit/>
+          </a:bodyPr>
+          <a:lstStyle/>
+          <a:p>
+            <a:pPr marL="285750" indent="-285750">
+              <a:buFont typeface="Wingdings" panose="05000000000000000000" pitchFamily="2" charset="2"/>
+              <a:buChar char="Ø"/>
+            </a:pPr>
+            <a:r>
+              <a:rPr lang="en-US" dirty="0" err="1"/>
+              <a:t>kubectl</a:t>
+            </a:r>
+            <a:r>
+              <a:rPr lang="en-US" dirty="0"/>
+              <a:t> get nodes</a:t>
+            </a:r>
+          </a:p>
+          <a:p>
+            <a:pPr marL="285750" indent="-285750">
+              <a:buFont typeface="Wingdings" panose="05000000000000000000" pitchFamily="2" charset="2"/>
+              <a:buChar char="Ø"/>
+            </a:pPr>
+            <a:r>
+              <a:rPr lang="en-US" dirty="0" err="1"/>
+              <a:t>Minikube</a:t>
+            </a:r>
+            <a:r>
+              <a:rPr lang="en-US" dirty="0"/>
+              <a:t> start</a:t>
+            </a:r>
+          </a:p>
+          <a:p>
+            <a:pPr marL="285750" indent="-285750">
+              <a:buFont typeface="Wingdings" panose="05000000000000000000" pitchFamily="2" charset="2"/>
+              <a:buChar char="Ø"/>
+            </a:pPr>
+            <a:r>
+              <a:rPr lang="en-US" dirty="0" err="1"/>
+              <a:t>Kubectl</a:t>
+            </a:r>
+            <a:r>
+              <a:rPr lang="en-US" dirty="0"/>
+              <a:t> config get-contexts</a:t>
+            </a:r>
+          </a:p>
+          <a:p>
+            <a:pPr marL="285750" indent="-285750">
+              <a:buFont typeface="Wingdings" panose="05000000000000000000" pitchFamily="2" charset="2"/>
+              <a:buChar char="Ø"/>
+            </a:pPr>
+            <a:r>
+              <a:rPr lang="en-US" dirty="0" err="1"/>
+              <a:t>Kubectl</a:t>
+            </a:r>
+            <a:r>
+              <a:rPr lang="en-US" dirty="0"/>
+              <a:t> get nodes</a:t>
+            </a:r>
+          </a:p>
+          <a:p>
+            <a:pPr marL="285750" indent="-285750">
+              <a:buFont typeface="Wingdings" panose="05000000000000000000" pitchFamily="2" charset="2"/>
+              <a:buChar char="Ø"/>
+            </a:pPr>
+            <a:r>
+              <a:rPr lang="en-US" dirty="0" err="1"/>
+              <a:t>Kubectl</a:t>
+            </a:r>
+            <a:r>
+              <a:rPr lang="en-US" dirty="0"/>
+              <a:t> config use-context &lt;context name&gt; </a:t>
+            </a:r>
+          </a:p>
+          <a:p>
+            <a:pPr marL="285750" indent="-285750">
+              <a:buFont typeface="Wingdings" panose="05000000000000000000" pitchFamily="2" charset="2"/>
+              <a:buChar char="Ø"/>
+            </a:pPr>
+            <a:endParaRPr lang="en-US" dirty="0"/>
+          </a:p>
+        </p:txBody>
+      </p:sp>
+    </p:spTree>
+    <p:extLst>
+      <p:ext uri="{BB962C8B-B14F-4D97-AF65-F5344CB8AC3E}">
+        <p14:creationId xmlns:p14="http://schemas.microsoft.com/office/powerpoint/2010/main" val="275373653"/>
+      </p:ext>
+    </p:extLst>
+  </p:cSld>
+  <p:clrMapOvr>
+    <a:masterClrMapping/>
+  </p:clrMapOvr>
+</p:sld>
+</file>
+
+<file path=ppt/slides/slide22.xml><?xml version="1.0" encoding="utf-8"?>
+<p:sld xmlns:a="http://schemas.openxmlformats.org/drawingml/2006/main" xmlns:r="http://schemas.openxmlformats.org/officeDocument/2006/relationships" xmlns:p="http://schemas.openxmlformats.org/presentationml/2006/main">
+  <p:cSld>
+    <p:spTree>
+      <p:nvGrpSpPr>
+        <p:cNvPr id="1" name=""/>
+        <p:cNvGrpSpPr/>
+        <p:nvPr/>
+      </p:nvGrpSpPr>
+      <p:grpSpPr>
+        <a:xfrm>
+          <a:off x="0" y="0"/>
+          <a:ext cx="0" cy="0"/>
+          <a:chOff x="0" y="0"/>
+          <a:chExt cx="0" cy="0"/>
+        </a:xfrm>
+      </p:grpSpPr>
+      <p:sp>
+        <p:nvSpPr>
+          <p:cNvPr id="2" name="Rectangle 1">
+            <a:extLst>
+              <a:ext uri="{FF2B5EF4-FFF2-40B4-BE49-F238E27FC236}">
+                <a16:creationId xmlns:a16="http://schemas.microsoft.com/office/drawing/2014/main" id="{ADF5C250-5770-4139-AFC9-F3F516A83516}"/>
+              </a:ext>
+            </a:extLst>
+          </p:cNvPr>
+          <p:cNvSpPr/>
+          <p:nvPr/>
+        </p:nvSpPr>
+        <p:spPr>
+          <a:xfrm>
+            <a:off x="4553339" y="662473"/>
+            <a:ext cx="2323322" cy="3387013"/>
+          </a:xfrm>
+          <a:prstGeom prst="rect">
+            <a:avLst/>
+          </a:prstGeom>
+        </p:spPr>
+        <p:style>
+          <a:lnRef idx="2">
+            <a:schemeClr val="accent1">
+              <a:shade val="50000"/>
+            </a:schemeClr>
+          </a:lnRef>
+          <a:fillRef idx="1">
+            <a:schemeClr val="accent1"/>
+          </a:fillRef>
+          <a:effectRef idx="0">
+            <a:schemeClr val="accent1"/>
+          </a:effectRef>
+          <a:fontRef idx="minor">
+            <a:schemeClr val="lt1"/>
+          </a:fontRef>
+        </p:style>
+        <p:txBody>
+          <a:bodyPr rtlCol="0" anchor="ctr"/>
+          <a:lstStyle/>
+          <a:p>
+            <a:pPr algn="ctr"/>
+            <a:r>
+              <a:rPr lang="en-US" dirty="0" err="1"/>
+              <a:t>Apiserver</a:t>
+            </a:r>
+            <a:r>
+              <a:rPr lang="en-US" dirty="0"/>
+              <a:t>, </a:t>
+            </a:r>
+            <a:r>
+              <a:rPr lang="en-US" dirty="0" err="1"/>
+              <a:t>controllermanger</a:t>
+            </a:r>
+            <a:r>
+              <a:rPr lang="en-US" dirty="0"/>
+              <a:t>, scheduler, </a:t>
+            </a:r>
+            <a:r>
+              <a:rPr lang="en-US" dirty="0" err="1"/>
+              <a:t>etcd</a:t>
+            </a:r>
+            <a:r>
+              <a:rPr lang="en-US" dirty="0"/>
+              <a:t>, </a:t>
+            </a:r>
+            <a:r>
+              <a:rPr lang="en-US" dirty="0" err="1"/>
+              <a:t>kubelet</a:t>
+            </a:r>
+            <a:r>
+              <a:rPr lang="en-US" dirty="0"/>
+              <a:t>, </a:t>
+            </a:r>
+            <a:r>
+              <a:rPr lang="en-US" dirty="0" err="1"/>
+              <a:t>docker,kubeproxy,canal</a:t>
+            </a:r>
+            <a:endParaRPr lang="en-US" dirty="0"/>
+          </a:p>
+        </p:txBody>
+      </p:sp>
+      <p:sp>
+        <p:nvSpPr>
+          <p:cNvPr id="3" name="Rectangle 2">
+            <a:extLst>
+              <a:ext uri="{FF2B5EF4-FFF2-40B4-BE49-F238E27FC236}">
+                <a16:creationId xmlns:a16="http://schemas.microsoft.com/office/drawing/2014/main" id="{FFE90419-8BFF-4C37-934E-33BF24CFC878}"/>
+              </a:ext>
+            </a:extLst>
+          </p:cNvPr>
+          <p:cNvSpPr/>
+          <p:nvPr/>
+        </p:nvSpPr>
+        <p:spPr>
+          <a:xfrm>
+            <a:off x="7448939" y="662472"/>
+            <a:ext cx="2323322" cy="3387013"/>
+          </a:xfrm>
+          <a:prstGeom prst="rect">
+            <a:avLst/>
+          </a:prstGeom>
+        </p:spPr>
+        <p:style>
+          <a:lnRef idx="2">
+            <a:schemeClr val="accent1">
+              <a:shade val="50000"/>
+            </a:schemeClr>
+          </a:lnRef>
+          <a:fillRef idx="1">
+            <a:schemeClr val="accent1"/>
+          </a:fillRef>
+          <a:effectRef idx="0">
+            <a:schemeClr val="accent1"/>
+          </a:effectRef>
+          <a:fontRef idx="minor">
+            <a:schemeClr val="lt1"/>
+          </a:fontRef>
+        </p:style>
+        <p:txBody>
+          <a:bodyPr rtlCol="0" anchor="ctr"/>
+          <a:lstStyle/>
+          <a:p>
+            <a:pPr algn="ctr"/>
+            <a:r>
+              <a:rPr lang="en-US" dirty="0" err="1"/>
+              <a:t>Kubelet</a:t>
+            </a:r>
+            <a:r>
+              <a:rPr lang="en-US" dirty="0"/>
+              <a:t>, docker</a:t>
+            </a:r>
+          </a:p>
+        </p:txBody>
+      </p:sp>
+      <p:sp>
+        <p:nvSpPr>
+          <p:cNvPr id="4" name="TextBox 3">
+            <a:extLst>
+              <a:ext uri="{FF2B5EF4-FFF2-40B4-BE49-F238E27FC236}">
+                <a16:creationId xmlns:a16="http://schemas.microsoft.com/office/drawing/2014/main" id="{98D5E2D5-9DCF-4095-9D62-560BD31A5BEB}"/>
+              </a:ext>
+            </a:extLst>
+          </p:cNvPr>
+          <p:cNvSpPr txBox="1"/>
+          <p:nvPr/>
+        </p:nvSpPr>
+        <p:spPr>
+          <a:xfrm>
+            <a:off x="4730620" y="382555"/>
+            <a:ext cx="1147815" cy="369332"/>
+          </a:xfrm>
+          <a:prstGeom prst="rect">
+            <a:avLst/>
+          </a:prstGeom>
+          <a:noFill/>
+        </p:spPr>
+        <p:txBody>
+          <a:bodyPr wrap="none" rtlCol="0">
+            <a:spAutoFit/>
+          </a:bodyPr>
+          <a:lstStyle/>
+          <a:p>
+            <a:r>
+              <a:rPr lang="en-US" dirty="0"/>
+              <a:t>k8smaster</a:t>
+            </a:r>
+          </a:p>
+        </p:txBody>
+      </p:sp>
+      <p:sp>
+        <p:nvSpPr>
+          <p:cNvPr id="5" name="TextBox 4">
+            <a:extLst>
+              <a:ext uri="{FF2B5EF4-FFF2-40B4-BE49-F238E27FC236}">
+                <a16:creationId xmlns:a16="http://schemas.microsoft.com/office/drawing/2014/main" id="{2F04FBDA-4E02-41C6-8E02-C98DB48EF4FF}"/>
+              </a:ext>
+            </a:extLst>
+          </p:cNvPr>
+          <p:cNvSpPr txBox="1"/>
+          <p:nvPr/>
+        </p:nvSpPr>
+        <p:spPr>
+          <a:xfrm>
+            <a:off x="7462785" y="382555"/>
+            <a:ext cx="976549" cy="369332"/>
+          </a:xfrm>
+          <a:prstGeom prst="rect">
+            <a:avLst/>
+          </a:prstGeom>
+          <a:noFill/>
+        </p:spPr>
+        <p:txBody>
+          <a:bodyPr wrap="none" rtlCol="0">
+            <a:spAutoFit/>
+          </a:bodyPr>
+          <a:lstStyle/>
+          <a:p>
+            <a:r>
+              <a:rPr lang="en-US" dirty="0"/>
+              <a:t>k8snode</a:t>
+            </a:r>
+          </a:p>
+        </p:txBody>
+      </p:sp>
+      <p:sp>
+        <p:nvSpPr>
+          <p:cNvPr id="6" name="Cloud 5">
+            <a:extLst>
+              <a:ext uri="{FF2B5EF4-FFF2-40B4-BE49-F238E27FC236}">
+                <a16:creationId xmlns:a16="http://schemas.microsoft.com/office/drawing/2014/main" id="{80EA8DF6-AC6F-41D5-8AA3-3F481F5F896E}"/>
+              </a:ext>
+            </a:extLst>
+          </p:cNvPr>
+          <p:cNvSpPr/>
+          <p:nvPr/>
+        </p:nvSpPr>
+        <p:spPr>
+          <a:xfrm>
+            <a:off x="74645" y="-1"/>
+            <a:ext cx="2659224" cy="1405773"/>
+          </a:xfrm>
+          <a:prstGeom prst="cloud">
+            <a:avLst/>
+          </a:prstGeom>
+        </p:spPr>
+        <p:style>
+          <a:lnRef idx="2">
+            <a:schemeClr val="accent1">
+              <a:shade val="50000"/>
+            </a:schemeClr>
+          </a:lnRef>
+          <a:fillRef idx="1">
+            <a:schemeClr val="accent1"/>
+          </a:fillRef>
+          <a:effectRef idx="0">
+            <a:schemeClr val="accent1"/>
+          </a:effectRef>
+          <a:fontRef idx="minor">
+            <a:schemeClr val="lt1"/>
+          </a:fontRef>
+        </p:style>
+        <p:txBody>
+          <a:bodyPr rtlCol="0" anchor="ctr"/>
+          <a:lstStyle/>
+          <a:p>
+            <a:pPr algn="ctr"/>
+            <a:r>
+              <a:rPr lang="en-US" dirty="0"/>
+              <a:t>Github.com</a:t>
+            </a:r>
+          </a:p>
+          <a:p>
+            <a:pPr algn="ctr"/>
+            <a:r>
+              <a:rPr lang="en-US" dirty="0" err="1"/>
+              <a:t>Func</a:t>
+            </a:r>
+            <a:r>
+              <a:rPr lang="en-US" dirty="0"/>
+              <a:t> code, </a:t>
+            </a:r>
+            <a:r>
+              <a:rPr lang="en-US" dirty="0" err="1"/>
+              <a:t>Dockerfile</a:t>
+            </a:r>
+            <a:r>
+              <a:rPr lang="en-US" dirty="0"/>
+              <a:t>, </a:t>
+            </a:r>
+            <a:r>
+              <a:rPr lang="en-US" dirty="0" err="1"/>
+              <a:t>dep.yml</a:t>
+            </a:r>
+            <a:endParaRPr lang="en-US" dirty="0"/>
+          </a:p>
+        </p:txBody>
+      </p:sp>
+      <p:sp>
+        <p:nvSpPr>
+          <p:cNvPr id="7" name="Rectangle 6">
+            <a:extLst>
+              <a:ext uri="{FF2B5EF4-FFF2-40B4-BE49-F238E27FC236}">
+                <a16:creationId xmlns:a16="http://schemas.microsoft.com/office/drawing/2014/main" id="{F23F225A-8F5D-4A78-ADCB-CCCB82DFBF6D}"/>
+              </a:ext>
+            </a:extLst>
+          </p:cNvPr>
+          <p:cNvSpPr/>
+          <p:nvPr/>
+        </p:nvSpPr>
+        <p:spPr>
+          <a:xfrm>
+            <a:off x="298579" y="2355978"/>
+            <a:ext cx="3389973" cy="4110136"/>
+          </a:xfrm>
+          <a:prstGeom prst="rect">
+            <a:avLst/>
+          </a:prstGeom>
+          <a:noFill/>
+        </p:spPr>
+        <p:style>
+          <a:lnRef idx="2">
+            <a:schemeClr val="accent1">
+              <a:shade val="50000"/>
+            </a:schemeClr>
+          </a:lnRef>
+          <a:fillRef idx="1">
+            <a:schemeClr val="accent1"/>
+          </a:fillRef>
+          <a:effectRef idx="0">
+            <a:schemeClr val="accent1"/>
+          </a:effectRef>
+          <a:fontRef idx="minor">
+            <a:schemeClr val="lt1"/>
+          </a:fontRef>
+        </p:style>
+        <p:txBody>
+          <a:bodyPr rtlCol="0" anchor="ctr"/>
+          <a:lstStyle/>
+          <a:p>
+            <a:pPr algn="ctr"/>
+            <a:endParaRPr lang="en-US"/>
+          </a:p>
+        </p:txBody>
+      </p:sp>
+      <p:sp>
+        <p:nvSpPr>
+          <p:cNvPr id="8" name="TextBox 7">
+            <a:extLst>
+              <a:ext uri="{FF2B5EF4-FFF2-40B4-BE49-F238E27FC236}">
+                <a16:creationId xmlns:a16="http://schemas.microsoft.com/office/drawing/2014/main" id="{EA1A464F-1FE9-4EE0-8572-CF2E245A8633}"/>
+              </a:ext>
+            </a:extLst>
+          </p:cNvPr>
+          <p:cNvSpPr txBox="1"/>
+          <p:nvPr/>
+        </p:nvSpPr>
+        <p:spPr>
+          <a:xfrm>
+            <a:off x="298580" y="2071396"/>
+            <a:ext cx="1819469" cy="369332"/>
+          </a:xfrm>
+          <a:prstGeom prst="rect">
+            <a:avLst/>
+          </a:prstGeom>
+          <a:noFill/>
+        </p:spPr>
+        <p:txBody>
+          <a:bodyPr wrap="square" rtlCol="0">
+            <a:spAutoFit/>
+          </a:bodyPr>
+          <a:lstStyle/>
+          <a:p>
+            <a:r>
+              <a:rPr lang="en-US" dirty="0"/>
+              <a:t>Build-machine</a:t>
+            </a:r>
+          </a:p>
+        </p:txBody>
+      </p:sp>
+      <p:sp>
+        <p:nvSpPr>
+          <p:cNvPr id="9" name="TextBox 8">
+            <a:extLst>
+              <a:ext uri="{FF2B5EF4-FFF2-40B4-BE49-F238E27FC236}">
+                <a16:creationId xmlns:a16="http://schemas.microsoft.com/office/drawing/2014/main" id="{C73748D9-9562-4C83-88A4-04189930BA32}"/>
+              </a:ext>
+            </a:extLst>
+          </p:cNvPr>
+          <p:cNvSpPr txBox="1"/>
+          <p:nvPr/>
+        </p:nvSpPr>
+        <p:spPr>
+          <a:xfrm>
+            <a:off x="307909" y="2845836"/>
+            <a:ext cx="3402412" cy="2308324"/>
+          </a:xfrm>
+          <a:prstGeom prst="rect">
+            <a:avLst/>
+          </a:prstGeom>
+          <a:noFill/>
+        </p:spPr>
+        <p:txBody>
+          <a:bodyPr wrap="square" rtlCol="0">
+            <a:spAutoFit/>
+          </a:bodyPr>
+          <a:lstStyle/>
+          <a:p>
+            <a:pPr marL="342900" indent="-342900">
+              <a:buAutoNum type="arabicPeriod"/>
+            </a:pPr>
+            <a:r>
+              <a:rPr lang="en-US" dirty="0"/>
+              <a:t>Install java</a:t>
+            </a:r>
+          </a:p>
+          <a:p>
+            <a:pPr marL="342900" indent="-342900">
+              <a:buAutoNum type="arabicPeriod"/>
+            </a:pPr>
+            <a:r>
+              <a:rPr lang="en-US" dirty="0"/>
+              <a:t>Install Jenkins</a:t>
+            </a:r>
+          </a:p>
+          <a:p>
+            <a:pPr marL="342900" indent="-342900">
+              <a:buAutoNum type="arabicPeriod"/>
+            </a:pPr>
+            <a:r>
+              <a:rPr lang="en-US" dirty="0"/>
+              <a:t>Create a project</a:t>
+            </a:r>
+          </a:p>
+          <a:p>
+            <a:pPr marL="800100" lvl="1" indent="-342900">
+              <a:buAutoNum type="arabicPeriod"/>
+            </a:pPr>
+            <a:r>
+              <a:rPr lang="en-US" dirty="0"/>
+              <a:t>Git clone of repo</a:t>
+            </a:r>
+          </a:p>
+          <a:p>
+            <a:pPr marL="800100" lvl="1" indent="-342900">
+              <a:buAutoNum type="arabicPeriod"/>
+            </a:pPr>
+            <a:r>
+              <a:rPr lang="en-US" dirty="0"/>
+              <a:t>Compile</a:t>
+            </a:r>
+          </a:p>
+          <a:p>
+            <a:pPr marL="800100" lvl="1" indent="-342900">
+              <a:buAutoNum type="arabicPeriod"/>
+            </a:pPr>
+            <a:r>
+              <a:rPr lang="en-US" dirty="0"/>
+              <a:t>Build an image</a:t>
+            </a:r>
+          </a:p>
+          <a:p>
+            <a:pPr marL="800100" lvl="1" indent="-342900">
+              <a:buAutoNum type="arabicPeriod"/>
+            </a:pPr>
+            <a:r>
+              <a:rPr lang="en-US" dirty="0"/>
+              <a:t>Push the image</a:t>
+            </a:r>
+          </a:p>
+          <a:p>
+            <a:pPr marL="800100" lvl="1" indent="-342900">
+              <a:buAutoNum type="arabicPeriod"/>
+            </a:pPr>
+            <a:r>
+              <a:rPr lang="en-US" dirty="0" err="1"/>
+              <a:t>Kubectl</a:t>
+            </a:r>
+            <a:r>
+              <a:rPr lang="en-US" dirty="0"/>
+              <a:t> apply –f </a:t>
+            </a:r>
+            <a:r>
+              <a:rPr lang="en-US" dirty="0" err="1"/>
+              <a:t>dep.yml</a:t>
+            </a:r>
+            <a:endParaRPr lang="en-US" dirty="0"/>
+          </a:p>
+        </p:txBody>
+      </p:sp>
+      <p:cxnSp>
+        <p:nvCxnSpPr>
+          <p:cNvPr id="11" name="Straight Arrow Connector 10">
+            <a:extLst>
+              <a:ext uri="{FF2B5EF4-FFF2-40B4-BE49-F238E27FC236}">
+                <a16:creationId xmlns:a16="http://schemas.microsoft.com/office/drawing/2014/main" id="{A7418B43-50F5-4F04-BF5E-6AA4DA9C714F}"/>
+              </a:ext>
+            </a:extLst>
+          </p:cNvPr>
+          <p:cNvCxnSpPr>
+            <a:cxnSpLocks/>
+            <a:stCxn id="6" idx="1"/>
+          </p:cNvCxnSpPr>
+          <p:nvPr/>
+        </p:nvCxnSpPr>
+        <p:spPr>
+          <a:xfrm>
+            <a:off x="1404257" y="1404275"/>
+            <a:ext cx="1286070" cy="2393284"/>
+          </a:xfrm>
+          <a:prstGeom prst="straightConnector1">
+            <a:avLst/>
+          </a:prstGeom>
+          <a:ln>
+            <a:tailEnd type="triangle"/>
+          </a:ln>
+        </p:spPr>
+        <p:style>
+          <a:lnRef idx="1">
+            <a:schemeClr val="accent1"/>
+          </a:lnRef>
+          <a:fillRef idx="0">
+            <a:schemeClr val="accent1"/>
+          </a:fillRef>
+          <a:effectRef idx="0">
+            <a:schemeClr val="accent1"/>
+          </a:effectRef>
+          <a:fontRef idx="minor">
+            <a:schemeClr val="tx1"/>
+          </a:fontRef>
+        </p:style>
+      </p:cxnSp>
+      <p:cxnSp>
+        <p:nvCxnSpPr>
+          <p:cNvPr id="13" name="Straight Arrow Connector 12">
+            <a:extLst>
+              <a:ext uri="{FF2B5EF4-FFF2-40B4-BE49-F238E27FC236}">
+                <a16:creationId xmlns:a16="http://schemas.microsoft.com/office/drawing/2014/main" id="{0A4C72C5-C55D-4953-A8E6-CD7A3DC419EC}"/>
+              </a:ext>
+            </a:extLst>
+          </p:cNvPr>
+          <p:cNvCxnSpPr>
+            <a:cxnSpLocks/>
+            <a:endCxn id="14" idx="2"/>
+          </p:cNvCxnSpPr>
+          <p:nvPr/>
+        </p:nvCxnSpPr>
+        <p:spPr>
+          <a:xfrm>
+            <a:off x="2690327" y="4702629"/>
+            <a:ext cx="3107797" cy="779105"/>
+          </a:xfrm>
+          <a:prstGeom prst="straightConnector1">
+            <a:avLst/>
+          </a:prstGeom>
+          <a:ln>
+            <a:tailEnd type="triangle"/>
+          </a:ln>
+        </p:spPr>
+        <p:style>
+          <a:lnRef idx="1">
+            <a:schemeClr val="accent1"/>
+          </a:lnRef>
+          <a:fillRef idx="0">
+            <a:schemeClr val="accent1"/>
+          </a:fillRef>
+          <a:effectRef idx="0">
+            <a:schemeClr val="accent1"/>
+          </a:effectRef>
+          <a:fontRef idx="minor">
+            <a:schemeClr val="tx1"/>
+          </a:fontRef>
+        </p:style>
+      </p:cxnSp>
+      <p:sp>
+        <p:nvSpPr>
+          <p:cNvPr id="14" name="Cloud 13">
+            <a:extLst>
+              <a:ext uri="{FF2B5EF4-FFF2-40B4-BE49-F238E27FC236}">
+                <a16:creationId xmlns:a16="http://schemas.microsoft.com/office/drawing/2014/main" id="{8460AB65-A1E2-405A-BE3D-3121D5CC9C6C}"/>
+              </a:ext>
+            </a:extLst>
+          </p:cNvPr>
+          <p:cNvSpPr/>
+          <p:nvPr/>
+        </p:nvSpPr>
+        <p:spPr>
+          <a:xfrm>
+            <a:off x="5785129" y="4702628"/>
+            <a:ext cx="4189296" cy="1558212"/>
+          </a:xfrm>
+          <a:prstGeom prst="cloud">
+            <a:avLst/>
+          </a:prstGeom>
+        </p:spPr>
+        <p:style>
+          <a:lnRef idx="2">
+            <a:schemeClr val="accent1">
+              <a:shade val="50000"/>
+            </a:schemeClr>
+          </a:lnRef>
+          <a:fillRef idx="1">
+            <a:schemeClr val="accent1"/>
+          </a:fillRef>
+          <a:effectRef idx="0">
+            <a:schemeClr val="accent1"/>
+          </a:effectRef>
+          <a:fontRef idx="minor">
+            <a:schemeClr val="lt1"/>
+          </a:fontRef>
+        </p:style>
+        <p:txBody>
+          <a:bodyPr rtlCol="0" anchor="ctr"/>
+          <a:lstStyle/>
+          <a:p>
+            <a:pPr algn="ctr"/>
+            <a:r>
+              <a:rPr lang="en-US" dirty="0"/>
+              <a:t>Hub.docker.com</a:t>
+            </a:r>
+          </a:p>
+        </p:txBody>
+      </p:sp>
+      <p:sp>
+        <p:nvSpPr>
+          <p:cNvPr id="16" name="Right Brace 15">
+            <a:extLst>
+              <a:ext uri="{FF2B5EF4-FFF2-40B4-BE49-F238E27FC236}">
+                <a16:creationId xmlns:a16="http://schemas.microsoft.com/office/drawing/2014/main" id="{53117A94-6D30-459F-B2D6-AE3DEBB4EF77}"/>
+              </a:ext>
+            </a:extLst>
+          </p:cNvPr>
+          <p:cNvSpPr/>
+          <p:nvPr/>
+        </p:nvSpPr>
+        <p:spPr>
+          <a:xfrm>
+            <a:off x="2874763" y="3713584"/>
+            <a:ext cx="45719" cy="779105"/>
+          </a:xfrm>
+          <a:prstGeom prst="rightBrace">
+            <a:avLst/>
+          </a:prstGeom>
+        </p:spPr>
+        <p:style>
+          <a:lnRef idx="1">
+            <a:schemeClr val="accent1"/>
+          </a:lnRef>
+          <a:fillRef idx="0">
+            <a:schemeClr val="accent1"/>
+          </a:fillRef>
+          <a:effectRef idx="0">
+            <a:schemeClr val="accent1"/>
+          </a:effectRef>
+          <a:fontRef idx="minor">
+            <a:schemeClr val="tx1"/>
+          </a:fontRef>
+        </p:style>
+        <p:txBody>
+          <a:bodyPr rtlCol="0" anchor="ctr"/>
+          <a:lstStyle/>
+          <a:p>
+            <a:pPr algn="ctr"/>
+            <a:endParaRPr lang="en-US"/>
+          </a:p>
+        </p:txBody>
+      </p:sp>
+      <p:sp>
+        <p:nvSpPr>
+          <p:cNvPr id="17" name="TextBox 16">
+            <a:extLst>
+              <a:ext uri="{FF2B5EF4-FFF2-40B4-BE49-F238E27FC236}">
+                <a16:creationId xmlns:a16="http://schemas.microsoft.com/office/drawing/2014/main" id="{72F0BE8F-9CC8-48C7-A452-2E6C638B8CCD}"/>
+              </a:ext>
+            </a:extLst>
+          </p:cNvPr>
+          <p:cNvSpPr txBox="1"/>
+          <p:nvPr/>
+        </p:nvSpPr>
+        <p:spPr>
+          <a:xfrm>
+            <a:off x="2941711" y="3914963"/>
+            <a:ext cx="1360244" cy="369332"/>
+          </a:xfrm>
+          <a:prstGeom prst="rect">
+            <a:avLst/>
+          </a:prstGeom>
+          <a:noFill/>
+        </p:spPr>
+        <p:txBody>
+          <a:bodyPr wrap="none" rtlCol="0">
+            <a:spAutoFit/>
+          </a:bodyPr>
+          <a:lstStyle/>
+          <a:p>
+            <a:r>
+              <a:rPr lang="en-US" dirty="0" err="1"/>
+              <a:t>Cont</a:t>
+            </a:r>
+            <a:r>
+              <a:rPr lang="en-US" dirty="0"/>
+              <a:t> </a:t>
+            </a:r>
+            <a:r>
+              <a:rPr lang="en-US" dirty="0" err="1"/>
+              <a:t>intg</a:t>
+            </a:r>
+            <a:r>
+              <a:rPr lang="en-US" dirty="0"/>
+              <a:t>(CI)</a:t>
+            </a:r>
+          </a:p>
+        </p:txBody>
+      </p:sp>
+      <p:sp>
+        <p:nvSpPr>
+          <p:cNvPr id="18" name="Right Brace 17">
+            <a:extLst>
+              <a:ext uri="{FF2B5EF4-FFF2-40B4-BE49-F238E27FC236}">
+                <a16:creationId xmlns:a16="http://schemas.microsoft.com/office/drawing/2014/main" id="{EA35DD77-F8BC-4F3A-A963-E1B1EA4FE0C5}"/>
+              </a:ext>
+            </a:extLst>
+          </p:cNvPr>
+          <p:cNvSpPr/>
+          <p:nvPr/>
+        </p:nvSpPr>
+        <p:spPr>
+          <a:xfrm>
+            <a:off x="2941711" y="4562669"/>
+            <a:ext cx="45719" cy="340556"/>
+          </a:xfrm>
+          <a:prstGeom prst="rightBrace">
+            <a:avLst/>
+          </a:prstGeom>
+        </p:spPr>
+        <p:style>
+          <a:lnRef idx="1">
+            <a:schemeClr val="accent1"/>
+          </a:lnRef>
+          <a:fillRef idx="0">
+            <a:schemeClr val="accent1"/>
+          </a:fillRef>
+          <a:effectRef idx="0">
+            <a:schemeClr val="accent1"/>
+          </a:effectRef>
+          <a:fontRef idx="minor">
+            <a:schemeClr val="tx1"/>
+          </a:fontRef>
+        </p:style>
+        <p:txBody>
+          <a:bodyPr rtlCol="0" anchor="ctr"/>
+          <a:lstStyle/>
+          <a:p>
+            <a:pPr algn="ctr"/>
+            <a:endParaRPr lang="en-US"/>
+          </a:p>
+        </p:txBody>
+      </p:sp>
+      <p:sp>
+        <p:nvSpPr>
+          <p:cNvPr id="19" name="TextBox 18">
+            <a:extLst>
+              <a:ext uri="{FF2B5EF4-FFF2-40B4-BE49-F238E27FC236}">
+                <a16:creationId xmlns:a16="http://schemas.microsoft.com/office/drawing/2014/main" id="{CB901F7C-B264-45DA-9D2E-15143F2DB7CD}"/>
+              </a:ext>
+            </a:extLst>
+          </p:cNvPr>
+          <p:cNvSpPr txBox="1"/>
+          <p:nvPr/>
+        </p:nvSpPr>
+        <p:spPr>
+          <a:xfrm>
+            <a:off x="2954149" y="4533893"/>
+            <a:ext cx="1853392" cy="369332"/>
+          </a:xfrm>
+          <a:prstGeom prst="rect">
+            <a:avLst/>
+          </a:prstGeom>
+          <a:noFill/>
+        </p:spPr>
+        <p:txBody>
+          <a:bodyPr wrap="none" rtlCol="0">
+            <a:spAutoFit/>
+          </a:bodyPr>
+          <a:lstStyle/>
+          <a:p>
+            <a:r>
+              <a:rPr lang="en-US" dirty="0" err="1"/>
+              <a:t>Cont</a:t>
+            </a:r>
+            <a:r>
+              <a:rPr lang="en-US" dirty="0"/>
+              <a:t> Delivery(CD)</a:t>
+            </a:r>
+          </a:p>
+        </p:txBody>
+      </p:sp>
+      <p:sp>
+        <p:nvSpPr>
+          <p:cNvPr id="20" name="Right Brace 19">
+            <a:extLst>
+              <a:ext uri="{FF2B5EF4-FFF2-40B4-BE49-F238E27FC236}">
+                <a16:creationId xmlns:a16="http://schemas.microsoft.com/office/drawing/2014/main" id="{A1960331-98E0-4F27-A7B4-54A945D43B91}"/>
+              </a:ext>
+            </a:extLst>
+          </p:cNvPr>
+          <p:cNvSpPr/>
+          <p:nvPr/>
+        </p:nvSpPr>
+        <p:spPr>
+          <a:xfrm>
+            <a:off x="3523318" y="4892352"/>
+            <a:ext cx="45719" cy="340556"/>
+          </a:xfrm>
+          <a:prstGeom prst="rightBrace">
+            <a:avLst/>
+          </a:prstGeom>
+        </p:spPr>
+        <p:style>
+          <a:lnRef idx="1">
+            <a:schemeClr val="accent1"/>
+          </a:lnRef>
+          <a:fillRef idx="0">
+            <a:schemeClr val="accent1"/>
+          </a:fillRef>
+          <a:effectRef idx="0">
+            <a:schemeClr val="accent1"/>
+          </a:effectRef>
+          <a:fontRef idx="minor">
+            <a:schemeClr val="tx1"/>
+          </a:fontRef>
+        </p:style>
+        <p:txBody>
+          <a:bodyPr rtlCol="0" anchor="ctr"/>
+          <a:lstStyle/>
+          <a:p>
+            <a:pPr algn="ctr"/>
+            <a:endParaRPr lang="en-US"/>
+          </a:p>
+        </p:txBody>
+      </p:sp>
+      <p:sp>
+        <p:nvSpPr>
+          <p:cNvPr id="21" name="TextBox 20">
+            <a:extLst>
+              <a:ext uri="{FF2B5EF4-FFF2-40B4-BE49-F238E27FC236}">
+                <a16:creationId xmlns:a16="http://schemas.microsoft.com/office/drawing/2014/main" id="{A511163F-6395-4A31-9724-F78BC285D15D}"/>
+              </a:ext>
+            </a:extLst>
+          </p:cNvPr>
+          <p:cNvSpPr txBox="1"/>
+          <p:nvPr/>
+        </p:nvSpPr>
+        <p:spPr>
+          <a:xfrm>
+            <a:off x="3535756" y="4863576"/>
+            <a:ext cx="1744260" cy="369332"/>
+          </a:xfrm>
+          <a:prstGeom prst="rect">
+            <a:avLst/>
+          </a:prstGeom>
+          <a:noFill/>
+        </p:spPr>
+        <p:txBody>
+          <a:bodyPr wrap="none" rtlCol="0">
+            <a:spAutoFit/>
+          </a:bodyPr>
+          <a:lstStyle/>
+          <a:p>
+            <a:r>
+              <a:rPr lang="en-US" dirty="0" err="1"/>
+              <a:t>Cont</a:t>
+            </a:r>
+            <a:r>
+              <a:rPr lang="en-US" dirty="0"/>
+              <a:t> Deploy(CD)</a:t>
+            </a:r>
+          </a:p>
+        </p:txBody>
+      </p:sp>
+      <p:sp>
+        <p:nvSpPr>
+          <p:cNvPr id="22" name="TextBox 21">
+            <a:extLst>
+              <a:ext uri="{FF2B5EF4-FFF2-40B4-BE49-F238E27FC236}">
+                <a16:creationId xmlns:a16="http://schemas.microsoft.com/office/drawing/2014/main" id="{B6AD43EE-B090-4EDA-B73C-9333669F6DE1}"/>
+              </a:ext>
+            </a:extLst>
+          </p:cNvPr>
+          <p:cNvSpPr txBox="1"/>
+          <p:nvPr/>
+        </p:nvSpPr>
+        <p:spPr>
+          <a:xfrm>
+            <a:off x="308843" y="5819783"/>
+            <a:ext cx="3573625" cy="646331"/>
+          </a:xfrm>
+          <a:prstGeom prst="rect">
+            <a:avLst/>
+          </a:prstGeom>
+          <a:noFill/>
+        </p:spPr>
+        <p:txBody>
+          <a:bodyPr wrap="square" rtlCol="0">
+            <a:spAutoFit/>
+          </a:bodyPr>
+          <a:lstStyle/>
+          <a:p>
+            <a:r>
+              <a:rPr lang="en-US" dirty="0"/>
+              <a:t>Git, docker, </a:t>
+            </a:r>
+            <a:r>
+              <a:rPr lang="en-US" dirty="0" err="1"/>
+              <a:t>kubectl</a:t>
+            </a:r>
+            <a:r>
+              <a:rPr lang="en-US" dirty="0"/>
+              <a:t> , config files to connect to a cluster</a:t>
+            </a:r>
+          </a:p>
+        </p:txBody>
+      </p:sp>
+      <p:sp>
+        <p:nvSpPr>
+          <p:cNvPr id="24" name="TextBox 23">
+            <a:extLst>
+              <a:ext uri="{FF2B5EF4-FFF2-40B4-BE49-F238E27FC236}">
+                <a16:creationId xmlns:a16="http://schemas.microsoft.com/office/drawing/2014/main" id="{263E586F-200D-4883-B009-015E594F8889}"/>
+              </a:ext>
+            </a:extLst>
+          </p:cNvPr>
+          <p:cNvSpPr txBox="1"/>
+          <p:nvPr/>
+        </p:nvSpPr>
+        <p:spPr>
+          <a:xfrm>
+            <a:off x="1726163" y="1660849"/>
+            <a:ext cx="2187394" cy="369332"/>
+          </a:xfrm>
+          <a:prstGeom prst="rect">
+            <a:avLst/>
+          </a:prstGeom>
+          <a:noFill/>
+        </p:spPr>
+        <p:txBody>
+          <a:bodyPr wrap="none" rtlCol="0">
+            <a:spAutoFit/>
+          </a:bodyPr>
+          <a:lstStyle/>
+          <a:p>
+            <a:r>
+              <a:rPr lang="en-US" dirty="0"/>
+              <a:t>EOD: env on Demand</a:t>
+            </a:r>
+          </a:p>
+        </p:txBody>
+      </p:sp>
+    </p:spTree>
+    <p:extLst>
+      <p:ext uri="{BB962C8B-B14F-4D97-AF65-F5344CB8AC3E}">
+        <p14:creationId xmlns:p14="http://schemas.microsoft.com/office/powerpoint/2010/main" val="3766341777"/>
+      </p:ext>
+    </p:extLst>
+  </p:cSld>
+  <p:clrMapOvr>
+    <a:masterClrMapping/>
+  </p:clrMapOvr>
+</p:sld>
+</file>
+
+<file path=ppt/slides/slide23.xml><?xml version="1.0" encoding="utf-8"?>
+<p:sld xmlns:a="http://schemas.openxmlformats.org/drawingml/2006/main" xmlns:r="http://schemas.openxmlformats.org/officeDocument/2006/relationships" xmlns:p="http://schemas.openxmlformats.org/presentationml/2006/main">
+  <p:cSld>
+    <p:spTree>
+      <p:nvGrpSpPr>
+        <p:cNvPr id="1" name=""/>
+        <p:cNvGrpSpPr/>
+        <p:nvPr/>
+      </p:nvGrpSpPr>
+      <p:grpSpPr>
+        <a:xfrm>
+          <a:off x="0" y="0"/>
+          <a:ext cx="0" cy="0"/>
+          <a:chOff x="0" y="0"/>
+          <a:chExt cx="0" cy="0"/>
+        </a:xfrm>
+      </p:grpSpPr>
+      <p:sp>
+        <p:nvSpPr>
+          <p:cNvPr id="2" name="Rectangle 1">
+            <a:extLst>
+              <a:ext uri="{FF2B5EF4-FFF2-40B4-BE49-F238E27FC236}">
+                <a16:creationId xmlns:a16="http://schemas.microsoft.com/office/drawing/2014/main" id="{E782F7AB-1668-4006-B31A-79EF835CECFE}"/>
+              </a:ext>
+            </a:extLst>
+          </p:cNvPr>
+          <p:cNvSpPr/>
+          <p:nvPr/>
+        </p:nvSpPr>
+        <p:spPr>
+          <a:xfrm>
+            <a:off x="895739" y="765110"/>
+            <a:ext cx="7809722" cy="5271796"/>
+          </a:xfrm>
+          <a:prstGeom prst="rect">
+            <a:avLst/>
+          </a:prstGeom>
+          <a:noFill/>
+        </p:spPr>
+        <p:style>
+          <a:lnRef idx="2">
+            <a:schemeClr val="accent1">
+              <a:shade val="50000"/>
+            </a:schemeClr>
+          </a:lnRef>
+          <a:fillRef idx="1">
+            <a:schemeClr val="accent1"/>
+          </a:fillRef>
+          <a:effectRef idx="0">
+            <a:schemeClr val="accent1"/>
+          </a:effectRef>
+          <a:fontRef idx="minor">
+            <a:schemeClr val="lt1"/>
+          </a:fontRef>
+        </p:style>
+        <p:txBody>
+          <a:bodyPr rtlCol="0" anchor="ctr"/>
+          <a:lstStyle/>
+          <a:p>
+            <a:pPr algn="ctr"/>
+            <a:endParaRPr lang="en-US"/>
+          </a:p>
+        </p:txBody>
+      </p:sp>
+      <p:sp>
+        <p:nvSpPr>
+          <p:cNvPr id="3" name="Rectangle 2">
+            <a:extLst>
+              <a:ext uri="{FF2B5EF4-FFF2-40B4-BE49-F238E27FC236}">
+                <a16:creationId xmlns:a16="http://schemas.microsoft.com/office/drawing/2014/main" id="{D6E47D72-DE35-46BF-9ACD-C2B63594C799}"/>
+              </a:ext>
+            </a:extLst>
+          </p:cNvPr>
+          <p:cNvSpPr/>
+          <p:nvPr/>
+        </p:nvSpPr>
+        <p:spPr>
+          <a:xfrm>
+            <a:off x="9470571" y="3592286"/>
+            <a:ext cx="2332653" cy="2444620"/>
+          </a:xfrm>
+          <a:prstGeom prst="rect">
+            <a:avLst/>
+          </a:prstGeom>
+          <a:noFill/>
+        </p:spPr>
+        <p:style>
+          <a:lnRef idx="2">
+            <a:schemeClr val="accent1">
+              <a:shade val="50000"/>
+            </a:schemeClr>
+          </a:lnRef>
+          <a:fillRef idx="1">
+            <a:schemeClr val="accent1"/>
+          </a:fillRef>
+          <a:effectRef idx="0">
+            <a:schemeClr val="accent1"/>
+          </a:effectRef>
+          <a:fontRef idx="minor">
+            <a:schemeClr val="lt1"/>
+          </a:fontRef>
+        </p:style>
+        <p:txBody>
+          <a:bodyPr rtlCol="0" anchor="ctr"/>
+          <a:lstStyle/>
+          <a:p>
+            <a:pPr algn="ctr"/>
+            <a:endParaRPr lang="en-US"/>
+          </a:p>
+        </p:txBody>
+      </p:sp>
+      <p:sp>
+        <p:nvSpPr>
+          <p:cNvPr id="4" name="TextBox 3">
+            <a:extLst>
+              <a:ext uri="{FF2B5EF4-FFF2-40B4-BE49-F238E27FC236}">
+                <a16:creationId xmlns:a16="http://schemas.microsoft.com/office/drawing/2014/main" id="{B3301A48-98F2-4851-956E-CF1355861F67}"/>
+              </a:ext>
+            </a:extLst>
+          </p:cNvPr>
+          <p:cNvSpPr txBox="1"/>
+          <p:nvPr/>
+        </p:nvSpPr>
+        <p:spPr>
+          <a:xfrm>
+            <a:off x="895739" y="485192"/>
+            <a:ext cx="1147815" cy="369332"/>
+          </a:xfrm>
+          <a:prstGeom prst="rect">
+            <a:avLst/>
+          </a:prstGeom>
+          <a:noFill/>
+        </p:spPr>
+        <p:txBody>
+          <a:bodyPr wrap="none" rtlCol="0">
+            <a:spAutoFit/>
+          </a:bodyPr>
+          <a:lstStyle/>
+          <a:p>
+            <a:r>
+              <a:rPr lang="en-US" dirty="0"/>
+              <a:t>k8smaster</a:t>
+            </a:r>
+          </a:p>
+        </p:txBody>
+      </p:sp>
+      <p:sp>
+        <p:nvSpPr>
+          <p:cNvPr id="5" name="TextBox 4">
+            <a:extLst>
+              <a:ext uri="{FF2B5EF4-FFF2-40B4-BE49-F238E27FC236}">
+                <a16:creationId xmlns:a16="http://schemas.microsoft.com/office/drawing/2014/main" id="{4849875A-B9BD-42D8-9C32-E958F1479C48}"/>
+              </a:ext>
+            </a:extLst>
+          </p:cNvPr>
+          <p:cNvSpPr txBox="1"/>
+          <p:nvPr/>
+        </p:nvSpPr>
+        <p:spPr>
+          <a:xfrm>
+            <a:off x="9445684" y="3250163"/>
+            <a:ext cx="1093569" cy="369332"/>
+          </a:xfrm>
+          <a:prstGeom prst="rect">
+            <a:avLst/>
+          </a:prstGeom>
+          <a:noFill/>
+        </p:spPr>
+        <p:txBody>
+          <a:bodyPr wrap="none" rtlCol="0">
+            <a:spAutoFit/>
+          </a:bodyPr>
+          <a:lstStyle/>
+          <a:p>
+            <a:r>
+              <a:rPr lang="en-US" dirty="0"/>
+              <a:t>k8snode1</a:t>
+            </a:r>
+          </a:p>
+        </p:txBody>
+      </p:sp>
+      <p:sp>
+        <p:nvSpPr>
+          <p:cNvPr id="8" name="Freeform: Shape 7">
+            <a:extLst>
+              <a:ext uri="{FF2B5EF4-FFF2-40B4-BE49-F238E27FC236}">
+                <a16:creationId xmlns:a16="http://schemas.microsoft.com/office/drawing/2014/main" id="{71EE0DC4-2991-4B9B-9BAF-F39B6ED32630}"/>
+              </a:ext>
+            </a:extLst>
+          </p:cNvPr>
+          <p:cNvSpPr/>
+          <p:nvPr/>
+        </p:nvSpPr>
+        <p:spPr>
+          <a:xfrm>
+            <a:off x="6937771" y="4161453"/>
+            <a:ext cx="111967" cy="1446245"/>
+          </a:xfrm>
+          <a:custGeom>
+            <a:avLst/>
+            <a:gdLst>
+              <a:gd name="connsiteX0" fmla="*/ 65314 w 111967"/>
+              <a:gd name="connsiteY0" fmla="*/ 0 h 1446245"/>
+              <a:gd name="connsiteX1" fmla="*/ 46653 w 111967"/>
+              <a:gd name="connsiteY1" fmla="*/ 65314 h 1446245"/>
+              <a:gd name="connsiteX2" fmla="*/ 37322 w 111967"/>
+              <a:gd name="connsiteY2" fmla="*/ 102637 h 1446245"/>
+              <a:gd name="connsiteX3" fmla="*/ 18661 w 111967"/>
+              <a:gd name="connsiteY3" fmla="*/ 167951 h 1446245"/>
+              <a:gd name="connsiteX4" fmla="*/ 9330 w 111967"/>
+              <a:gd name="connsiteY4" fmla="*/ 270588 h 1446245"/>
+              <a:gd name="connsiteX5" fmla="*/ 0 w 111967"/>
+              <a:gd name="connsiteY5" fmla="*/ 307910 h 1446245"/>
+              <a:gd name="connsiteX6" fmla="*/ 9330 w 111967"/>
+              <a:gd name="connsiteY6" fmla="*/ 447869 h 1446245"/>
+              <a:gd name="connsiteX7" fmla="*/ 27992 w 111967"/>
+              <a:gd name="connsiteY7" fmla="*/ 550506 h 1446245"/>
+              <a:gd name="connsiteX8" fmla="*/ 65314 w 111967"/>
+              <a:gd name="connsiteY8" fmla="*/ 615820 h 1446245"/>
+              <a:gd name="connsiteX9" fmla="*/ 111967 w 111967"/>
+              <a:gd name="connsiteY9" fmla="*/ 671804 h 1446245"/>
+              <a:gd name="connsiteX10" fmla="*/ 93306 w 111967"/>
+              <a:gd name="connsiteY10" fmla="*/ 849086 h 1446245"/>
+              <a:gd name="connsiteX11" fmla="*/ 83975 w 111967"/>
+              <a:gd name="connsiteY11" fmla="*/ 877078 h 1446245"/>
+              <a:gd name="connsiteX12" fmla="*/ 65314 w 111967"/>
+              <a:gd name="connsiteY12" fmla="*/ 905069 h 1446245"/>
+              <a:gd name="connsiteX13" fmla="*/ 46653 w 111967"/>
+              <a:gd name="connsiteY13" fmla="*/ 979714 h 1446245"/>
+              <a:gd name="connsiteX14" fmla="*/ 37322 w 111967"/>
+              <a:gd name="connsiteY14" fmla="*/ 1017037 h 1446245"/>
+              <a:gd name="connsiteX15" fmla="*/ 18661 w 111967"/>
+              <a:gd name="connsiteY15" fmla="*/ 1073020 h 1446245"/>
+              <a:gd name="connsiteX16" fmla="*/ 18661 w 111967"/>
+              <a:gd name="connsiteY16" fmla="*/ 1324947 h 1446245"/>
+              <a:gd name="connsiteX17" fmla="*/ 55983 w 111967"/>
+              <a:gd name="connsiteY17" fmla="*/ 1418253 h 1446245"/>
+              <a:gd name="connsiteX18" fmla="*/ 65314 w 111967"/>
+              <a:gd name="connsiteY18" fmla="*/ 1446245 h 1446245"/>
+            </a:gdLst>
+            <a:ahLst/>
+            <a:cxnLst>
+              <a:cxn ang="0">
+                <a:pos x="connsiteX0" y="connsiteY0"/>
+              </a:cxn>
+              <a:cxn ang="0">
+                <a:pos x="connsiteX1" y="connsiteY1"/>
+              </a:cxn>
+              <a:cxn ang="0">
+                <a:pos x="connsiteX2" y="connsiteY2"/>
+              </a:cxn>
+              <a:cxn ang="0">
+                <a:pos x="connsiteX3" y="connsiteY3"/>
+              </a:cxn>
+              <a:cxn ang="0">
+                <a:pos x="connsiteX4" y="connsiteY4"/>
+              </a:cxn>
+              <a:cxn ang="0">
+                <a:pos x="connsiteX5" y="connsiteY5"/>
+              </a:cxn>
+              <a:cxn ang="0">
+                <a:pos x="connsiteX6" y="connsiteY6"/>
+              </a:cxn>
+              <a:cxn ang="0">
+                <a:pos x="connsiteX7" y="connsiteY7"/>
+              </a:cxn>
+              <a:cxn ang="0">
+                <a:pos x="connsiteX8" y="connsiteY8"/>
+              </a:cxn>
+              <a:cxn ang="0">
+                <a:pos x="connsiteX9" y="connsiteY9"/>
+              </a:cxn>
+              <a:cxn ang="0">
+                <a:pos x="connsiteX10" y="connsiteY10"/>
+              </a:cxn>
+              <a:cxn ang="0">
+                <a:pos x="connsiteX11" y="connsiteY11"/>
+              </a:cxn>
+              <a:cxn ang="0">
+                <a:pos x="connsiteX12" y="connsiteY12"/>
+              </a:cxn>
+              <a:cxn ang="0">
+                <a:pos x="connsiteX13" y="connsiteY13"/>
+              </a:cxn>
+              <a:cxn ang="0">
+                <a:pos x="connsiteX14" y="connsiteY14"/>
+              </a:cxn>
+              <a:cxn ang="0">
+                <a:pos x="connsiteX15" y="connsiteY15"/>
+              </a:cxn>
+              <a:cxn ang="0">
+                <a:pos x="connsiteX16" y="connsiteY16"/>
+              </a:cxn>
+              <a:cxn ang="0">
+                <a:pos x="connsiteX17" y="connsiteY17"/>
+              </a:cxn>
+              <a:cxn ang="0">
+                <a:pos x="connsiteX18" y="connsiteY18"/>
+              </a:cxn>
+            </a:cxnLst>
+            <a:rect l="l" t="t" r="r" b="b"/>
+            <a:pathLst>
+              <a:path w="111967" h="1446245">
+                <a:moveTo>
+                  <a:pt x="65314" y="0"/>
+                </a:moveTo>
+                <a:cubicBezTo>
+                  <a:pt x="59094" y="21771"/>
+                  <a:pt x="52611" y="43469"/>
+                  <a:pt x="46653" y="65314"/>
+                </a:cubicBezTo>
+                <a:cubicBezTo>
+                  <a:pt x="43279" y="77686"/>
+                  <a:pt x="40696" y="90265"/>
+                  <a:pt x="37322" y="102637"/>
+                </a:cubicBezTo>
+                <a:cubicBezTo>
+                  <a:pt x="31364" y="124482"/>
+                  <a:pt x="24881" y="146180"/>
+                  <a:pt x="18661" y="167951"/>
+                </a:cubicBezTo>
+                <a:cubicBezTo>
+                  <a:pt x="15551" y="202163"/>
+                  <a:pt x="13870" y="236536"/>
+                  <a:pt x="9330" y="270588"/>
+                </a:cubicBezTo>
+                <a:cubicBezTo>
+                  <a:pt x="7635" y="283299"/>
+                  <a:pt x="0" y="295086"/>
+                  <a:pt x="0" y="307910"/>
+                </a:cubicBezTo>
+                <a:cubicBezTo>
+                  <a:pt x="0" y="354667"/>
+                  <a:pt x="5280" y="401288"/>
+                  <a:pt x="9330" y="447869"/>
+                </a:cubicBezTo>
+                <a:cubicBezTo>
+                  <a:pt x="12652" y="486074"/>
+                  <a:pt x="13567" y="516847"/>
+                  <a:pt x="27992" y="550506"/>
+                </a:cubicBezTo>
+                <a:cubicBezTo>
+                  <a:pt x="36046" y="569298"/>
+                  <a:pt x="51532" y="599282"/>
+                  <a:pt x="65314" y="615820"/>
+                </a:cubicBezTo>
+                <a:cubicBezTo>
+                  <a:pt x="125178" y="687657"/>
+                  <a:pt x="65639" y="602311"/>
+                  <a:pt x="111967" y="671804"/>
+                </a:cubicBezTo>
+                <a:cubicBezTo>
+                  <a:pt x="105061" y="775385"/>
+                  <a:pt x="113076" y="779889"/>
+                  <a:pt x="93306" y="849086"/>
+                </a:cubicBezTo>
+                <a:cubicBezTo>
+                  <a:pt x="90604" y="858543"/>
+                  <a:pt x="88374" y="868281"/>
+                  <a:pt x="83975" y="877078"/>
+                </a:cubicBezTo>
+                <a:cubicBezTo>
+                  <a:pt x="78960" y="887108"/>
+                  <a:pt x="71534" y="895739"/>
+                  <a:pt x="65314" y="905069"/>
+                </a:cubicBezTo>
+                <a:lnTo>
+                  <a:pt x="46653" y="979714"/>
+                </a:lnTo>
+                <a:cubicBezTo>
+                  <a:pt x="43543" y="992155"/>
+                  <a:pt x="41377" y="1004871"/>
+                  <a:pt x="37322" y="1017037"/>
+                </a:cubicBezTo>
+                <a:lnTo>
+                  <a:pt x="18661" y="1073020"/>
+                </a:lnTo>
+                <a:cubicBezTo>
+                  <a:pt x="8553" y="1184208"/>
+                  <a:pt x="1763" y="1201030"/>
+                  <a:pt x="18661" y="1324947"/>
+                </a:cubicBezTo>
+                <a:cubicBezTo>
+                  <a:pt x="24325" y="1366480"/>
+                  <a:pt x="40825" y="1382886"/>
+                  <a:pt x="55983" y="1418253"/>
+                </a:cubicBezTo>
+                <a:cubicBezTo>
+                  <a:pt x="59857" y="1427293"/>
+                  <a:pt x="65314" y="1446245"/>
+                  <a:pt x="65314" y="1446245"/>
+                </a:cubicBezTo>
+              </a:path>
+            </a:pathLst>
+          </a:custGeom>
+          <a:noFill/>
+        </p:spPr>
+        <p:style>
+          <a:lnRef idx="2">
+            <a:schemeClr val="accent1">
+              <a:shade val="50000"/>
+            </a:schemeClr>
+          </a:lnRef>
+          <a:fillRef idx="1">
+            <a:schemeClr val="accent1"/>
+          </a:fillRef>
+          <a:effectRef idx="0">
+            <a:schemeClr val="accent1"/>
+          </a:effectRef>
+          <a:fontRef idx="minor">
+            <a:schemeClr val="lt1"/>
+          </a:fontRef>
+        </p:style>
+        <p:txBody>
+          <a:bodyPr rtlCol="0" anchor="ctr"/>
+          <a:lstStyle/>
+          <a:p>
+            <a:pPr algn="ctr"/>
+            <a:endParaRPr lang="en-US"/>
+          </a:p>
+        </p:txBody>
+      </p:sp>
+      <p:sp>
+        <p:nvSpPr>
+          <p:cNvPr id="9" name="TextBox 8">
+            <a:extLst>
+              <a:ext uri="{FF2B5EF4-FFF2-40B4-BE49-F238E27FC236}">
+                <a16:creationId xmlns:a16="http://schemas.microsoft.com/office/drawing/2014/main" id="{437BEAE5-4D91-4CF6-83AC-D38BC3C82329}"/>
+              </a:ext>
+            </a:extLst>
+          </p:cNvPr>
+          <p:cNvSpPr txBox="1"/>
+          <p:nvPr/>
+        </p:nvSpPr>
+        <p:spPr>
+          <a:xfrm>
+            <a:off x="7034187" y="4460033"/>
+            <a:ext cx="937116" cy="369332"/>
+          </a:xfrm>
+          <a:prstGeom prst="rect">
+            <a:avLst/>
+          </a:prstGeom>
+          <a:noFill/>
+        </p:spPr>
+        <p:txBody>
+          <a:bodyPr wrap="none" rtlCol="0">
+            <a:spAutoFit/>
+          </a:bodyPr>
+          <a:lstStyle/>
+          <a:p>
+            <a:r>
+              <a:rPr lang="en-US" dirty="0" err="1"/>
+              <a:t>dockerd</a:t>
+            </a:r>
+            <a:endParaRPr lang="en-US" dirty="0"/>
+          </a:p>
+        </p:txBody>
+      </p:sp>
+      <p:sp>
+        <p:nvSpPr>
+          <p:cNvPr id="10" name="Freeform: Shape 9">
+            <a:extLst>
+              <a:ext uri="{FF2B5EF4-FFF2-40B4-BE49-F238E27FC236}">
+                <a16:creationId xmlns:a16="http://schemas.microsoft.com/office/drawing/2014/main" id="{2908B31B-3550-49BF-8E04-9FBC2ABB46AE}"/>
+              </a:ext>
+            </a:extLst>
+          </p:cNvPr>
+          <p:cNvSpPr/>
+          <p:nvPr/>
+        </p:nvSpPr>
+        <p:spPr>
+          <a:xfrm>
+            <a:off x="6335486" y="2332653"/>
+            <a:ext cx="139959" cy="1073074"/>
+          </a:xfrm>
+          <a:custGeom>
+            <a:avLst/>
+            <a:gdLst>
+              <a:gd name="connsiteX0" fmla="*/ 0 w 139959"/>
+              <a:gd name="connsiteY0" fmla="*/ 0 h 1073074"/>
+              <a:gd name="connsiteX1" fmla="*/ 9330 w 139959"/>
+              <a:gd name="connsiteY1" fmla="*/ 149290 h 1073074"/>
+              <a:gd name="connsiteX2" fmla="*/ 18661 w 139959"/>
+              <a:gd name="connsiteY2" fmla="*/ 177282 h 1073074"/>
+              <a:gd name="connsiteX3" fmla="*/ 37322 w 139959"/>
+              <a:gd name="connsiteY3" fmla="*/ 270588 h 1073074"/>
+              <a:gd name="connsiteX4" fmla="*/ 46653 w 139959"/>
+              <a:gd name="connsiteY4" fmla="*/ 298580 h 1073074"/>
+              <a:gd name="connsiteX5" fmla="*/ 65314 w 139959"/>
+              <a:gd name="connsiteY5" fmla="*/ 363894 h 1073074"/>
+              <a:gd name="connsiteX6" fmla="*/ 102636 w 139959"/>
+              <a:gd name="connsiteY6" fmla="*/ 419878 h 1073074"/>
+              <a:gd name="connsiteX7" fmla="*/ 93306 w 139959"/>
+              <a:gd name="connsiteY7" fmla="*/ 615820 h 1073074"/>
+              <a:gd name="connsiteX8" fmla="*/ 65314 w 139959"/>
+              <a:gd name="connsiteY8" fmla="*/ 690465 h 1073074"/>
+              <a:gd name="connsiteX9" fmla="*/ 37322 w 139959"/>
+              <a:gd name="connsiteY9" fmla="*/ 746449 h 1073074"/>
+              <a:gd name="connsiteX10" fmla="*/ 74645 w 139959"/>
+              <a:gd name="connsiteY10" fmla="*/ 961053 h 1073074"/>
+              <a:gd name="connsiteX11" fmla="*/ 102636 w 139959"/>
+              <a:gd name="connsiteY11" fmla="*/ 1017037 h 1073074"/>
+              <a:gd name="connsiteX12" fmla="*/ 111967 w 139959"/>
+              <a:gd name="connsiteY12" fmla="*/ 1045029 h 1073074"/>
+              <a:gd name="connsiteX13" fmla="*/ 139959 w 139959"/>
+              <a:gd name="connsiteY13" fmla="*/ 1073020 h 1073074"/>
+            </a:gdLst>
+            <a:ahLst/>
+            <a:cxnLst>
+              <a:cxn ang="0">
+                <a:pos x="connsiteX0" y="connsiteY0"/>
+              </a:cxn>
+              <a:cxn ang="0">
+                <a:pos x="connsiteX1" y="connsiteY1"/>
+              </a:cxn>
+              <a:cxn ang="0">
+                <a:pos x="connsiteX2" y="connsiteY2"/>
+              </a:cxn>
+              <a:cxn ang="0">
+                <a:pos x="connsiteX3" y="connsiteY3"/>
+              </a:cxn>
+              <a:cxn ang="0">
+                <a:pos x="connsiteX4" y="connsiteY4"/>
+              </a:cxn>
+              <a:cxn ang="0">
+                <a:pos x="connsiteX5" y="connsiteY5"/>
+              </a:cxn>
+              <a:cxn ang="0">
+                <a:pos x="connsiteX6" y="connsiteY6"/>
+              </a:cxn>
+              <a:cxn ang="0">
+                <a:pos x="connsiteX7" y="connsiteY7"/>
+              </a:cxn>
+              <a:cxn ang="0">
+                <a:pos x="connsiteX8" y="connsiteY8"/>
+              </a:cxn>
+              <a:cxn ang="0">
+                <a:pos x="connsiteX9" y="connsiteY9"/>
+              </a:cxn>
+              <a:cxn ang="0">
+                <a:pos x="connsiteX10" y="connsiteY10"/>
+              </a:cxn>
+              <a:cxn ang="0">
+                <a:pos x="connsiteX11" y="connsiteY11"/>
+              </a:cxn>
+              <a:cxn ang="0">
+                <a:pos x="connsiteX12" y="connsiteY12"/>
+              </a:cxn>
+              <a:cxn ang="0">
+                <a:pos x="connsiteX13" y="connsiteY13"/>
+              </a:cxn>
+            </a:cxnLst>
+            <a:rect l="l" t="t" r="r" b="b"/>
+            <a:pathLst>
+              <a:path w="139959" h="1073074">
+                <a:moveTo>
+                  <a:pt x="0" y="0"/>
+                </a:moveTo>
+                <a:cubicBezTo>
+                  <a:pt x="3110" y="49763"/>
+                  <a:pt x="4110" y="99704"/>
+                  <a:pt x="9330" y="149290"/>
+                </a:cubicBezTo>
+                <a:cubicBezTo>
+                  <a:pt x="10360" y="159071"/>
+                  <a:pt x="16527" y="167681"/>
+                  <a:pt x="18661" y="177282"/>
+                </a:cubicBezTo>
+                <a:cubicBezTo>
+                  <a:pt x="36989" y="259753"/>
+                  <a:pt x="18735" y="205531"/>
+                  <a:pt x="37322" y="270588"/>
+                </a:cubicBezTo>
+                <a:cubicBezTo>
+                  <a:pt x="40024" y="280045"/>
+                  <a:pt x="43951" y="289123"/>
+                  <a:pt x="46653" y="298580"/>
+                </a:cubicBezTo>
+                <a:cubicBezTo>
+                  <a:pt x="49497" y="308533"/>
+                  <a:pt x="58732" y="352046"/>
+                  <a:pt x="65314" y="363894"/>
+                </a:cubicBezTo>
+                <a:cubicBezTo>
+                  <a:pt x="76206" y="383500"/>
+                  <a:pt x="102636" y="419878"/>
+                  <a:pt x="102636" y="419878"/>
+                </a:cubicBezTo>
+                <a:cubicBezTo>
+                  <a:pt x="99526" y="485192"/>
+                  <a:pt x="98520" y="550640"/>
+                  <a:pt x="93306" y="615820"/>
+                </a:cubicBezTo>
+                <a:cubicBezTo>
+                  <a:pt x="90486" y="651070"/>
+                  <a:pt x="78989" y="658557"/>
+                  <a:pt x="65314" y="690465"/>
+                </a:cubicBezTo>
+                <a:cubicBezTo>
+                  <a:pt x="42136" y="744548"/>
+                  <a:pt x="73184" y="692656"/>
+                  <a:pt x="37322" y="746449"/>
+                </a:cubicBezTo>
+                <a:cubicBezTo>
+                  <a:pt x="7901" y="834719"/>
+                  <a:pt x="24411" y="768487"/>
+                  <a:pt x="74645" y="961053"/>
+                </a:cubicBezTo>
+                <a:cubicBezTo>
+                  <a:pt x="87438" y="1010092"/>
+                  <a:pt x="78614" y="968994"/>
+                  <a:pt x="102636" y="1017037"/>
+                </a:cubicBezTo>
+                <a:cubicBezTo>
+                  <a:pt x="107035" y="1025834"/>
+                  <a:pt x="107568" y="1036232"/>
+                  <a:pt x="111967" y="1045029"/>
+                </a:cubicBezTo>
+                <a:cubicBezTo>
+                  <a:pt x="127257" y="1075608"/>
+                  <a:pt x="120828" y="1073020"/>
+                  <a:pt x="139959" y="1073020"/>
+                </a:cubicBezTo>
+              </a:path>
+            </a:pathLst>
+          </a:custGeom>
+          <a:noFill/>
+        </p:spPr>
+        <p:style>
+          <a:lnRef idx="2">
+            <a:schemeClr val="accent1">
+              <a:shade val="50000"/>
+            </a:schemeClr>
+          </a:lnRef>
+          <a:fillRef idx="1">
+            <a:schemeClr val="accent1"/>
+          </a:fillRef>
+          <a:effectRef idx="0">
+            <a:schemeClr val="accent1"/>
+          </a:effectRef>
+          <a:fontRef idx="minor">
+            <a:schemeClr val="lt1"/>
+          </a:fontRef>
+        </p:style>
+        <p:txBody>
+          <a:bodyPr rtlCol="0" anchor="ctr"/>
+          <a:lstStyle/>
+          <a:p>
+            <a:pPr algn="ctr"/>
+            <a:endParaRPr lang="en-US"/>
+          </a:p>
+        </p:txBody>
+      </p:sp>
+      <p:sp>
+        <p:nvSpPr>
+          <p:cNvPr id="11" name="TextBox 10">
+            <a:extLst>
+              <a:ext uri="{FF2B5EF4-FFF2-40B4-BE49-F238E27FC236}">
+                <a16:creationId xmlns:a16="http://schemas.microsoft.com/office/drawing/2014/main" id="{84E64417-56CC-4304-A864-29DB00ED709E}"/>
+              </a:ext>
+            </a:extLst>
+          </p:cNvPr>
+          <p:cNvSpPr txBox="1"/>
+          <p:nvPr/>
+        </p:nvSpPr>
+        <p:spPr>
+          <a:xfrm>
+            <a:off x="6447452" y="2701985"/>
+            <a:ext cx="1329723" cy="369332"/>
+          </a:xfrm>
+          <a:prstGeom prst="rect">
+            <a:avLst/>
+          </a:prstGeom>
+          <a:noFill/>
+        </p:spPr>
+        <p:txBody>
+          <a:bodyPr wrap="none" rtlCol="0">
+            <a:spAutoFit/>
+          </a:bodyPr>
+          <a:lstStyle/>
+          <a:p>
+            <a:r>
+              <a:rPr lang="en-US" dirty="0"/>
+              <a:t>K8s-services</a:t>
+            </a:r>
+          </a:p>
+        </p:txBody>
+      </p:sp>
+      <p:sp>
+        <p:nvSpPr>
+          <p:cNvPr id="12" name="Oval 11">
+            <a:extLst>
+              <a:ext uri="{FF2B5EF4-FFF2-40B4-BE49-F238E27FC236}">
+                <a16:creationId xmlns:a16="http://schemas.microsoft.com/office/drawing/2014/main" id="{B321FC0B-5CC1-4995-94FA-4FFD5926B66B}"/>
+              </a:ext>
+            </a:extLst>
+          </p:cNvPr>
+          <p:cNvSpPr/>
+          <p:nvPr/>
+        </p:nvSpPr>
+        <p:spPr>
+          <a:xfrm>
+            <a:off x="1469646" y="1278294"/>
+            <a:ext cx="3270305" cy="2444620"/>
+          </a:xfrm>
+          <a:prstGeom prst="ellipse">
+            <a:avLst/>
+          </a:prstGeom>
+        </p:spPr>
+        <p:style>
+          <a:lnRef idx="2">
+            <a:schemeClr val="accent1">
+              <a:shade val="50000"/>
+            </a:schemeClr>
+          </a:lnRef>
+          <a:fillRef idx="1">
+            <a:schemeClr val="accent1"/>
+          </a:fillRef>
+          <a:effectRef idx="0">
+            <a:schemeClr val="accent1"/>
+          </a:effectRef>
+          <a:fontRef idx="minor">
+            <a:schemeClr val="lt1"/>
+          </a:fontRef>
+        </p:style>
+        <p:txBody>
+          <a:bodyPr rtlCol="0" anchor="ctr"/>
+          <a:lstStyle/>
+          <a:p>
+            <a:pPr algn="ctr"/>
+            <a:r>
+              <a:rPr lang="en-US" dirty="0"/>
+              <a:t>Build-machine</a:t>
+            </a:r>
+          </a:p>
+          <a:p>
+            <a:pPr algn="ctr"/>
+            <a:r>
+              <a:rPr lang="en-US" dirty="0" err="1"/>
+              <a:t>Java,Jenkins,docker</a:t>
+            </a:r>
+            <a:r>
+              <a:rPr lang="en-US" dirty="0"/>
+              <a:t>, </a:t>
+            </a:r>
+            <a:r>
+              <a:rPr lang="en-US" dirty="0" err="1"/>
+              <a:t>kubectl</a:t>
+            </a:r>
+            <a:r>
+              <a:rPr lang="en-US" dirty="0"/>
+              <a:t>, git</a:t>
+            </a:r>
+          </a:p>
+          <a:p>
+            <a:pPr algn="ctr"/>
+            <a:r>
+              <a:rPr lang="en-US" sz="1600" dirty="0" err="1"/>
+              <a:t>Kubectl</a:t>
+            </a:r>
+            <a:r>
+              <a:rPr lang="en-US" sz="1600" dirty="0"/>
+              <a:t> deploy </a:t>
+            </a:r>
+            <a:r>
+              <a:rPr lang="en-US" sz="1600" dirty="0" err="1"/>
+              <a:t>dep.yml</a:t>
+            </a:r>
+            <a:endParaRPr lang="en-US" sz="1600" dirty="0"/>
+          </a:p>
+          <a:p>
+            <a:pPr algn="ctr"/>
+            <a:endParaRPr lang="en-US" dirty="0"/>
+          </a:p>
+          <a:p>
+            <a:pPr algn="ctr"/>
+            <a:r>
+              <a:rPr lang="en-US" dirty="0"/>
+              <a:t>docker container ls</a:t>
+            </a:r>
+          </a:p>
+        </p:txBody>
+      </p:sp>
+      <p:sp>
+        <p:nvSpPr>
+          <p:cNvPr id="13" name="TextBox 12">
+            <a:extLst>
+              <a:ext uri="{FF2B5EF4-FFF2-40B4-BE49-F238E27FC236}">
+                <a16:creationId xmlns:a16="http://schemas.microsoft.com/office/drawing/2014/main" id="{5068D1B0-7BFD-41B3-9FBD-0FB270FEC516}"/>
+              </a:ext>
+            </a:extLst>
+          </p:cNvPr>
+          <p:cNvSpPr txBox="1"/>
+          <p:nvPr/>
+        </p:nvSpPr>
+        <p:spPr>
+          <a:xfrm>
+            <a:off x="1469646" y="4898571"/>
+            <a:ext cx="2439881" cy="369332"/>
+          </a:xfrm>
+          <a:prstGeom prst="rect">
+            <a:avLst/>
+          </a:prstGeom>
+          <a:noFill/>
+        </p:spPr>
+        <p:txBody>
+          <a:bodyPr wrap="square" rtlCol="0">
+            <a:spAutoFit/>
+          </a:bodyPr>
+          <a:lstStyle/>
+          <a:p>
+            <a:r>
+              <a:rPr lang="en-US" dirty="0"/>
+              <a:t>$ docker container ls</a:t>
+            </a:r>
+          </a:p>
+        </p:txBody>
+      </p:sp>
+      <p:cxnSp>
+        <p:nvCxnSpPr>
+          <p:cNvPr id="15" name="Straight Arrow Connector 14">
+            <a:extLst>
+              <a:ext uri="{FF2B5EF4-FFF2-40B4-BE49-F238E27FC236}">
+                <a16:creationId xmlns:a16="http://schemas.microsoft.com/office/drawing/2014/main" id="{CFDC5499-8DFB-4404-9170-6B33FF8D3085}"/>
+              </a:ext>
+            </a:extLst>
+          </p:cNvPr>
+          <p:cNvCxnSpPr>
+            <a:cxnSpLocks/>
+            <a:stCxn id="13" idx="0"/>
+            <a:endCxn id="16" idx="1"/>
+          </p:cNvCxnSpPr>
+          <p:nvPr/>
+        </p:nvCxnSpPr>
+        <p:spPr>
+          <a:xfrm flipH="1" flipV="1">
+            <a:off x="2192694" y="3722914"/>
+            <a:ext cx="496893" cy="1175657"/>
+          </a:xfrm>
+          <a:prstGeom prst="straightConnector1">
+            <a:avLst/>
+          </a:prstGeom>
+          <a:ln>
+            <a:tailEnd type="triangle"/>
+          </a:ln>
+        </p:spPr>
+        <p:style>
+          <a:lnRef idx="1">
+            <a:schemeClr val="accent1"/>
+          </a:lnRef>
+          <a:fillRef idx="0">
+            <a:schemeClr val="accent1"/>
+          </a:fillRef>
+          <a:effectRef idx="0">
+            <a:schemeClr val="accent1"/>
+          </a:effectRef>
+          <a:fontRef idx="minor">
+            <a:schemeClr val="tx1"/>
+          </a:fontRef>
+        </p:style>
+      </p:cxnSp>
+      <p:sp>
+        <p:nvSpPr>
+          <p:cNvPr id="16" name="TextBox 15">
+            <a:extLst>
+              <a:ext uri="{FF2B5EF4-FFF2-40B4-BE49-F238E27FC236}">
+                <a16:creationId xmlns:a16="http://schemas.microsoft.com/office/drawing/2014/main" id="{8D422E21-423E-4E68-95AA-2BD360A1B1EE}"/>
+              </a:ext>
+            </a:extLst>
+          </p:cNvPr>
+          <p:cNvSpPr txBox="1"/>
+          <p:nvPr/>
+        </p:nvSpPr>
+        <p:spPr>
+          <a:xfrm>
+            <a:off x="2192694" y="3538248"/>
+            <a:ext cx="2151166" cy="369332"/>
+          </a:xfrm>
+          <a:prstGeom prst="rect">
+            <a:avLst/>
+          </a:prstGeom>
+          <a:noFill/>
+          <a:ln w="3175">
+            <a:solidFill>
+              <a:schemeClr val="tx1"/>
+            </a:solidFill>
+          </a:ln>
+        </p:spPr>
+        <p:txBody>
+          <a:bodyPr wrap="none" rtlCol="0">
+            <a:spAutoFit/>
+          </a:bodyPr>
+          <a:lstStyle/>
+          <a:p>
+            <a:r>
+              <a:rPr lang="en-US" dirty="0"/>
+              <a:t>/var/run/</a:t>
+            </a:r>
+            <a:r>
+              <a:rPr lang="en-US" dirty="0" err="1"/>
+              <a:t>docker.sock</a:t>
+            </a:r>
+            <a:endParaRPr lang="en-US" dirty="0"/>
+          </a:p>
+        </p:txBody>
+      </p:sp>
+      <p:cxnSp>
+        <p:nvCxnSpPr>
+          <p:cNvPr id="18" name="Straight Arrow Connector 17">
+            <a:extLst>
+              <a:ext uri="{FF2B5EF4-FFF2-40B4-BE49-F238E27FC236}">
+                <a16:creationId xmlns:a16="http://schemas.microsoft.com/office/drawing/2014/main" id="{78B9AFFB-600A-43D3-8B54-95C44C895B59}"/>
+              </a:ext>
+            </a:extLst>
+          </p:cNvPr>
+          <p:cNvCxnSpPr>
+            <a:cxnSpLocks/>
+            <a:stCxn id="16" idx="3"/>
+            <a:endCxn id="9" idx="1"/>
+          </p:cNvCxnSpPr>
+          <p:nvPr/>
+        </p:nvCxnSpPr>
+        <p:spPr>
+          <a:xfrm>
+            <a:off x="4343860" y="3722914"/>
+            <a:ext cx="2690327" cy="921785"/>
+          </a:xfrm>
+          <a:prstGeom prst="straightConnector1">
+            <a:avLst/>
+          </a:prstGeom>
+          <a:ln>
+            <a:tailEnd type="triangle"/>
+          </a:ln>
+        </p:spPr>
+        <p:style>
+          <a:lnRef idx="1">
+            <a:schemeClr val="accent1"/>
+          </a:lnRef>
+          <a:fillRef idx="0">
+            <a:schemeClr val="accent1"/>
+          </a:fillRef>
+          <a:effectRef idx="0">
+            <a:schemeClr val="accent1"/>
+          </a:effectRef>
+          <a:fontRef idx="minor">
+            <a:schemeClr val="tx1"/>
+          </a:fontRef>
+        </p:style>
+      </p:cxnSp>
+      <p:cxnSp>
+        <p:nvCxnSpPr>
+          <p:cNvPr id="29" name="Straight Arrow Connector 28">
+            <a:extLst>
+              <a:ext uri="{FF2B5EF4-FFF2-40B4-BE49-F238E27FC236}">
+                <a16:creationId xmlns:a16="http://schemas.microsoft.com/office/drawing/2014/main" id="{CCA403CC-F10D-4308-817F-43FC1F0BA162}"/>
+              </a:ext>
+            </a:extLst>
+          </p:cNvPr>
+          <p:cNvCxnSpPr>
+            <a:endCxn id="16" idx="0"/>
+          </p:cNvCxnSpPr>
+          <p:nvPr/>
+        </p:nvCxnSpPr>
+        <p:spPr>
+          <a:xfrm>
+            <a:off x="3079889" y="3135086"/>
+            <a:ext cx="188388" cy="403162"/>
+          </a:xfrm>
+          <a:prstGeom prst="straightConnector1">
+            <a:avLst/>
+          </a:prstGeom>
+          <a:ln>
+            <a:solidFill>
+              <a:srgbClr val="FF0000"/>
+            </a:solidFill>
+            <a:tailEnd type="triangle"/>
+          </a:ln>
+        </p:spPr>
+        <p:style>
+          <a:lnRef idx="1">
+            <a:schemeClr val="accent1"/>
+          </a:lnRef>
+          <a:fillRef idx="0">
+            <a:schemeClr val="accent1"/>
+          </a:fillRef>
+          <a:effectRef idx="0">
+            <a:schemeClr val="accent1"/>
+          </a:effectRef>
+          <a:fontRef idx="minor">
+            <a:schemeClr val="tx1"/>
+          </a:fontRef>
+        </p:style>
+      </p:cxnSp>
+      <p:sp>
+        <p:nvSpPr>
+          <p:cNvPr id="30" name="TextBox 29">
+            <a:extLst>
+              <a:ext uri="{FF2B5EF4-FFF2-40B4-BE49-F238E27FC236}">
+                <a16:creationId xmlns:a16="http://schemas.microsoft.com/office/drawing/2014/main" id="{875AB3B3-71D5-4674-B87A-8D34D5935EE0}"/>
+              </a:ext>
+            </a:extLst>
+          </p:cNvPr>
+          <p:cNvSpPr txBox="1"/>
+          <p:nvPr/>
+        </p:nvSpPr>
+        <p:spPr>
+          <a:xfrm>
+            <a:off x="5210404" y="5607698"/>
+            <a:ext cx="2861168" cy="369332"/>
+          </a:xfrm>
+          <a:prstGeom prst="rect">
+            <a:avLst/>
+          </a:prstGeom>
+          <a:noFill/>
+        </p:spPr>
+        <p:txBody>
+          <a:bodyPr wrap="none" rtlCol="0">
+            <a:spAutoFit/>
+          </a:bodyPr>
+          <a:lstStyle/>
+          <a:p>
+            <a:r>
+              <a:rPr lang="en-US" dirty="0"/>
+              <a:t>/</a:t>
+            </a:r>
+            <a:r>
+              <a:rPr lang="en-US" dirty="0" err="1"/>
+              <a:t>etc</a:t>
+            </a:r>
+            <a:r>
+              <a:rPr lang="en-US" dirty="0"/>
+              <a:t>/Kubernetes/</a:t>
+            </a:r>
+            <a:r>
+              <a:rPr lang="en-US" dirty="0" err="1"/>
+              <a:t>admin.conf</a:t>
+            </a:r>
+            <a:endParaRPr lang="en-US" dirty="0"/>
+          </a:p>
+        </p:txBody>
+      </p:sp>
+    </p:spTree>
+    <p:extLst>
+      <p:ext uri="{BB962C8B-B14F-4D97-AF65-F5344CB8AC3E}">
+        <p14:creationId xmlns:p14="http://schemas.microsoft.com/office/powerpoint/2010/main" val="4147594411"/>
       </p:ext>
     </p:extLst>
   </p:cSld>
@@ -12834,14 +21300,15 @@
             </a:extLst>
           </p:cNvPr>
           <p:cNvCxnSpPr>
-            <a:endCxn id="4" idx="2"/>
+            <a:cxnSpLocks/>
+            <a:endCxn id="6" idx="2"/>
           </p:cNvCxnSpPr>
           <p:nvPr/>
         </p:nvCxnSpPr>
         <p:spPr>
           <a:xfrm flipV="1">
-            <a:off x="4770783" y="2146857"/>
-            <a:ext cx="1372180" cy="2862465"/>
+            <a:off x="4770783" y="3445953"/>
+            <a:ext cx="769515" cy="1563370"/>
           </a:xfrm>
           <a:prstGeom prst="straightConnector1">
             <a:avLst/>
@@ -13380,6 +21847,87 @@
           </a:p>
         </p:txBody>
       </p:sp>
+      <p:sp>
+        <p:nvSpPr>
+          <p:cNvPr id="6" name="Rectangle 5">
+            <a:extLst>
+              <a:ext uri="{FF2B5EF4-FFF2-40B4-BE49-F238E27FC236}">
+                <a16:creationId xmlns:a16="http://schemas.microsoft.com/office/drawing/2014/main" id="{9C5AD265-D517-4089-AD82-5B7C5867C120}"/>
+              </a:ext>
+            </a:extLst>
+          </p:cNvPr>
+          <p:cNvSpPr/>
+          <p:nvPr/>
+        </p:nvSpPr>
+        <p:spPr>
+          <a:xfrm>
+            <a:off x="4464715" y="3076621"/>
+            <a:ext cx="2151166" cy="369332"/>
+          </a:xfrm>
+          <a:prstGeom prst="rect">
+            <a:avLst/>
+          </a:prstGeom>
+        </p:spPr>
+        <p:txBody>
+          <a:bodyPr wrap="none">
+            <a:spAutoFit/>
+          </a:bodyPr>
+          <a:lstStyle/>
+          <a:p>
+            <a:r>
+              <a:rPr lang="en-US" dirty="0"/>
+              <a:t>/var/run/</a:t>
+            </a:r>
+            <a:r>
+              <a:rPr lang="en-US" dirty="0" err="1"/>
+              <a:t>docker.sock</a:t>
+            </a:r>
+            <a:endParaRPr lang="en-US" dirty="0"/>
+          </a:p>
+        </p:txBody>
+      </p:sp>
+      <p:cxnSp>
+        <p:nvCxnSpPr>
+          <p:cNvPr id="15" name="Straight Arrow Connector 14">
+            <a:extLst>
+              <a:ext uri="{FF2B5EF4-FFF2-40B4-BE49-F238E27FC236}">
+                <a16:creationId xmlns:a16="http://schemas.microsoft.com/office/drawing/2014/main" id="{B1D626CC-6FC9-4361-A842-D4F624995BB4}"/>
+              </a:ext>
+            </a:extLst>
+          </p:cNvPr>
+          <p:cNvCxnSpPr>
+            <a:stCxn id="6" idx="0"/>
+            <a:endCxn id="4" idx="2"/>
+          </p:cNvCxnSpPr>
+          <p:nvPr/>
+        </p:nvCxnSpPr>
+        <p:spPr>
+          <a:xfrm flipV="1">
+            <a:off x="5540298" y="2146857"/>
+            <a:ext cx="602665" cy="929764"/>
+          </a:xfrm>
+          <a:prstGeom prst="straightConnector1">
+            <a:avLst/>
+          </a:prstGeom>
+          <a:ln>
+            <a:tailEnd type="triangle"/>
+          </a:ln>
+        </p:spPr>
+        <p:style>
+          <a:lnRef idx="1">
+            <a:schemeClr val="accent1"/>
+          </a:lnRef>
+          <a:fillRef idx="0">
+            <a:schemeClr val="accent1"/>
+          </a:fillRef>
+          <a:effectRef idx="0">
+            <a:schemeClr val="accent1"/>
+          </a:effectRef>
+          <a:fontRef idx="minor">
+            <a:schemeClr val="tx1"/>
+          </a:fontRef>
+        </p:style>
+      </p:cxnSp>
     </p:spTree>
     <p:extLst>
       <p:ext uri="{BB962C8B-B14F-4D97-AF65-F5344CB8AC3E}">
